--- a/beginning_vim-04.17.2012.pptx
+++ b/beginning_vim-04.17.2012.pptx
@@ -5,7 +5,7 @@
     <p:sldMasterId id="2147483648" r:id="rId1"/>
   </p:sldMasterIdLst>
   <p:notesMasterIdLst>
-    <p:notesMasterId r:id="rId44"/>
+    <p:notesMasterId r:id="rId46"/>
   </p:notesMasterIdLst>
   <p:sldIdLst>
     <p:sldId id="256" r:id="rId2"/>
@@ -38,18 +38,20 @@
     <p:sldId id="278" r:id="rId29"/>
     <p:sldId id="302" r:id="rId30"/>
     <p:sldId id="277" r:id="rId31"/>
-    <p:sldId id="281" r:id="rId32"/>
-    <p:sldId id="291" r:id="rId33"/>
-    <p:sldId id="300" r:id="rId34"/>
-    <p:sldId id="301" r:id="rId35"/>
-    <p:sldId id="284" r:id="rId36"/>
-    <p:sldId id="285" r:id="rId37"/>
-    <p:sldId id="305" r:id="rId38"/>
-    <p:sldId id="287" r:id="rId39"/>
-    <p:sldId id="303" r:id="rId40"/>
-    <p:sldId id="304" r:id="rId41"/>
-    <p:sldId id="306" r:id="rId42"/>
-    <p:sldId id="307" r:id="rId43"/>
+    <p:sldId id="309" r:id="rId32"/>
+    <p:sldId id="281" r:id="rId33"/>
+    <p:sldId id="291" r:id="rId34"/>
+    <p:sldId id="300" r:id="rId35"/>
+    <p:sldId id="301" r:id="rId36"/>
+    <p:sldId id="284" r:id="rId37"/>
+    <p:sldId id="285" r:id="rId38"/>
+    <p:sldId id="305" r:id="rId39"/>
+    <p:sldId id="287" r:id="rId40"/>
+    <p:sldId id="303" r:id="rId41"/>
+    <p:sldId id="304" r:id="rId42"/>
+    <p:sldId id="306" r:id="rId43"/>
+    <p:sldId id="308" r:id="rId44"/>
+    <p:sldId id="307" r:id="rId45"/>
   </p:sldIdLst>
   <p:sldSz cx="9144000" cy="6858000" type="screen4x3"/>
   <p:notesSz cx="6858000" cy="9144000"/>
@@ -6581,15 +6583,7 @@
                   <a:schemeClr val="accent3"/>
                 </a:solidFill>
               </a:rPr>
-              <a:t>https://</a:t>
-            </a:r>
-            <a:r>
-              <a:rPr lang="en-US" dirty="0" smtClean="0">
-                <a:solidFill>
-                  <a:schemeClr val="accent3"/>
-                </a:solidFill>
-              </a:rPr>
-              <a:t>github.com/kyletolle</a:t>
+              <a:t>https://github.com/kyletolle</a:t>
             </a:r>
           </a:p>
           <a:p>
@@ -8071,67 +8065,43 @@
         <p:spPr/>
         <p:txBody>
           <a:bodyPr>
-            <a:normAutofit/>
+            <a:normAutofit lnSpcReduction="10000"/>
           </a:bodyPr>
           <a:lstStyle/>
           <a:p>
             <a:r>
               <a:rPr lang="en-US" dirty="0" smtClean="0"/>
-              <a:t>:</a:t>
-            </a:r>
-            <a:r>
-              <a:rPr lang="en-US" dirty="0" err="1" smtClean="0"/>
-              <a:t>ls</a:t>
-            </a:r>
-            <a:r>
-              <a:rPr lang="en-US" dirty="0" smtClean="0"/>
-              <a:t> – show buffers</a:t>
-            </a:r>
-          </a:p>
-          <a:p>
-            <a:r>
-              <a:rPr lang="en-US" dirty="0" smtClean="0"/>
-              <a:t>:b# - switch to buffer #</a:t>
-            </a:r>
-          </a:p>
-          <a:p>
-            <a:r>
-              <a:rPr lang="en-US" dirty="0" smtClean="0"/>
-              <a:t>:</a:t>
-            </a:r>
-            <a:r>
-              <a:rPr lang="en-US" dirty="0" err="1" smtClean="0"/>
-              <a:t>bd</a:t>
-            </a:r>
-            <a:r>
-              <a:rPr lang="en-US" dirty="0" smtClean="0"/>
-              <a:t> – buffer delete</a:t>
-            </a:r>
-          </a:p>
-          <a:p>
-            <a:endParaRPr lang="en-US" dirty="0" smtClean="0"/>
-          </a:p>
-          <a:p>
-            <a:r>
-              <a:rPr lang="en-US" dirty="0" smtClean="0"/>
-              <a:t>:e(</a:t>
-            </a:r>
-            <a:r>
-              <a:rPr lang="en-US" dirty="0" err="1" smtClean="0"/>
-              <a:t>dit</a:t>
-            </a:r>
-            <a:r>
-              <a:rPr lang="en-US" dirty="0" smtClean="0"/>
-              <a:t>) {filename</a:t>
-            </a:r>
-            <a:r>
-              <a:rPr lang="en-US" sz="3600" dirty="0" smtClean="0"/>
-              <a:t>}</a:t>
-            </a:r>
-            <a:r>
-              <a:rPr lang="en-US" dirty="0" smtClean="0"/>
-              <a:t> - edit filename in the current window – creates new buffer</a:t>
-            </a:r>
+              <a:t>each file opened is its own buffer</a:t>
+            </a:r>
+          </a:p>
+          <a:p>
+            <a:endParaRPr lang="en-US" dirty="0"/>
+          </a:p>
+          <a:p>
+            <a:r>
+              <a:rPr lang="en-US" dirty="0" smtClean="0"/>
+              <a:t>might only be viewing one buffer but the others are still open</a:t>
+            </a:r>
+          </a:p>
+          <a:p>
+            <a:endParaRPr lang="en-US" dirty="0"/>
+          </a:p>
+          <a:p>
+            <a:r>
+              <a:rPr lang="en-US" dirty="0" smtClean="0"/>
+              <a:t>switch between buffers</a:t>
+            </a:r>
+          </a:p>
+          <a:p>
+            <a:endParaRPr lang="en-US" dirty="0"/>
+          </a:p>
+          <a:p>
+            <a:r>
+              <a:rPr lang="en-US" dirty="0" smtClean="0"/>
+              <a:t>show buffers in different windows</a:t>
+            </a:r>
+          </a:p>
+          <a:p>
             <a:endParaRPr lang="en-US" dirty="0"/>
           </a:p>
         </p:txBody>
@@ -8139,7 +8109,7 @@
     </p:spTree>
     <p:extLst>
       <p:ext uri="{BB962C8B-B14F-4D97-AF65-F5344CB8AC3E}">
-        <p14:creationId xmlns:p14="http://schemas.microsoft.com/office/powerpoint/2010/main" val="1090808654"/>
+        <p14:creationId xmlns:p14="http://schemas.microsoft.com/office/powerpoint/2010/main" val="3296149072"/>
       </p:ext>
     </p:extLst>
   </p:cSld>
@@ -8182,10 +8152,10 @@
           <a:lstStyle/>
           <a:p>
             <a:r>
-              <a:rPr lang="en-US" dirty="0" smtClean="0"/>
-              <a:t>windows</a:t>
-            </a:r>
-            <a:endParaRPr lang="en-US" dirty="0"/>
+              <a:rPr lang="en-US" sz="8000" dirty="0" smtClean="0"/>
+              <a:t>buffers, cont.</a:t>
+            </a:r>
+            <a:endParaRPr lang="en-US" sz="8000" dirty="0"/>
           </a:p>
         </p:txBody>
       </p:sp>
@@ -8208,38 +8178,84 @@
           <a:p>
             <a:r>
               <a:rPr lang="en-US" dirty="0" smtClean="0"/>
-              <a:t>:help {foo} splits the window</a:t>
-            </a:r>
-          </a:p>
-          <a:p>
-            <a:endParaRPr lang="en-US" dirty="0"/>
-          </a:p>
-          <a:p>
-            <a:r>
-              <a:rPr lang="en-US" dirty="0" smtClean="0"/>
-              <a:t>show multiple buffers at same time</a:t>
-            </a:r>
-          </a:p>
-          <a:p>
-            <a:endParaRPr lang="en-US" dirty="0"/>
-          </a:p>
-          <a:p>
-            <a:r>
-              <a:rPr lang="en-US" dirty="0" smtClean="0"/>
-              <a:t>edit </a:t>
-            </a:r>
-            <a:r>
-              <a:rPr lang="en-US" dirty="0" smtClean="0"/>
-              <a:t>spec and code side by side</a:t>
-            </a:r>
-            <a:endParaRPr lang="en-US" dirty="0"/>
+              <a:t>:e {filename} – edit filename in current window - creates new buffer</a:t>
+            </a:r>
+          </a:p>
+          <a:p>
+            <a:endParaRPr lang="en-US" dirty="0" smtClean="0"/>
+          </a:p>
+          <a:p>
+            <a:r>
+              <a:rPr lang="en-US" dirty="0" smtClean="0"/>
+              <a:t>:</a:t>
+            </a:r>
+            <a:r>
+              <a:rPr lang="en-US" dirty="0" err="1" smtClean="0"/>
+              <a:t>ls</a:t>
+            </a:r>
+            <a:r>
+              <a:rPr lang="en-US" dirty="0" smtClean="0"/>
+              <a:t> – show buffers</a:t>
+            </a:r>
+          </a:p>
+          <a:p>
+            <a:r>
+              <a:rPr lang="en-US" dirty="0" smtClean="0"/>
+              <a:t>:b# - switch to buffer </a:t>
+            </a:r>
+            <a:r>
+              <a:rPr lang="en-US" dirty="0" smtClean="0"/>
+              <a:t>#</a:t>
+            </a:r>
+          </a:p>
+          <a:p>
+            <a:r>
+              <a:rPr lang="en-US" dirty="0" smtClean="0"/>
+              <a:t>:</a:t>
+            </a:r>
+            <a:r>
+              <a:rPr lang="en-US" dirty="0" err="1" smtClean="0"/>
+              <a:t>bn</a:t>
+            </a:r>
+            <a:r>
+              <a:rPr lang="en-US" dirty="0" smtClean="0"/>
+              <a:t>,:</a:t>
+            </a:r>
+            <a:r>
+              <a:rPr lang="en-US" dirty="0" err="1" smtClean="0"/>
+              <a:t>bp</a:t>
+            </a:r>
+            <a:r>
+              <a:rPr lang="en-US" dirty="0" smtClean="0"/>
+              <a:t> – buffer next/previous</a:t>
+            </a:r>
+            <a:endParaRPr lang="en-US" dirty="0" smtClean="0"/>
+          </a:p>
+          <a:p>
+            <a:r>
+              <a:rPr lang="en-US" dirty="0" smtClean="0"/>
+              <a:t>:</a:t>
+            </a:r>
+            <a:r>
+              <a:rPr lang="en-US" dirty="0" err="1" smtClean="0"/>
+              <a:t>bd</a:t>
+            </a:r>
+            <a:r>
+              <a:rPr lang="en-US" dirty="0" smtClean="0"/>
+              <a:t> – buffer </a:t>
+            </a:r>
+            <a:r>
+              <a:rPr lang="en-US" dirty="0" smtClean="0"/>
+              <a:t>delete</a:t>
+            </a:r>
+            <a:endParaRPr lang="en-US" dirty="0" smtClean="0"/>
           </a:p>
         </p:txBody>
       </p:sp>
     </p:spTree>
     <p:extLst>
       <p:ext uri="{BB962C8B-B14F-4D97-AF65-F5344CB8AC3E}">
-        <p14:creationId xmlns:p14="http://schemas.microsoft.com/office/powerpoint/2010/main" val="1343700487"/>
+        <p14:creationId xmlns:p14="http://schemas.microsoft.com/office/powerpoint/2010/main" val="1090808654"/>
       </p:ext>
     </p:extLst>
   </p:cSld>
@@ -8282,10 +8298,10 @@
           <a:lstStyle/>
           <a:p>
             <a:r>
-              <a:rPr lang="en-US" sz="6600" dirty="0" smtClean="0"/>
-              <a:t>splitting windows</a:t>
-            </a:r>
-            <a:endParaRPr lang="en-US" sz="6600" dirty="0"/>
+              <a:rPr lang="en-US" dirty="0" smtClean="0"/>
+              <a:t>windows</a:t>
+            </a:r>
+            <a:endParaRPr lang="en-US" dirty="0"/>
           </a:p>
         </p:txBody>
       </p:sp>
@@ -8301,59 +8317,23 @@
         </p:nvSpPr>
         <p:spPr/>
         <p:txBody>
-          <a:bodyPr/>
-          <a:lstStyle/>
-          <a:p>
-            <a:r>
-              <a:rPr lang="en-US" dirty="0" smtClean="0"/>
-              <a:t>can </a:t>
-            </a:r>
-            <a:r>
-              <a:rPr lang="en-US" dirty="0"/>
-              <a:t>split the edit area multiple ways</a:t>
-            </a:r>
-          </a:p>
-          <a:p>
-            <a:pPr lvl="1"/>
-            <a:r>
-              <a:rPr lang="en-US" dirty="0" smtClean="0"/>
-              <a:t>:</a:t>
-            </a:r>
-            <a:r>
-              <a:rPr lang="en-US" dirty="0" err="1"/>
-              <a:t>sp</a:t>
-            </a:r>
-            <a:r>
-              <a:rPr lang="en-US" dirty="0"/>
-              <a:t>(lit) - </a:t>
-            </a:r>
-            <a:r>
-              <a:rPr lang="en-US" dirty="0" smtClean="0"/>
-              <a:t>horizontal</a:t>
-            </a:r>
+          <a:bodyPr>
+            <a:normAutofit/>
+          </a:bodyPr>
+          <a:lstStyle/>
+          <a:p>
+            <a:r>
+              <a:rPr lang="en-US" dirty="0" smtClean="0"/>
+              <a:t>:help {foo} splits the window</a:t>
+            </a:r>
+          </a:p>
+          <a:p>
             <a:endParaRPr lang="en-US" dirty="0"/>
           </a:p>
           <a:p>
-            <a:pPr lvl="1"/>
-            <a:r>
-              <a:rPr lang="en-US" dirty="0"/>
-              <a:t>:</a:t>
-            </a:r>
-            <a:r>
-              <a:rPr lang="en-US" dirty="0" err="1"/>
-              <a:t>vs</a:t>
-            </a:r>
-            <a:r>
-              <a:rPr lang="en-US" dirty="0"/>
-              <a:t>(</a:t>
-            </a:r>
-            <a:r>
-              <a:rPr lang="en-US" dirty="0" err="1"/>
-              <a:t>plit</a:t>
-            </a:r>
-            <a:r>
-              <a:rPr lang="en-US" dirty="0"/>
-              <a:t>) – vertical</a:t>
+            <a:r>
+              <a:rPr lang="en-US" dirty="0" smtClean="0"/>
+              <a:t>show multiple buffers at same time</a:t>
             </a:r>
           </a:p>
           <a:p>
@@ -8361,24 +8341,25 @@
           </a:p>
           <a:p>
             <a:r>
-              <a:rPr lang="en-US" dirty="0" smtClean="0"/>
-              <a:t>:q closes current window</a:t>
+              <a:rPr lang="en-US" dirty="0" err="1" smtClean="0"/>
+              <a:t>eg</a:t>
+            </a:r>
+            <a:r>
+              <a:rPr lang="en-US" dirty="0" smtClean="0"/>
+              <a:t>. edit spec/code </a:t>
+            </a:r>
+            <a:r>
+              <a:rPr lang="en-US" dirty="0" smtClean="0"/>
+              <a:t>side by side</a:t>
             </a:r>
             <a:endParaRPr lang="en-US" dirty="0"/>
-          </a:p>
-          <a:p>
-            <a:pPr lvl="1"/>
-            <a:r>
-              <a:rPr lang="en-US" dirty="0" smtClean="0"/>
-              <a:t>buffer still exists</a:t>
-            </a:r>
           </a:p>
         </p:txBody>
       </p:sp>
     </p:spTree>
     <p:extLst>
       <p:ext uri="{BB962C8B-B14F-4D97-AF65-F5344CB8AC3E}">
-        <p14:creationId xmlns:p14="http://schemas.microsoft.com/office/powerpoint/2010/main" val="2292124294"/>
+        <p14:creationId xmlns:p14="http://schemas.microsoft.com/office/powerpoint/2010/main" val="1343700487"/>
       </p:ext>
     </p:extLst>
   </p:cSld>
@@ -8421,10 +8402,10 @@
           <a:lstStyle/>
           <a:p>
             <a:r>
-              <a:rPr lang="en-US" sz="7200" dirty="0" smtClean="0"/>
-              <a:t>window commands</a:t>
-            </a:r>
-            <a:endParaRPr lang="en-US" sz="7200" dirty="0"/>
+              <a:rPr lang="en-US" sz="6600" dirty="0" smtClean="0"/>
+              <a:t>splitting windows</a:t>
+            </a:r>
+            <a:endParaRPr lang="en-US" sz="6600" dirty="0"/>
           </a:p>
         </p:txBody>
       </p:sp>
@@ -8445,42 +8426,79 @@
           <a:p>
             <a:r>
               <a:rPr lang="en-US" dirty="0" smtClean="0"/>
-              <a:t>Ctrl-w w - cycles between windows</a:t>
-            </a:r>
-          </a:p>
-          <a:p>
+              <a:t>can </a:t>
+            </a:r>
+            <a:r>
+              <a:rPr lang="en-US" dirty="0"/>
+              <a:t>split the edit area multiple ways</a:t>
+            </a:r>
+          </a:p>
+          <a:p>
+            <a:pPr lvl="1"/>
+            <a:r>
+              <a:rPr lang="en-US" dirty="0" smtClean="0"/>
+              <a:t>:</a:t>
+            </a:r>
+            <a:r>
+              <a:rPr lang="en-US" dirty="0" err="1"/>
+              <a:t>sp</a:t>
+            </a:r>
+            <a:r>
+              <a:rPr lang="en-US" dirty="0"/>
+              <a:t>(lit) - </a:t>
+            </a:r>
+            <a:r>
+              <a:rPr lang="en-US" dirty="0" smtClean="0"/>
+              <a:t>horizontal</a:t>
+            </a:r>
             <a:endParaRPr lang="en-US" dirty="0"/>
           </a:p>
           <a:p>
-            <a:r>
-              <a:rPr lang="en-US" dirty="0" smtClean="0"/>
-              <a:t>Ctrl-w </a:t>
-            </a:r>
-            <a:r>
-              <a:rPr lang="en-US" dirty="0" err="1" smtClean="0"/>
-              <a:t>h,j,k,l</a:t>
-            </a:r>
-            <a:r>
-              <a:rPr lang="en-US" dirty="0" smtClean="0"/>
-              <a:t> - moves to window in that direction</a:t>
-            </a:r>
-          </a:p>
-          <a:p>
+            <a:pPr lvl="1"/>
+            <a:r>
+              <a:rPr lang="en-US" dirty="0"/>
+              <a:t>:</a:t>
+            </a:r>
+            <a:r>
+              <a:rPr lang="en-US" dirty="0" err="1"/>
+              <a:t>vs</a:t>
+            </a:r>
+            <a:r>
+              <a:rPr lang="en-US" dirty="0"/>
+              <a:t>(</a:t>
+            </a:r>
+            <a:r>
+              <a:rPr lang="en-US" dirty="0" err="1"/>
+              <a:t>plit</a:t>
+            </a:r>
+            <a:r>
+              <a:rPr lang="en-US" dirty="0"/>
+              <a:t>) – vertical</a:t>
+            </a:r>
+          </a:p>
+          <a:p>
+            <a:endParaRPr lang="en-US" dirty="0" smtClean="0"/>
+          </a:p>
+          <a:p>
+            <a:r>
+              <a:rPr lang="en-US" dirty="0" smtClean="0"/>
+              <a:t>:q closes current window</a:t>
+            </a:r>
             <a:endParaRPr lang="en-US" dirty="0"/>
           </a:p>
           <a:p>
-            <a:r>
-              <a:rPr lang="en-US" dirty="0" smtClean="0"/>
-              <a:t>:help Ctrl-w for more commands</a:t>
-            </a:r>
-            <a:endParaRPr lang="en-US" dirty="0"/>
+            <a:pPr lvl="1"/>
+            <a:r>
+              <a:rPr lang="en-US" dirty="0" smtClean="0"/>
+              <a:t>buffer still exists</a:t>
+            </a:r>
           </a:p>
         </p:txBody>
       </p:sp>
     </p:spTree>
     <p:extLst>
       <p:ext uri="{BB962C8B-B14F-4D97-AF65-F5344CB8AC3E}">
-        <p14:creationId xmlns:p14="http://schemas.microsoft.com/office/powerpoint/2010/main" val="455296140"/>
+        <p14:creationId xmlns:p14="http://schemas.microsoft.com/office/powerpoint/2010/main" val="2292124294"/>
       </p:ext>
     </p:extLst>
   </p:cSld>
@@ -8523,115 +8541,66 @@
           <a:lstStyle/>
           <a:p>
             <a:r>
-              <a:rPr lang="en-US" dirty="0" smtClean="0"/>
-              <a:t>.</a:t>
+              <a:rPr lang="en-US" sz="7200" dirty="0" smtClean="0"/>
+              <a:t>window commands</a:t>
+            </a:r>
+            <a:endParaRPr lang="en-US" sz="7200" dirty="0"/>
+          </a:p>
+        </p:txBody>
+      </p:sp>
+      <p:sp>
+        <p:nvSpPr>
+          <p:cNvPr id="3" name="Content Placeholder 2"/>
+          <p:cNvSpPr>
+            <a:spLocks noGrp="1"/>
+          </p:cNvSpPr>
+          <p:nvPr>
+            <p:ph idx="1"/>
+          </p:nvPr>
+        </p:nvSpPr>
+        <p:spPr/>
+        <p:txBody>
+          <a:bodyPr/>
+          <a:lstStyle/>
+          <a:p>
+            <a:r>
+              <a:rPr lang="en-US" dirty="0" smtClean="0"/>
+              <a:t>Ctrl-w w - cycles between windows</a:t>
+            </a:r>
+          </a:p>
+          <a:p>
+            <a:endParaRPr lang="en-US" dirty="0"/>
+          </a:p>
+          <a:p>
+            <a:r>
+              <a:rPr lang="en-US" dirty="0" smtClean="0"/>
+              <a:t>Ctrl-w </a:t>
             </a:r>
             <a:r>
               <a:rPr lang="en-US" dirty="0" err="1" smtClean="0"/>
-              <a:t>vimrc</a:t>
-            </a:r>
+              <a:t>h,j,k,l</a:t>
+            </a:r>
+            <a:r>
+              <a:rPr lang="en-US" dirty="0" smtClean="0"/>
+              <a:t> - moves to window in that direction</a:t>
+            </a:r>
+          </a:p>
+          <a:p>
             <a:endParaRPr lang="en-US" dirty="0"/>
           </a:p>
-        </p:txBody>
-      </p:sp>
-      <p:sp>
-        <p:nvSpPr>
-          <p:cNvPr id="3" name="Content Placeholder 2"/>
-          <p:cNvSpPr>
-            <a:spLocks noGrp="1"/>
-          </p:cNvSpPr>
-          <p:nvPr>
-            <p:ph idx="1"/>
-          </p:nvPr>
-        </p:nvSpPr>
-        <p:spPr/>
-        <p:txBody>
-          <a:bodyPr>
-            <a:normAutofit lnSpcReduction="10000"/>
-          </a:bodyPr>
-          <a:lstStyle/>
-          <a:p>
-            <a:r>
-              <a:rPr lang="en-US" dirty="0" smtClean="0"/>
-              <a:t>file to contain vim customizations</a:t>
-            </a:r>
-          </a:p>
-          <a:p>
+          <a:p>
+            <a:r>
+              <a:rPr lang="en-US" dirty="0" smtClean="0"/>
+              <a:t>:help Ctrl-w for more commands</a:t>
+            </a:r>
             <a:endParaRPr lang="en-US" dirty="0"/>
-          </a:p>
-          <a:p>
-            <a:r>
-              <a:rPr lang="en-US" dirty="0" smtClean="0"/>
-              <a:t>see my .</a:t>
-            </a:r>
-            <a:r>
-              <a:rPr lang="en-US" dirty="0" err="1" smtClean="0"/>
-              <a:t>vimrc</a:t>
-            </a:r>
-            <a:r>
-              <a:rPr lang="en-US" dirty="0" smtClean="0"/>
-              <a:t> in my </a:t>
-            </a:r>
-            <a:r>
-              <a:rPr lang="en-US" dirty="0" err="1" smtClean="0"/>
-              <a:t>dotfiles</a:t>
-            </a:r>
-            <a:r>
-              <a:rPr lang="en-US" dirty="0" smtClean="0"/>
-              <a:t> repo</a:t>
-            </a:r>
-          </a:p>
-          <a:p>
-            <a:pPr lvl="1"/>
-            <a:r>
-              <a:rPr lang="en-US" dirty="0">
-                <a:hlinkClick r:id="rId2"/>
-              </a:rPr>
-              <a:t>https</a:t>
-            </a:r>
-            <a:r>
-              <a:rPr lang="en-US">
-                <a:hlinkClick r:id="rId2"/>
-              </a:rPr>
-              <a:t>://</a:t>
-            </a:r>
-            <a:r>
-              <a:rPr lang="en-US" smtClean="0">
-                <a:hlinkClick r:id="rId2"/>
-              </a:rPr>
-              <a:t>github.com/kyletolle/dotfiles</a:t>
-            </a:r>
-            <a:endParaRPr lang="en-US" smtClean="0"/>
-          </a:p>
-          <a:p>
-            <a:endParaRPr lang="en-US" dirty="0"/>
-          </a:p>
-          <a:p>
-            <a:r>
-              <a:rPr lang="en-US" dirty="0" smtClean="0"/>
-              <a:t>other people share their </a:t>
-            </a:r>
-            <a:r>
-              <a:rPr lang="en-US" dirty="0" err="1" smtClean="0"/>
-              <a:t>vimrcs</a:t>
-            </a:r>
-            <a:endParaRPr lang="en-US" dirty="0" smtClean="0"/>
-          </a:p>
-          <a:p>
-            <a:endParaRPr lang="en-US" dirty="0" smtClean="0"/>
-          </a:p>
-          <a:p>
-            <a:r>
-              <a:rPr lang="en-US" dirty="0" smtClean="0"/>
-              <a:t>mix and match as you choose</a:t>
-            </a:r>
           </a:p>
         </p:txBody>
       </p:sp>
     </p:spTree>
     <p:extLst>
       <p:ext uri="{BB962C8B-B14F-4D97-AF65-F5344CB8AC3E}">
-        <p14:creationId xmlns:p14="http://schemas.microsoft.com/office/powerpoint/2010/main" val="3557938886"/>
+        <p14:creationId xmlns:p14="http://schemas.microsoft.com/office/powerpoint/2010/main" val="455296140"/>
       </p:ext>
     </p:extLst>
   </p:cSld>
@@ -8674,8 +8643,12 @@
           <a:lstStyle/>
           <a:p>
             <a:r>
+              <a:rPr lang="en-US" dirty="0" smtClean="0"/>
+              <a:t>.</a:t>
+            </a:r>
+            <a:r>
               <a:rPr lang="en-US" dirty="0" err="1" smtClean="0"/>
-              <a:t>colorschemes</a:t>
+              <a:t>vimrc</a:t>
             </a:r>
             <a:endParaRPr lang="en-US" dirty="0"/>
           </a:p>
@@ -8694,53 +8667,93 @@
         <p:spPr/>
         <p:txBody>
           <a:bodyPr>
-            <a:normAutofit/>
+            <a:normAutofit lnSpcReduction="10000"/>
           </a:bodyPr>
           <a:lstStyle/>
           <a:p>
             <a:r>
               <a:rPr lang="en-US" dirty="0" smtClean="0"/>
-              <a:t>many </a:t>
-            </a:r>
-            <a:r>
-              <a:rPr lang="en-US" dirty="0"/>
-              <a:t>come with vim</a:t>
-            </a:r>
-          </a:p>
-          <a:p>
+              <a:t>file containing </a:t>
+            </a:r>
+            <a:r>
+              <a:rPr lang="en-US" dirty="0" smtClean="0"/>
+              <a:t>vim customizations</a:t>
+            </a:r>
+          </a:p>
+          <a:p>
+            <a:endParaRPr lang="en-US" dirty="0"/>
+          </a:p>
+          <a:p>
+            <a:r>
+              <a:rPr lang="en-US" dirty="0" smtClean="0"/>
+              <a:t>see my </a:t>
+            </a:r>
+            <a:r>
+              <a:rPr lang="en-US" dirty="0" smtClean="0"/>
+              <a:t>.</a:t>
+            </a:r>
+            <a:r>
+              <a:rPr lang="en-US" dirty="0" err="1" smtClean="0"/>
+              <a:t>vimrc</a:t>
+            </a:r>
+            <a:r>
+              <a:rPr lang="en-US" dirty="0" smtClean="0"/>
+              <a:t> in my </a:t>
+            </a:r>
+            <a:r>
+              <a:rPr lang="en-US" dirty="0" err="1" smtClean="0"/>
+              <a:t>dotfiles</a:t>
+            </a:r>
+            <a:r>
+              <a:rPr lang="en-US" dirty="0" smtClean="0"/>
+              <a:t> repo</a:t>
+            </a:r>
+          </a:p>
+          <a:p>
+            <a:pPr lvl="1"/>
+            <a:r>
+              <a:rPr lang="en-US" dirty="0">
+                <a:hlinkClick r:id="rId2"/>
+              </a:rPr>
+              <a:t>https://</a:t>
+            </a:r>
+            <a:r>
+              <a:rPr lang="en-US" dirty="0" smtClean="0">
+                <a:hlinkClick r:id="rId2"/>
+              </a:rPr>
+              <a:t>github.com/kyletolle/dotfiles</a:t>
+            </a:r>
             <a:endParaRPr lang="en-US" dirty="0" smtClean="0"/>
           </a:p>
           <a:p>
-            <a:r>
-              <a:rPr lang="en-US" dirty="0" smtClean="0"/>
-              <a:t>solarized is a popular one</a:t>
-            </a:r>
-          </a:p>
-          <a:p>
+            <a:endParaRPr lang="en-US" dirty="0"/>
+          </a:p>
+          <a:p>
+            <a:r>
+              <a:rPr lang="en-US" dirty="0" smtClean="0"/>
+              <a:t>other people share their </a:t>
+            </a:r>
+            <a:r>
+              <a:rPr lang="en-US" dirty="0" err="1" smtClean="0"/>
+              <a:t>vimrcs</a:t>
+            </a:r>
             <a:endParaRPr lang="en-US" dirty="0" smtClean="0"/>
           </a:p>
           <a:p>
-            <a:r>
-              <a:rPr lang="en-US" dirty="0" smtClean="0"/>
-              <a:t>color packs you can download</a:t>
-            </a:r>
-          </a:p>
-          <a:p>
             <a:endParaRPr lang="en-US" dirty="0" smtClean="0"/>
           </a:p>
           <a:p>
             <a:r>
               <a:rPr lang="en-US" dirty="0" smtClean="0"/>
-              <a:t>make your own!</a:t>
-            </a:r>
-            <a:endParaRPr lang="en-US" dirty="0"/>
+              <a:t>mix and match as you choose</a:t>
+            </a:r>
           </a:p>
         </p:txBody>
       </p:sp>
     </p:spTree>
     <p:extLst>
       <p:ext uri="{BB962C8B-B14F-4D97-AF65-F5344CB8AC3E}">
-        <p14:creationId xmlns:p14="http://schemas.microsoft.com/office/powerpoint/2010/main" val="412503745"/>
+        <p14:creationId xmlns:p14="http://schemas.microsoft.com/office/powerpoint/2010/main" val="3557938886"/>
       </p:ext>
     </p:extLst>
   </p:cSld>
@@ -8783,8 +8796,8 @@
           <a:lstStyle/>
           <a:p>
             <a:r>
-              <a:rPr lang="en-US" dirty="0" smtClean="0"/>
-              <a:t>advanced</a:t>
+              <a:rPr lang="en-US" dirty="0" err="1" smtClean="0"/>
+              <a:t>colorschemes</a:t>
             </a:r>
             <a:endParaRPr lang="en-US" dirty="0"/>
           </a:p>
@@ -8803,60 +8816,53 @@
         <p:spPr/>
         <p:txBody>
           <a:bodyPr>
-            <a:normAutofit lnSpcReduction="10000"/>
+            <a:normAutofit/>
           </a:bodyPr>
           <a:lstStyle/>
           <a:p>
             <a:r>
-              <a:rPr lang="en-US" dirty="0" err="1" smtClean="0"/>
-              <a:t>filetypes</a:t>
-            </a:r>
+              <a:rPr lang="en-US" dirty="0" smtClean="0"/>
+              <a:t>many </a:t>
+            </a:r>
+            <a:r>
+              <a:rPr lang="en-US" dirty="0"/>
+              <a:t>come with vim</a:t>
+            </a:r>
+          </a:p>
+          <a:p>
             <a:endParaRPr lang="en-US" dirty="0" smtClean="0"/>
           </a:p>
           <a:p>
+            <a:r>
+              <a:rPr lang="en-US" dirty="0" smtClean="0"/>
+              <a:t>solarized is a popular one</a:t>
+            </a:r>
+          </a:p>
+          <a:p>
+            <a:endParaRPr lang="en-US" dirty="0" smtClean="0"/>
+          </a:p>
+          <a:p>
+            <a:r>
+              <a:rPr lang="en-US" dirty="0" smtClean="0"/>
+              <a:t>color packs you can download</a:t>
+            </a:r>
+          </a:p>
+          <a:p>
+            <a:endParaRPr lang="en-US" dirty="0" smtClean="0"/>
+          </a:p>
+          <a:p>
+            <a:r>
+              <a:rPr lang="en-US" dirty="0" smtClean="0"/>
+              <a:t>make your own!</a:t>
+            </a:r>
             <a:endParaRPr lang="en-US" dirty="0"/>
-          </a:p>
-          <a:p>
-            <a:r>
-              <a:rPr lang="en-US" dirty="0"/>
-              <a:t>language </a:t>
-            </a:r>
-            <a:r>
-              <a:rPr lang="en-US" dirty="0" smtClean="0"/>
-              <a:t>support</a:t>
-            </a:r>
-          </a:p>
-          <a:p>
-            <a:endParaRPr lang="en-US" dirty="0"/>
-          </a:p>
-          <a:p>
-            <a:r>
-              <a:rPr lang="en-US" dirty="0" smtClean="0"/>
-              <a:t>syntax highlighting</a:t>
-            </a:r>
-          </a:p>
-          <a:p>
-            <a:endParaRPr lang="en-US" dirty="0"/>
-          </a:p>
-          <a:p>
-            <a:r>
-              <a:rPr lang="en-US" dirty="0" smtClean="0"/>
-              <a:t>other modes</a:t>
-            </a:r>
-          </a:p>
-          <a:p>
-            <a:pPr lvl="1"/>
-            <a:r>
-              <a:rPr lang="en-US" dirty="0" smtClean="0"/>
-              <a:t>visual mode is a useful one</a:t>
-            </a:r>
           </a:p>
         </p:txBody>
       </p:sp>
     </p:spTree>
     <p:extLst>
       <p:ext uri="{BB962C8B-B14F-4D97-AF65-F5344CB8AC3E}">
-        <p14:creationId xmlns:p14="http://schemas.microsoft.com/office/powerpoint/2010/main" val="4285375794"/>
+        <p14:creationId xmlns:p14="http://schemas.microsoft.com/office/powerpoint/2010/main" val="412503745"/>
       </p:ext>
     </p:extLst>
   </p:cSld>
@@ -8899,12 +8905,8 @@
           <a:lstStyle/>
           <a:p>
             <a:r>
-              <a:rPr lang="en-US" sz="7200" dirty="0">
-                <a:solidFill>
-                  <a:srgbClr val="EEEEEE"/>
-                </a:solidFill>
-              </a:rPr>
-              <a:t>advanced, cont.</a:t>
+              <a:rPr lang="en-US" dirty="0" smtClean="0"/>
+              <a:t>advanced</a:t>
             </a:r>
             <a:endParaRPr lang="en-US" dirty="0"/>
           </a:p>
@@ -8923,91 +8925,60 @@
         <p:spPr/>
         <p:txBody>
           <a:bodyPr>
-            <a:normAutofit fontScale="85000" lnSpcReduction="20000"/>
+            <a:normAutofit lnSpcReduction="10000"/>
           </a:bodyPr>
           <a:lstStyle/>
           <a:p>
             <a:r>
               <a:rPr lang="en-US" dirty="0" err="1" smtClean="0"/>
-              <a:t>gvimdiff</a:t>
-            </a:r>
-            <a:r>
-              <a:rPr lang="en-US" dirty="0" smtClean="0"/>
-              <a:t> file1 file2</a:t>
+              <a:t>filetypes</a:t>
+            </a:r>
+            <a:endParaRPr lang="en-US" dirty="0" smtClean="0"/>
+          </a:p>
+          <a:p>
+            <a:endParaRPr lang="en-US" dirty="0"/>
+          </a:p>
+          <a:p>
+            <a:r>
+              <a:rPr lang="en-US" dirty="0"/>
+              <a:t>language </a:t>
+            </a:r>
+            <a:r>
+              <a:rPr lang="en-US" dirty="0" smtClean="0"/>
+              <a:t>support</a:t>
+            </a:r>
+          </a:p>
+          <a:p>
+            <a:endParaRPr lang="en-US" dirty="0"/>
+          </a:p>
+          <a:p>
+            <a:r>
+              <a:rPr lang="en-US" dirty="0" smtClean="0"/>
+              <a:t>syntax highlighting</a:t>
+            </a:r>
+          </a:p>
+          <a:p>
+            <a:endParaRPr lang="en-US" dirty="0"/>
+          </a:p>
+          <a:p>
+            <a:r>
+              <a:rPr lang="en-US" dirty="0" smtClean="0"/>
+              <a:t>other modes</a:t>
             </a:r>
           </a:p>
           <a:p>
             <a:pPr lvl="1"/>
             <a:r>
               <a:rPr lang="en-US" dirty="0" smtClean="0"/>
-              <a:t>commands related to diffing/merging files</a:t>
-            </a:r>
-          </a:p>
-          <a:p>
-            <a:endParaRPr lang="en-US" dirty="0" smtClean="0"/>
-          </a:p>
-          <a:p>
-            <a:r>
-              <a:rPr lang="en-US" dirty="0" smtClean="0"/>
-              <a:t>folds</a:t>
-            </a:r>
-          </a:p>
-          <a:p>
-            <a:pPr lvl="1"/>
-            <a:r>
-              <a:rPr lang="en-US" dirty="0" smtClean="0"/>
-              <a:t>collapse blocks of code</a:t>
-            </a:r>
-          </a:p>
-          <a:p>
-            <a:endParaRPr lang="en-US" dirty="0" smtClean="0"/>
-          </a:p>
-          <a:p>
-            <a:r>
-              <a:rPr lang="en-US" dirty="0" smtClean="0"/>
-              <a:t>marks – jump around file easier</a:t>
-            </a:r>
-          </a:p>
-          <a:p>
-            <a:pPr lvl="1"/>
-            <a:r>
-              <a:rPr lang="en-US" dirty="0" smtClean="0"/>
-              <a:t>ma – mark the current like as a</a:t>
-            </a:r>
-          </a:p>
-          <a:p>
-            <a:pPr lvl="1"/>
-            <a:r>
-              <a:rPr lang="en-US" dirty="0" smtClean="0"/>
-              <a:t>‘a – jump to mark a</a:t>
-            </a:r>
-          </a:p>
-          <a:p>
-            <a:pPr lvl="1"/>
-            <a:r>
-              <a:rPr lang="en-US" dirty="0" smtClean="0"/>
-              <a:t>Ctrl-o, Ctrl-</a:t>
-            </a:r>
-            <a:r>
-              <a:rPr lang="en-US" dirty="0" err="1" smtClean="0"/>
-              <a:t>i</a:t>
-            </a:r>
-            <a:r>
-              <a:rPr lang="en-US" dirty="0" smtClean="0"/>
-              <a:t> – jump forward and backward to last places you were</a:t>
-            </a:r>
-            <a:endParaRPr lang="en-US" dirty="0"/>
-          </a:p>
-          <a:p>
-            <a:pPr lvl="1"/>
-            <a:endParaRPr lang="en-US" dirty="0" smtClean="0"/>
+              <a:t>visual mode is a useful one</a:t>
+            </a:r>
           </a:p>
         </p:txBody>
       </p:sp>
     </p:spTree>
     <p:extLst>
       <p:ext uri="{BB962C8B-B14F-4D97-AF65-F5344CB8AC3E}">
-        <p14:creationId xmlns:p14="http://schemas.microsoft.com/office/powerpoint/2010/main" val="1365242323"/>
+        <p14:creationId xmlns:p14="http://schemas.microsoft.com/office/powerpoint/2010/main" val="4285375794"/>
       </p:ext>
     </p:extLst>
   </p:cSld>
@@ -9050,10 +9021,14 @@
           <a:lstStyle/>
           <a:p>
             <a:r>
-              <a:rPr lang="en-US" sz="7200" dirty="0" smtClean="0"/>
+              <a:rPr lang="en-US" sz="7200" dirty="0">
+                <a:solidFill>
+                  <a:srgbClr val="EEEEEE"/>
+                </a:solidFill>
+              </a:rPr>
               <a:t>advanced, cont.</a:t>
             </a:r>
-            <a:endParaRPr lang="en-US" sz="7200" dirty="0"/>
+            <a:endParaRPr lang="en-US" dirty="0"/>
           </a:p>
         </p:txBody>
       </p:sp>
@@ -9075,36 +9050,19 @@
           <a:lstStyle/>
           <a:p>
             <a:r>
-              <a:rPr lang="en-US" dirty="0"/>
-              <a:t>ranges for </a:t>
-            </a:r>
-            <a:r>
-              <a:rPr lang="en-US" dirty="0" smtClean="0"/>
-              <a:t>commands</a:t>
-            </a:r>
-          </a:p>
-          <a:p>
-            <a:r>
-              <a:rPr lang="en-US" dirty="0" smtClean="0"/>
-              <a:t>. </a:t>
-            </a:r>
-            <a:r>
-              <a:rPr lang="en-US" dirty="0"/>
-              <a:t>– refers to current </a:t>
-            </a:r>
-            <a:r>
-              <a:rPr lang="en-US" dirty="0" smtClean="0"/>
-              <a:t>line</a:t>
-            </a:r>
-          </a:p>
-          <a:p>
-            <a:r>
-              <a:rPr lang="en-US" dirty="0" smtClean="0"/>
-              <a:t>% </a:t>
-            </a:r>
-            <a:r>
-              <a:rPr lang="en-US" dirty="0"/>
-              <a:t>- refers to current file</a:t>
+              <a:rPr lang="en-US" dirty="0" err="1" smtClean="0"/>
+              <a:t>gvimdiff</a:t>
+            </a:r>
+            <a:r>
+              <a:rPr lang="en-US" dirty="0" smtClean="0"/>
+              <a:t> file1 file2</a:t>
+            </a:r>
+          </a:p>
+          <a:p>
+            <a:pPr lvl="1"/>
+            <a:r>
+              <a:rPr lang="en-US" dirty="0" smtClean="0"/>
+              <a:t>commands related to diffing/merging files</a:t>
             </a:r>
           </a:p>
           <a:p>
@@ -9113,59 +9071,65 @@
           <a:p>
             <a:r>
               <a:rPr lang="en-US" dirty="0" smtClean="0"/>
-              <a:t>examples:</a:t>
+              <a:t>folds</a:t>
             </a:r>
           </a:p>
           <a:p>
             <a:pPr lvl="1"/>
             <a:r>
-              <a:rPr lang="en-US" dirty="0"/>
-              <a:t>:&gt; - indent this line</a:t>
+              <a:rPr lang="en-US" dirty="0" smtClean="0"/>
+              <a:t>collapse blocks of code</a:t>
+            </a:r>
+          </a:p>
+          <a:p>
+            <a:endParaRPr lang="en-US" dirty="0" smtClean="0"/>
+          </a:p>
+          <a:p>
+            <a:r>
+              <a:rPr lang="en-US" dirty="0" smtClean="0"/>
+              <a:t>marks – jump around file easier</a:t>
             </a:r>
           </a:p>
           <a:p>
             <a:pPr lvl="1"/>
             <a:r>
-              <a:rPr lang="en-US" dirty="0"/>
-              <a:t>:.&gt; - indent this line</a:t>
+              <a:rPr lang="en-US" dirty="0" smtClean="0"/>
+              <a:t>ma – mark the current like as a</a:t>
             </a:r>
           </a:p>
           <a:p>
             <a:pPr lvl="1"/>
             <a:r>
               <a:rPr lang="en-US" dirty="0" smtClean="0"/>
-              <a:t>:.,+</a:t>
-            </a:r>
-            <a:r>
-              <a:rPr lang="en-US" dirty="0"/>
-              <a:t>2&gt; – indent this and the next two lines</a:t>
+              <a:t>‘a – jump to mark a</a:t>
             </a:r>
           </a:p>
           <a:p>
             <a:pPr lvl="1"/>
             <a:r>
-              <a:rPr lang="en-US" dirty="0"/>
-              <a:t>:.,’a&gt;&gt; - indent two times from this line until mark a</a:t>
-            </a:r>
+              <a:rPr lang="en-US" dirty="0" smtClean="0"/>
+              <a:t>Ctrl-o, Ctrl-</a:t>
+            </a:r>
+            <a:r>
+              <a:rPr lang="en-US" dirty="0" err="1" smtClean="0"/>
+              <a:t>i</a:t>
+            </a:r>
+            <a:r>
+              <a:rPr lang="en-US" dirty="0" smtClean="0"/>
+              <a:t> – jump forward and backward to last places you were</a:t>
+            </a:r>
+            <a:endParaRPr lang="en-US" dirty="0"/>
           </a:p>
           <a:p>
             <a:pPr lvl="1"/>
-            <a:r>
-              <a:rPr lang="en-US" dirty="0"/>
-              <a:t>:%&gt;&gt; indent this whole file two </a:t>
-            </a:r>
-            <a:r>
-              <a:rPr lang="en-US" dirty="0" smtClean="0"/>
-              <a:t>times</a:t>
-            </a:r>
-            <a:endParaRPr lang="en-US" dirty="0"/>
+            <a:endParaRPr lang="en-US" dirty="0" smtClean="0"/>
           </a:p>
         </p:txBody>
       </p:sp>
     </p:spTree>
     <p:extLst>
       <p:ext uri="{BB962C8B-B14F-4D97-AF65-F5344CB8AC3E}">
-        <p14:creationId xmlns:p14="http://schemas.microsoft.com/office/powerpoint/2010/main" val="3667826321"/>
+        <p14:creationId xmlns:p14="http://schemas.microsoft.com/office/powerpoint/2010/main" val="1365242323"/>
       </p:ext>
     </p:extLst>
   </p:cSld>
@@ -9338,14 +9302,10 @@
           <a:lstStyle/>
           <a:p>
             <a:r>
-              <a:rPr lang="en-US" sz="7200" dirty="0">
-                <a:solidFill>
-                  <a:srgbClr val="EEEEEE"/>
-                </a:solidFill>
-              </a:rPr>
+              <a:rPr lang="en-US" sz="7200" dirty="0" smtClean="0"/>
               <a:t>advanced, cont.</a:t>
             </a:r>
-            <a:endParaRPr lang="en-US" dirty="0"/>
+            <a:endParaRPr lang="en-US" sz="7200" dirty="0"/>
           </a:p>
         </p:txBody>
       </p:sp>
@@ -9362,55 +9322,94 @@
         <p:spPr/>
         <p:txBody>
           <a:bodyPr>
-            <a:normAutofit fontScale="92500" lnSpcReduction="10000"/>
+            <a:normAutofit fontScale="85000" lnSpcReduction="20000"/>
           </a:bodyPr>
           <a:lstStyle/>
           <a:p>
             <a:r>
-              <a:rPr lang="en-US" dirty="0" smtClean="0"/>
-              <a:t>macros</a:t>
+              <a:rPr lang="en-US" dirty="0"/>
+              <a:t>ranges for </a:t>
+            </a:r>
+            <a:r>
+              <a:rPr lang="en-US" dirty="0" smtClean="0"/>
+              <a:t>commands</a:t>
+            </a:r>
+          </a:p>
+          <a:p>
+            <a:r>
+              <a:rPr lang="en-US" dirty="0" smtClean="0"/>
+              <a:t>. </a:t>
+            </a:r>
+            <a:r>
+              <a:rPr lang="en-US" dirty="0"/>
+              <a:t>– refers to current </a:t>
+            </a:r>
+            <a:r>
+              <a:rPr lang="en-US" dirty="0" smtClean="0"/>
+              <a:t>line</a:t>
+            </a:r>
+          </a:p>
+          <a:p>
+            <a:r>
+              <a:rPr lang="en-US" dirty="0" smtClean="0"/>
+              <a:t>% </a:t>
+            </a:r>
+            <a:r>
+              <a:rPr lang="en-US" dirty="0"/>
+              <a:t>- refers to current file</a:t>
+            </a:r>
+          </a:p>
+          <a:p>
+            <a:endParaRPr lang="en-US" dirty="0" smtClean="0"/>
+          </a:p>
+          <a:p>
+            <a:r>
+              <a:rPr lang="en-US" dirty="0" smtClean="0"/>
+              <a:t>examples:</a:t>
             </a:r>
           </a:p>
           <a:p>
             <a:pPr lvl="1"/>
             <a:r>
-              <a:rPr lang="en-US" dirty="0" smtClean="0"/>
-              <a:t>repeat a series of actions that you record</a:t>
-            </a:r>
-          </a:p>
-          <a:p>
-            <a:endParaRPr lang="en-US" dirty="0"/>
-          </a:p>
-          <a:p>
-            <a:r>
-              <a:rPr lang="en-US" dirty="0" smtClean="0"/>
-              <a:t>key mapping</a:t>
+              <a:rPr lang="en-US" dirty="0"/>
+              <a:t>:&gt; - indent this line</a:t>
             </a:r>
           </a:p>
           <a:p>
             <a:pPr lvl="1"/>
             <a:r>
-              <a:rPr lang="en-US" dirty="0" smtClean="0"/>
-              <a:t>customize things as you like</a:t>
-            </a:r>
-          </a:p>
-          <a:p>
-            <a:endParaRPr lang="en-US" dirty="0"/>
-          </a:p>
-          <a:p>
-            <a:r>
-              <a:rPr lang="en-US" dirty="0" smtClean="0"/>
-              <a:t>plugins</a:t>
+              <a:rPr lang="en-US" dirty="0"/>
+              <a:t>:.&gt; - indent this line</a:t>
             </a:r>
           </a:p>
           <a:p>
             <a:pPr lvl="1"/>
             <a:r>
               <a:rPr lang="en-US" dirty="0" smtClean="0"/>
-              <a:t>Command-T for fuzzy file finding</a:t>
-            </a:r>
-          </a:p>
-          <a:p>
+              <a:t>:.,+</a:t>
+            </a:r>
+            <a:r>
+              <a:rPr lang="en-US" dirty="0"/>
+              <a:t>2&gt; – indent this and the next two lines</a:t>
+            </a:r>
+          </a:p>
+          <a:p>
+            <a:pPr lvl="1"/>
+            <a:r>
+              <a:rPr lang="en-US" dirty="0"/>
+              <a:t>:.,’a&gt;&gt; - indent two times from this line until mark a</a:t>
+            </a:r>
+          </a:p>
+          <a:p>
+            <a:pPr lvl="1"/>
+            <a:r>
+              <a:rPr lang="en-US" dirty="0"/>
+              <a:t>:%&gt;&gt; indent this whole file two </a:t>
+            </a:r>
+            <a:r>
+              <a:rPr lang="en-US" dirty="0" smtClean="0"/>
+              <a:t>times</a:t>
+            </a:r>
             <a:endParaRPr lang="en-US" dirty="0"/>
           </a:p>
         </p:txBody>
@@ -9418,7 +9417,7 @@
     </p:spTree>
     <p:extLst>
       <p:ext uri="{BB962C8B-B14F-4D97-AF65-F5344CB8AC3E}">
-        <p14:creationId xmlns:p14="http://schemas.microsoft.com/office/powerpoint/2010/main" val="14090876"/>
+        <p14:creationId xmlns:p14="http://schemas.microsoft.com/office/powerpoint/2010/main" val="3667826321"/>
       </p:ext>
     </p:extLst>
   </p:cSld>
@@ -9461,10 +9460,14 @@
           <a:lstStyle/>
           <a:p>
             <a:r>
-              <a:rPr lang="en-US" sz="7200" dirty="0" smtClean="0"/>
+              <a:rPr lang="en-US" sz="7200" dirty="0">
+                <a:solidFill>
+                  <a:srgbClr val="EEEEEE"/>
+                </a:solidFill>
+              </a:rPr>
               <a:t>advanced, cont.</a:t>
             </a:r>
-            <a:endParaRPr lang="en-US" sz="7200" dirty="0"/>
+            <a:endParaRPr lang="en-US" dirty="0"/>
           </a:p>
         </p:txBody>
       </p:sp>
@@ -9481,92 +9484,63 @@
         <p:spPr/>
         <p:txBody>
           <a:bodyPr>
-            <a:normAutofit fontScale="77500" lnSpcReduction="20000"/>
+            <a:normAutofit fontScale="92500" lnSpcReduction="10000"/>
           </a:bodyPr>
           <a:lstStyle/>
           <a:p>
             <a:r>
               <a:rPr lang="en-US" dirty="0" smtClean="0"/>
-              <a:t>registers</a:t>
+              <a:t>macros</a:t>
             </a:r>
           </a:p>
           <a:p>
             <a:pPr lvl="1"/>
             <a:r>
               <a:rPr lang="en-US" dirty="0" smtClean="0"/>
-              <a:t>deleting or yanking puts content into default registers</a:t>
+              <a:t>repeat a series of actions that you record</a:t>
+            </a:r>
+          </a:p>
+          <a:p>
+            <a:endParaRPr lang="en-US" dirty="0"/>
+          </a:p>
+          <a:p>
+            <a:r>
+              <a:rPr lang="en-US" dirty="0" smtClean="0"/>
+              <a:t>key mapping</a:t>
             </a:r>
           </a:p>
           <a:p>
             <a:pPr lvl="1"/>
             <a:r>
               <a:rPr lang="en-US" dirty="0" smtClean="0"/>
-              <a:t>can specify other registers though</a:t>
+              <a:t>customize things as you like</a:t>
+            </a:r>
+          </a:p>
+          <a:p>
+            <a:endParaRPr lang="en-US" dirty="0"/>
+          </a:p>
+          <a:p>
+            <a:r>
+              <a:rPr lang="en-US" dirty="0" smtClean="0"/>
+              <a:t>plugins</a:t>
             </a:r>
           </a:p>
           <a:p>
             <a:pPr lvl="1"/>
+            <a:r>
+              <a:rPr lang="en-US" dirty="0" smtClean="0"/>
+              <a:t>Command-T for fuzzy file finding</a:t>
+            </a:r>
+          </a:p>
+          <a:p>
             <a:endParaRPr lang="en-US" dirty="0"/>
-          </a:p>
-          <a:p>
-            <a:r>
-              <a:rPr lang="en-US" dirty="0" smtClean="0"/>
-              <a:t>tabs</a:t>
-            </a:r>
-          </a:p>
-          <a:p>
-            <a:pPr lvl="1"/>
-            <a:r>
-              <a:rPr lang="en-US" dirty="0"/>
-              <a:t>d</a:t>
-            </a:r>
-            <a:r>
-              <a:rPr lang="en-US" dirty="0" smtClean="0"/>
-              <a:t>ifferent view/window layout of the open buffers</a:t>
-            </a:r>
-          </a:p>
-          <a:p>
-            <a:pPr lvl="1"/>
-            <a:endParaRPr lang="en-US" dirty="0"/>
-          </a:p>
-          <a:p>
-            <a:r>
-              <a:rPr lang="en-US" dirty="0" smtClean="0"/>
-              <a:t>matching</a:t>
-            </a:r>
-          </a:p>
-          <a:p>
-            <a:pPr lvl="1"/>
-            <a:r>
-              <a:rPr lang="en-US" dirty="0"/>
-              <a:t>% - match current punctuation</a:t>
-            </a:r>
-          </a:p>
-          <a:p>
-            <a:pPr lvl="1"/>
-            <a:r>
-              <a:rPr lang="en-US" dirty="0" smtClean="0"/>
-              <a:t>see if {}, </a:t>
-            </a:r>
-            <a:r>
-              <a:rPr lang="en-US" dirty="0"/>
-              <a:t>(), </a:t>
-            </a:r>
-            <a:r>
-              <a:rPr lang="en-US" dirty="0" smtClean="0"/>
-              <a:t>do/end, etc. match up properly</a:t>
-            </a:r>
-            <a:endParaRPr lang="en-US" dirty="0"/>
-          </a:p>
-          <a:p>
-            <a:endParaRPr lang="en-US" dirty="0" smtClean="0"/>
           </a:p>
         </p:txBody>
       </p:sp>
     </p:spTree>
     <p:extLst>
       <p:ext uri="{BB962C8B-B14F-4D97-AF65-F5344CB8AC3E}">
-        <p14:creationId xmlns:p14="http://schemas.microsoft.com/office/powerpoint/2010/main" val="3323915862"/>
+        <p14:creationId xmlns:p14="http://schemas.microsoft.com/office/powerpoint/2010/main" val="14090876"/>
       </p:ext>
     </p:extLst>
   </p:cSld>
@@ -9609,6 +9583,283 @@
           <a:lstStyle/>
           <a:p>
             <a:r>
+              <a:rPr lang="en-US" sz="7200" dirty="0" smtClean="0"/>
+              <a:t>advanced, cont.</a:t>
+            </a:r>
+            <a:endParaRPr lang="en-US" sz="7200" dirty="0"/>
+          </a:p>
+        </p:txBody>
+      </p:sp>
+      <p:sp>
+        <p:nvSpPr>
+          <p:cNvPr id="3" name="Content Placeholder 2"/>
+          <p:cNvSpPr>
+            <a:spLocks noGrp="1"/>
+          </p:cNvSpPr>
+          <p:nvPr>
+            <p:ph idx="1"/>
+          </p:nvPr>
+        </p:nvSpPr>
+        <p:spPr/>
+        <p:txBody>
+          <a:bodyPr>
+            <a:normAutofit fontScale="77500" lnSpcReduction="20000"/>
+          </a:bodyPr>
+          <a:lstStyle/>
+          <a:p>
+            <a:r>
+              <a:rPr lang="en-US" dirty="0" smtClean="0"/>
+              <a:t>registers</a:t>
+            </a:r>
+          </a:p>
+          <a:p>
+            <a:pPr lvl="1"/>
+            <a:r>
+              <a:rPr lang="en-US" dirty="0" smtClean="0"/>
+              <a:t>deleting or yanking puts content into default registers</a:t>
+            </a:r>
+          </a:p>
+          <a:p>
+            <a:pPr lvl="1"/>
+            <a:r>
+              <a:rPr lang="en-US" dirty="0" smtClean="0"/>
+              <a:t>can specify other registers though</a:t>
+            </a:r>
+          </a:p>
+          <a:p>
+            <a:pPr lvl="1"/>
+            <a:endParaRPr lang="en-US" dirty="0"/>
+          </a:p>
+          <a:p>
+            <a:r>
+              <a:rPr lang="en-US" dirty="0" smtClean="0"/>
+              <a:t>tabs</a:t>
+            </a:r>
+          </a:p>
+          <a:p>
+            <a:pPr lvl="1"/>
+            <a:r>
+              <a:rPr lang="en-US" dirty="0"/>
+              <a:t>d</a:t>
+            </a:r>
+            <a:r>
+              <a:rPr lang="en-US" dirty="0" smtClean="0"/>
+              <a:t>ifferent view/window layout of the open buffers</a:t>
+            </a:r>
+          </a:p>
+          <a:p>
+            <a:pPr lvl="1"/>
+            <a:endParaRPr lang="en-US" dirty="0"/>
+          </a:p>
+          <a:p>
+            <a:r>
+              <a:rPr lang="en-US" dirty="0" smtClean="0"/>
+              <a:t>matching</a:t>
+            </a:r>
+          </a:p>
+          <a:p>
+            <a:pPr lvl="1"/>
+            <a:r>
+              <a:rPr lang="en-US" dirty="0"/>
+              <a:t>% - match current punctuation</a:t>
+            </a:r>
+          </a:p>
+          <a:p>
+            <a:pPr lvl="1"/>
+            <a:r>
+              <a:rPr lang="en-US" dirty="0" smtClean="0"/>
+              <a:t>see if {}, </a:t>
+            </a:r>
+            <a:r>
+              <a:rPr lang="en-US" dirty="0"/>
+              <a:t>(), </a:t>
+            </a:r>
+            <a:r>
+              <a:rPr lang="en-US" dirty="0" smtClean="0"/>
+              <a:t>do/end, etc. match up properly</a:t>
+            </a:r>
+            <a:endParaRPr lang="en-US" dirty="0"/>
+          </a:p>
+          <a:p>
+            <a:endParaRPr lang="en-US" dirty="0" smtClean="0"/>
+          </a:p>
+        </p:txBody>
+      </p:sp>
+    </p:spTree>
+    <p:extLst>
+      <p:ext uri="{BB962C8B-B14F-4D97-AF65-F5344CB8AC3E}">
+        <p14:creationId xmlns:p14="http://schemas.microsoft.com/office/powerpoint/2010/main" val="3323915862"/>
+      </p:ext>
+    </p:extLst>
+  </p:cSld>
+  <p:clrMapOvr>
+    <a:masterClrMapping/>
+  </p:clrMapOvr>
+</p:sld>
+</file>
+
+<file path=ppt/slides/slide43.xml><?xml version="1.0" encoding="utf-8"?>
+<p:sld xmlns:a="http://schemas.openxmlformats.org/drawingml/2006/main" xmlns:r="http://schemas.openxmlformats.org/officeDocument/2006/relationships" xmlns:p="http://schemas.openxmlformats.org/presentationml/2006/main">
+  <p:cSld>
+    <p:spTree>
+      <p:nvGrpSpPr>
+        <p:cNvPr id="1" name=""/>
+        <p:cNvGrpSpPr/>
+        <p:nvPr/>
+      </p:nvGrpSpPr>
+      <p:grpSpPr>
+        <a:xfrm>
+          <a:off x="0" y="0"/>
+          <a:ext cx="0" cy="0"/>
+          <a:chOff x="0" y="0"/>
+          <a:chExt cx="0" cy="0"/>
+        </a:xfrm>
+      </p:grpSpPr>
+      <p:sp>
+        <p:nvSpPr>
+          <p:cNvPr id="2" name="Title 1"/>
+          <p:cNvSpPr>
+            <a:spLocks noGrp="1"/>
+          </p:cNvSpPr>
+          <p:nvPr>
+            <p:ph type="title"/>
+          </p:nvPr>
+        </p:nvSpPr>
+        <p:spPr/>
+        <p:txBody>
+          <a:bodyPr/>
+          <a:lstStyle/>
+          <a:p>
+            <a:r>
+              <a:rPr lang="en-US" dirty="0" smtClean="0"/>
+              <a:t>references</a:t>
+            </a:r>
+            <a:endParaRPr lang="en-US" dirty="0"/>
+          </a:p>
+        </p:txBody>
+      </p:sp>
+      <p:sp>
+        <p:nvSpPr>
+          <p:cNvPr id="3" name="Content Placeholder 2"/>
+          <p:cNvSpPr>
+            <a:spLocks noGrp="1"/>
+          </p:cNvSpPr>
+          <p:nvPr>
+            <p:ph idx="1"/>
+          </p:nvPr>
+        </p:nvSpPr>
+        <p:spPr/>
+        <p:txBody>
+          <a:bodyPr>
+            <a:normAutofit lnSpcReduction="10000"/>
+          </a:bodyPr>
+          <a:lstStyle/>
+          <a:p>
+            <a:r>
+              <a:rPr lang="en-US" dirty="0"/>
+              <a:t>get a copy of this talk</a:t>
+            </a:r>
+          </a:p>
+          <a:p>
+            <a:pPr lvl="1"/>
+            <a:r>
+              <a:rPr lang="en-US" dirty="0">
+                <a:hlinkClick r:id="rId2"/>
+              </a:rPr>
+              <a:t>https://github.com/kyletolle/talks</a:t>
+            </a:r>
+            <a:endParaRPr lang="en-US" dirty="0"/>
+          </a:p>
+          <a:p>
+            <a:pPr lvl="1"/>
+            <a:endParaRPr lang="en-US" dirty="0"/>
+          </a:p>
+          <a:p>
+            <a:r>
+              <a:rPr lang="en-US" dirty="0" err="1"/>
+              <a:t>cheatsheet</a:t>
+            </a:r>
+            <a:endParaRPr lang="en-US" dirty="0"/>
+          </a:p>
+          <a:p>
+            <a:pPr lvl="1"/>
+            <a:r>
+              <a:rPr lang="en-US" dirty="0">
+                <a:hlinkClick r:id="rId3"/>
+              </a:rPr>
+              <a:t>http://simpletutorials.com/tutorials/vim/vimquick.pdf</a:t>
+            </a:r>
+            <a:endParaRPr lang="en-US" dirty="0"/>
+          </a:p>
+          <a:p>
+            <a:endParaRPr lang="en-US" dirty="0" smtClean="0"/>
+          </a:p>
+          <a:p>
+            <a:r>
+              <a:rPr lang="en-US" dirty="0" smtClean="0">
+                <a:hlinkClick r:id="rId4"/>
+              </a:rPr>
+              <a:t>http://www.vim.org</a:t>
+            </a:r>
+            <a:endParaRPr lang="en-US" dirty="0" smtClean="0"/>
+          </a:p>
+          <a:p>
+            <a:r>
+              <a:rPr lang="en-US" dirty="0" smtClean="0">
+                <a:hlinkClick r:id="rId5"/>
+              </a:rPr>
+              <a:t>http://vim.wikia.com</a:t>
+            </a:r>
+            <a:endParaRPr lang="en-US" dirty="0" smtClean="0"/>
+          </a:p>
+        </p:txBody>
+      </p:sp>
+    </p:spTree>
+    <p:extLst>
+      <p:ext uri="{BB962C8B-B14F-4D97-AF65-F5344CB8AC3E}">
+        <p14:creationId xmlns:p14="http://schemas.microsoft.com/office/powerpoint/2010/main" val="788730300"/>
+      </p:ext>
+    </p:extLst>
+  </p:cSld>
+  <p:clrMapOvr>
+    <a:masterClrMapping/>
+  </p:clrMapOvr>
+</p:sld>
+</file>
+
+<file path=ppt/slides/slide44.xml><?xml version="1.0" encoding="utf-8"?>
+<p:sld xmlns:a="http://schemas.openxmlformats.org/drawingml/2006/main" xmlns:r="http://schemas.openxmlformats.org/officeDocument/2006/relationships" xmlns:p="http://schemas.openxmlformats.org/presentationml/2006/main">
+  <p:cSld>
+    <p:spTree>
+      <p:nvGrpSpPr>
+        <p:cNvPr id="1" name=""/>
+        <p:cNvGrpSpPr/>
+        <p:nvPr/>
+      </p:nvGrpSpPr>
+      <p:grpSpPr>
+        <a:xfrm>
+          <a:off x="0" y="0"/>
+          <a:ext cx="0" cy="0"/>
+          <a:chOff x="0" y="0"/>
+          <a:chExt cx="0" cy="0"/>
+        </a:xfrm>
+      </p:grpSpPr>
+      <p:sp>
+        <p:nvSpPr>
+          <p:cNvPr id="2" name="Title 1"/>
+          <p:cNvSpPr>
+            <a:spLocks noGrp="1"/>
+          </p:cNvSpPr>
+          <p:nvPr>
+            <p:ph type="title"/>
+          </p:nvPr>
+        </p:nvSpPr>
+        <p:spPr/>
+        <p:txBody>
+          <a:bodyPr/>
+          <a:lstStyle/>
+          <a:p>
+            <a:r>
               <a:rPr lang="en-US" dirty="0" smtClean="0"/>
               <a:t>questions?</a:t>
             </a:r>
@@ -9634,77 +9885,31 @@
           <a:lstStyle/>
           <a:p>
             <a:r>
+              <a:rPr lang="en-US" dirty="0" smtClean="0"/>
+              <a:t>thanks for showing up!</a:t>
+            </a:r>
+          </a:p>
+          <a:p>
+            <a:endParaRPr lang="en-US" dirty="0" smtClean="0"/>
+          </a:p>
+          <a:p>
+            <a:r>
               <a:rPr lang="en-US" dirty="0" err="1" smtClean="0"/>
               <a:t>i</a:t>
             </a:r>
             <a:r>
               <a:rPr lang="en-US" dirty="0" smtClean="0"/>
-              <a:t> </a:t>
-            </a:r>
-            <a:r>
-              <a:rPr lang="en-US" dirty="0" err="1" smtClean="0"/>
-              <a:t>apprecaite</a:t>
-            </a:r>
-            <a:r>
-              <a:rPr lang="en-US" dirty="0" smtClean="0"/>
-              <a:t> any and all feedback</a:t>
-            </a:r>
-          </a:p>
-          <a:p>
-            <a:endParaRPr lang="en-US" dirty="0"/>
-          </a:p>
-          <a:p>
-            <a:r>
-              <a:rPr lang="en-US" dirty="0" smtClean="0"/>
-              <a:t>get a copy of this talk</a:t>
-            </a:r>
-          </a:p>
-          <a:p>
-            <a:pPr lvl="1"/>
-            <a:r>
-              <a:rPr lang="en-US" dirty="0">
-                <a:hlinkClick r:id="rId2"/>
-              </a:rPr>
-              <a:t>https://</a:t>
-            </a:r>
-            <a:r>
-              <a:rPr lang="en-US" dirty="0" smtClean="0">
-                <a:hlinkClick r:id="rId2"/>
-              </a:rPr>
-              <a:t>github.com/kyletolle/talks</a:t>
+              <a:t> appreciate </a:t>
+            </a:r>
+            <a:r>
+              <a:rPr lang="en-US" dirty="0" smtClean="0"/>
+              <a:t>any and all </a:t>
+            </a:r>
+            <a:r>
+              <a:rPr lang="en-US" dirty="0" smtClean="0"/>
+              <a:t>feedback</a:t>
             </a:r>
             <a:endParaRPr lang="en-US" dirty="0" smtClean="0"/>
-          </a:p>
-          <a:p>
-            <a:pPr lvl="1"/>
-            <a:endParaRPr lang="en-US" dirty="0" smtClean="0"/>
-          </a:p>
-          <a:p>
-            <a:r>
-              <a:rPr lang="en-US" dirty="0" err="1" smtClean="0"/>
-              <a:t>cheatsheet</a:t>
-            </a:r>
-            <a:endParaRPr lang="en-US" dirty="0" smtClean="0"/>
-          </a:p>
-          <a:p>
-            <a:pPr lvl="1"/>
-            <a:r>
-              <a:rPr lang="en-US" dirty="0">
-                <a:hlinkClick r:id="rId3"/>
-              </a:rPr>
-              <a:t>http://</a:t>
-            </a:r>
-            <a:r>
-              <a:rPr lang="en-US" dirty="0" smtClean="0">
-                <a:hlinkClick r:id="rId3"/>
-              </a:rPr>
-              <a:t>simpletutorials.com/tutorials/vim/vimquick.pdf</a:t>
-            </a:r>
-            <a:endParaRPr lang="en-US" dirty="0" smtClean="0"/>
-          </a:p>
-          <a:p>
-            <a:pPr lvl="1"/>
-            <a:endParaRPr lang="en-US" dirty="0"/>
           </a:p>
         </p:txBody>
       </p:sp>

--- a/beginning_vim-04.17.2012.pptx
+++ b/beginning_vim-04.17.2012.pptx
@@ -5,53 +5,60 @@
     <p:sldMasterId id="2147483648" r:id="rId1"/>
   </p:sldMasterIdLst>
   <p:notesMasterIdLst>
-    <p:notesMasterId r:id="rId46"/>
+    <p:notesMasterId r:id="rId53"/>
   </p:notesMasterIdLst>
   <p:sldIdLst>
-    <p:sldId id="256" r:id="rId2"/>
-    <p:sldId id="257" r:id="rId3"/>
-    <p:sldId id="258" r:id="rId4"/>
-    <p:sldId id="259" r:id="rId5"/>
-    <p:sldId id="260" r:id="rId6"/>
-    <p:sldId id="261" r:id="rId7"/>
-    <p:sldId id="264" r:id="rId8"/>
-    <p:sldId id="265" r:id="rId9"/>
-    <p:sldId id="263" r:id="rId10"/>
-    <p:sldId id="266" r:id="rId11"/>
-    <p:sldId id="267" r:id="rId12"/>
-    <p:sldId id="268" r:id="rId13"/>
-    <p:sldId id="298" r:id="rId14"/>
-    <p:sldId id="292" r:id="rId15"/>
-    <p:sldId id="293" r:id="rId16"/>
-    <p:sldId id="269" r:id="rId17"/>
-    <p:sldId id="270" r:id="rId18"/>
-    <p:sldId id="294" r:id="rId19"/>
-    <p:sldId id="273" r:id="rId20"/>
-    <p:sldId id="295" r:id="rId21"/>
-    <p:sldId id="272" r:id="rId22"/>
-    <p:sldId id="271" r:id="rId23"/>
-    <p:sldId id="279" r:id="rId24"/>
-    <p:sldId id="280" r:id="rId25"/>
-    <p:sldId id="299" r:id="rId26"/>
-    <p:sldId id="274" r:id="rId27"/>
-    <p:sldId id="297" r:id="rId28"/>
-    <p:sldId id="278" r:id="rId29"/>
-    <p:sldId id="302" r:id="rId30"/>
-    <p:sldId id="277" r:id="rId31"/>
-    <p:sldId id="309" r:id="rId32"/>
-    <p:sldId id="281" r:id="rId33"/>
-    <p:sldId id="291" r:id="rId34"/>
-    <p:sldId id="300" r:id="rId35"/>
-    <p:sldId id="301" r:id="rId36"/>
-    <p:sldId id="284" r:id="rId37"/>
-    <p:sldId id="285" r:id="rId38"/>
-    <p:sldId id="305" r:id="rId39"/>
-    <p:sldId id="287" r:id="rId40"/>
-    <p:sldId id="303" r:id="rId41"/>
-    <p:sldId id="304" r:id="rId42"/>
-    <p:sldId id="306" r:id="rId43"/>
-    <p:sldId id="308" r:id="rId44"/>
-    <p:sldId id="307" r:id="rId45"/>
+    <p:sldId id="310" r:id="rId2"/>
+    <p:sldId id="311" r:id="rId3"/>
+    <p:sldId id="312" r:id="rId4"/>
+    <p:sldId id="313" r:id="rId5"/>
+    <p:sldId id="314" r:id="rId6"/>
+    <p:sldId id="315" r:id="rId7"/>
+    <p:sldId id="316" r:id="rId8"/>
+    <p:sldId id="256" r:id="rId9"/>
+    <p:sldId id="257" r:id="rId10"/>
+    <p:sldId id="258" r:id="rId11"/>
+    <p:sldId id="259" r:id="rId12"/>
+    <p:sldId id="260" r:id="rId13"/>
+    <p:sldId id="261" r:id="rId14"/>
+    <p:sldId id="264" r:id="rId15"/>
+    <p:sldId id="265" r:id="rId16"/>
+    <p:sldId id="263" r:id="rId17"/>
+    <p:sldId id="266" r:id="rId18"/>
+    <p:sldId id="267" r:id="rId19"/>
+    <p:sldId id="268" r:id="rId20"/>
+    <p:sldId id="298" r:id="rId21"/>
+    <p:sldId id="292" r:id="rId22"/>
+    <p:sldId id="293" r:id="rId23"/>
+    <p:sldId id="269" r:id="rId24"/>
+    <p:sldId id="270" r:id="rId25"/>
+    <p:sldId id="294" r:id="rId26"/>
+    <p:sldId id="273" r:id="rId27"/>
+    <p:sldId id="295" r:id="rId28"/>
+    <p:sldId id="272" r:id="rId29"/>
+    <p:sldId id="271" r:id="rId30"/>
+    <p:sldId id="279" r:id="rId31"/>
+    <p:sldId id="280" r:id="rId32"/>
+    <p:sldId id="299" r:id="rId33"/>
+    <p:sldId id="274" r:id="rId34"/>
+    <p:sldId id="297" r:id="rId35"/>
+    <p:sldId id="278" r:id="rId36"/>
+    <p:sldId id="302" r:id="rId37"/>
+    <p:sldId id="277" r:id="rId38"/>
+    <p:sldId id="309" r:id="rId39"/>
+    <p:sldId id="281" r:id="rId40"/>
+    <p:sldId id="291" r:id="rId41"/>
+    <p:sldId id="300" r:id="rId42"/>
+    <p:sldId id="301" r:id="rId43"/>
+    <p:sldId id="284" r:id="rId44"/>
+    <p:sldId id="285" r:id="rId45"/>
+    <p:sldId id="305" r:id="rId46"/>
+    <p:sldId id="287" r:id="rId47"/>
+    <p:sldId id="303" r:id="rId48"/>
+    <p:sldId id="304" r:id="rId49"/>
+    <p:sldId id="306" r:id="rId50"/>
+    <p:sldId id="308" r:id="rId51"/>
+    <p:sldId id="307" r:id="rId52"/>
   </p:sldIdLst>
   <p:sldSz cx="9144000" cy="6858000" type="screen4x3"/>
   <p:notesSz cx="6858000" cy="9144000"/>
@@ -606,7 +613,7 @@
           <a:p>
             <a:fld id="{6C188E6B-5A27-4E24-B8AB-05234A4CD30B}" type="slidenum">
               <a:rPr lang="en-US" smtClean="0"/>
-              <a:t>2</a:t>
+              <a:t>9</a:t>
             </a:fld>
             <a:endParaRPr lang="en-US"/>
           </a:p>
@@ -721,7 +728,7 @@
           <a:p>
             <a:fld id="{6C188E6B-5A27-4E24-B8AB-05234A4CD30B}" type="slidenum">
               <a:rPr lang="en-US" smtClean="0"/>
-              <a:t>12</a:t>
+              <a:t>19</a:t>
             </a:fld>
             <a:endParaRPr lang="en-US"/>
           </a:p>
@@ -833,7 +840,7 @@
           <a:p>
             <a:fld id="{6C188E6B-5A27-4E24-B8AB-05234A4CD30B}" type="slidenum">
               <a:rPr lang="en-US" smtClean="0"/>
-              <a:t>16</a:t>
+              <a:t>23</a:t>
             </a:fld>
             <a:endParaRPr lang="en-US"/>
           </a:p>
@@ -937,7 +944,7 @@
           <a:p>
             <a:fld id="{6C188E6B-5A27-4E24-B8AB-05234A4CD30B}" type="slidenum">
               <a:rPr lang="en-US" smtClean="0"/>
-              <a:t>22</a:t>
+              <a:t>29</a:t>
             </a:fld>
             <a:endParaRPr lang="en-US"/>
           </a:p>
@@ -1025,7 +1032,7 @@
           <a:p>
             <a:fld id="{6C188E6B-5A27-4E24-B8AB-05234A4CD30B}" type="slidenum">
               <a:rPr lang="en-US" smtClean="0"/>
-              <a:t>25</a:t>
+              <a:t>32</a:t>
             </a:fld>
             <a:endParaRPr lang="en-US"/>
           </a:p>
@@ -1132,7 +1139,7 @@
           <a:p>
             <a:fld id="{6C188E6B-5A27-4E24-B8AB-05234A4CD30B}" type="slidenum">
               <a:rPr lang="en-US" smtClean="0"/>
-              <a:t>26</a:t>
+              <a:t>33</a:t>
             </a:fld>
             <a:endParaRPr lang="en-US"/>
           </a:p>
@@ -1254,7 +1261,7 @@
           <a:p>
             <a:fld id="{6C188E6B-5A27-4E24-B8AB-05234A4CD30B}" type="slidenum">
               <a:rPr lang="en-US" smtClean="0"/>
-              <a:t>3</a:t>
+              <a:t>10</a:t>
             </a:fld>
             <a:endParaRPr lang="en-US"/>
           </a:p>
@@ -1368,7 +1375,7 @@
           <a:p>
             <a:fld id="{6C188E6B-5A27-4E24-B8AB-05234A4CD30B}" type="slidenum">
               <a:rPr lang="en-US" smtClean="0"/>
-              <a:t>4</a:t>
+              <a:t>11</a:t>
             </a:fld>
             <a:endParaRPr lang="en-US"/>
           </a:p>
@@ -1509,7 +1516,7 @@
           <a:p>
             <a:fld id="{6C188E6B-5A27-4E24-B8AB-05234A4CD30B}" type="slidenum">
               <a:rPr lang="en-US" smtClean="0"/>
-              <a:t>5</a:t>
+              <a:t>12</a:t>
             </a:fld>
             <a:endParaRPr lang="en-US"/>
           </a:p>
@@ -1617,7 +1624,7 @@
           <a:p>
             <a:fld id="{6C188E6B-5A27-4E24-B8AB-05234A4CD30B}" type="slidenum">
               <a:rPr lang="en-US" smtClean="0"/>
-              <a:t>6</a:t>
+              <a:t>13</a:t>
             </a:fld>
             <a:endParaRPr lang="en-US"/>
           </a:p>
@@ -1715,7 +1722,7 @@
           <a:p>
             <a:fld id="{6C188E6B-5A27-4E24-B8AB-05234A4CD30B}" type="slidenum">
               <a:rPr lang="en-US" smtClean="0"/>
-              <a:t>7</a:t>
+              <a:t>14</a:t>
             </a:fld>
             <a:endParaRPr lang="en-US"/>
           </a:p>
@@ -1812,7 +1819,7 @@
           <a:p>
             <a:fld id="{6C188E6B-5A27-4E24-B8AB-05234A4CD30B}" type="slidenum">
               <a:rPr lang="en-US" smtClean="0"/>
-              <a:t>8</a:t>
+              <a:t>15</a:t>
             </a:fld>
             <a:endParaRPr lang="en-US"/>
           </a:p>
@@ -1936,7 +1943,7 @@
           <a:p>
             <a:fld id="{6C188E6B-5A27-4E24-B8AB-05234A4CD30B}" type="slidenum">
               <a:rPr lang="en-US" smtClean="0"/>
-              <a:t>10</a:t>
+              <a:t>17</a:t>
             </a:fld>
             <a:endParaRPr lang="en-US"/>
           </a:p>
@@ -2037,7 +2044,7 @@
           <a:p>
             <a:fld id="{6C188E6B-5A27-4E24-B8AB-05234A4CD30B}" type="slidenum">
               <a:rPr lang="en-US" smtClean="0"/>
-              <a:t>11</a:t>
+              <a:t>18</a:t>
             </a:fld>
             <a:endParaRPr lang="en-US"/>
           </a:p>
@@ -5081,87 +5088,95 @@
             <a:spLocks noGrp="1"/>
           </p:cNvSpPr>
           <p:nvPr>
-            <p:ph type="ctrTitle"/>
-          </p:nvPr>
-        </p:nvSpPr>
-        <p:spPr/>
-        <p:txBody>
-          <a:bodyPr>
-            <a:noAutofit/>
-          </a:bodyPr>
-          <a:lstStyle/>
-          <a:p>
-            <a:r>
-              <a:rPr lang="en-US" sz="9600" dirty="0" smtClean="0"/>
-              <a:t>vim</a:t>
-            </a:r>
-            <a:endParaRPr lang="en-US" sz="9600" dirty="0"/>
-          </a:p>
-        </p:txBody>
-      </p:sp>
-      <p:sp>
-        <p:nvSpPr>
-          <p:cNvPr id="3" name="Subtitle 2"/>
-          <p:cNvSpPr>
-            <a:spLocks noGrp="1"/>
-          </p:cNvSpPr>
-          <p:nvPr>
-            <p:ph type="subTitle" idx="1"/>
-          </p:nvPr>
-        </p:nvSpPr>
-        <p:spPr>
-          <a:xfrm>
-            <a:off x="685800" y="6075872"/>
-            <a:ext cx="7543800" cy="762000"/>
-          </a:xfrm>
-        </p:spPr>
-        <p:txBody>
-          <a:bodyPr>
-            <a:normAutofit/>
-          </a:bodyPr>
-          <a:lstStyle/>
-          <a:p>
-            <a:r>
-              <a:rPr lang="en-US" sz="2400" dirty="0" smtClean="0">
-                <a:solidFill>
-                  <a:schemeClr val="accent4"/>
-                </a:solidFill>
-              </a:rPr>
-              <a:t>a beginner’s journey to coding </a:t>
-            </a:r>
-            <a:r>
-              <a:rPr lang="en-US" sz="2400" dirty="0" err="1" smtClean="0">
-                <a:solidFill>
-                  <a:schemeClr val="accent4"/>
-                </a:solidFill>
-              </a:rPr>
-              <a:t>awesomely:w</a:t>
-            </a:r>
-            <a:endParaRPr lang="en-US" sz="2400" dirty="0">
-              <a:solidFill>
-                <a:schemeClr val="accent4"/>
-              </a:solidFill>
-            </a:endParaRPr>
+            <p:ph type="title"/>
+          </p:nvPr>
+        </p:nvSpPr>
+        <p:spPr/>
+        <p:txBody>
+          <a:bodyPr/>
+          <a:lstStyle/>
+          <a:p>
+            <a:r>
+              <a:rPr lang="en-US" dirty="0" smtClean="0"/>
+              <a:t>TODO!</a:t>
+            </a:r>
+            <a:endParaRPr lang="en-US" dirty="0"/>
+          </a:p>
+        </p:txBody>
+      </p:sp>
+      <p:sp>
+        <p:nvSpPr>
+          <p:cNvPr id="3" name="Content Placeholder 2"/>
+          <p:cNvSpPr>
+            <a:spLocks noGrp="1"/>
+          </p:cNvSpPr>
+          <p:nvPr>
+            <p:ph idx="1"/>
+          </p:nvPr>
+        </p:nvSpPr>
+        <p:spPr/>
+        <p:txBody>
+          <a:bodyPr/>
+          <a:lstStyle/>
+          <a:p>
+            <a:r>
+              <a:rPr lang="en-US" dirty="0" smtClean="0"/>
+              <a:t>Where do I talk about Ctrl-</a:t>
+            </a:r>
+            <a:r>
+              <a:rPr lang="en-US" dirty="0" err="1" smtClean="0"/>
+              <a:t>i</a:t>
+            </a:r>
+            <a:r>
+              <a:rPr lang="en-US" dirty="0" smtClean="0"/>
+              <a:t>/o?</a:t>
+            </a:r>
+          </a:p>
+          <a:p>
+            <a:r>
+              <a:rPr lang="en-US" dirty="0" smtClean="0"/>
+              <a:t>mention . to repeat commands</a:t>
+            </a:r>
+          </a:p>
+          <a:p>
+            <a:r>
+              <a:rPr lang="en-US" dirty="0" smtClean="0"/>
+              <a:t>* and # for searching</a:t>
+            </a:r>
+          </a:p>
+          <a:p>
+            <a:r>
+              <a:rPr lang="en-US" dirty="0" smtClean="0"/>
+              <a:t>r - replace char under cursor</a:t>
+            </a:r>
+          </a:p>
+          <a:p>
+            <a:r>
+              <a:rPr lang="en-US" dirty="0" smtClean="0"/>
+              <a:t>R – replace many chars starting here</a:t>
+            </a:r>
+          </a:p>
+          <a:p>
+            <a:r>
+              <a:rPr lang="en-US" dirty="0" smtClean="0"/>
+              <a:t>W,E,B – uppercase versions</a:t>
+            </a:r>
+          </a:p>
+          <a:p>
+            <a:endParaRPr lang="en-US" dirty="0"/>
           </a:p>
         </p:txBody>
       </p:sp>
     </p:spTree>
     <p:extLst>
       <p:ext uri="{BB962C8B-B14F-4D97-AF65-F5344CB8AC3E}">
-        <p14:creationId xmlns:p14="http://schemas.microsoft.com/office/powerpoint/2010/main" val="4162780200"/>
+        <p14:creationId xmlns:p14="http://schemas.microsoft.com/office/powerpoint/2010/main" val="1353026451"/>
       </p:ext>
     </p:extLst>
   </p:cSld>
   <p:clrMapOvr>
     <a:masterClrMapping/>
   </p:clrMapOvr>
-  <p:timing>
-    <p:tnLst>
-      <p:par>
-        <p:cTn id="1" dur="indefinite" restart="never" nodeType="tmRoot"/>
-      </p:par>
-    </p:tnLst>
-  </p:timing>
 </p:sld>
 </file>
 
@@ -5200,14 +5215,14 @@
             <a:r>
               <a:rPr lang="en-US" dirty="0" smtClean="0">
                 <a:solidFill>
-                  <a:schemeClr val="accent2"/>
+                  <a:schemeClr val="accent1"/>
                 </a:solidFill>
               </a:rPr>
-              <a:t>insert mode</a:t>
+              <a:t>what is vim?</a:t>
             </a:r>
             <a:endParaRPr lang="en-US" dirty="0">
               <a:solidFill>
-                <a:schemeClr val="accent2"/>
+                <a:schemeClr val="accent1"/>
               </a:solidFill>
             </a:endParaRPr>
           </a:p>
@@ -5223,12 +5238,7 @@
             <p:ph idx="1"/>
           </p:nvPr>
         </p:nvSpPr>
-        <p:spPr>
-          <a:xfrm>
-            <a:off x="457200" y="1600200"/>
-            <a:ext cx="8229600" cy="4800600"/>
-          </a:xfrm>
-        </p:spPr>
+        <p:spPr/>
         <p:txBody>
           <a:bodyPr>
             <a:normAutofit/>
@@ -5236,90 +5246,55 @@
           <a:lstStyle/>
           <a:p>
             <a:r>
+              <a:rPr lang="en-US" dirty="0" smtClean="0"/>
+              <a:t>highly configurable text editor</a:t>
+            </a:r>
+          </a:p>
+          <a:p>
+            <a:endParaRPr lang="en-US" dirty="0"/>
+          </a:p>
+          <a:p>
+            <a:r>
+              <a:rPr lang="en-US" dirty="0" smtClean="0"/>
+              <a:t>improved version of the vi editor</a:t>
+            </a:r>
+          </a:p>
+          <a:p>
+            <a:endParaRPr lang="en-US" dirty="0" smtClean="0"/>
+          </a:p>
+          <a:p>
+            <a:r>
+              <a:rPr lang="en-US" dirty="0" smtClean="0"/>
+              <a:t>perfect for lazy </a:t>
+            </a:r>
+            <a:r>
               <a:rPr lang="en-US" dirty="0" err="1" smtClean="0"/>
-              <a:t>i</a:t>
-            </a:r>
-            <a:r>
-              <a:rPr lang="en-US" dirty="0" smtClean="0"/>
-              <a:t> - insert </a:t>
-            </a:r>
-            <a:r>
-              <a:rPr lang="en-US" dirty="0" smtClean="0">
-                <a:solidFill>
-                  <a:schemeClr val="accent1"/>
-                </a:solidFill>
-              </a:rPr>
-              <a:t>before</a:t>
-            </a:r>
-            <a:r>
-              <a:rPr lang="en-US" dirty="0" smtClean="0"/>
-              <a:t> cursor</a:t>
-            </a:r>
-          </a:p>
-          <a:p>
+              <a:t>devs</a:t>
+            </a:r>
             <a:endParaRPr lang="en-US" dirty="0" smtClean="0"/>
           </a:p>
           <a:p>
-            <a:pPr marL="0" indent="0">
-              <a:buNone/>
-            </a:pPr>
-            <a:r>
-              <a:rPr lang="en-US" dirty="0" smtClean="0"/>
-              <a:t>  type in whatever you’d like</a:t>
+            <a:endParaRPr lang="en-US" dirty="0"/>
+          </a:p>
+          <a:p>
+            <a:r>
+              <a:rPr lang="en-US" dirty="0"/>
+              <a:t>m</a:t>
+            </a:r>
+            <a:r>
+              <a:rPr lang="en-US" dirty="0" smtClean="0"/>
+              <a:t>uscle memory maker</a:t>
             </a:r>
           </a:p>
           <a:p>
             <a:endParaRPr lang="en-US" dirty="0" smtClean="0"/>
-          </a:p>
-          <a:p>
-            <a:pPr marL="0" indent="0">
-              <a:buNone/>
-            </a:pPr>
-            <a:r>
-              <a:rPr lang="en-US" dirty="0" smtClean="0"/>
-              <a:t>  &lt;ESC&gt; to get back to normal mode</a:t>
-            </a:r>
-          </a:p>
-          <a:p>
-            <a:endParaRPr lang="en-US" dirty="0" smtClean="0"/>
-          </a:p>
-          <a:p>
-            <a:pPr marL="0" indent="0">
-              <a:buNone/>
-            </a:pPr>
-            <a:r>
-              <a:rPr lang="en-US" sz="2000" dirty="0" smtClean="0">
-                <a:solidFill>
-                  <a:schemeClr val="accent4"/>
-                </a:solidFill>
-              </a:rPr>
-              <a:t>get used to hitting &lt;ESC&gt; after editing text</a:t>
-            </a:r>
-          </a:p>
-          <a:p>
-            <a:pPr marL="0" indent="0">
-              <a:buNone/>
-            </a:pPr>
-            <a:r>
-              <a:rPr lang="en-US" sz="2000" dirty="0" smtClean="0">
-                <a:solidFill>
-                  <a:schemeClr val="accent4"/>
-                </a:solidFill>
-              </a:rPr>
-              <a:t>you’ll always end in normal mode</a:t>
-            </a:r>
-            <a:endParaRPr lang="en-US" sz="2000" dirty="0">
-              <a:solidFill>
-                <a:schemeClr val="accent4"/>
-              </a:solidFill>
-            </a:endParaRPr>
           </a:p>
         </p:txBody>
       </p:sp>
     </p:spTree>
     <p:extLst>
       <p:ext uri="{BB962C8B-B14F-4D97-AF65-F5344CB8AC3E}">
-        <p14:creationId xmlns:p14="http://schemas.microsoft.com/office/powerpoint/2010/main" val="2913058544"/>
+        <p14:creationId xmlns:p14="http://schemas.microsoft.com/office/powerpoint/2010/main" val="2981442941"/>
       </p:ext>
     </p:extLst>
   </p:cSld>
@@ -5363,96 +5338,85 @@
             <p:ph type="title"/>
           </p:nvPr>
         </p:nvSpPr>
-        <p:spPr/>
-        <p:txBody>
-          <a:bodyPr/>
-          <a:lstStyle/>
-          <a:p>
-            <a:r>
-              <a:rPr lang="en-US" dirty="0" smtClean="0"/>
-              <a:t>insert mode</a:t>
-            </a:r>
-            <a:endParaRPr lang="en-US" dirty="0"/>
-          </a:p>
-        </p:txBody>
-      </p:sp>
-      <p:sp>
-        <p:nvSpPr>
-          <p:cNvPr id="3" name="Content Placeholder 2"/>
-          <p:cNvSpPr>
-            <a:spLocks noGrp="1"/>
-          </p:cNvSpPr>
-          <p:nvPr>
-            <p:ph idx="1"/>
-          </p:nvPr>
-        </p:nvSpPr>
         <p:spPr>
           <a:xfrm>
-            <a:off x="457200" y="1600200"/>
-            <a:ext cx="8229600" cy="4800600"/>
+            <a:off x="0" y="274638"/>
+            <a:ext cx="9144000" cy="1143000"/>
           </a:xfrm>
         </p:spPr>
         <p:txBody>
-          <a:bodyPr>
-            <a:normAutofit/>
-          </a:bodyPr>
-          <a:lstStyle/>
-          <a:p>
-            <a:r>
-              <a:rPr lang="en-US" dirty="0" err="1" smtClean="0"/>
-              <a:t>i</a:t>
-            </a:r>
-            <a:r>
-              <a:rPr lang="en-US" dirty="0" smtClean="0"/>
-              <a:t> - insert </a:t>
-            </a:r>
-            <a:r>
-              <a:rPr lang="en-US" dirty="0" smtClean="0">
+          <a:bodyPr/>
+          <a:lstStyle/>
+          <a:p>
+            <a:r>
+              <a:rPr lang="en-US" sz="8000" dirty="0" smtClean="0">
                 <a:solidFill>
-                  <a:schemeClr val="accent1"/>
+                  <a:schemeClr val="accent2"/>
                 </a:solidFill>
               </a:rPr>
-              <a:t>before</a:t>
-            </a:r>
-            <a:r>
-              <a:rPr lang="en-US" dirty="0" smtClean="0"/>
-              <a:t> cursor</a:t>
-            </a:r>
-          </a:p>
-          <a:p>
-            <a:r>
-              <a:rPr lang="en-US" dirty="0" smtClean="0"/>
-              <a:t>a – insert </a:t>
-            </a:r>
-            <a:r>
-              <a:rPr lang="en-US" dirty="0" smtClean="0">
-                <a:solidFill>
-                  <a:schemeClr val="accent3"/>
-                </a:solidFill>
-              </a:rPr>
-              <a:t>after</a:t>
-            </a:r>
-            <a:r>
-              <a:rPr lang="en-US" dirty="0" smtClean="0"/>
-              <a:t> cursor</a:t>
+              <a:t>what isn’t vim?</a:t>
+            </a:r>
+            <a:endParaRPr lang="en-US" sz="8000" dirty="0">
+              <a:solidFill>
+                <a:schemeClr val="accent2"/>
+              </a:solidFill>
+            </a:endParaRPr>
+          </a:p>
+        </p:txBody>
+      </p:sp>
+      <p:sp>
+        <p:nvSpPr>
+          <p:cNvPr id="3" name="Content Placeholder 2"/>
+          <p:cNvSpPr>
+            <a:spLocks noGrp="1"/>
+          </p:cNvSpPr>
+          <p:nvPr>
+            <p:ph idx="1"/>
+          </p:nvPr>
+        </p:nvSpPr>
+        <p:spPr/>
+        <p:txBody>
+          <a:bodyPr/>
+          <a:lstStyle/>
+          <a:p>
+            <a:r>
+              <a:rPr lang="en-US" dirty="0" smtClean="0"/>
+              <a:t>not a word processor</a:t>
             </a:r>
           </a:p>
           <a:p>
             <a:endParaRPr lang="en-US" dirty="0" smtClean="0"/>
           </a:p>
           <a:p>
-            <a:endParaRPr lang="en-US" dirty="0" smtClean="0"/>
-          </a:p>
-          <a:p>
-            <a:r>
-              <a:rPr lang="en-US" dirty="0" smtClean="0"/>
-              <a:t>I – insert at start of line</a:t>
-            </a:r>
-          </a:p>
-          <a:p>
-            <a:r>
-              <a:rPr lang="en-US" dirty="0" smtClean="0"/>
-              <a:t>A – append to end of line</a:t>
+            <a:r>
+              <a:rPr lang="en-US" dirty="0" smtClean="0"/>
+              <a:t>not a hand holder</a:t>
+            </a:r>
+          </a:p>
+          <a:p>
+            <a:endParaRPr lang="en-US" dirty="0"/>
+          </a:p>
+          <a:p>
+            <a:r>
+              <a:rPr lang="en-US" dirty="0" smtClean="0"/>
+              <a:t>not a tool learned in a week</a:t>
+            </a:r>
+          </a:p>
+          <a:p>
+            <a:endParaRPr lang="en-US" dirty="0"/>
+          </a:p>
+          <a:p>
+            <a:r>
+              <a:rPr lang="en-US" dirty="0" smtClean="0"/>
+              <a:t>never </a:t>
+            </a:r>
+            <a:r>
+              <a:rPr lang="en-US" dirty="0" err="1" smtClean="0"/>
+              <a:t>gonna</a:t>
+            </a:r>
+            <a:r>
+              <a:rPr lang="en-US" dirty="0" smtClean="0"/>
+              <a:t> let you down</a:t>
             </a:r>
           </a:p>
         </p:txBody>
@@ -5460,7 +5424,7 @@
     </p:spTree>
     <p:extLst>
       <p:ext uri="{BB962C8B-B14F-4D97-AF65-F5344CB8AC3E}">
-        <p14:creationId xmlns:p14="http://schemas.microsoft.com/office/powerpoint/2010/main" val="1772528704"/>
+        <p14:creationId xmlns:p14="http://schemas.microsoft.com/office/powerpoint/2010/main" val="1157626077"/>
       </p:ext>
     </p:extLst>
   </p:cSld>
@@ -5504,21 +5468,24 @@
             <p:ph type="title"/>
           </p:nvPr>
         </p:nvSpPr>
-        <p:spPr>
-          <a:xfrm>
-            <a:off x="228600" y="274638"/>
-            <a:ext cx="8686800" cy="1143000"/>
-          </a:xfrm>
-        </p:spPr>
-        <p:txBody>
-          <a:bodyPr/>
-          <a:lstStyle/>
-          <a:p>
-            <a:r>
-              <a:rPr lang="en-US" sz="7200" dirty="0" smtClean="0"/>
-              <a:t>see the pattern?</a:t>
-            </a:r>
-            <a:endParaRPr lang="en-US" sz="7200" dirty="0"/>
+        <p:spPr/>
+        <p:txBody>
+          <a:bodyPr/>
+          <a:lstStyle/>
+          <a:p>
+            <a:r>
+              <a:rPr lang="en-US" dirty="0" smtClean="0">
+                <a:solidFill>
+                  <a:schemeClr val="accent3"/>
+                </a:solidFill>
+              </a:rPr>
+              <a:t>begin</a:t>
+            </a:r>
+            <a:endParaRPr lang="en-US" dirty="0">
+              <a:solidFill>
+                <a:schemeClr val="accent3"/>
+              </a:solidFill>
+            </a:endParaRPr>
           </a:p>
         </p:txBody>
       </p:sp>
@@ -5540,43 +5507,79 @@
           <a:lstStyle/>
           <a:p>
             <a:r>
-              <a:rPr lang="en-US" dirty="0" smtClean="0"/>
-              <a:t>a letter does something</a:t>
-            </a:r>
-          </a:p>
-          <a:p>
+              <a:rPr lang="en-US" dirty="0"/>
+              <a:t>i</a:t>
+            </a:r>
+            <a:r>
+              <a:rPr lang="en-US" dirty="0" smtClean="0"/>
+              <a:t>nstall</a:t>
+            </a:r>
+          </a:p>
+          <a:p>
+            <a:r>
+              <a:rPr lang="en-US" dirty="0" smtClean="0"/>
+              <a:t>run</a:t>
+            </a:r>
+          </a:p>
+          <a:p>
+            <a:pPr lvl="1"/>
+            <a:r>
+              <a:rPr lang="en-US" dirty="0" smtClean="0"/>
+              <a:t>vim or </a:t>
+            </a:r>
+            <a:r>
+              <a:rPr lang="en-US" dirty="0" err="1" smtClean="0"/>
+              <a:t>gvim</a:t>
+            </a:r>
             <a:endParaRPr lang="en-US" dirty="0" smtClean="0"/>
           </a:p>
           <a:p>
             <a:r>
               <a:rPr lang="en-US" dirty="0" smtClean="0"/>
-              <a:t>shift modifies it in some way</a:t>
-            </a:r>
-          </a:p>
-          <a:p>
+              <a:t>learn, learn, learn</a:t>
+            </a:r>
+          </a:p>
+          <a:p>
+            <a:pPr lvl="1"/>
+            <a:r>
+              <a:rPr lang="en-US" dirty="0" err="1" smtClean="0"/>
+              <a:t>vimtutor</a:t>
+            </a:r>
+            <a:r>
+              <a:rPr lang="en-US" dirty="0" smtClean="0"/>
+              <a:t> (from the cli)</a:t>
+            </a:r>
+          </a:p>
+          <a:p>
+            <a:pPr lvl="1"/>
+            <a:r>
+              <a:rPr lang="en-US" dirty="0" smtClean="0"/>
+              <a:t>:help tutor (from within vim)</a:t>
+            </a:r>
+          </a:p>
+          <a:p>
+            <a:pPr lvl="1"/>
+            <a:r>
+              <a:rPr lang="en-US" dirty="0" err="1" smtClean="0"/>
+              <a:t>cheatsheets</a:t>
+            </a:r>
             <a:endParaRPr lang="en-US" dirty="0" smtClean="0"/>
           </a:p>
           <a:p>
             <a:r>
               <a:rPr lang="en-US" dirty="0" smtClean="0"/>
-              <a:t>ctrl also modifies some keys</a:t>
-            </a:r>
-          </a:p>
-          <a:p>
-            <a:endParaRPr lang="en-US" dirty="0" smtClean="0"/>
-          </a:p>
-          <a:p>
-            <a:r>
-              <a:rPr lang="en-US" dirty="0" smtClean="0"/>
-              <a:t>vim is full of patterns</a:t>
-            </a:r>
+              <a:t>tweak</a:t>
+            </a:r>
+          </a:p>
+          <a:p>
+            <a:endParaRPr lang="en-US" dirty="0"/>
           </a:p>
         </p:txBody>
       </p:sp>
     </p:spTree>
     <p:extLst>
       <p:ext uri="{BB962C8B-B14F-4D97-AF65-F5344CB8AC3E}">
-        <p14:creationId xmlns:p14="http://schemas.microsoft.com/office/powerpoint/2010/main" val="1570060829"/>
+        <p14:creationId xmlns:p14="http://schemas.microsoft.com/office/powerpoint/2010/main" val="2775600374"/>
       </p:ext>
     </p:extLst>
   </p:cSld>
@@ -5620,16 +5623,53 @@
             <p:ph type="title"/>
           </p:nvPr>
         </p:nvSpPr>
-        <p:spPr/>
-        <p:txBody>
-          <a:bodyPr/>
-          <a:lstStyle/>
-          <a:p>
-            <a:r>
-              <a:rPr lang="en-US" sz="7200" dirty="0" smtClean="0"/>
-              <a:t>help is helpful</a:t>
-            </a:r>
-            <a:endParaRPr lang="en-US" sz="7200" dirty="0"/>
+        <p:spPr>
+          <a:xfrm>
+            <a:off x="0" y="274638"/>
+            <a:ext cx="9144000" cy="1143000"/>
+          </a:xfrm>
+        </p:spPr>
+        <p:txBody>
+          <a:bodyPr/>
+          <a:lstStyle/>
+          <a:p>
+            <a:r>
+              <a:rPr lang="en-US" dirty="0" smtClean="0">
+                <a:solidFill>
+                  <a:schemeClr val="accent1"/>
+                </a:solidFill>
+              </a:rPr>
+              <a:t>1</a:t>
+            </a:r>
+            <a:r>
+              <a:rPr lang="en-US" baseline="30000" dirty="0" smtClean="0">
+                <a:solidFill>
+                  <a:schemeClr val="accent1"/>
+                </a:solidFill>
+              </a:rPr>
+              <a:t>st</a:t>
+            </a:r>
+            <a:r>
+              <a:rPr lang="en-US" dirty="0" smtClean="0">
+                <a:solidFill>
+                  <a:schemeClr val="accent1"/>
+                </a:solidFill>
+              </a:rPr>
+              <a:t> things 1</a:t>
+            </a:r>
+            <a:r>
+              <a:rPr lang="en-US" baseline="30000" dirty="0" smtClean="0">
+                <a:solidFill>
+                  <a:schemeClr val="accent1"/>
+                </a:solidFill>
+              </a:rPr>
+              <a:t>st</a:t>
+            </a:r>
+            <a:endParaRPr lang="en-US" dirty="0">
+              <a:solidFill>
+                <a:schemeClr val="accent1"/>
+              </a:solidFill>
+            </a:endParaRPr>
           </a:p>
         </p:txBody>
       </p:sp>
@@ -5645,64 +5685,115 @@
         </p:nvSpPr>
         <p:spPr/>
         <p:txBody>
-          <a:bodyPr/>
-          <a:lstStyle/>
-          <a:p>
-            <a:r>
-              <a:rPr lang="en-US" dirty="0"/>
-              <a:t>type one of the following</a:t>
-            </a:r>
-          </a:p>
-          <a:p>
-            <a:pPr lvl="1"/>
-            <a:r>
-              <a:rPr lang="en-US" dirty="0"/>
-              <a:t>:help </a:t>
-            </a:r>
-            <a:r>
-              <a:rPr lang="en-US" dirty="0" err="1"/>
-              <a:t>i</a:t>
-            </a:r>
-            <a:endParaRPr lang="en-US" dirty="0"/>
-          </a:p>
-          <a:p>
-            <a:pPr lvl="1"/>
-            <a:r>
-              <a:rPr lang="en-US" dirty="0"/>
-              <a:t>:help I</a:t>
-            </a:r>
-          </a:p>
+          <a:bodyPr>
+            <a:normAutofit/>
+          </a:bodyPr>
+          <a:lstStyle/>
           <a:p>
             <a:endParaRPr lang="en-US" dirty="0" smtClean="0"/>
           </a:p>
           <a:p>
-            <a:r>
-              <a:rPr lang="en-US" dirty="0" smtClean="0"/>
-              <a:t>use :help to figure out what any key does</a:t>
-            </a:r>
-          </a:p>
-          <a:p>
-            <a:endParaRPr lang="en-US" dirty="0"/>
-          </a:p>
-          <a:p>
-            <a:r>
-              <a:rPr lang="en-US" dirty="0" smtClean="0"/>
-              <a:t>tab completion works here!</a:t>
-            </a:r>
-            <a:endParaRPr lang="en-US" dirty="0"/>
+            <a:endParaRPr lang="en-US" dirty="0" smtClean="0"/>
+          </a:p>
+          <a:p>
+            <a:pPr marL="0" indent="0">
+              <a:buNone/>
+            </a:pPr>
+            <a:r>
+              <a:rPr lang="en-US" dirty="0" smtClean="0"/>
+              <a:t>what are some common things you do while editing text, code, </a:t>
+            </a:r>
+            <a:r>
+              <a:rPr lang="en-US" dirty="0" err="1" smtClean="0"/>
+              <a:t>config</a:t>
+            </a:r>
+            <a:r>
+              <a:rPr lang="en-US" dirty="0" smtClean="0"/>
+              <a:t> files, </a:t>
+            </a:r>
+            <a:r>
+              <a:rPr lang="en-US" dirty="0" err="1" smtClean="0"/>
+              <a:t>etc</a:t>
+            </a:r>
+            <a:r>
+              <a:rPr lang="en-US" dirty="0" smtClean="0"/>
+              <a:t>?</a:t>
+            </a:r>
+          </a:p>
+          <a:p>
+            <a:pPr marL="0" indent="0">
+              <a:buNone/>
+            </a:pPr>
+            <a:endParaRPr lang="en-US" dirty="0" smtClean="0"/>
+          </a:p>
+          <a:p>
+            <a:pPr marL="0" indent="0">
+              <a:buNone/>
+            </a:pPr>
+            <a:endParaRPr lang="en-US" dirty="0" smtClean="0"/>
+          </a:p>
+          <a:p>
+            <a:pPr marL="0" indent="0">
+              <a:buNone/>
+            </a:pPr>
+            <a:endParaRPr lang="en-US" dirty="0" smtClean="0"/>
+          </a:p>
+        </p:txBody>
+      </p:sp>
+      <p:sp>
+        <p:nvSpPr>
+          <p:cNvPr id="4" name="Rectangle 3"/>
+          <p:cNvSpPr/>
+          <p:nvPr/>
+        </p:nvSpPr>
+        <p:spPr>
+          <a:xfrm>
+            <a:off x="457200" y="6462789"/>
+            <a:ext cx="4363695" cy="369332"/>
+          </a:xfrm>
+          <a:prstGeom prst="rect">
+            <a:avLst/>
+          </a:prstGeom>
+        </p:spPr>
+        <p:txBody>
+          <a:bodyPr wrap="none">
+            <a:spAutoFit/>
+          </a:bodyPr>
+          <a:lstStyle/>
+          <a:p>
+            <a:r>
+              <a:rPr lang="en-US" dirty="0" smtClean="0">
+                <a:solidFill>
+                  <a:schemeClr val="accent4"/>
+                </a:solidFill>
+              </a:rPr>
+              <a:t>open up a file to learn by doing!</a:t>
+            </a:r>
+            <a:endParaRPr lang="en-US" dirty="0">
+              <a:solidFill>
+                <a:schemeClr val="accent4"/>
+              </a:solidFill>
+            </a:endParaRPr>
           </a:p>
         </p:txBody>
       </p:sp>
     </p:spTree>
     <p:extLst>
       <p:ext uri="{BB962C8B-B14F-4D97-AF65-F5344CB8AC3E}">
-        <p14:creationId xmlns:p14="http://schemas.microsoft.com/office/powerpoint/2010/main" val="3682792564"/>
+        <p14:creationId xmlns:p14="http://schemas.microsoft.com/office/powerpoint/2010/main" val="96818925"/>
       </p:ext>
     </p:extLst>
   </p:cSld>
   <p:clrMapOvr>
     <a:masterClrMapping/>
   </p:clrMapOvr>
+  <p:timing>
+    <p:tnLst>
+      <p:par>
+        <p:cTn id="1" dur="indefinite" restart="never" nodeType="tmRoot"/>
+      </p:par>
+    </p:tnLst>
+  </p:timing>
 </p:sld>
 </file>
 
@@ -5733,60 +5824,81 @@
             <p:ph type="title"/>
           </p:nvPr>
         </p:nvSpPr>
-        <p:spPr>
-          <a:xfrm>
-            <a:off x="76200" y="274638"/>
-            <a:ext cx="9067800" cy="1143000"/>
-          </a:xfrm>
-        </p:spPr>
-        <p:txBody>
-          <a:bodyPr/>
-          <a:lstStyle/>
-          <a:p>
-            <a:r>
-              <a:rPr lang="en-US" dirty="0" smtClean="0"/>
-              <a:t>window splits</a:t>
-            </a:r>
+        <p:spPr/>
+        <p:txBody>
+          <a:bodyPr/>
+          <a:lstStyle/>
+          <a:p>
+            <a:r>
+              <a:rPr lang="en-US" dirty="0" smtClean="0">
+                <a:solidFill>
+                  <a:schemeClr val="accent2"/>
+                </a:solidFill>
+              </a:rPr>
+              <a:t>normal mode</a:t>
+            </a:r>
+            <a:endParaRPr lang="en-US" dirty="0">
+              <a:solidFill>
+                <a:schemeClr val="accent2"/>
+              </a:solidFill>
+            </a:endParaRPr>
+          </a:p>
+        </p:txBody>
+      </p:sp>
+      <p:sp>
+        <p:nvSpPr>
+          <p:cNvPr id="3" name="Content Placeholder 2"/>
+          <p:cNvSpPr>
+            <a:spLocks noGrp="1"/>
+          </p:cNvSpPr>
+          <p:nvPr>
+            <p:ph idx="1"/>
+          </p:nvPr>
+        </p:nvSpPr>
+        <p:spPr/>
+        <p:txBody>
+          <a:bodyPr>
+            <a:normAutofit fontScale="92500" lnSpcReduction="10000"/>
+          </a:bodyPr>
+          <a:lstStyle/>
+          <a:p>
+            <a:r>
+              <a:rPr lang="en-US" dirty="0" smtClean="0"/>
+              <a:t>you’re in normal mode by default</a:t>
+            </a:r>
+          </a:p>
+          <a:p>
+            <a:endParaRPr lang="en-US" dirty="0" smtClean="0"/>
+          </a:p>
+          <a:p>
+            <a:r>
+              <a:rPr lang="en-US" dirty="0"/>
+              <a:t>move around and perform commands </a:t>
+            </a:r>
+          </a:p>
+          <a:p>
+            <a:endParaRPr lang="en-US" dirty="0" smtClean="0"/>
+          </a:p>
+          <a:p>
+            <a:r>
+              <a:rPr lang="en-US" dirty="0" smtClean="0"/>
+              <a:t>not for typing text</a:t>
+            </a:r>
+          </a:p>
+          <a:p>
             <a:endParaRPr lang="en-US" dirty="0"/>
           </a:p>
-        </p:txBody>
-      </p:sp>
-      <p:sp>
-        <p:nvSpPr>
-          <p:cNvPr id="3" name="Content Placeholder 2"/>
-          <p:cNvSpPr>
-            <a:spLocks noGrp="1"/>
-          </p:cNvSpPr>
-          <p:nvPr>
-            <p:ph idx="1"/>
-          </p:nvPr>
-        </p:nvSpPr>
-        <p:spPr/>
-        <p:txBody>
-          <a:bodyPr/>
-          <a:lstStyle/>
-          <a:p>
-            <a:r>
-              <a:rPr lang="en-US" dirty="0" smtClean="0"/>
-              <a:t>the :help command split the window</a:t>
-            </a:r>
-          </a:p>
-          <a:p>
-            <a:endParaRPr lang="en-US" dirty="0"/>
-          </a:p>
-          <a:p>
-            <a:r>
-              <a:rPr lang="en-US" dirty="0" smtClean="0"/>
-              <a:t>we’ll learn more about this later</a:t>
-            </a:r>
-          </a:p>
-          <a:p>
-            <a:endParaRPr lang="en-US" dirty="0"/>
-          </a:p>
-          <a:p>
-            <a:r>
-              <a:rPr lang="en-US" dirty="0" smtClean="0"/>
-              <a:t>for now, know that :q closes it</a:t>
+          <a:p>
+            <a:r>
+              <a:rPr lang="en-US" dirty="0" smtClean="0"/>
+              <a:t>&lt;ESC&gt; gets you back to normal mode from any other mode</a:t>
+            </a:r>
+          </a:p>
+          <a:p>
+            <a:pPr lvl="1"/>
+            <a:r>
+              <a:rPr lang="en-US" dirty="0" smtClean="0"/>
+              <a:t>Ctrl-[ is equivalent, less hand movement</a:t>
             </a:r>
             <a:endParaRPr lang="en-US" dirty="0"/>
           </a:p>
@@ -5795,13 +5907,20 @@
     </p:spTree>
     <p:extLst>
       <p:ext uri="{BB962C8B-B14F-4D97-AF65-F5344CB8AC3E}">
-        <p14:creationId xmlns:p14="http://schemas.microsoft.com/office/powerpoint/2010/main" val="2524525004"/>
+        <p14:creationId xmlns:p14="http://schemas.microsoft.com/office/powerpoint/2010/main" val="546193272"/>
       </p:ext>
     </p:extLst>
   </p:cSld>
   <p:clrMapOvr>
     <a:masterClrMapping/>
   </p:clrMapOvr>
+  <p:timing>
+    <p:tnLst>
+      <p:par>
+        <p:cTn id="1" dur="indefinite" restart="never" nodeType="tmRoot"/>
+      </p:par>
+    </p:tnLst>
+  </p:timing>
 </p:sld>
 </file>
 
@@ -5838,8 +5957,49 @@
           <a:lstStyle/>
           <a:p>
             <a:r>
-              <a:rPr lang="en-US" dirty="0" smtClean="0"/>
-              <a:t>writing file</a:t>
+              <a:rPr lang="en-US" dirty="0" smtClean="0">
+                <a:solidFill>
+                  <a:schemeClr val="accent3"/>
+                </a:solidFill>
+              </a:rPr>
+              <a:t>move around</a:t>
+            </a:r>
+            <a:endParaRPr lang="en-US" dirty="0">
+              <a:solidFill>
+                <a:schemeClr val="accent3"/>
+              </a:solidFill>
+            </a:endParaRPr>
+          </a:p>
+        </p:txBody>
+      </p:sp>
+      <p:sp>
+        <p:nvSpPr>
+          <p:cNvPr id="6" name="Rectangle 5"/>
+          <p:cNvSpPr/>
+          <p:nvPr/>
+        </p:nvSpPr>
+        <p:spPr>
+          <a:xfrm>
+            <a:off x="1371600" y="3505200"/>
+            <a:ext cx="862737" cy="584775"/>
+          </a:xfrm>
+          <a:prstGeom prst="rect">
+            <a:avLst/>
+          </a:prstGeom>
+        </p:spPr>
+        <p:txBody>
+          <a:bodyPr wrap="none">
+            <a:spAutoFit/>
+          </a:bodyPr>
+          <a:lstStyle/>
+          <a:p>
+            <a:r>
+              <a:rPr lang="en-US" sz="3200" dirty="0" smtClean="0">
+                <a:solidFill>
+                  <a:srgbClr val="EEEEEE"/>
+                </a:solidFill>
+              </a:rPr>
+              <a:t>&lt; h</a:t>
             </a:r>
             <a:endParaRPr lang="en-US" dirty="0"/>
           </a:p>
@@ -5847,56 +6007,149 @@
       </p:sp>
       <p:sp>
         <p:nvSpPr>
-          <p:cNvPr id="3" name="Content Placeholder 2"/>
-          <p:cNvSpPr>
-            <a:spLocks noGrp="1"/>
-          </p:cNvSpPr>
-          <p:nvPr>
-            <p:ph idx="1"/>
-          </p:nvPr>
-        </p:nvSpPr>
-        <p:spPr/>
-        <p:txBody>
-          <a:bodyPr>
-            <a:normAutofit/>
+          <p:cNvPr id="8" name="Rectangle 7"/>
+          <p:cNvSpPr/>
+          <p:nvPr/>
+        </p:nvSpPr>
+        <p:spPr>
+          <a:xfrm>
+            <a:off x="4495800" y="5181600"/>
+            <a:ext cx="410690" cy="1077218"/>
+          </a:xfrm>
+          <a:prstGeom prst="rect">
+            <a:avLst/>
+          </a:prstGeom>
+        </p:spPr>
+        <p:txBody>
+          <a:bodyPr wrap="none">
+            <a:spAutoFit/>
           </a:bodyPr>
           <a:lstStyle/>
           <a:p>
             <a:r>
-              <a:rPr lang="en-US" dirty="0" smtClean="0"/>
-              <a:t>we made some changes we want to save</a:t>
-            </a:r>
-          </a:p>
-          <a:p>
+              <a:rPr lang="en-US" sz="3200" dirty="0" smtClean="0">
+                <a:solidFill>
+                  <a:srgbClr val="EEEEEE"/>
+                </a:solidFill>
+              </a:rPr>
+              <a:t>j</a:t>
+            </a:r>
+          </a:p>
+          <a:p>
+            <a:r>
+              <a:rPr lang="en-US" sz="3200" dirty="0">
+                <a:solidFill>
+                  <a:srgbClr val="EEEEEE"/>
+                </a:solidFill>
+              </a:rPr>
+              <a:t>v</a:t>
+            </a:r>
             <a:endParaRPr lang="en-US" dirty="0"/>
           </a:p>
-          <a:p>
-            <a:r>
-              <a:rPr lang="en-US" dirty="0" smtClean="0"/>
-              <a:t>:w writes the file</a:t>
-            </a:r>
-          </a:p>
-          <a:p>
+        </p:txBody>
+      </p:sp>
+      <p:sp>
+        <p:nvSpPr>
+          <p:cNvPr id="10" name="Rectangle 9"/>
+          <p:cNvSpPr/>
+          <p:nvPr/>
+        </p:nvSpPr>
+        <p:spPr>
+          <a:xfrm>
+            <a:off x="4495800" y="1905000"/>
+            <a:ext cx="410690" cy="1077218"/>
+          </a:xfrm>
+          <a:prstGeom prst="rect">
+            <a:avLst/>
+          </a:prstGeom>
+        </p:spPr>
+        <p:txBody>
+          <a:bodyPr wrap="none">
+            <a:spAutoFit/>
+          </a:bodyPr>
+          <a:lstStyle/>
+          <a:p>
+            <a:r>
+              <a:rPr lang="en-US" sz="3200" dirty="0" smtClean="0">
+                <a:solidFill>
+                  <a:srgbClr val="EEEEEE"/>
+                </a:solidFill>
+              </a:rPr>
+              <a:t>^</a:t>
+            </a:r>
+          </a:p>
+          <a:p>
+            <a:r>
+              <a:rPr lang="en-US" sz="3200" dirty="0" smtClean="0">
+                <a:solidFill>
+                  <a:srgbClr val="EEEEEE"/>
+                </a:solidFill>
+              </a:rPr>
+              <a:t>k</a:t>
+            </a:r>
             <a:endParaRPr lang="en-US" dirty="0"/>
           </a:p>
-          <a:p>
-            <a:r>
-              <a:rPr lang="en-US" dirty="0" smtClean="0"/>
-              <a:t>if not in normal mode, :w’s may appear in your file!</a:t>
-            </a:r>
+        </p:txBody>
+      </p:sp>
+      <p:sp>
+        <p:nvSpPr>
+          <p:cNvPr id="12" name="Rectangle 11"/>
+          <p:cNvSpPr/>
+          <p:nvPr/>
+        </p:nvSpPr>
+        <p:spPr>
+          <a:xfrm>
+            <a:off x="6858000" y="3505199"/>
+            <a:ext cx="862737" cy="584775"/>
+          </a:xfrm>
+          <a:prstGeom prst="rect">
+            <a:avLst/>
+          </a:prstGeom>
+        </p:spPr>
+        <p:txBody>
+          <a:bodyPr wrap="none">
+            <a:spAutoFit/>
+          </a:bodyPr>
+          <a:lstStyle/>
+          <a:p>
+            <a:pPr lvl="0">
+              <a:spcBef>
+                <a:spcPct val="20000"/>
+              </a:spcBef>
+            </a:pPr>
+            <a:r>
+              <a:rPr lang="en-US" sz="3200" dirty="0" smtClean="0">
+                <a:solidFill>
+                  <a:srgbClr val="EEEEEE"/>
+                </a:solidFill>
+              </a:rPr>
+              <a:t>l &gt;</a:t>
+            </a:r>
+            <a:endParaRPr lang="en-US" sz="3200" dirty="0">
+              <a:solidFill>
+                <a:srgbClr val="EEEEEE"/>
+              </a:solidFill>
+            </a:endParaRPr>
           </a:p>
         </p:txBody>
       </p:sp>
     </p:spTree>
     <p:extLst>
       <p:ext uri="{BB962C8B-B14F-4D97-AF65-F5344CB8AC3E}">
-        <p14:creationId xmlns:p14="http://schemas.microsoft.com/office/powerpoint/2010/main" val="2905576294"/>
+        <p14:creationId xmlns:p14="http://schemas.microsoft.com/office/powerpoint/2010/main" val="1111465526"/>
       </p:ext>
     </p:extLst>
   </p:cSld>
   <p:clrMapOvr>
     <a:masterClrMapping/>
   </p:clrMapOvr>
+  <p:timing>
+    <p:tnLst>
+      <p:par>
+        <p:cTn id="1" dur="indefinite" restart="never" nodeType="tmRoot"/>
+      </p:par>
+    </p:tnLst>
+  </p:timing>
 </p:sld>
 </file>
 
@@ -5933,10 +6186,18 @@
           <a:lstStyle/>
           <a:p>
             <a:r>
-              <a:rPr lang="en-US" dirty="0" smtClean="0"/>
-              <a:t>commands</a:t>
-            </a:r>
-            <a:endParaRPr lang="en-US" dirty="0"/>
+              <a:rPr lang="en-US" dirty="0" smtClean="0">
+                <a:solidFill>
+                  <a:schemeClr val="accent1"/>
+                </a:solidFill>
+              </a:rPr>
+              <a:t>what?</a:t>
+            </a:r>
+            <a:endParaRPr lang="en-US" dirty="0">
+              <a:solidFill>
+                <a:schemeClr val="accent1"/>
+              </a:solidFill>
+            </a:endParaRPr>
           </a:p>
         </p:txBody>
       </p:sp>
@@ -5959,57 +6220,44 @@
           <a:p>
             <a:r>
               <a:rPr lang="en-US" dirty="0" smtClean="0"/>
-              <a:t>from normal mode, type :</a:t>
-            </a:r>
-          </a:p>
-          <a:p>
-            <a:pPr lvl="1"/>
-            <a:r>
-              <a:rPr lang="en-US" dirty="0" smtClean="0"/>
-              <a:t>:w - write</a:t>
-            </a:r>
-          </a:p>
-          <a:p>
-            <a:pPr lvl="1"/>
-            <a:r>
-              <a:rPr lang="en-US" dirty="0" smtClean="0"/>
-              <a:t>:q - quit</a:t>
-            </a:r>
-          </a:p>
-          <a:p>
-            <a:pPr lvl="1"/>
-            <a:r>
-              <a:rPr lang="en-US" dirty="0" smtClean="0"/>
-              <a:t>:e – edit (without arguments reloads current file</a:t>
-            </a:r>
-            <a:r>
-              <a:rPr lang="en-US" dirty="0"/>
-              <a:t>)</a:t>
-            </a:r>
-            <a:endParaRPr lang="en-US" dirty="0" smtClean="0"/>
-          </a:p>
-          <a:p>
-            <a:pPr lvl="1"/>
-            <a:r>
-              <a:rPr lang="en-US" dirty="0" smtClean="0"/>
-              <a:t>append a ! to force the command</a:t>
-            </a:r>
-          </a:p>
-          <a:p>
-            <a:endParaRPr lang="en-US" dirty="0" smtClean="0"/>
-          </a:p>
-          <a:p>
-            <a:r>
-              <a:rPr lang="en-US" dirty="0" smtClean="0"/>
-              <a:t>:help :e</a:t>
-            </a:r>
+              <a:t>vim is a muscle memory</a:t>
+            </a:r>
+          </a:p>
+          <a:p>
+            <a:endParaRPr lang="en-US" dirty="0"/>
+          </a:p>
+          <a:p>
+            <a:r>
+              <a:rPr lang="en-US" dirty="0" smtClean="0"/>
+              <a:t>can use arrow keys but </a:t>
+            </a:r>
+            <a:r>
+              <a:rPr lang="en-US" dirty="0" err="1" smtClean="0"/>
+              <a:t>i’m</a:t>
+            </a:r>
+            <a:r>
+              <a:rPr lang="en-US" dirty="0" smtClean="0"/>
+              <a:t> lazy</a:t>
+            </a:r>
+          </a:p>
+          <a:p>
+            <a:endParaRPr lang="en-US" dirty="0"/>
+          </a:p>
+          <a:p>
+            <a:r>
+              <a:rPr lang="en-US" dirty="0" smtClean="0"/>
+              <a:t>trust in the vim - it’ll be faster</a:t>
+            </a:r>
+          </a:p>
+          <a:p>
+            <a:endParaRPr lang="en-US" dirty="0"/>
           </a:p>
         </p:txBody>
       </p:sp>
     </p:spTree>
     <p:extLst>
       <p:ext uri="{BB962C8B-B14F-4D97-AF65-F5344CB8AC3E}">
-        <p14:creationId xmlns:p14="http://schemas.microsoft.com/office/powerpoint/2010/main" val="2587255804"/>
+        <p14:creationId xmlns:p14="http://schemas.microsoft.com/office/powerpoint/2010/main" val="2353730274"/>
       </p:ext>
     </p:extLst>
   </p:cSld>
@@ -6059,10 +6307,18 @@
           <a:lstStyle/>
           <a:p>
             <a:r>
-              <a:rPr lang="en-US" dirty="0" smtClean="0"/>
-              <a:t>motions</a:t>
-            </a:r>
-            <a:endParaRPr lang="en-US" dirty="0"/>
+              <a:rPr lang="en-US" dirty="0" smtClean="0">
+                <a:solidFill>
+                  <a:schemeClr val="accent2"/>
+                </a:solidFill>
+              </a:rPr>
+              <a:t>insert mode</a:t>
+            </a:r>
+            <a:endParaRPr lang="en-US" dirty="0">
+              <a:solidFill>
+                <a:schemeClr val="accent2"/>
+              </a:solidFill>
+            </a:endParaRPr>
           </a:p>
         </p:txBody>
       </p:sp>
@@ -6076,57 +6332,116 @@
             <p:ph idx="1"/>
           </p:nvPr>
         </p:nvSpPr>
-        <p:spPr/>
-        <p:txBody>
-          <a:bodyPr/>
-          <a:lstStyle/>
-          <a:p>
-            <a:r>
-              <a:rPr lang="en-US" dirty="0" smtClean="0"/>
-              <a:t>move around the file with certain motion keys</a:t>
-            </a:r>
-          </a:p>
-          <a:p>
-            <a:pPr lvl="1"/>
-            <a:r>
-              <a:rPr lang="en-US" dirty="0" smtClean="0"/>
-              <a:t>w – start of next word</a:t>
-            </a:r>
-          </a:p>
-          <a:p>
-            <a:pPr lvl="1"/>
+        <p:spPr>
+          <a:xfrm>
+            <a:off x="457200" y="1600200"/>
+            <a:ext cx="8229600" cy="4800600"/>
+          </a:xfrm>
+        </p:spPr>
+        <p:txBody>
+          <a:bodyPr>
+            <a:normAutofit/>
+          </a:bodyPr>
+          <a:lstStyle/>
+          <a:p>
+            <a:r>
+              <a:rPr lang="en-US" dirty="0" err="1" smtClean="0"/>
+              <a:t>i</a:t>
+            </a:r>
+            <a:r>
+              <a:rPr lang="en-US" dirty="0" smtClean="0"/>
+              <a:t> - insert </a:t>
+            </a:r>
+            <a:r>
+              <a:rPr lang="en-US" dirty="0" smtClean="0">
+                <a:solidFill>
+                  <a:schemeClr val="accent1"/>
+                </a:solidFill>
+              </a:rPr>
+              <a:t>before</a:t>
+            </a:r>
+            <a:r>
+              <a:rPr lang="en-US" dirty="0" smtClean="0"/>
+              <a:t> cursor</a:t>
+            </a:r>
+          </a:p>
+          <a:p>
             <a:endParaRPr lang="en-US" dirty="0" smtClean="0"/>
           </a:p>
           <a:p>
-            <a:pPr lvl="1"/>
-            <a:r>
-              <a:rPr lang="en-US" dirty="0" smtClean="0"/>
-              <a:t>e – end of this word</a:t>
-            </a:r>
-          </a:p>
-          <a:p>
-            <a:pPr lvl="1"/>
+            <a:pPr marL="0" indent="0">
+              <a:buNone/>
+            </a:pPr>
+            <a:r>
+              <a:rPr lang="en-US" dirty="0" smtClean="0"/>
+              <a:t>  type in whatever you’d like</a:t>
+            </a:r>
+          </a:p>
+          <a:p>
             <a:endParaRPr lang="en-US" dirty="0" smtClean="0"/>
           </a:p>
           <a:p>
-            <a:pPr lvl="1"/>
-            <a:r>
-              <a:rPr lang="en-US" dirty="0" smtClean="0"/>
-              <a:t>b – back a word</a:t>
-            </a:r>
+            <a:pPr marL="0" indent="0">
+              <a:buNone/>
+            </a:pPr>
+            <a:r>
+              <a:rPr lang="en-US" dirty="0" smtClean="0"/>
+              <a:t>  &lt;ESC&gt; to get back to normal mode</a:t>
+            </a:r>
+          </a:p>
+          <a:p>
+            <a:endParaRPr lang="en-US" dirty="0" smtClean="0"/>
+          </a:p>
+          <a:p>
+            <a:pPr marL="0" indent="0">
+              <a:buNone/>
+            </a:pPr>
+            <a:r>
+              <a:rPr lang="en-US" sz="2000" dirty="0" smtClean="0">
+                <a:solidFill>
+                  <a:schemeClr val="accent4"/>
+                </a:solidFill>
+              </a:rPr>
+              <a:t>get used to hitting &lt;ESC&gt; after editing text</a:t>
+            </a:r>
+          </a:p>
+          <a:p>
+            <a:pPr marL="0" indent="0">
+              <a:buNone/>
+            </a:pPr>
+            <a:r>
+              <a:rPr lang="en-US" sz="2000" dirty="0" smtClean="0">
+                <a:solidFill>
+                  <a:schemeClr val="accent4"/>
+                </a:solidFill>
+              </a:rPr>
+              <a:t>you’ll always end in normal mode</a:t>
+            </a:r>
+            <a:endParaRPr lang="en-US" sz="2000" dirty="0">
+              <a:solidFill>
+                <a:schemeClr val="accent4"/>
+              </a:solidFill>
+            </a:endParaRPr>
           </a:p>
         </p:txBody>
       </p:sp>
     </p:spTree>
     <p:extLst>
       <p:ext uri="{BB962C8B-B14F-4D97-AF65-F5344CB8AC3E}">
-        <p14:creationId xmlns:p14="http://schemas.microsoft.com/office/powerpoint/2010/main" val="372988858"/>
+        <p14:creationId xmlns:p14="http://schemas.microsoft.com/office/powerpoint/2010/main" val="2913058544"/>
       </p:ext>
     </p:extLst>
   </p:cSld>
   <p:clrMapOvr>
     <a:masterClrMapping/>
   </p:clrMapOvr>
+  <p:timing>
+    <p:tnLst>
+      <p:par>
+        <p:cTn id="1" dur="indefinite" restart="never" nodeType="tmRoot"/>
+      </p:par>
+    </p:tnLst>
+  </p:timing>
 </p:sld>
 </file>
 
@@ -6164,12 +6479,9 @@
           <a:p>
             <a:r>
               <a:rPr lang="en-US" dirty="0" smtClean="0"/>
-              <a:t>more </a:t>
-            </a:r>
-            <a:r>
-              <a:rPr lang="en-US" dirty="0"/>
-              <a:t>motions</a:t>
-            </a:r>
+              <a:t>insert mode</a:t>
+            </a:r>
+            <a:endParaRPr lang="en-US" dirty="0"/>
           </a:p>
         </p:txBody>
       </p:sp>
@@ -6183,62 +6495,94 @@
             <p:ph idx="1"/>
           </p:nvPr>
         </p:nvSpPr>
-        <p:spPr/>
-        <p:txBody>
-          <a:bodyPr/>
-          <a:lstStyle/>
-          <a:p>
-            <a:pPr lvl="1"/>
-            <a:r>
-              <a:rPr lang="en-US" dirty="0"/>
-              <a:t>^ - start of text on this </a:t>
-            </a:r>
-            <a:r>
-              <a:rPr lang="en-US" dirty="0" smtClean="0"/>
-              <a:t>line</a:t>
-            </a:r>
-          </a:p>
-          <a:p>
-            <a:pPr lvl="1"/>
-            <a:endParaRPr lang="en-US" dirty="0"/>
-          </a:p>
-          <a:p>
-            <a:pPr lvl="1"/>
-            <a:r>
-              <a:rPr lang="en-US" dirty="0"/>
-              <a:t>$ - end of this </a:t>
-            </a:r>
-            <a:r>
-              <a:rPr lang="en-US" dirty="0" smtClean="0"/>
-              <a:t>line</a:t>
-            </a:r>
-          </a:p>
-          <a:p>
-            <a:pPr lvl="1"/>
-            <a:endParaRPr lang="en-US" dirty="0"/>
-          </a:p>
-          <a:p>
-            <a:pPr lvl="1"/>
-            <a:r>
-              <a:rPr lang="en-US" dirty="0"/>
-              <a:t>0 – very beginning of this line</a:t>
-            </a:r>
-          </a:p>
-          <a:p>
-            <a:endParaRPr lang="en-US" dirty="0"/>
+        <p:spPr>
+          <a:xfrm>
+            <a:off x="457200" y="1600200"/>
+            <a:ext cx="8229600" cy="4800600"/>
+          </a:xfrm>
+        </p:spPr>
+        <p:txBody>
+          <a:bodyPr>
+            <a:normAutofit/>
+          </a:bodyPr>
+          <a:lstStyle/>
+          <a:p>
+            <a:r>
+              <a:rPr lang="en-US" dirty="0" err="1" smtClean="0"/>
+              <a:t>i</a:t>
+            </a:r>
+            <a:r>
+              <a:rPr lang="en-US" dirty="0" smtClean="0"/>
+              <a:t> - insert </a:t>
+            </a:r>
+            <a:r>
+              <a:rPr lang="en-US" dirty="0" smtClean="0">
+                <a:solidFill>
+                  <a:schemeClr val="accent1"/>
+                </a:solidFill>
+              </a:rPr>
+              <a:t>before</a:t>
+            </a:r>
+            <a:r>
+              <a:rPr lang="en-US" dirty="0" smtClean="0"/>
+              <a:t> cursor</a:t>
+            </a:r>
+          </a:p>
+          <a:p>
+            <a:r>
+              <a:rPr lang="en-US" dirty="0" smtClean="0"/>
+              <a:t>a – insert </a:t>
+            </a:r>
+            <a:r>
+              <a:rPr lang="en-US" dirty="0" smtClean="0">
+                <a:solidFill>
+                  <a:schemeClr val="accent3"/>
+                </a:solidFill>
+              </a:rPr>
+              <a:t>after</a:t>
+            </a:r>
+            <a:r>
+              <a:rPr lang="en-US" dirty="0" smtClean="0"/>
+              <a:t> cursor</a:t>
+            </a:r>
+          </a:p>
+          <a:p>
+            <a:endParaRPr lang="en-US" dirty="0" smtClean="0"/>
+          </a:p>
+          <a:p>
+            <a:endParaRPr lang="en-US" dirty="0" smtClean="0"/>
+          </a:p>
+          <a:p>
+            <a:r>
+              <a:rPr lang="en-US" dirty="0" smtClean="0"/>
+              <a:t>I – insert at start of line</a:t>
+            </a:r>
+          </a:p>
+          <a:p>
+            <a:r>
+              <a:rPr lang="en-US" dirty="0" smtClean="0"/>
+              <a:t>A – append to end of line</a:t>
+            </a:r>
           </a:p>
         </p:txBody>
       </p:sp>
     </p:spTree>
     <p:extLst>
       <p:ext uri="{BB962C8B-B14F-4D97-AF65-F5344CB8AC3E}">
-        <p14:creationId xmlns:p14="http://schemas.microsoft.com/office/powerpoint/2010/main" val="1516594609"/>
+        <p14:creationId xmlns:p14="http://schemas.microsoft.com/office/powerpoint/2010/main" val="1772528704"/>
       </p:ext>
     </p:extLst>
   </p:cSld>
   <p:clrMapOvr>
     <a:masterClrMapping/>
   </p:clrMapOvr>
+  <p:timing>
+    <p:tnLst>
+      <p:par>
+        <p:cTn id="1" dur="indefinite" restart="never" nodeType="tmRoot"/>
+      </p:par>
+    </p:tnLst>
+  </p:timing>
 </p:sld>
 </file>
 
@@ -6269,19 +6613,21 @@
             <p:ph type="title"/>
           </p:nvPr>
         </p:nvSpPr>
-        <p:spPr/>
-        <p:txBody>
-          <a:bodyPr/>
-          <a:lstStyle/>
-          <a:p>
-            <a:r>
-              <a:rPr lang="en-US" dirty="0" smtClean="0"/>
-              <a:t>more </a:t>
-            </a:r>
-            <a:r>
-              <a:rPr lang="en-US" dirty="0"/>
-              <a:t>motions</a:t>
-            </a:r>
+        <p:spPr>
+          <a:xfrm>
+            <a:off x="228600" y="274638"/>
+            <a:ext cx="8686800" cy="1143000"/>
+          </a:xfrm>
+        </p:spPr>
+        <p:txBody>
+          <a:bodyPr/>
+          <a:lstStyle/>
+          <a:p>
+            <a:r>
+              <a:rPr lang="en-US" sz="7200" dirty="0" smtClean="0"/>
+              <a:t>see the pattern?</a:t>
+            </a:r>
+            <a:endParaRPr lang="en-US" sz="7200" dirty="0"/>
           </a:p>
         </p:txBody>
       </p:sp>
@@ -6302,60 +6648,57 @@
           </a:bodyPr>
           <a:lstStyle/>
           <a:p>
-            <a:pPr lvl="1"/>
-            <a:r>
-              <a:rPr lang="en-US" dirty="0" err="1" smtClean="0"/>
-              <a:t>gg</a:t>
-            </a:r>
-            <a:r>
-              <a:rPr lang="en-US" dirty="0" smtClean="0"/>
-              <a:t> – beginning of file</a:t>
+            <a:r>
+              <a:rPr lang="en-US" dirty="0" smtClean="0"/>
+              <a:t>a letter does something</a:t>
             </a:r>
           </a:p>
           <a:p>
             <a:endParaRPr lang="en-US" dirty="0" smtClean="0"/>
           </a:p>
           <a:p>
-            <a:pPr lvl="1"/>
-            <a:r>
-              <a:rPr lang="en-US" dirty="0" smtClean="0"/>
-              <a:t>G – end of file</a:t>
+            <a:r>
+              <a:rPr lang="en-US" dirty="0" smtClean="0"/>
+              <a:t>shift modifies it in some way</a:t>
             </a:r>
           </a:p>
           <a:p>
             <a:endParaRPr lang="en-US" dirty="0" smtClean="0"/>
           </a:p>
           <a:p>
-            <a:pPr lvl="1"/>
-            <a:r>
-              <a:rPr lang="en-US" dirty="0" err="1"/>
-              <a:t>h,j,k,l</a:t>
-            </a:r>
-            <a:r>
-              <a:rPr lang="en-US" dirty="0"/>
-              <a:t> </a:t>
-            </a:r>
-            <a:r>
-              <a:rPr lang="en-US" dirty="0" smtClean="0"/>
-              <a:t>are movements too</a:t>
-            </a:r>
-            <a:endParaRPr lang="en-US" dirty="0"/>
+            <a:r>
+              <a:rPr lang="en-US" dirty="0" smtClean="0"/>
+              <a:t>ctrl also modifies some keys</a:t>
+            </a:r>
           </a:p>
           <a:p>
             <a:endParaRPr lang="en-US" dirty="0" smtClean="0"/>
+          </a:p>
+          <a:p>
+            <a:r>
+              <a:rPr lang="en-US" dirty="0" smtClean="0"/>
+              <a:t>vim is full of patterns</a:t>
+            </a:r>
           </a:p>
         </p:txBody>
       </p:sp>
     </p:spTree>
     <p:extLst>
       <p:ext uri="{BB962C8B-B14F-4D97-AF65-F5344CB8AC3E}">
-        <p14:creationId xmlns:p14="http://schemas.microsoft.com/office/powerpoint/2010/main" val="2442909035"/>
+        <p14:creationId xmlns:p14="http://schemas.microsoft.com/office/powerpoint/2010/main" val="1570060829"/>
       </p:ext>
     </p:extLst>
   </p:cSld>
   <p:clrMapOvr>
     <a:masterClrMapping/>
   </p:clrMapOvr>
+  <p:timing>
+    <p:tnLst>
+      <p:par>
+        <p:cTn id="1" dur="indefinite" restart="never" nodeType="tmRoot"/>
+      </p:par>
+    </p:tnLst>
+  </p:timing>
 </p:sld>
 </file>
 
@@ -6378,7 +6721,7 @@
       </p:grpSpPr>
       <p:sp>
         <p:nvSpPr>
-          <p:cNvPr id="5" name="Title 4"/>
+          <p:cNvPr id="2" name="Title 1"/>
           <p:cNvSpPr>
             <a:spLocks noGrp="1"/>
           </p:cNvSpPr>
@@ -6386,232 +6729,114 @@
             <p:ph type="title"/>
           </p:nvPr>
         </p:nvSpPr>
-        <p:spPr>
-          <a:xfrm>
-            <a:off x="457200" y="304800"/>
-            <a:ext cx="8229600" cy="1143000"/>
-          </a:xfrm>
-        </p:spPr>
-        <p:txBody>
-          <a:bodyPr/>
-          <a:lstStyle/>
-          <a:p>
-            <a:r>
-              <a:rPr lang="en-US" dirty="0" smtClean="0"/>
-              <a:t>who am </a:t>
+        <p:spPr/>
+        <p:txBody>
+          <a:bodyPr/>
+          <a:lstStyle/>
+          <a:p>
+            <a:r>
+              <a:rPr lang="en-US" dirty="0" smtClean="0"/>
+              <a:t>TODO!</a:t>
+            </a:r>
+            <a:endParaRPr lang="en-US" dirty="0"/>
+          </a:p>
+        </p:txBody>
+      </p:sp>
+      <p:sp>
+        <p:nvSpPr>
+          <p:cNvPr id="3" name="Content Placeholder 2"/>
+          <p:cNvSpPr>
+            <a:spLocks noGrp="1"/>
+          </p:cNvSpPr>
+          <p:nvPr>
+            <p:ph idx="1"/>
+          </p:nvPr>
+        </p:nvSpPr>
+        <p:spPr/>
+        <p:txBody>
+          <a:bodyPr>
+            <a:normAutofit/>
+          </a:bodyPr>
+          <a:lstStyle/>
+          <a:p>
+            <a:r>
+              <a:rPr lang="en-US" dirty="0" smtClean="0"/>
+              <a:t>Mention some of the most common commands – </a:t>
             </a:r>
             <a:r>
               <a:rPr lang="en-US" dirty="0" err="1" smtClean="0"/>
-              <a:t>i</a:t>
-            </a:r>
-            <a:r>
-              <a:rPr lang="en-US" dirty="0" smtClean="0"/>
-              <a:t>?</a:t>
+              <a:t>dw</a:t>
+            </a:r>
+            <a:r>
+              <a:rPr lang="en-US" dirty="0" smtClean="0"/>
+              <a:t>, </a:t>
+            </a:r>
+            <a:r>
+              <a:rPr lang="en-US" dirty="0" err="1" smtClean="0"/>
+              <a:t>cw</a:t>
+            </a:r>
+            <a:endParaRPr lang="en-US" dirty="0" smtClean="0"/>
+          </a:p>
+          <a:p>
+            <a:r>
+              <a:rPr lang="en-US" dirty="0" smtClean="0"/>
+              <a:t>There’s a ton of flexibility</a:t>
+            </a:r>
+          </a:p>
+          <a:p>
+            <a:pPr lvl="1"/>
+            <a:r>
+              <a:rPr lang="en-US" dirty="0" smtClean="0"/>
+              <a:t>3dk – delete 3 lines up</a:t>
+            </a:r>
+          </a:p>
+          <a:p>
+            <a:pPr lvl="1"/>
+            <a:r>
+              <a:rPr lang="en-US" dirty="0" smtClean="0"/>
+              <a:t>5,10dd – delete lines 5 thru 10</a:t>
+            </a:r>
+          </a:p>
+          <a:p>
+            <a:r>
+              <a:rPr lang="en-US" dirty="0" smtClean="0"/>
+              <a:t>o and O</a:t>
+            </a:r>
+          </a:p>
+          <a:p>
+            <a:r>
+              <a:rPr lang="en-US" dirty="0"/>
+              <a:t>aw and </a:t>
+            </a:r>
+            <a:r>
+              <a:rPr lang="en-US" dirty="0" err="1"/>
+              <a:t>iw</a:t>
+            </a:r>
+            <a:r>
+              <a:rPr lang="en-US" dirty="0"/>
+              <a:t> can be used with change, yank, </a:t>
+            </a:r>
+            <a:r>
+              <a:rPr lang="en-US" dirty="0" err="1"/>
+              <a:t>etc</a:t>
             </a:r>
             <a:endParaRPr lang="en-US" dirty="0"/>
           </a:p>
-        </p:txBody>
-      </p:sp>
-      <p:sp>
-        <p:nvSpPr>
-          <p:cNvPr id="7" name="Rectangle 6"/>
-          <p:cNvSpPr/>
-          <p:nvPr/>
-        </p:nvSpPr>
-        <p:spPr>
-          <a:xfrm>
-            <a:off x="533400" y="4251204"/>
-            <a:ext cx="6748963" cy="584775"/>
-          </a:xfrm>
-          <a:prstGeom prst="rect">
-            <a:avLst/>
-          </a:prstGeom>
-        </p:spPr>
-        <p:txBody>
-          <a:bodyPr wrap="none">
-            <a:spAutoFit/>
-          </a:bodyPr>
-          <a:lstStyle/>
-          <a:p>
-            <a:pPr lvl="1"/>
-            <a:r>
-              <a:rPr lang="en-US" sz="3200" dirty="0" smtClean="0">
-                <a:solidFill>
-                  <a:schemeClr val="accent1"/>
-                </a:solidFill>
-              </a:rPr>
-              <a:t>aspiring software developer</a:t>
-            </a:r>
-            <a:endParaRPr lang="en-US" sz="3200" dirty="0">
-              <a:solidFill>
-                <a:schemeClr val="accent1"/>
-              </a:solidFill>
-            </a:endParaRPr>
-          </a:p>
-        </p:txBody>
-      </p:sp>
-      <p:sp>
-        <p:nvSpPr>
-          <p:cNvPr id="8" name="Rectangle 7"/>
-          <p:cNvSpPr/>
-          <p:nvPr/>
-        </p:nvSpPr>
-        <p:spPr>
-          <a:xfrm>
-            <a:off x="0" y="3050875"/>
-            <a:ext cx="5266185" cy="1200329"/>
-          </a:xfrm>
-          <a:prstGeom prst="rect">
-            <a:avLst/>
-          </a:prstGeom>
-        </p:spPr>
-        <p:txBody>
-          <a:bodyPr wrap="none">
-            <a:spAutoFit/>
-          </a:bodyPr>
-          <a:lstStyle/>
-          <a:p>
-            <a:r>
-              <a:rPr lang="en-US" sz="7200" dirty="0" err="1">
-                <a:solidFill>
-                  <a:schemeClr val="accent2"/>
-                </a:solidFill>
-              </a:rPr>
-              <a:t>k</a:t>
-            </a:r>
-            <a:r>
-              <a:rPr lang="en-US" sz="7200" dirty="0" err="1" smtClean="0">
-                <a:solidFill>
-                  <a:schemeClr val="accent2"/>
-                </a:solidFill>
-              </a:rPr>
-              <a:t>yle</a:t>
-            </a:r>
-            <a:r>
-              <a:rPr lang="en-US" sz="7200" dirty="0" smtClean="0">
-                <a:solidFill>
-                  <a:schemeClr val="accent2"/>
-                </a:solidFill>
-              </a:rPr>
-              <a:t> </a:t>
-            </a:r>
-            <a:r>
-              <a:rPr lang="en-US" sz="7200" dirty="0" err="1" smtClean="0">
-                <a:solidFill>
-                  <a:schemeClr val="accent2"/>
-                </a:solidFill>
-              </a:rPr>
-              <a:t>tolle</a:t>
-            </a:r>
-            <a:endParaRPr lang="en-US" sz="7200" dirty="0" smtClean="0">
-              <a:solidFill>
-                <a:schemeClr val="accent2"/>
-              </a:solidFill>
-            </a:endParaRPr>
-          </a:p>
-        </p:txBody>
-      </p:sp>
-      <p:sp>
-        <p:nvSpPr>
-          <p:cNvPr id="9" name="Rectangle 8"/>
-          <p:cNvSpPr/>
-          <p:nvPr/>
-        </p:nvSpPr>
-        <p:spPr>
-          <a:xfrm>
-            <a:off x="0" y="6508326"/>
-            <a:ext cx="1451038" cy="369332"/>
-          </a:xfrm>
-          <a:prstGeom prst="rect">
-            <a:avLst/>
-          </a:prstGeom>
-        </p:spPr>
-        <p:txBody>
-          <a:bodyPr wrap="none">
-            <a:spAutoFit/>
-          </a:bodyPr>
-          <a:lstStyle/>
-          <a:p>
-            <a:r>
-              <a:rPr lang="en-US" dirty="0" smtClean="0">
-                <a:solidFill>
-                  <a:schemeClr val="accent3"/>
-                </a:solidFill>
-              </a:rPr>
-              <a:t>@</a:t>
-            </a:r>
-            <a:r>
-              <a:rPr lang="en-US" dirty="0" err="1" smtClean="0">
-                <a:solidFill>
-                  <a:schemeClr val="accent3"/>
-                </a:solidFill>
-              </a:rPr>
-              <a:t>kyletolle</a:t>
-            </a:r>
-            <a:endParaRPr lang="en-US" dirty="0" smtClean="0">
-              <a:solidFill>
-                <a:schemeClr val="accent3"/>
-              </a:solidFill>
-            </a:endParaRPr>
-          </a:p>
-        </p:txBody>
-      </p:sp>
-      <p:sp>
-        <p:nvSpPr>
-          <p:cNvPr id="11" name="Rectangle 10"/>
-          <p:cNvSpPr/>
-          <p:nvPr/>
-        </p:nvSpPr>
-        <p:spPr>
-          <a:xfrm>
-            <a:off x="5413492" y="6498096"/>
-            <a:ext cx="3730508" cy="646331"/>
-          </a:xfrm>
-          <a:prstGeom prst="rect">
-            <a:avLst/>
-          </a:prstGeom>
-        </p:spPr>
-        <p:txBody>
-          <a:bodyPr wrap="none">
-            <a:spAutoFit/>
-          </a:bodyPr>
-          <a:lstStyle/>
-          <a:p>
-            <a:r>
-              <a:rPr lang="en-US" dirty="0" smtClean="0">
-                <a:solidFill>
-                  <a:schemeClr val="accent3"/>
-                </a:solidFill>
-              </a:rPr>
-              <a:t>https://github.com/kyletolle</a:t>
-            </a:r>
-          </a:p>
-          <a:p>
-            <a:endParaRPr lang="en-US" dirty="0" smtClean="0">
-              <a:solidFill>
-                <a:schemeClr val="accent3"/>
-              </a:solidFill>
-            </a:endParaRPr>
+          <a:p>
+            <a:endParaRPr lang="en-US" dirty="0" smtClean="0"/>
           </a:p>
         </p:txBody>
       </p:sp>
     </p:spTree>
     <p:extLst>
       <p:ext uri="{BB962C8B-B14F-4D97-AF65-F5344CB8AC3E}">
-        <p14:creationId xmlns:p14="http://schemas.microsoft.com/office/powerpoint/2010/main" val="3638783891"/>
+        <p14:creationId xmlns:p14="http://schemas.microsoft.com/office/powerpoint/2010/main" val="3583106580"/>
       </p:ext>
     </p:extLst>
   </p:cSld>
   <p:clrMapOvr>
     <a:masterClrMapping/>
   </p:clrMapOvr>
-  <p:timing>
-    <p:tnLst>
-      <p:par>
-        <p:cTn id="1" dur="indefinite" restart="never" nodeType="tmRoot"/>
-      </p:par>
-    </p:tnLst>
-  </p:timing>
 </p:sld>
 </file>
 
@@ -6648,68 +6873,68 @@
           <a:lstStyle/>
           <a:p>
             <a:r>
-              <a:rPr lang="en-US" dirty="0" smtClean="0"/>
-              <a:t>more </a:t>
-            </a:r>
+              <a:rPr lang="en-US" sz="7200" dirty="0" smtClean="0"/>
+              <a:t>help is helpful</a:t>
+            </a:r>
+            <a:endParaRPr lang="en-US" sz="7200" dirty="0"/>
+          </a:p>
+        </p:txBody>
+      </p:sp>
+      <p:sp>
+        <p:nvSpPr>
+          <p:cNvPr id="3" name="Content Placeholder 2"/>
+          <p:cNvSpPr>
+            <a:spLocks noGrp="1"/>
+          </p:cNvSpPr>
+          <p:nvPr>
+            <p:ph idx="1"/>
+          </p:nvPr>
+        </p:nvSpPr>
+        <p:spPr/>
+        <p:txBody>
+          <a:bodyPr/>
+          <a:lstStyle/>
+          <a:p>
             <a:r>
               <a:rPr lang="en-US" dirty="0"/>
-              <a:t>motions</a:t>
-            </a:r>
-          </a:p>
-        </p:txBody>
-      </p:sp>
-      <p:sp>
-        <p:nvSpPr>
-          <p:cNvPr id="3" name="Content Placeholder 2"/>
-          <p:cNvSpPr>
-            <a:spLocks noGrp="1"/>
-          </p:cNvSpPr>
-          <p:nvPr>
-            <p:ph idx="1"/>
-          </p:nvPr>
-        </p:nvSpPr>
-        <p:spPr/>
-        <p:txBody>
-          <a:bodyPr/>
-          <a:lstStyle/>
+              <a:t>type one of the following</a:t>
+            </a:r>
+          </a:p>
           <a:p>
             <a:pPr lvl="1"/>
             <a:r>
-              <a:rPr lang="en-US" dirty="0" smtClean="0"/>
-              <a:t>f{char} – moves cursor forward (right) to first occurrence of char</a:t>
-            </a:r>
+              <a:rPr lang="en-US" dirty="0"/>
+              <a:t>:help </a:t>
+            </a:r>
+            <a:r>
+              <a:rPr lang="en-US" dirty="0" err="1"/>
+              <a:t>i</a:t>
+            </a:r>
+            <a:endParaRPr lang="en-US" dirty="0"/>
           </a:p>
           <a:p>
             <a:pPr lvl="1"/>
+            <a:r>
+              <a:rPr lang="en-US" dirty="0"/>
+              <a:t>:help I</a:t>
+            </a:r>
+          </a:p>
+          <a:p>
             <a:endParaRPr lang="en-US" dirty="0" smtClean="0"/>
           </a:p>
           <a:p>
-            <a:pPr lvl="1"/>
-            <a:r>
-              <a:rPr lang="en-US" dirty="0" smtClean="0"/>
-              <a:t>F{char} – like f, but to the left</a:t>
-            </a:r>
-          </a:p>
-          <a:p>
-            <a:pPr lvl="1"/>
-            <a:endParaRPr lang="en-US" dirty="0" smtClean="0"/>
-          </a:p>
-          <a:p>
-            <a:pPr lvl="1"/>
-            <a:r>
-              <a:rPr lang="en-US" dirty="0" smtClean="0"/>
-              <a:t>t{char} – moves cursor forward just before first occurrence of char</a:t>
-            </a:r>
-          </a:p>
-          <a:p>
-            <a:pPr lvl="1"/>
+            <a:r>
+              <a:rPr lang="en-US" dirty="0" smtClean="0"/>
+              <a:t>use :help to figure out what any key does</a:t>
+            </a:r>
+          </a:p>
+          <a:p>
             <a:endParaRPr lang="en-US" dirty="0"/>
           </a:p>
           <a:p>
-            <a:pPr lvl="1"/>
-            <a:r>
-              <a:rPr lang="en-US" dirty="0" smtClean="0"/>
-              <a:t>T{char} – like t, but to the left</a:t>
+            <a:r>
+              <a:rPr lang="en-US" dirty="0" smtClean="0"/>
+              <a:t>tab completion works here!</a:t>
             </a:r>
             <a:endParaRPr lang="en-US" dirty="0"/>
           </a:p>
@@ -6718,7 +6943,7 @@
     </p:spTree>
     <p:extLst>
       <p:ext uri="{BB962C8B-B14F-4D97-AF65-F5344CB8AC3E}">
-        <p14:creationId xmlns:p14="http://schemas.microsoft.com/office/powerpoint/2010/main" val="3273054452"/>
+        <p14:creationId xmlns:p14="http://schemas.microsoft.com/office/powerpoint/2010/main" val="3682792564"/>
       </p:ext>
     </p:extLst>
   </p:cSld>
@@ -6755,16 +6980,21 @@
             <p:ph type="title"/>
           </p:nvPr>
         </p:nvSpPr>
-        <p:spPr/>
-        <p:txBody>
-          <a:bodyPr/>
-          <a:lstStyle/>
-          <a:p>
-            <a:r>
-              <a:rPr lang="en-US" sz="8000" dirty="0" smtClean="0"/>
-              <a:t>bigger picture</a:t>
-            </a:r>
-            <a:endParaRPr lang="en-US" sz="8000" dirty="0"/>
+        <p:spPr>
+          <a:xfrm>
+            <a:off x="76200" y="274638"/>
+            <a:ext cx="9067800" cy="1143000"/>
+          </a:xfrm>
+        </p:spPr>
+        <p:txBody>
+          <a:bodyPr/>
+          <a:lstStyle/>
+          <a:p>
+            <a:r>
+              <a:rPr lang="en-US" dirty="0" smtClean="0"/>
+              <a:t>window splits</a:t>
+            </a:r>
+            <a:endParaRPr lang="en-US" dirty="0"/>
           </a:p>
         </p:txBody>
       </p:sp>
@@ -6780,55 +7010,30 @@
         </p:nvSpPr>
         <p:spPr/>
         <p:txBody>
-          <a:bodyPr>
-            <a:normAutofit/>
-          </a:bodyPr>
-          <a:lstStyle/>
-          <a:p>
-            <a:r>
-              <a:rPr lang="en-US" dirty="0" smtClean="0"/>
-              <a:t>pair motions with commands</a:t>
-            </a:r>
-          </a:p>
-          <a:p>
-            <a:endParaRPr lang="en-US" dirty="0" smtClean="0"/>
-          </a:p>
-          <a:p>
-            <a:r>
-              <a:rPr lang="en-US" dirty="0" smtClean="0"/>
-              <a:t>general formula is</a:t>
-            </a:r>
-          </a:p>
-          <a:p>
-            <a:pPr lvl="1"/>
-            <a:r>
-              <a:rPr lang="en-US" dirty="0" smtClean="0"/>
-              <a:t>#command{motion}</a:t>
-            </a:r>
-          </a:p>
-          <a:p>
-            <a:pPr lvl="2"/>
-            <a:r>
-              <a:rPr lang="en-US" dirty="0" smtClean="0"/>
-              <a:t>perform the command this many times</a:t>
-            </a:r>
-          </a:p>
-          <a:p>
-            <a:pPr lvl="2"/>
-            <a:r>
-              <a:rPr lang="en-US" dirty="0"/>
-              <a:t>w</a:t>
-            </a:r>
-            <a:r>
-              <a:rPr lang="en-US" dirty="0" smtClean="0"/>
-              <a:t>hat command to perform</a:t>
-            </a:r>
-          </a:p>
-          <a:p>
-            <a:pPr lvl="2"/>
-            <a:r>
-              <a:rPr lang="en-US" dirty="0" smtClean="0"/>
-              <a:t>what motion to perform the command over</a:t>
+          <a:bodyPr/>
+          <a:lstStyle/>
+          <a:p>
+            <a:r>
+              <a:rPr lang="en-US" dirty="0" smtClean="0"/>
+              <a:t>the :help command split the window</a:t>
+            </a:r>
+          </a:p>
+          <a:p>
+            <a:endParaRPr lang="en-US" dirty="0"/>
+          </a:p>
+          <a:p>
+            <a:r>
+              <a:rPr lang="en-US" dirty="0" smtClean="0"/>
+              <a:t>we’ll learn more about this later</a:t>
+            </a:r>
+          </a:p>
+          <a:p>
+            <a:endParaRPr lang="en-US" dirty="0"/>
+          </a:p>
+          <a:p>
+            <a:r>
+              <a:rPr lang="en-US" dirty="0" smtClean="0"/>
+              <a:t>for now, know that :q closes it</a:t>
             </a:r>
             <a:endParaRPr lang="en-US" dirty="0"/>
           </a:p>
@@ -6837,7 +7042,7 @@
     </p:spTree>
     <p:extLst>
       <p:ext uri="{BB962C8B-B14F-4D97-AF65-F5344CB8AC3E}">
-        <p14:creationId xmlns:p14="http://schemas.microsoft.com/office/powerpoint/2010/main" val="3337788353"/>
+        <p14:creationId xmlns:p14="http://schemas.microsoft.com/office/powerpoint/2010/main" val="2524525004"/>
       </p:ext>
     </p:extLst>
   </p:cSld>
@@ -6881,7 +7086,7 @@
           <a:p>
             <a:r>
               <a:rPr lang="en-US" dirty="0" smtClean="0"/>
-              <a:t>commands</a:t>
+              <a:t>writing file</a:t>
             </a:r>
             <a:endParaRPr lang="en-US" dirty="0"/>
           </a:p>
@@ -6906,38 +7111,33 @@
           <a:p>
             <a:r>
               <a:rPr lang="en-US" dirty="0" smtClean="0"/>
-              <a:t>manipulate text from normal mode</a:t>
-            </a:r>
-          </a:p>
-          <a:p>
-            <a:endParaRPr lang="en-US" dirty="0" smtClean="0"/>
-          </a:p>
-          <a:p>
-            <a:pPr lvl="1"/>
-            <a:r>
-              <a:rPr lang="en-US" dirty="0" smtClean="0"/>
-              <a:t>d{motion} – delete</a:t>
-            </a:r>
-          </a:p>
-          <a:p>
-            <a:endParaRPr lang="en-US" dirty="0" smtClean="0"/>
-          </a:p>
-          <a:p>
-            <a:pPr lvl="1"/>
-            <a:r>
-              <a:rPr lang="en-US" dirty="0" smtClean="0"/>
-              <a:t>c{motion} – change</a:t>
-            </a:r>
-          </a:p>
-          <a:p>
-            <a:endParaRPr lang="en-US" dirty="0" smtClean="0"/>
+              <a:t>we made some changes we want to save</a:t>
+            </a:r>
+          </a:p>
+          <a:p>
+            <a:endParaRPr lang="en-US" dirty="0"/>
+          </a:p>
+          <a:p>
+            <a:r>
+              <a:rPr lang="en-US" dirty="0" smtClean="0"/>
+              <a:t>:w writes the file</a:t>
+            </a:r>
+          </a:p>
+          <a:p>
+            <a:endParaRPr lang="en-US" dirty="0"/>
+          </a:p>
+          <a:p>
+            <a:r>
+              <a:rPr lang="en-US" dirty="0" smtClean="0"/>
+              <a:t>if not in normal mode, :w’s may appear in your file!</a:t>
+            </a:r>
           </a:p>
         </p:txBody>
       </p:sp>
     </p:spTree>
     <p:extLst>
       <p:ext uri="{BB962C8B-B14F-4D97-AF65-F5344CB8AC3E}">
-        <p14:creationId xmlns:p14="http://schemas.microsoft.com/office/powerpoint/2010/main" val="1237100760"/>
+        <p14:creationId xmlns:p14="http://schemas.microsoft.com/office/powerpoint/2010/main" val="2905576294"/>
       </p:ext>
     </p:extLst>
   </p:cSld>
@@ -6981,7 +7181,7 @@
           <a:p>
             <a:r>
               <a:rPr lang="en-US" dirty="0" smtClean="0"/>
-              <a:t>copy/paste</a:t>
+              <a:t>commands</a:t>
             </a:r>
             <a:endParaRPr lang="en-US" dirty="0"/>
           </a:p>
@@ -6999,46 +7199,77 @@
         </p:nvSpPr>
         <p:spPr/>
         <p:txBody>
-          <a:bodyPr/>
-          <a:lstStyle/>
-          <a:p>
+          <a:bodyPr>
+            <a:normAutofit/>
+          </a:bodyPr>
+          <a:lstStyle/>
+          <a:p>
+            <a:r>
+              <a:rPr lang="en-US" dirty="0" smtClean="0"/>
+              <a:t>from normal mode, type :</a:t>
+            </a:r>
+          </a:p>
+          <a:p>
+            <a:pPr lvl="1"/>
+            <a:r>
+              <a:rPr lang="en-US" dirty="0" smtClean="0"/>
+              <a:t>:w - write</a:t>
+            </a:r>
+          </a:p>
+          <a:p>
+            <a:pPr lvl="1"/>
+            <a:r>
+              <a:rPr lang="en-US" dirty="0" smtClean="0"/>
+              <a:t>:q - quit</a:t>
+            </a:r>
+          </a:p>
+          <a:p>
+            <a:pPr lvl="1"/>
+            <a:r>
+              <a:rPr lang="en-US" dirty="0" smtClean="0"/>
+              <a:t>:e – edit (without arguments reloads current file</a:t>
+            </a:r>
             <a:r>
               <a:rPr lang="en-US" dirty="0"/>
-              <a:t>y{motion} – </a:t>
-            </a:r>
-            <a:r>
-              <a:rPr lang="en-US" dirty="0" smtClean="0"/>
-              <a:t>yank</a:t>
-            </a:r>
-          </a:p>
-          <a:p>
-            <a:endParaRPr lang="en-US" dirty="0"/>
-          </a:p>
-          <a:p>
-            <a:r>
-              <a:rPr lang="en-US" dirty="0" smtClean="0"/>
-              <a:t>p – paste after cursor</a:t>
-            </a:r>
-          </a:p>
-          <a:p>
-            <a:r>
-              <a:rPr lang="en-US" dirty="0" smtClean="0"/>
-              <a:t>P – paste before cursor</a:t>
-            </a:r>
-            <a:endParaRPr lang="en-US" dirty="0"/>
+              <a:t>)</a:t>
+            </a:r>
+            <a:endParaRPr lang="en-US" dirty="0" smtClean="0"/>
+          </a:p>
+          <a:p>
+            <a:pPr lvl="1"/>
+            <a:r>
+              <a:rPr lang="en-US" dirty="0" smtClean="0"/>
+              <a:t>append a ! to force the command</a:t>
+            </a:r>
+          </a:p>
+          <a:p>
+            <a:endParaRPr lang="en-US" dirty="0" smtClean="0"/>
+          </a:p>
+          <a:p>
+            <a:r>
+              <a:rPr lang="en-US" dirty="0" smtClean="0"/>
+              <a:t>:help :e</a:t>
+            </a:r>
           </a:p>
         </p:txBody>
       </p:sp>
     </p:spTree>
     <p:extLst>
       <p:ext uri="{BB962C8B-B14F-4D97-AF65-F5344CB8AC3E}">
-        <p14:creationId xmlns:p14="http://schemas.microsoft.com/office/powerpoint/2010/main" val="1930338765"/>
+        <p14:creationId xmlns:p14="http://schemas.microsoft.com/office/powerpoint/2010/main" val="2587255804"/>
       </p:ext>
     </p:extLst>
   </p:cSld>
   <p:clrMapOvr>
     <a:masterClrMapping/>
   </p:clrMapOvr>
+  <p:timing>
+    <p:tnLst>
+      <p:par>
+        <p:cTn id="1" dur="indefinite" restart="never" nodeType="tmRoot"/>
+      </p:par>
+    </p:tnLst>
+  </p:timing>
 </p:sld>
 </file>
 
@@ -7075,14 +7306,10 @@
           <a:lstStyle/>
           <a:p>
             <a:r>
-              <a:rPr lang="en-US" sz="6600" dirty="0" err="1" smtClean="0"/>
-              <a:t>linewise</a:t>
-            </a:r>
-            <a:r>
-              <a:rPr lang="en-US" sz="6600" dirty="0" smtClean="0"/>
-              <a:t> motions</a:t>
-            </a:r>
-            <a:endParaRPr lang="en-US" sz="6600" dirty="0"/>
+              <a:rPr lang="en-US" dirty="0" smtClean="0"/>
+              <a:t>motions</a:t>
+            </a:r>
+            <a:endParaRPr lang="en-US" dirty="0"/>
           </a:p>
         </p:txBody>
       </p:sp>
@@ -7103,59 +7330,44 @@
           <a:p>
             <a:r>
               <a:rPr lang="en-US" dirty="0" smtClean="0"/>
-              <a:t>work on whole line</a:t>
+              <a:t>move around the file with certain motion keys</a:t>
             </a:r>
           </a:p>
           <a:p>
             <a:pPr lvl="1"/>
             <a:r>
-              <a:rPr lang="en-US" dirty="0" err="1" smtClean="0"/>
-              <a:t>dd</a:t>
-            </a:r>
-            <a:r>
-              <a:rPr lang="en-US" dirty="0" smtClean="0"/>
-              <a:t> - delete</a:t>
+              <a:rPr lang="en-US" dirty="0" smtClean="0"/>
+              <a:t>w – start of next word</a:t>
             </a:r>
           </a:p>
           <a:p>
             <a:pPr lvl="1"/>
-            <a:r>
-              <a:rPr lang="en-US" dirty="0" smtClean="0"/>
-              <a:t>cc - change</a:t>
-            </a:r>
+            <a:endParaRPr lang="en-US" dirty="0" smtClean="0"/>
           </a:p>
           <a:p>
             <a:pPr lvl="1"/>
             <a:r>
-              <a:rPr lang="en-US" dirty="0" err="1" smtClean="0"/>
-              <a:t>yy</a:t>
-            </a:r>
-            <a:r>
-              <a:rPr lang="en-US" dirty="0" smtClean="0"/>
-              <a:t> - yank</a:t>
+              <a:rPr lang="en-US" dirty="0" smtClean="0"/>
+              <a:t>e – end of this word</a:t>
             </a:r>
           </a:p>
           <a:p>
             <a:pPr lvl="1"/>
-            <a:r>
-              <a:rPr lang="en-US" dirty="0" smtClean="0"/>
-              <a:t>&gt;&gt; - indent</a:t>
-            </a:r>
+            <a:endParaRPr lang="en-US" dirty="0" smtClean="0"/>
           </a:p>
           <a:p>
             <a:pPr lvl="1"/>
             <a:r>
               <a:rPr lang="en-US" dirty="0" smtClean="0"/>
-              <a:t>&lt;&lt; - de-indent</a:t>
-            </a:r>
-            <a:endParaRPr lang="en-US" dirty="0"/>
+              <a:t>b – back a word</a:t>
+            </a:r>
           </a:p>
         </p:txBody>
       </p:sp>
     </p:spTree>
     <p:extLst>
       <p:ext uri="{BB962C8B-B14F-4D97-AF65-F5344CB8AC3E}">
-        <p14:creationId xmlns:p14="http://schemas.microsoft.com/office/powerpoint/2010/main" val="328306012"/>
+        <p14:creationId xmlns:p14="http://schemas.microsoft.com/office/powerpoint/2010/main" val="372988858"/>
       </p:ext>
     </p:extLst>
   </p:cSld>
@@ -7198,10 +7410,13 @@
           <a:lstStyle/>
           <a:p>
             <a:r>
-              <a:rPr lang="en-US" sz="6000" dirty="0" smtClean="0"/>
-              <a:t>a word, inner word</a:t>
-            </a:r>
-            <a:endParaRPr lang="en-US" sz="6000" dirty="0"/>
+              <a:rPr lang="en-US" dirty="0" smtClean="0"/>
+              <a:t>more </a:t>
+            </a:r>
+            <a:r>
+              <a:rPr lang="en-US" dirty="0"/>
+              <a:t>motions</a:t>
+            </a:r>
           </a:p>
         </p:txBody>
       </p:sp>
@@ -7217,85 +7432,44 @@
         </p:nvSpPr>
         <p:spPr/>
         <p:txBody>
-          <a:bodyPr>
-            <a:normAutofit fontScale="85000" lnSpcReduction="20000"/>
-          </a:bodyPr>
-          <a:lstStyle/>
-          <a:p>
-            <a:r>
-              <a:rPr lang="en-US" dirty="0" smtClean="0"/>
-              <a:t>d{motion} deletes from cursor to motion</a:t>
-            </a:r>
-          </a:p>
-          <a:p>
+          <a:bodyPr/>
+          <a:lstStyle/>
+          <a:p>
+            <a:pPr lvl="1"/>
+            <a:r>
+              <a:rPr lang="en-US" dirty="0"/>
+              <a:t>^ - start of text on this </a:t>
+            </a:r>
+            <a:r>
+              <a:rPr lang="en-US" dirty="0" smtClean="0"/>
+              <a:t>line</a:t>
+            </a:r>
+          </a:p>
+          <a:p>
+            <a:pPr lvl="1"/>
             <a:endParaRPr lang="en-US" dirty="0"/>
           </a:p>
           <a:p>
-            <a:r>
-              <a:rPr lang="en-US" dirty="0" smtClean="0"/>
-              <a:t>there’s a way to work on whole word.</a:t>
-            </a:r>
-          </a:p>
-          <a:p>
             <a:pPr lvl="1"/>
             <a:r>
-              <a:rPr lang="en-US" dirty="0" smtClean="0"/>
-              <a:t>:help aw or :help </a:t>
-            </a:r>
-            <a:r>
-              <a:rPr lang="en-US" dirty="0" err="1" smtClean="0"/>
-              <a:t>iw</a:t>
-            </a:r>
-            <a:endParaRPr lang="en-US" dirty="0" smtClean="0"/>
+              <a:rPr lang="en-US" dirty="0"/>
+              <a:t>$ - end of this </a:t>
+            </a:r>
+            <a:r>
+              <a:rPr lang="en-US" dirty="0" smtClean="0"/>
+              <a:t>line</a:t>
+            </a:r>
           </a:p>
           <a:p>
             <a:pPr lvl="1"/>
-            <a:r>
-              <a:rPr lang="en-US" dirty="0" smtClean="0"/>
-              <a:t>part of a larger pattern, of course</a:t>
-            </a:r>
-          </a:p>
-          <a:p>
-            <a:endParaRPr lang="en-US" dirty="0" smtClean="0"/>
-          </a:p>
-          <a:p>
-            <a:r>
-              <a:rPr lang="en-US" dirty="0" err="1"/>
-              <a:t>daw</a:t>
-            </a:r>
+            <a:endParaRPr lang="en-US" dirty="0"/>
+          </a:p>
+          <a:p>
+            <a:pPr lvl="1"/>
             <a:r>
               <a:rPr lang="en-US" dirty="0"/>
-              <a:t> – delete a </a:t>
-            </a:r>
-            <a:r>
-              <a:rPr lang="en-US" dirty="0" smtClean="0"/>
-              <a:t>word - </a:t>
-            </a:r>
-            <a:r>
-              <a:rPr lang="en-US" dirty="0"/>
-              <a:t>also deletes whitespace </a:t>
-            </a:r>
-            <a:r>
-              <a:rPr lang="en-US" dirty="0" smtClean="0"/>
-              <a:t>following word</a:t>
-            </a:r>
-            <a:endParaRPr lang="en-US" dirty="0"/>
-          </a:p>
-          <a:p>
-            <a:endParaRPr lang="en-US" dirty="0" smtClean="0"/>
-          </a:p>
-          <a:p>
-            <a:r>
-              <a:rPr lang="en-US" dirty="0" err="1" smtClean="0"/>
-              <a:t>diw</a:t>
-            </a:r>
-            <a:r>
-              <a:rPr lang="en-US" dirty="0" smtClean="0"/>
-              <a:t> – delete inner word - only deletes text; leaves whitespace</a:t>
-            </a:r>
-          </a:p>
-          <a:p>
-            <a:endParaRPr lang="en-US" dirty="0" smtClean="0"/>
+              <a:t>0 – very beginning of this line</a:t>
+            </a:r>
           </a:p>
           <a:p>
             <a:endParaRPr lang="en-US" dirty="0"/>
@@ -7305,7 +7479,7 @@
     </p:spTree>
     <p:extLst>
       <p:ext uri="{BB962C8B-B14F-4D97-AF65-F5344CB8AC3E}">
-        <p14:creationId xmlns:p14="http://schemas.microsoft.com/office/powerpoint/2010/main" val="2352913784"/>
+        <p14:creationId xmlns:p14="http://schemas.microsoft.com/office/powerpoint/2010/main" val="1516594609"/>
       </p:ext>
     </p:extLst>
   </p:cSld>
@@ -7349,9 +7523,12 @@
           <a:p>
             <a:r>
               <a:rPr lang="en-US" dirty="0" smtClean="0"/>
-              <a:t>oops</a:t>
-            </a:r>
-            <a:endParaRPr lang="en-US" dirty="0"/>
+              <a:t>more </a:t>
+            </a:r>
+            <a:r>
+              <a:rPr lang="en-US" dirty="0"/>
+              <a:t>motions</a:t>
+            </a:r>
           </a:p>
         </p:txBody>
       </p:sp>
@@ -7372,32 +7549,54 @@
           </a:bodyPr>
           <a:lstStyle/>
           <a:p>
-            <a:r>
-              <a:rPr lang="en-US" dirty="0" smtClean="0"/>
-              <a:t>u – undo</a:t>
-            </a:r>
-          </a:p>
-          <a:p>
-            <a:r>
-              <a:rPr lang="en-US" dirty="0" smtClean="0"/>
-              <a:t>U – undo all changes made to this line</a:t>
+            <a:pPr lvl="1"/>
+            <a:r>
+              <a:rPr lang="en-US" dirty="0" err="1" smtClean="0"/>
+              <a:t>gg</a:t>
+            </a:r>
+            <a:r>
+              <a:rPr lang="en-US" dirty="0" smtClean="0"/>
+              <a:t> – beginning of file</a:t>
             </a:r>
           </a:p>
           <a:p>
             <a:endParaRPr lang="en-US" dirty="0" smtClean="0"/>
           </a:p>
           <a:p>
-            <a:r>
-              <a:rPr lang="en-US" dirty="0" smtClean="0"/>
-              <a:t>Ctrl-r – redo</a:t>
-            </a:r>
+            <a:pPr lvl="1"/>
+            <a:r>
+              <a:rPr lang="en-US" dirty="0" smtClean="0"/>
+              <a:t>G – end of file</a:t>
+            </a:r>
+          </a:p>
+          <a:p>
+            <a:endParaRPr lang="en-US" dirty="0" smtClean="0"/>
+          </a:p>
+          <a:p>
+            <a:pPr lvl="1"/>
+            <a:r>
+              <a:rPr lang="en-US" dirty="0" err="1"/>
+              <a:t>h,j,k,l</a:t>
+            </a:r>
+            <a:r>
+              <a:rPr lang="en-US" dirty="0"/>
+              <a:t> </a:t>
+            </a:r>
+            <a:r>
+              <a:rPr lang="en-US" dirty="0" smtClean="0"/>
+              <a:t>are movements too</a:t>
+            </a:r>
+            <a:endParaRPr lang="en-US" dirty="0"/>
+          </a:p>
+          <a:p>
+            <a:endParaRPr lang="en-US" dirty="0" smtClean="0"/>
           </a:p>
         </p:txBody>
       </p:sp>
     </p:spTree>
     <p:extLst>
       <p:ext uri="{BB962C8B-B14F-4D97-AF65-F5344CB8AC3E}">
-        <p14:creationId xmlns:p14="http://schemas.microsoft.com/office/powerpoint/2010/main" val="3176231640"/>
+        <p14:creationId xmlns:p14="http://schemas.microsoft.com/office/powerpoint/2010/main" val="2442909035"/>
       </p:ext>
     </p:extLst>
   </p:cSld>
@@ -7440,10 +7639,13 @@
           <a:lstStyle/>
           <a:p>
             <a:r>
-              <a:rPr lang="en-US" sz="8000" dirty="0" smtClean="0"/>
-              <a:t>jumping around</a:t>
-            </a:r>
-            <a:endParaRPr lang="en-US" sz="8000" dirty="0"/>
+              <a:rPr lang="en-US" dirty="0" smtClean="0"/>
+              <a:t>more </a:t>
+            </a:r>
+            <a:r>
+              <a:rPr lang="en-US" dirty="0"/>
+              <a:t>motions</a:t>
+            </a:r>
           </a:p>
         </p:txBody>
       </p:sp>
@@ -7459,51 +7661,46 @@
         </p:nvSpPr>
         <p:spPr/>
         <p:txBody>
-          <a:bodyPr>
-            <a:normAutofit lnSpcReduction="10000"/>
-          </a:bodyPr>
-          <a:lstStyle/>
-          <a:p>
+          <a:bodyPr/>
+          <a:lstStyle/>
+          <a:p>
+            <a:pPr lvl="1"/>
+            <a:r>
+              <a:rPr lang="en-US" dirty="0" smtClean="0"/>
+              <a:t>f{char} – moves cursor forward (right) to first occurrence of char</a:t>
+            </a:r>
+          </a:p>
+          <a:p>
+            <a:pPr lvl="1"/>
             <a:endParaRPr lang="en-US" dirty="0" smtClean="0"/>
           </a:p>
           <a:p>
-            <a:r>
-              <a:rPr lang="en-US" dirty="0" smtClean="0"/>
-              <a:t>Ctrl-f </a:t>
-            </a:r>
-            <a:r>
-              <a:rPr lang="en-US" dirty="0"/>
-              <a:t>– jump forward a screen</a:t>
-            </a:r>
-          </a:p>
-          <a:p>
-            <a:r>
-              <a:rPr lang="en-US" dirty="0"/>
-              <a:t>Ctrl-b – jump backward a screen</a:t>
-            </a:r>
-          </a:p>
-          <a:p>
+            <a:pPr lvl="1"/>
+            <a:r>
+              <a:rPr lang="en-US" dirty="0" smtClean="0"/>
+              <a:t>F{char} – like f, but to the left</a:t>
+            </a:r>
+          </a:p>
+          <a:p>
+            <a:pPr lvl="1"/>
+            <a:endParaRPr lang="en-US" dirty="0" smtClean="0"/>
+          </a:p>
+          <a:p>
+            <a:pPr lvl="1"/>
+            <a:r>
+              <a:rPr lang="en-US" dirty="0" smtClean="0"/>
+              <a:t>t{char} – moves cursor forward just before first occurrence of char</a:t>
+            </a:r>
+          </a:p>
+          <a:p>
+            <a:pPr lvl="1"/>
             <a:endParaRPr lang="en-US" dirty="0"/>
           </a:p>
           <a:p>
-            <a:r>
-              <a:rPr lang="en-US" dirty="0"/>
-              <a:t>:# - to go to line #</a:t>
-            </a:r>
-          </a:p>
-          <a:p>
-            <a:r>
-              <a:rPr lang="en-US" dirty="0"/>
-              <a:t>#G – to go to line #</a:t>
-            </a:r>
-          </a:p>
-          <a:p>
-            <a:endParaRPr lang="en-US" dirty="0" smtClean="0"/>
-          </a:p>
-          <a:p>
-            <a:r>
-              <a:rPr lang="en-US" dirty="0" smtClean="0"/>
-              <a:t>CTRL-I AND CTRL-O HERE?!</a:t>
+            <a:pPr lvl="1"/>
+            <a:r>
+              <a:rPr lang="en-US" dirty="0" smtClean="0"/>
+              <a:t>T{char} – like t, but to the left</a:t>
             </a:r>
             <a:endParaRPr lang="en-US" dirty="0"/>
           </a:p>
@@ -7512,7 +7709,7 @@
     </p:spTree>
     <p:extLst>
       <p:ext uri="{BB962C8B-B14F-4D97-AF65-F5344CB8AC3E}">
-        <p14:creationId xmlns:p14="http://schemas.microsoft.com/office/powerpoint/2010/main" val="1289026330"/>
+        <p14:creationId xmlns:p14="http://schemas.microsoft.com/office/powerpoint/2010/main" val="3273054452"/>
       </p:ext>
     </p:extLst>
   </p:cSld>
@@ -7555,10 +7752,10 @@
           <a:lstStyle/>
           <a:p>
             <a:r>
-              <a:rPr lang="en-US" dirty="0" smtClean="0"/>
-              <a:t>searching</a:t>
-            </a:r>
-            <a:endParaRPr lang="en-US" dirty="0"/>
+              <a:rPr lang="en-US" sz="8000" dirty="0" smtClean="0"/>
+              <a:t>bigger picture</a:t>
+            </a:r>
+            <a:endParaRPr lang="en-US" sz="8000" dirty="0"/>
           </a:p>
         </p:txBody>
       </p:sp>
@@ -7574,36 +7771,55 @@
         </p:nvSpPr>
         <p:spPr/>
         <p:txBody>
-          <a:bodyPr/>
-          <a:lstStyle/>
-          <a:p>
-            <a:r>
-              <a:rPr lang="en-US" dirty="0" smtClean="0"/>
-              <a:t>/{text} - search forward</a:t>
-            </a:r>
-          </a:p>
-          <a:p>
-            <a:r>
-              <a:rPr lang="en-US" dirty="0" smtClean="0"/>
-              <a:t>?{text} – search backward</a:t>
+          <a:bodyPr>
+            <a:normAutofit/>
+          </a:bodyPr>
+          <a:lstStyle/>
+          <a:p>
+            <a:r>
+              <a:rPr lang="en-US" dirty="0" smtClean="0"/>
+              <a:t>pair motions with commands</a:t>
             </a:r>
           </a:p>
           <a:p>
             <a:endParaRPr lang="en-US" dirty="0" smtClean="0"/>
           </a:p>
           <a:p>
-            <a:endParaRPr lang="en-US" dirty="0" smtClean="0"/>
-          </a:p>
-          <a:p>
-            <a:r>
-              <a:rPr lang="en-US" dirty="0" smtClean="0"/>
-              <a:t>n – repeat search in that direction</a:t>
-            </a:r>
-          </a:p>
-          <a:p>
-            <a:r>
-              <a:rPr lang="en-US" dirty="0" smtClean="0"/>
-              <a:t>N – repeat search in opposite direction</a:t>
+            <a:r>
+              <a:rPr lang="en-US" dirty="0" smtClean="0"/>
+              <a:t>general formula is</a:t>
+            </a:r>
+          </a:p>
+          <a:p>
+            <a:pPr lvl="1"/>
+            <a:r>
+              <a:rPr lang="en-US" dirty="0" smtClean="0"/>
+              <a:t>#command{motion}</a:t>
+            </a:r>
+          </a:p>
+          <a:p>
+            <a:pPr lvl="2"/>
+            <a:r>
+              <a:rPr lang="en-US" dirty="0" smtClean="0"/>
+              <a:t>perform the command this many times</a:t>
+            </a:r>
+          </a:p>
+          <a:p>
+            <a:pPr lvl="2"/>
+            <a:r>
+              <a:rPr lang="en-US" dirty="0"/>
+              <a:t>w</a:t>
+            </a:r>
+            <a:r>
+              <a:rPr lang="en-US" dirty="0" smtClean="0"/>
+              <a:t>hat command to perform</a:t>
+            </a:r>
+          </a:p>
+          <a:p>
+            <a:pPr lvl="2"/>
+            <a:r>
+              <a:rPr lang="en-US" dirty="0" smtClean="0"/>
+              <a:t>what motion to perform the command over</a:t>
             </a:r>
             <a:endParaRPr lang="en-US" dirty="0"/>
           </a:p>
@@ -7612,7 +7828,7 @@
     </p:spTree>
     <p:extLst>
       <p:ext uri="{BB962C8B-B14F-4D97-AF65-F5344CB8AC3E}">
-        <p14:creationId xmlns:p14="http://schemas.microsoft.com/office/powerpoint/2010/main" val="2681253588"/>
+        <p14:creationId xmlns:p14="http://schemas.microsoft.com/office/powerpoint/2010/main" val="3337788353"/>
       </p:ext>
     </p:extLst>
   </p:cSld>
@@ -7655,10 +7871,10 @@
           <a:lstStyle/>
           <a:p>
             <a:r>
-              <a:rPr lang="en-US" sz="6600" dirty="0" smtClean="0"/>
-              <a:t>improving search</a:t>
-            </a:r>
-            <a:endParaRPr lang="en-US" sz="6600" dirty="0"/>
+              <a:rPr lang="en-US" dirty="0" smtClean="0"/>
+              <a:t>commands</a:t>
+            </a:r>
+            <a:endParaRPr lang="en-US" dirty="0"/>
           </a:p>
         </p:txBody>
       </p:sp>
@@ -7675,75 +7891,44 @@
         <p:spPr/>
         <p:txBody>
           <a:bodyPr>
-            <a:normAutofit lnSpcReduction="10000"/>
+            <a:normAutofit/>
           </a:bodyPr>
           <a:lstStyle/>
           <a:p>
             <a:r>
               <a:rPr lang="en-US" dirty="0" smtClean="0"/>
-              <a:t>:set </a:t>
-            </a:r>
-            <a:r>
-              <a:rPr lang="en-US" dirty="0" err="1" smtClean="0"/>
-              <a:t>ignorecase</a:t>
-            </a:r>
-            <a:r>
-              <a:rPr lang="en-US" dirty="0" smtClean="0"/>
-              <a:t> – case insensitive</a:t>
-            </a:r>
-          </a:p>
-          <a:p>
-            <a:r>
-              <a:rPr lang="en-US" dirty="0" smtClean="0"/>
-              <a:t>:set </a:t>
-            </a:r>
-            <a:r>
-              <a:rPr lang="en-US" dirty="0" err="1" smtClean="0"/>
-              <a:t>smartcase</a:t>
-            </a:r>
-            <a:r>
-              <a:rPr lang="en-US" dirty="0" smtClean="0"/>
-              <a:t> – ignore case only if all lowercase</a:t>
-            </a:r>
-          </a:p>
-          <a:p>
-            <a:r>
-              <a:rPr lang="en-US" dirty="0" smtClean="0"/>
-              <a:t>:set </a:t>
-            </a:r>
-            <a:r>
-              <a:rPr lang="en-US" dirty="0" err="1" smtClean="0"/>
-              <a:t>incsearch</a:t>
-            </a:r>
-            <a:r>
-              <a:rPr lang="en-US" dirty="0" smtClean="0"/>
-              <a:t> – shows first matching word as you type</a:t>
-            </a:r>
-          </a:p>
-          <a:p>
-            <a:endParaRPr lang="en-US" dirty="0"/>
-          </a:p>
-          <a:p>
-            <a:r>
-              <a:rPr lang="en-US" dirty="0" smtClean="0"/>
-              <a:t>add these lines (without semicolons) to .</a:t>
-            </a:r>
-            <a:r>
-              <a:rPr lang="en-US" dirty="0" err="1" smtClean="0"/>
-              <a:t>vimrc</a:t>
-            </a:r>
-            <a:r>
-              <a:rPr lang="en-US" dirty="0" smtClean="0"/>
-              <a:t> to have them be defaults</a:t>
-            </a:r>
-            <a:endParaRPr lang="en-US" dirty="0"/>
+              <a:t>manipulate text from normal mode</a:t>
+            </a:r>
+          </a:p>
+          <a:p>
+            <a:endParaRPr lang="en-US" dirty="0" smtClean="0"/>
+          </a:p>
+          <a:p>
+            <a:pPr lvl="1"/>
+            <a:r>
+              <a:rPr lang="en-US" dirty="0" smtClean="0"/>
+              <a:t>d{motion} – delete</a:t>
+            </a:r>
+          </a:p>
+          <a:p>
+            <a:endParaRPr lang="en-US" dirty="0" smtClean="0"/>
+          </a:p>
+          <a:p>
+            <a:pPr lvl="1"/>
+            <a:r>
+              <a:rPr lang="en-US" dirty="0" smtClean="0"/>
+              <a:t>c{motion} – change</a:t>
+            </a:r>
+          </a:p>
+          <a:p>
+            <a:endParaRPr lang="en-US" dirty="0" smtClean="0"/>
           </a:p>
         </p:txBody>
       </p:sp>
     </p:spTree>
     <p:extLst>
       <p:ext uri="{BB962C8B-B14F-4D97-AF65-F5344CB8AC3E}">
-        <p14:creationId xmlns:p14="http://schemas.microsoft.com/office/powerpoint/2010/main" val="2215769937"/>
+        <p14:creationId xmlns:p14="http://schemas.microsoft.com/office/powerpoint/2010/main" val="1237100760"/>
       </p:ext>
     </p:extLst>
   </p:cSld>
@@ -7786,18 +7971,10 @@
           <a:lstStyle/>
           <a:p>
             <a:r>
-              <a:rPr lang="en-US" dirty="0" smtClean="0">
-                <a:solidFill>
-                  <a:schemeClr val="accent1"/>
-                </a:solidFill>
-              </a:rPr>
-              <a:t>what is vim?</a:t>
-            </a:r>
-            <a:endParaRPr lang="en-US" dirty="0">
-              <a:solidFill>
-                <a:schemeClr val="accent1"/>
-              </a:solidFill>
-            </a:endParaRPr>
+              <a:rPr lang="en-US" dirty="0" smtClean="0"/>
+              <a:t>TODO!</a:t>
+            </a:r>
+            <a:endParaRPr lang="en-US" dirty="0"/>
           </a:p>
         </p:txBody>
       </p:sp>
@@ -7813,74 +7990,97 @@
         </p:nvSpPr>
         <p:spPr/>
         <p:txBody>
-          <a:bodyPr>
-            <a:normAutofit/>
-          </a:bodyPr>
-          <a:lstStyle/>
-          <a:p>
-            <a:r>
-              <a:rPr lang="en-US" dirty="0" smtClean="0"/>
-              <a:t>highly configurable text editor</a:t>
-            </a:r>
-          </a:p>
-          <a:p>
+          <a:bodyPr/>
+          <a:lstStyle/>
+          <a:p>
+            <a:r>
+              <a:rPr lang="en-US" dirty="0" smtClean="0"/>
+              <a:t>Mention </a:t>
+            </a:r>
+            <a:r>
+              <a:rPr lang="en-US" dirty="0"/>
+              <a:t>visual mode</a:t>
+            </a:r>
+          </a:p>
+          <a:p>
+            <a:pPr lvl="1"/>
+            <a:r>
+              <a:rPr lang="en-US" dirty="0"/>
+              <a:t>v-</a:t>
+            </a:r>
+            <a:r>
+              <a:rPr lang="en-US" dirty="0" err="1"/>
+              <a:t>character,V</a:t>
+            </a:r>
+            <a:r>
+              <a:rPr lang="en-US" dirty="0"/>
+              <a:t>-</a:t>
+            </a:r>
+            <a:r>
+              <a:rPr lang="en-US" dirty="0" err="1"/>
+              <a:t>line,Ctrl</a:t>
+            </a:r>
+            <a:r>
+              <a:rPr lang="en-US" dirty="0"/>
+              <a:t>-v-block</a:t>
+            </a:r>
+          </a:p>
+          <a:p>
+            <a:pPr lvl="1"/>
+            <a:r>
+              <a:rPr lang="en-US" dirty="0"/>
+              <a:t>Select text, then delete/yank/substitute only in selected </a:t>
+            </a:r>
+            <a:r>
+              <a:rPr lang="en-US" dirty="0" smtClean="0"/>
+              <a:t>area</a:t>
+            </a:r>
+          </a:p>
+          <a:p>
+            <a:r>
+              <a:rPr lang="en-US" dirty="0" smtClean="0"/>
+              <a:t>Ctrl-g to show file status</a:t>
+            </a:r>
+          </a:p>
+          <a:p>
+            <a:pPr lvl="1"/>
+            <a:r>
+              <a:rPr lang="en-US" dirty="0" smtClean="0"/>
+              <a:t>Can set this to show all the time</a:t>
+            </a:r>
             <a:endParaRPr lang="en-US" dirty="0"/>
           </a:p>
           <a:p>
             <a:r>
               <a:rPr lang="en-US" dirty="0" smtClean="0"/>
-              <a:t>improved version of the vi editor</a:t>
-            </a:r>
-          </a:p>
-          <a:p>
-            <a:endParaRPr lang="en-US" dirty="0" smtClean="0"/>
-          </a:p>
-          <a:p>
-            <a:r>
-              <a:rPr lang="en-US" dirty="0" smtClean="0"/>
-              <a:t>perfect for lazy </a:t>
+              <a:t>Searching – </a:t>
             </a:r>
             <a:r>
               <a:rPr lang="en-US" dirty="0" err="1" smtClean="0"/>
-              <a:t>devs</a:t>
-            </a:r>
-            <a:endParaRPr lang="en-US" dirty="0" smtClean="0"/>
-          </a:p>
-          <a:p>
+              <a:t>hlsearch</a:t>
+            </a:r>
+            <a:r>
+              <a:rPr lang="en-US" dirty="0" smtClean="0"/>
+              <a:t> to </a:t>
+            </a:r>
+            <a:r>
+              <a:rPr lang="en-US" dirty="0" err="1" smtClean="0"/>
+              <a:t>hilight</a:t>
+            </a:r>
             <a:endParaRPr lang="en-US" dirty="0"/>
-          </a:p>
-          <a:p>
-            <a:r>
-              <a:rPr lang="en-US" dirty="0"/>
-              <a:t>m</a:t>
-            </a:r>
-            <a:r>
-              <a:rPr lang="en-US" dirty="0" smtClean="0"/>
-              <a:t>uscle memory maker</a:t>
-            </a:r>
-          </a:p>
-          <a:p>
-            <a:endParaRPr lang="en-US" dirty="0" smtClean="0"/>
           </a:p>
         </p:txBody>
       </p:sp>
     </p:spTree>
     <p:extLst>
       <p:ext uri="{BB962C8B-B14F-4D97-AF65-F5344CB8AC3E}">
-        <p14:creationId xmlns:p14="http://schemas.microsoft.com/office/powerpoint/2010/main" val="2981442941"/>
+        <p14:creationId xmlns:p14="http://schemas.microsoft.com/office/powerpoint/2010/main" val="1545437029"/>
       </p:ext>
     </p:extLst>
   </p:cSld>
   <p:clrMapOvr>
     <a:masterClrMapping/>
   </p:clrMapOvr>
-  <p:timing>
-    <p:tnLst>
-      <p:par>
-        <p:cTn id="1" dur="indefinite" restart="never" nodeType="tmRoot"/>
-      </p:par>
-    </p:tnLst>
-  </p:timing>
 </p:sld>
 </file>
 
@@ -7918,7 +8118,7 @@
           <a:p>
             <a:r>
               <a:rPr lang="en-US" dirty="0" smtClean="0"/>
-              <a:t>substitution</a:t>
+              <a:t>copy/paste</a:t>
             </a:r>
             <a:endParaRPr lang="en-US" dirty="0"/>
           </a:p>
@@ -7936,14 +8136,16 @@
         </p:nvSpPr>
         <p:spPr/>
         <p:txBody>
-          <a:bodyPr>
-            <a:normAutofit fontScale="77500" lnSpcReduction="20000"/>
-          </a:bodyPr>
-          <a:lstStyle/>
-          <a:p>
-            <a:r>
-              <a:rPr lang="en-US" dirty="0" smtClean="0"/>
-              <a:t>:s/old/new – replace first occurrence of old with new on this line</a:t>
+          <a:bodyPr/>
+          <a:lstStyle/>
+          <a:p>
+            <a:r>
+              <a:rPr lang="en-US" dirty="0"/>
+              <a:t>y{motion} – </a:t>
+            </a:r>
+            <a:r>
+              <a:rPr lang="en-US" dirty="0" smtClean="0"/>
+              <a:t>yank</a:t>
             </a:r>
           </a:p>
           <a:p>
@@ -7952,48 +8154,13 @@
           <a:p>
             <a:r>
               <a:rPr lang="en-US" dirty="0" smtClean="0"/>
-              <a:t>add flags to the end:</a:t>
-            </a:r>
-          </a:p>
-          <a:p>
-            <a:pPr lvl="1"/>
-            <a:r>
-              <a:rPr lang="en-US" dirty="0" smtClean="0"/>
-              <a:t>:s/old/new/</a:t>
-            </a:r>
-            <a:r>
-              <a:rPr lang="en-US" dirty="0" err="1" smtClean="0"/>
-              <a:t>gc</a:t>
-            </a:r>
-            <a:endParaRPr lang="en-US" dirty="0" smtClean="0"/>
-          </a:p>
-          <a:p>
-            <a:pPr lvl="2"/>
-            <a:r>
-              <a:rPr lang="en-US" dirty="0" smtClean="0"/>
-              <a:t>g – global - replaces all occurrences on line</a:t>
-            </a:r>
-          </a:p>
-          <a:p>
-            <a:pPr lvl="2"/>
-            <a:r>
-              <a:rPr lang="en-US" dirty="0" smtClean="0"/>
-              <a:t>c – confirmation - prompts confirmation each time</a:t>
-            </a:r>
-          </a:p>
-          <a:p>
-            <a:endParaRPr lang="en-US" dirty="0" smtClean="0"/>
-          </a:p>
-          <a:p>
-            <a:r>
-              <a:rPr lang="en-US" dirty="0" smtClean="0"/>
-              <a:t>:%s/old/new/ - replace first occurrence of old with new on all lines in whole file</a:t>
-            </a:r>
-          </a:p>
-          <a:p>
-            <a:r>
-              <a:rPr lang="en-US" dirty="0" smtClean="0"/>
-              <a:t>:%s/old/new/g – replace all occurrences of old with new in whole file</a:t>
+              <a:t>p – paste after cursor</a:t>
+            </a:r>
+          </a:p>
+          <a:p>
+            <a:r>
+              <a:rPr lang="en-US" dirty="0" smtClean="0"/>
+              <a:t>P – paste before cursor</a:t>
             </a:r>
             <a:endParaRPr lang="en-US" dirty="0"/>
           </a:p>
@@ -8002,7 +8169,7 @@
     </p:spTree>
     <p:extLst>
       <p:ext uri="{BB962C8B-B14F-4D97-AF65-F5344CB8AC3E}">
-        <p14:creationId xmlns:p14="http://schemas.microsoft.com/office/powerpoint/2010/main" val="3885236189"/>
+        <p14:creationId xmlns:p14="http://schemas.microsoft.com/office/powerpoint/2010/main" val="1930338765"/>
       </p:ext>
     </p:extLst>
   </p:cSld>
@@ -8045,10 +8212,14 @@
           <a:lstStyle/>
           <a:p>
             <a:r>
-              <a:rPr lang="en-US" dirty="0" smtClean="0"/>
-              <a:t>buffers</a:t>
-            </a:r>
-            <a:endParaRPr lang="en-US" dirty="0"/>
+              <a:rPr lang="en-US" sz="6600" dirty="0" err="1" smtClean="0"/>
+              <a:t>linewise</a:t>
+            </a:r>
+            <a:r>
+              <a:rPr lang="en-US" sz="6600" dirty="0" smtClean="0"/>
+              <a:t> motions</a:t>
+            </a:r>
+            <a:endParaRPr lang="en-US" sz="6600" dirty="0"/>
           </a:p>
         </p:txBody>
       </p:sp>
@@ -8064,44 +8235,56 @@
         </p:nvSpPr>
         <p:spPr/>
         <p:txBody>
-          <a:bodyPr>
-            <a:normAutofit lnSpcReduction="10000"/>
-          </a:bodyPr>
-          <a:lstStyle/>
-          <a:p>
-            <a:r>
-              <a:rPr lang="en-US" dirty="0" smtClean="0"/>
-              <a:t>each file opened is its own buffer</a:t>
-            </a:r>
-          </a:p>
-          <a:p>
-            <a:endParaRPr lang="en-US" dirty="0"/>
-          </a:p>
-          <a:p>
-            <a:r>
-              <a:rPr lang="en-US" dirty="0" smtClean="0"/>
-              <a:t>might only be viewing one buffer but the others are still open</a:t>
-            </a:r>
-          </a:p>
-          <a:p>
-            <a:endParaRPr lang="en-US" dirty="0"/>
-          </a:p>
-          <a:p>
-            <a:r>
-              <a:rPr lang="en-US" dirty="0" smtClean="0"/>
-              <a:t>switch between buffers</a:t>
-            </a:r>
-          </a:p>
-          <a:p>
-            <a:endParaRPr lang="en-US" dirty="0"/>
-          </a:p>
-          <a:p>
-            <a:r>
-              <a:rPr lang="en-US" dirty="0" smtClean="0"/>
-              <a:t>show buffers in different windows</a:t>
-            </a:r>
-          </a:p>
-          <a:p>
+          <a:bodyPr/>
+          <a:lstStyle/>
+          <a:p>
+            <a:r>
+              <a:rPr lang="en-US" dirty="0" smtClean="0"/>
+              <a:t>work on whole line</a:t>
+            </a:r>
+          </a:p>
+          <a:p>
+            <a:pPr lvl="1"/>
+            <a:r>
+              <a:rPr lang="en-US" dirty="0" err="1" smtClean="0"/>
+              <a:t>dd</a:t>
+            </a:r>
+            <a:r>
+              <a:rPr lang="en-US" dirty="0" smtClean="0"/>
+              <a:t> - delete</a:t>
+            </a:r>
+          </a:p>
+          <a:p>
+            <a:pPr lvl="1"/>
+            <a:r>
+              <a:rPr lang="en-US" dirty="0" smtClean="0"/>
+              <a:t>cc - change</a:t>
+            </a:r>
+          </a:p>
+          <a:p>
+            <a:pPr lvl="1"/>
+            <a:r>
+              <a:rPr lang="en-US" dirty="0" err="1" smtClean="0"/>
+              <a:t>yy</a:t>
+            </a:r>
+            <a:r>
+              <a:rPr lang="en-US" dirty="0" smtClean="0"/>
+              <a:t> - yank</a:t>
+            </a:r>
+          </a:p>
+          <a:p>
+            <a:pPr lvl="1"/>
+            <a:r>
+              <a:rPr lang="en-US" dirty="0" smtClean="0"/>
+              <a:t>&gt;&gt; - indent</a:t>
+            </a:r>
+          </a:p>
+          <a:p>
+            <a:pPr lvl="1"/>
+            <a:r>
+              <a:rPr lang="en-US" dirty="0" smtClean="0"/>
+              <a:t>&lt;&lt; - de-indent</a:t>
+            </a:r>
             <a:endParaRPr lang="en-US" dirty="0"/>
           </a:p>
         </p:txBody>
@@ -8109,7 +8292,7 @@
     </p:spTree>
     <p:extLst>
       <p:ext uri="{BB962C8B-B14F-4D97-AF65-F5344CB8AC3E}">
-        <p14:creationId xmlns:p14="http://schemas.microsoft.com/office/powerpoint/2010/main" val="3296149072"/>
+        <p14:creationId xmlns:p14="http://schemas.microsoft.com/office/powerpoint/2010/main" val="328306012"/>
       </p:ext>
     </p:extLst>
   </p:cSld>
@@ -8152,10 +8335,10 @@
           <a:lstStyle/>
           <a:p>
             <a:r>
-              <a:rPr lang="en-US" sz="8000" dirty="0" smtClean="0"/>
-              <a:t>buffers, cont.</a:t>
-            </a:r>
-            <a:endParaRPr lang="en-US" sz="8000" dirty="0"/>
+              <a:rPr lang="en-US" sz="6000" dirty="0" smtClean="0"/>
+              <a:t>a word, inner word</a:t>
+            </a:r>
+            <a:endParaRPr lang="en-US" sz="6000" dirty="0"/>
           </a:p>
         </p:txBody>
       </p:sp>
@@ -8172,90 +8355,94 @@
         <p:spPr/>
         <p:txBody>
           <a:bodyPr>
-            <a:normAutofit/>
+            <a:normAutofit fontScale="85000" lnSpcReduction="20000"/>
           </a:bodyPr>
           <a:lstStyle/>
           <a:p>
             <a:r>
               <a:rPr lang="en-US" dirty="0" smtClean="0"/>
-              <a:t>:e {filename} – edit filename in current window - creates new buffer</a:t>
-            </a:r>
-          </a:p>
-          <a:p>
+              <a:t>d{motion} deletes from cursor to motion</a:t>
+            </a:r>
+          </a:p>
+          <a:p>
+            <a:endParaRPr lang="en-US" dirty="0"/>
+          </a:p>
+          <a:p>
+            <a:r>
+              <a:rPr lang="en-US" dirty="0" smtClean="0"/>
+              <a:t>there’s a way to work on whole word.</a:t>
+            </a:r>
+          </a:p>
+          <a:p>
+            <a:pPr lvl="1"/>
+            <a:r>
+              <a:rPr lang="en-US" dirty="0" smtClean="0"/>
+              <a:t>:help aw or :help </a:t>
+            </a:r>
+            <a:r>
+              <a:rPr lang="en-US" dirty="0" err="1" smtClean="0"/>
+              <a:t>iw</a:t>
+            </a:r>
             <a:endParaRPr lang="en-US" dirty="0" smtClean="0"/>
           </a:p>
           <a:p>
-            <a:r>
-              <a:rPr lang="en-US" dirty="0" smtClean="0"/>
-              <a:t>:</a:t>
-            </a:r>
+            <a:pPr lvl="1"/>
+            <a:r>
+              <a:rPr lang="en-US" dirty="0" smtClean="0"/>
+              <a:t>part of a larger pattern, of course</a:t>
+            </a:r>
+          </a:p>
+          <a:p>
+            <a:endParaRPr lang="en-US" dirty="0" smtClean="0"/>
+          </a:p>
+          <a:p>
+            <a:r>
+              <a:rPr lang="en-US" dirty="0" err="1"/>
+              <a:t>daw</a:t>
+            </a:r>
+            <a:r>
+              <a:rPr lang="en-US" dirty="0"/>
+              <a:t> – delete a </a:t>
+            </a:r>
+            <a:r>
+              <a:rPr lang="en-US" dirty="0" smtClean="0"/>
+              <a:t>word - </a:t>
+            </a:r>
+            <a:r>
+              <a:rPr lang="en-US" dirty="0"/>
+              <a:t>also deletes whitespace </a:t>
+            </a:r>
+            <a:r>
+              <a:rPr lang="en-US" dirty="0" smtClean="0"/>
+              <a:t>following word</a:t>
+            </a:r>
+            <a:endParaRPr lang="en-US" dirty="0"/>
+          </a:p>
+          <a:p>
+            <a:endParaRPr lang="en-US" dirty="0" smtClean="0"/>
+          </a:p>
+          <a:p>
             <a:r>
               <a:rPr lang="en-US" dirty="0" err="1" smtClean="0"/>
-              <a:t>ls</a:t>
-            </a:r>
-            <a:r>
-              <a:rPr lang="en-US" dirty="0" smtClean="0"/>
-              <a:t> – show buffers</a:t>
-            </a:r>
-          </a:p>
-          <a:p>
-            <a:r>
-              <a:rPr lang="en-US" dirty="0" smtClean="0"/>
-              <a:t>:b# - switch to buffer </a:t>
-            </a:r>
-            <a:r>
-              <a:rPr lang="en-US" dirty="0" smtClean="0"/>
-              <a:t>#</a:t>
-            </a:r>
-          </a:p>
-          <a:p>
-            <a:r>
-              <a:rPr lang="en-US" dirty="0" smtClean="0"/>
-              <a:t>:</a:t>
-            </a:r>
-            <a:r>
-              <a:rPr lang="en-US" dirty="0" err="1" smtClean="0"/>
-              <a:t>bn</a:t>
-            </a:r>
-            <a:r>
-              <a:rPr lang="en-US" dirty="0" smtClean="0"/>
-              <a:t>,:</a:t>
-            </a:r>
-            <a:r>
-              <a:rPr lang="en-US" dirty="0" err="1" smtClean="0"/>
-              <a:t>bp</a:t>
-            </a:r>
-            <a:r>
-              <a:rPr lang="en-US" dirty="0" smtClean="0"/>
-              <a:t> – buffer next/previous</a:t>
-            </a:r>
+              <a:t>diw</a:t>
+            </a:r>
+            <a:r>
+              <a:rPr lang="en-US" dirty="0" smtClean="0"/>
+              <a:t> – delete inner word - only deletes text; leaves whitespace</a:t>
+            </a:r>
+          </a:p>
+          <a:p>
             <a:endParaRPr lang="en-US" dirty="0" smtClean="0"/>
           </a:p>
           <a:p>
-            <a:r>
-              <a:rPr lang="en-US" dirty="0" smtClean="0"/>
-              <a:t>:</a:t>
-            </a:r>
-            <a:r>
-              <a:rPr lang="en-US" dirty="0" err="1" smtClean="0"/>
-              <a:t>bd</a:t>
-            </a:r>
-            <a:r>
-              <a:rPr lang="en-US" dirty="0" smtClean="0"/>
-              <a:t> – buffer </a:t>
-            </a:r>
-            <a:r>
-              <a:rPr lang="en-US" dirty="0" smtClean="0"/>
-              <a:t>delete</a:t>
-            </a:r>
-            <a:endParaRPr lang="en-US" dirty="0" smtClean="0"/>
+            <a:endParaRPr lang="en-US" dirty="0"/>
           </a:p>
         </p:txBody>
       </p:sp>
     </p:spTree>
     <p:extLst>
       <p:ext uri="{BB962C8B-B14F-4D97-AF65-F5344CB8AC3E}">
-        <p14:creationId xmlns:p14="http://schemas.microsoft.com/office/powerpoint/2010/main" val="1090808654"/>
+        <p14:creationId xmlns:p14="http://schemas.microsoft.com/office/powerpoint/2010/main" val="2352913784"/>
       </p:ext>
     </p:extLst>
   </p:cSld>
@@ -8299,7 +8486,7 @@
           <a:p>
             <a:r>
               <a:rPr lang="en-US" dirty="0" smtClean="0"/>
-              <a:t>windows</a:t>
+              <a:t>oops</a:t>
             </a:r>
             <a:endParaRPr lang="en-US" dirty="0"/>
           </a:p>
@@ -8324,16 +8511,13 @@
           <a:p>
             <a:r>
               <a:rPr lang="en-US" dirty="0" smtClean="0"/>
-              <a:t>:help {foo} splits the window</a:t>
-            </a:r>
-          </a:p>
-          <a:p>
-            <a:endParaRPr lang="en-US" dirty="0"/>
-          </a:p>
-          <a:p>
-            <a:r>
-              <a:rPr lang="en-US" dirty="0" smtClean="0"/>
-              <a:t>show multiple buffers at same time</a:t>
+              <a:t>u – undo</a:t>
+            </a:r>
+          </a:p>
+          <a:p>
+            <a:r>
+              <a:rPr lang="en-US" dirty="0" smtClean="0"/>
+              <a:t>U – undo all changes made to this line</a:t>
             </a:r>
           </a:p>
           <a:p>
@@ -8341,25 +8525,16 @@
           </a:p>
           <a:p>
             <a:r>
-              <a:rPr lang="en-US" dirty="0" err="1" smtClean="0"/>
-              <a:t>eg</a:t>
-            </a:r>
-            <a:r>
-              <a:rPr lang="en-US" dirty="0" smtClean="0"/>
-              <a:t>. edit spec/code </a:t>
-            </a:r>
-            <a:r>
-              <a:rPr lang="en-US" dirty="0" smtClean="0"/>
-              <a:t>side by side</a:t>
-            </a:r>
-            <a:endParaRPr lang="en-US" dirty="0"/>
+              <a:rPr lang="en-US" dirty="0" smtClean="0"/>
+              <a:t>Ctrl-r – redo</a:t>
+            </a:r>
           </a:p>
         </p:txBody>
       </p:sp>
     </p:spTree>
     <p:extLst>
       <p:ext uri="{BB962C8B-B14F-4D97-AF65-F5344CB8AC3E}">
-        <p14:creationId xmlns:p14="http://schemas.microsoft.com/office/powerpoint/2010/main" val="1343700487"/>
+        <p14:creationId xmlns:p14="http://schemas.microsoft.com/office/powerpoint/2010/main" val="3176231640"/>
       </p:ext>
     </p:extLst>
   </p:cSld>
@@ -8402,10 +8577,10 @@
           <a:lstStyle/>
           <a:p>
             <a:r>
-              <a:rPr lang="en-US" sz="6600" dirty="0" smtClean="0"/>
-              <a:t>splitting windows</a:t>
-            </a:r>
-            <a:endParaRPr lang="en-US" sz="6600" dirty="0"/>
+              <a:rPr lang="en-US" sz="8000" dirty="0" smtClean="0"/>
+              <a:t>jumping around</a:t>
+            </a:r>
+            <a:endParaRPr lang="en-US" sz="8000" dirty="0"/>
           </a:p>
         </p:txBody>
       </p:sp>
@@ -8421,59 +8596,42 @@
         </p:nvSpPr>
         <p:spPr/>
         <p:txBody>
-          <a:bodyPr/>
-          <a:lstStyle/>
-          <a:p>
-            <a:r>
-              <a:rPr lang="en-US" dirty="0" smtClean="0"/>
-              <a:t>can </a:t>
+          <a:bodyPr>
+            <a:normAutofit lnSpcReduction="10000"/>
+          </a:bodyPr>
+          <a:lstStyle/>
+          <a:p>
+            <a:endParaRPr lang="en-US" dirty="0" smtClean="0"/>
+          </a:p>
+          <a:p>
+            <a:r>
+              <a:rPr lang="en-US" dirty="0" smtClean="0"/>
+              <a:t>Ctrl-f </a:t>
             </a:r>
             <a:r>
               <a:rPr lang="en-US" dirty="0"/>
-              <a:t>split the edit area multiple ways</a:t>
-            </a:r>
-          </a:p>
-          <a:p>
-            <a:pPr lvl="1"/>
-            <a:r>
-              <a:rPr lang="en-US" dirty="0" smtClean="0"/>
-              <a:t>:</a:t>
-            </a:r>
-            <a:r>
-              <a:rPr lang="en-US" dirty="0" err="1"/>
-              <a:t>sp</a:t>
-            </a:r>
+              <a:t>– jump forward a screen</a:t>
+            </a:r>
+          </a:p>
+          <a:p>
             <a:r>
               <a:rPr lang="en-US" dirty="0"/>
-              <a:t>(lit) - </a:t>
-            </a:r>
-            <a:r>
-              <a:rPr lang="en-US" dirty="0" smtClean="0"/>
-              <a:t>horizontal</a:t>
-            </a:r>
+              <a:t>Ctrl-b – jump backward a screen</a:t>
+            </a:r>
+          </a:p>
+          <a:p>
             <a:endParaRPr lang="en-US" dirty="0"/>
           </a:p>
           <a:p>
-            <a:pPr lvl="1"/>
             <a:r>
               <a:rPr lang="en-US" dirty="0"/>
-              <a:t>:</a:t>
-            </a:r>
-            <a:r>
-              <a:rPr lang="en-US" dirty="0" err="1"/>
-              <a:t>vs</a:t>
-            </a:r>
+              <a:t>:# - to go to line #</a:t>
+            </a:r>
+          </a:p>
+          <a:p>
             <a:r>
               <a:rPr lang="en-US" dirty="0"/>
-              <a:t>(</a:t>
-            </a:r>
-            <a:r>
-              <a:rPr lang="en-US" dirty="0" err="1"/>
-              <a:t>plit</a:t>
-            </a:r>
-            <a:r>
-              <a:rPr lang="en-US" dirty="0"/>
-              <a:t>) – vertical</a:t>
+              <a:t>#G – to go to line #</a:t>
             </a:r>
           </a:p>
           <a:p>
@@ -8482,23 +8640,16 @@
           <a:p>
             <a:r>
               <a:rPr lang="en-US" dirty="0" smtClean="0"/>
-              <a:t>:q closes current window</a:t>
+              <a:t>CTRL-I AND CTRL-O HERE?!</a:t>
             </a:r>
             <a:endParaRPr lang="en-US" dirty="0"/>
-          </a:p>
-          <a:p>
-            <a:pPr lvl="1"/>
-            <a:r>
-              <a:rPr lang="en-US" dirty="0" smtClean="0"/>
-              <a:t>buffer still exists</a:t>
-            </a:r>
           </a:p>
         </p:txBody>
       </p:sp>
     </p:spTree>
     <p:extLst>
       <p:ext uri="{BB962C8B-B14F-4D97-AF65-F5344CB8AC3E}">
-        <p14:creationId xmlns:p14="http://schemas.microsoft.com/office/powerpoint/2010/main" val="2292124294"/>
+        <p14:creationId xmlns:p14="http://schemas.microsoft.com/office/powerpoint/2010/main" val="1289026330"/>
       </p:ext>
     </p:extLst>
   </p:cSld>
@@ -8541,10 +8692,10 @@
           <a:lstStyle/>
           <a:p>
             <a:r>
-              <a:rPr lang="en-US" sz="7200" dirty="0" smtClean="0"/>
-              <a:t>window commands</a:t>
-            </a:r>
-            <a:endParaRPr lang="en-US" sz="7200" dirty="0"/>
+              <a:rPr lang="en-US" dirty="0" smtClean="0"/>
+              <a:t>searching</a:t>
+            </a:r>
+            <a:endParaRPr lang="en-US" dirty="0"/>
           </a:p>
         </p:txBody>
       </p:sp>
@@ -8565,33 +8716,31 @@
           <a:p>
             <a:r>
               <a:rPr lang="en-US" dirty="0" smtClean="0"/>
-              <a:t>Ctrl-w w - cycles between windows</a:t>
-            </a:r>
-          </a:p>
-          <a:p>
-            <a:endParaRPr lang="en-US" dirty="0"/>
-          </a:p>
-          <a:p>
-            <a:r>
-              <a:rPr lang="en-US" dirty="0" smtClean="0"/>
-              <a:t>Ctrl-w </a:t>
-            </a:r>
-            <a:r>
-              <a:rPr lang="en-US" dirty="0" err="1" smtClean="0"/>
-              <a:t>h,j,k,l</a:t>
-            </a:r>
-            <a:r>
-              <a:rPr lang="en-US" dirty="0" smtClean="0"/>
-              <a:t> - moves to window in that direction</a:t>
-            </a:r>
-          </a:p>
-          <a:p>
-            <a:endParaRPr lang="en-US" dirty="0"/>
-          </a:p>
-          <a:p>
-            <a:r>
-              <a:rPr lang="en-US" dirty="0" smtClean="0"/>
-              <a:t>:help Ctrl-w for more commands</a:t>
+              <a:t>/{text} - search forward</a:t>
+            </a:r>
+          </a:p>
+          <a:p>
+            <a:r>
+              <a:rPr lang="en-US" dirty="0" smtClean="0"/>
+              <a:t>?{text} – search backward</a:t>
+            </a:r>
+          </a:p>
+          <a:p>
+            <a:endParaRPr lang="en-US" dirty="0" smtClean="0"/>
+          </a:p>
+          <a:p>
+            <a:endParaRPr lang="en-US" dirty="0" smtClean="0"/>
+          </a:p>
+          <a:p>
+            <a:r>
+              <a:rPr lang="en-US" dirty="0" smtClean="0"/>
+              <a:t>n – repeat search in that direction</a:t>
+            </a:r>
+          </a:p>
+          <a:p>
+            <a:r>
+              <a:rPr lang="en-US" dirty="0" smtClean="0"/>
+              <a:t>N – repeat search in opposite direction</a:t>
             </a:r>
             <a:endParaRPr lang="en-US" dirty="0"/>
           </a:p>
@@ -8600,7 +8749,7 @@
     </p:spTree>
     <p:extLst>
       <p:ext uri="{BB962C8B-B14F-4D97-AF65-F5344CB8AC3E}">
-        <p14:creationId xmlns:p14="http://schemas.microsoft.com/office/powerpoint/2010/main" val="455296140"/>
+        <p14:creationId xmlns:p14="http://schemas.microsoft.com/office/powerpoint/2010/main" val="2681253588"/>
       </p:ext>
     </p:extLst>
   </p:cSld>
@@ -8643,14 +8792,10 @@
           <a:lstStyle/>
           <a:p>
             <a:r>
-              <a:rPr lang="en-US" dirty="0" smtClean="0"/>
-              <a:t>.</a:t>
-            </a:r>
-            <a:r>
-              <a:rPr lang="en-US" dirty="0" err="1" smtClean="0"/>
-              <a:t>vimrc</a:t>
-            </a:r>
-            <a:endParaRPr lang="en-US" dirty="0"/>
+              <a:rPr lang="en-US" sz="6600" dirty="0" smtClean="0"/>
+              <a:t>improving search</a:t>
+            </a:r>
+            <a:endParaRPr lang="en-US" sz="6600" dirty="0"/>
           </a:p>
         </p:txBody>
       </p:sp>
@@ -8673,11 +8818,43 @@
           <a:p>
             <a:r>
               <a:rPr lang="en-US" dirty="0" smtClean="0"/>
-              <a:t>file containing </a:t>
-            </a:r>
-            <a:r>
-              <a:rPr lang="en-US" dirty="0" smtClean="0"/>
-              <a:t>vim customizations</a:t>
+              <a:t>:set </a:t>
+            </a:r>
+            <a:r>
+              <a:rPr lang="en-US" dirty="0" err="1" smtClean="0"/>
+              <a:t>ignorecase</a:t>
+            </a:r>
+            <a:r>
+              <a:rPr lang="en-US" dirty="0" smtClean="0"/>
+              <a:t> – case insensitive</a:t>
+            </a:r>
+          </a:p>
+          <a:p>
+            <a:r>
+              <a:rPr lang="en-US" dirty="0" smtClean="0"/>
+              <a:t>:set </a:t>
+            </a:r>
+            <a:r>
+              <a:rPr lang="en-US" dirty="0" err="1" smtClean="0"/>
+              <a:t>smartcase</a:t>
+            </a:r>
+            <a:r>
+              <a:rPr lang="en-US" dirty="0" smtClean="0"/>
+              <a:t> – ignore case only if all lowercase</a:t>
+            </a:r>
+          </a:p>
+          <a:p>
+            <a:r>
+              <a:rPr lang="en-US" dirty="0" smtClean="0"/>
+              <a:t>:set </a:t>
+            </a:r>
+            <a:r>
+              <a:rPr lang="en-US" dirty="0" err="1" smtClean="0"/>
+              <a:t>incsearch</a:t>
+            </a:r>
+            <a:r>
+              <a:rPr lang="en-US" dirty="0" smtClean="0"/>
+              <a:t> – shows first matching word as you type</a:t>
             </a:r>
           </a:p>
           <a:p>
@@ -8686,11 +8863,7 @@
           <a:p>
             <a:r>
               <a:rPr lang="en-US" dirty="0" smtClean="0"/>
-              <a:t>see my </a:t>
-            </a:r>
-            <a:r>
-              <a:rPr lang="en-US" dirty="0" smtClean="0"/>
-              <a:t>.</a:t>
+              <a:t>add these lines (without semicolons) to .</a:t>
             </a:r>
             <a:r>
               <a:rPr lang="en-US" dirty="0" err="1" smtClean="0"/>
@@ -8698,62 +8871,16 @@
             </a:r>
             <a:r>
               <a:rPr lang="en-US" dirty="0" smtClean="0"/>
-              <a:t> in my </a:t>
-            </a:r>
-            <a:r>
-              <a:rPr lang="en-US" dirty="0" err="1" smtClean="0"/>
-              <a:t>dotfiles</a:t>
-            </a:r>
-            <a:r>
-              <a:rPr lang="en-US" dirty="0" smtClean="0"/>
-              <a:t> repo</a:t>
-            </a:r>
-          </a:p>
-          <a:p>
-            <a:pPr lvl="1"/>
-            <a:r>
-              <a:rPr lang="en-US" dirty="0">
-                <a:hlinkClick r:id="rId2"/>
-              </a:rPr>
-              <a:t>https://</a:t>
-            </a:r>
-            <a:r>
-              <a:rPr lang="en-US" dirty="0" smtClean="0">
-                <a:hlinkClick r:id="rId2"/>
-              </a:rPr>
-              <a:t>github.com/kyletolle/dotfiles</a:t>
-            </a:r>
-            <a:endParaRPr lang="en-US" dirty="0" smtClean="0"/>
-          </a:p>
-          <a:p>
+              <a:t> to have them be defaults</a:t>
+            </a:r>
             <a:endParaRPr lang="en-US" dirty="0"/>
-          </a:p>
-          <a:p>
-            <a:r>
-              <a:rPr lang="en-US" dirty="0" smtClean="0"/>
-              <a:t>other people share their </a:t>
-            </a:r>
-            <a:r>
-              <a:rPr lang="en-US" dirty="0" err="1" smtClean="0"/>
-              <a:t>vimrcs</a:t>
-            </a:r>
-            <a:endParaRPr lang="en-US" dirty="0" smtClean="0"/>
-          </a:p>
-          <a:p>
-            <a:endParaRPr lang="en-US" dirty="0" smtClean="0"/>
-          </a:p>
-          <a:p>
-            <a:r>
-              <a:rPr lang="en-US" dirty="0" smtClean="0"/>
-              <a:t>mix and match as you choose</a:t>
-            </a:r>
           </a:p>
         </p:txBody>
       </p:sp>
     </p:spTree>
     <p:extLst>
       <p:ext uri="{BB962C8B-B14F-4D97-AF65-F5344CB8AC3E}">
-        <p14:creationId xmlns:p14="http://schemas.microsoft.com/office/powerpoint/2010/main" val="3557938886"/>
+        <p14:creationId xmlns:p14="http://schemas.microsoft.com/office/powerpoint/2010/main" val="2215769937"/>
       </p:ext>
     </p:extLst>
   </p:cSld>
@@ -8796,46 +8923,68 @@
           <a:lstStyle/>
           <a:p>
             <a:r>
+              <a:rPr lang="en-US" dirty="0" smtClean="0"/>
+              <a:t>substitution</a:t>
+            </a:r>
+            <a:endParaRPr lang="en-US" dirty="0"/>
+          </a:p>
+        </p:txBody>
+      </p:sp>
+      <p:sp>
+        <p:nvSpPr>
+          <p:cNvPr id="3" name="Content Placeholder 2"/>
+          <p:cNvSpPr>
+            <a:spLocks noGrp="1"/>
+          </p:cNvSpPr>
+          <p:nvPr>
+            <p:ph idx="1"/>
+          </p:nvPr>
+        </p:nvSpPr>
+        <p:spPr/>
+        <p:txBody>
+          <a:bodyPr>
+            <a:normAutofit fontScale="77500" lnSpcReduction="20000"/>
+          </a:bodyPr>
+          <a:lstStyle/>
+          <a:p>
+            <a:r>
+              <a:rPr lang="en-US" dirty="0" smtClean="0"/>
+              <a:t>:s/old/new – replace first occurrence of old with new on this line</a:t>
+            </a:r>
+          </a:p>
+          <a:p>
+            <a:endParaRPr lang="en-US" dirty="0"/>
+          </a:p>
+          <a:p>
+            <a:r>
+              <a:rPr lang="en-US" dirty="0" smtClean="0"/>
+              <a:t>add flags to the end:</a:t>
+            </a:r>
+          </a:p>
+          <a:p>
+            <a:pPr lvl="1"/>
+            <a:r>
+              <a:rPr lang="en-US" dirty="0" smtClean="0"/>
+              <a:t>:s/old/new/</a:t>
+            </a:r>
+            <a:r>
               <a:rPr lang="en-US" dirty="0" err="1" smtClean="0"/>
-              <a:t>colorschemes</a:t>
-            </a:r>
-            <a:endParaRPr lang="en-US" dirty="0"/>
-          </a:p>
-        </p:txBody>
-      </p:sp>
-      <p:sp>
-        <p:nvSpPr>
-          <p:cNvPr id="3" name="Content Placeholder 2"/>
-          <p:cNvSpPr>
-            <a:spLocks noGrp="1"/>
-          </p:cNvSpPr>
-          <p:nvPr>
-            <p:ph idx="1"/>
-          </p:nvPr>
-        </p:nvSpPr>
-        <p:spPr/>
-        <p:txBody>
-          <a:bodyPr>
-            <a:normAutofit/>
-          </a:bodyPr>
-          <a:lstStyle/>
-          <a:p>
-            <a:r>
-              <a:rPr lang="en-US" dirty="0" smtClean="0"/>
-              <a:t>many </a:t>
-            </a:r>
-            <a:r>
-              <a:rPr lang="en-US" dirty="0"/>
-              <a:t>come with vim</a:t>
-            </a:r>
-          </a:p>
-          <a:p>
+              <a:t>gc</a:t>
+            </a:r>
             <a:endParaRPr lang="en-US" dirty="0" smtClean="0"/>
           </a:p>
           <a:p>
-            <a:r>
-              <a:rPr lang="en-US" dirty="0" smtClean="0"/>
-              <a:t>solarized is a popular one</a:t>
+            <a:pPr lvl="2"/>
+            <a:r>
+              <a:rPr lang="en-US" dirty="0" smtClean="0"/>
+              <a:t>g – global - replaces all occurrences on line</a:t>
+            </a:r>
+          </a:p>
+          <a:p>
+            <a:pPr lvl="2"/>
+            <a:r>
+              <a:rPr lang="en-US" dirty="0" smtClean="0"/>
+              <a:t>c – confirmation - prompts confirmation each time</a:t>
             </a:r>
           </a:p>
           <a:p>
@@ -8844,16 +8993,13 @@
           <a:p>
             <a:r>
               <a:rPr lang="en-US" dirty="0" smtClean="0"/>
-              <a:t>color packs you can download</a:t>
-            </a:r>
-          </a:p>
-          <a:p>
-            <a:endParaRPr lang="en-US" dirty="0" smtClean="0"/>
-          </a:p>
-          <a:p>
-            <a:r>
-              <a:rPr lang="en-US" dirty="0" smtClean="0"/>
-              <a:t>make your own!</a:t>
+              <a:t>:%s/old/new/ - replace first occurrence of old with new on all lines in whole file</a:t>
+            </a:r>
+          </a:p>
+          <a:p>
+            <a:r>
+              <a:rPr lang="en-US" dirty="0" smtClean="0"/>
+              <a:t>:%s/old/new/g – replace all occurrences of old with new in whole file</a:t>
             </a:r>
             <a:endParaRPr lang="en-US" dirty="0"/>
           </a:p>
@@ -8862,7 +9008,7 @@
     </p:spTree>
     <p:extLst>
       <p:ext uri="{BB962C8B-B14F-4D97-AF65-F5344CB8AC3E}">
-        <p14:creationId xmlns:p14="http://schemas.microsoft.com/office/powerpoint/2010/main" val="412503745"/>
+        <p14:creationId xmlns:p14="http://schemas.microsoft.com/office/powerpoint/2010/main" val="3885236189"/>
       </p:ext>
     </p:extLst>
   </p:cSld>
@@ -8906,7 +9052,7 @@
           <a:p>
             <a:r>
               <a:rPr lang="en-US" dirty="0" smtClean="0"/>
-              <a:t>advanced</a:t>
+              <a:t>buffers</a:t>
             </a:r>
             <a:endParaRPr lang="en-US" dirty="0"/>
           </a:p>
@@ -8930,22 +9076,17 @@
           <a:lstStyle/>
           <a:p>
             <a:r>
-              <a:rPr lang="en-US" dirty="0" err="1" smtClean="0"/>
-              <a:t>filetypes</a:t>
-            </a:r>
-            <a:endParaRPr lang="en-US" dirty="0" smtClean="0"/>
+              <a:rPr lang="en-US" dirty="0" smtClean="0"/>
+              <a:t>each file opened is its own buffer</a:t>
+            </a:r>
           </a:p>
           <a:p>
             <a:endParaRPr lang="en-US" dirty="0"/>
           </a:p>
           <a:p>
             <a:r>
-              <a:rPr lang="en-US" dirty="0"/>
-              <a:t>language </a:t>
-            </a:r>
-            <a:r>
-              <a:rPr lang="en-US" dirty="0" smtClean="0"/>
-              <a:t>support</a:t>
+              <a:rPr lang="en-US" dirty="0" smtClean="0"/>
+              <a:t>might only be viewing one buffer but the others are still open</a:t>
             </a:r>
           </a:p>
           <a:p>
@@ -8954,7 +9095,7 @@
           <a:p>
             <a:r>
               <a:rPr lang="en-US" dirty="0" smtClean="0"/>
-              <a:t>syntax highlighting</a:t>
+              <a:t>switch between buffers</a:t>
             </a:r>
           </a:p>
           <a:p>
@@ -8963,22 +9104,18 @@
           <a:p>
             <a:r>
               <a:rPr lang="en-US" dirty="0" smtClean="0"/>
-              <a:t>other modes</a:t>
-            </a:r>
-          </a:p>
-          <a:p>
-            <a:pPr lvl="1"/>
-            <a:r>
-              <a:rPr lang="en-US" dirty="0" smtClean="0"/>
-              <a:t>visual mode is a useful one</a:t>
-            </a:r>
+              <a:t>show buffers in different windows</a:t>
+            </a:r>
+          </a:p>
+          <a:p>
+            <a:endParaRPr lang="en-US" dirty="0"/>
           </a:p>
         </p:txBody>
       </p:sp>
     </p:spTree>
     <p:extLst>
       <p:ext uri="{BB962C8B-B14F-4D97-AF65-F5344CB8AC3E}">
-        <p14:creationId xmlns:p14="http://schemas.microsoft.com/office/powerpoint/2010/main" val="4285375794"/>
+        <p14:creationId xmlns:p14="http://schemas.microsoft.com/office/powerpoint/2010/main" val="3296149072"/>
       </p:ext>
     </p:extLst>
   </p:cSld>
@@ -9021,14 +9158,10 @@
           <a:lstStyle/>
           <a:p>
             <a:r>
-              <a:rPr lang="en-US" sz="7200" dirty="0">
-                <a:solidFill>
-                  <a:srgbClr val="EEEEEE"/>
-                </a:solidFill>
-              </a:rPr>
-              <a:t>advanced, cont.</a:t>
-            </a:r>
-            <a:endParaRPr lang="en-US" dirty="0"/>
+              <a:rPr lang="en-US" sz="8000" dirty="0" smtClean="0"/>
+              <a:t>buffers, cont.</a:t>
+            </a:r>
+            <a:endParaRPr lang="en-US" sz="8000" dirty="0"/>
           </a:p>
         </p:txBody>
       </p:sp>
@@ -9045,91 +9178,80 @@
         <p:spPr/>
         <p:txBody>
           <a:bodyPr>
-            <a:normAutofit fontScale="85000" lnSpcReduction="20000"/>
+            <a:normAutofit/>
           </a:bodyPr>
           <a:lstStyle/>
           <a:p>
             <a:r>
+              <a:rPr lang="en-US" dirty="0" smtClean="0"/>
+              <a:t>:e {filename} – edit filename in current window - creates new buffer</a:t>
+            </a:r>
+          </a:p>
+          <a:p>
+            <a:endParaRPr lang="en-US" dirty="0" smtClean="0"/>
+          </a:p>
+          <a:p>
+            <a:r>
+              <a:rPr lang="en-US" dirty="0" smtClean="0"/>
+              <a:t>:</a:t>
+            </a:r>
+            <a:r>
               <a:rPr lang="en-US" dirty="0" err="1" smtClean="0"/>
-              <a:t>gvimdiff</a:t>
-            </a:r>
-            <a:r>
-              <a:rPr lang="en-US" dirty="0" smtClean="0"/>
-              <a:t> file1 file2</a:t>
-            </a:r>
-          </a:p>
-          <a:p>
-            <a:pPr lvl="1"/>
-            <a:r>
-              <a:rPr lang="en-US" dirty="0" smtClean="0"/>
-              <a:t>commands related to diffing/merging files</a:t>
-            </a:r>
-          </a:p>
-          <a:p>
-            <a:endParaRPr lang="en-US" dirty="0" smtClean="0"/>
-          </a:p>
-          <a:p>
-            <a:r>
-              <a:rPr lang="en-US" dirty="0" smtClean="0"/>
-              <a:t>folds</a:t>
-            </a:r>
-          </a:p>
-          <a:p>
-            <a:pPr lvl="1"/>
-            <a:r>
-              <a:rPr lang="en-US" dirty="0" smtClean="0"/>
-              <a:t>collapse blocks of code</a:t>
-            </a:r>
-          </a:p>
-          <a:p>
-            <a:endParaRPr lang="en-US" dirty="0" smtClean="0"/>
-          </a:p>
-          <a:p>
-            <a:r>
-              <a:rPr lang="en-US" dirty="0" smtClean="0"/>
-              <a:t>marks – jump around file easier</a:t>
-            </a:r>
-          </a:p>
-          <a:p>
-            <a:pPr lvl="1"/>
-            <a:r>
-              <a:rPr lang="en-US" dirty="0" smtClean="0"/>
-              <a:t>ma – mark the current like as a</a:t>
-            </a:r>
-          </a:p>
-          <a:p>
-            <a:pPr lvl="1"/>
-            <a:r>
-              <a:rPr lang="en-US" dirty="0" smtClean="0"/>
-              <a:t>‘a – jump to mark a</a:t>
-            </a:r>
-          </a:p>
-          <a:p>
-            <a:pPr lvl="1"/>
-            <a:r>
-              <a:rPr lang="en-US" dirty="0" smtClean="0"/>
-              <a:t>Ctrl-o, Ctrl-</a:t>
+              <a:t>ls</a:t>
+            </a:r>
+            <a:r>
+              <a:rPr lang="en-US" dirty="0" smtClean="0"/>
+              <a:t> – show buffers</a:t>
+            </a:r>
+          </a:p>
+          <a:p>
+            <a:r>
+              <a:rPr lang="en-US" dirty="0" smtClean="0"/>
+              <a:t>:b# - switch to buffer #</a:t>
+            </a:r>
+          </a:p>
+          <a:p>
+            <a:r>
+              <a:rPr lang="en-US" dirty="0" smtClean="0"/>
+              <a:t>:</a:t>
             </a:r>
             <a:r>
               <a:rPr lang="en-US" dirty="0" err="1" smtClean="0"/>
-              <a:t>i</a:t>
-            </a:r>
-            <a:r>
-              <a:rPr lang="en-US" dirty="0" smtClean="0"/>
-              <a:t> – jump forward and backward to last places you were</a:t>
-            </a:r>
-            <a:endParaRPr lang="en-US" dirty="0"/>
-          </a:p>
-          <a:p>
-            <a:pPr lvl="1"/>
-            <a:endParaRPr lang="en-US" dirty="0" smtClean="0"/>
+              <a:t>bn</a:t>
+            </a:r>
+            <a:r>
+              <a:rPr lang="en-US" dirty="0" smtClean="0"/>
+              <a:t>,:</a:t>
+            </a:r>
+            <a:r>
+              <a:rPr lang="en-US" dirty="0" err="1" smtClean="0"/>
+              <a:t>bp</a:t>
+            </a:r>
+            <a:r>
+              <a:rPr lang="en-US" dirty="0" smtClean="0"/>
+              <a:t> – buffer next/previous</a:t>
+            </a:r>
+          </a:p>
+          <a:p>
+            <a:r>
+              <a:rPr lang="en-US" dirty="0" smtClean="0"/>
+              <a:t>:</a:t>
+            </a:r>
+            <a:r>
+              <a:rPr lang="en-US" dirty="0" err="1" smtClean="0"/>
+              <a:t>bd</a:t>
+            </a:r>
+            <a:r>
+              <a:rPr lang="en-US" dirty="0" smtClean="0"/>
+              <a:t> – buffer delete</a:t>
+            </a:r>
           </a:p>
         </p:txBody>
       </p:sp>
     </p:spTree>
     <p:extLst>
       <p:ext uri="{BB962C8B-B14F-4D97-AF65-F5344CB8AC3E}">
-        <p14:creationId xmlns:p14="http://schemas.microsoft.com/office/powerpoint/2010/main" val="1365242323"/>
+        <p14:creationId xmlns:p14="http://schemas.microsoft.com/office/powerpoint/2010/main" val="1090808654"/>
       </p:ext>
     </p:extLst>
   </p:cSld>
@@ -9166,29 +9288,16 @@
             <p:ph type="title"/>
           </p:nvPr>
         </p:nvSpPr>
-        <p:spPr>
-          <a:xfrm>
-            <a:off x="0" y="274638"/>
-            <a:ext cx="9144000" cy="1143000"/>
-          </a:xfrm>
-        </p:spPr>
-        <p:txBody>
-          <a:bodyPr/>
-          <a:lstStyle/>
-          <a:p>
-            <a:r>
-              <a:rPr lang="en-US" sz="8000" dirty="0" smtClean="0">
-                <a:solidFill>
-                  <a:schemeClr val="accent2"/>
-                </a:solidFill>
-              </a:rPr>
-              <a:t>what isn’t vim?</a:t>
-            </a:r>
-            <a:endParaRPr lang="en-US" sz="8000" dirty="0">
-              <a:solidFill>
-                <a:schemeClr val="accent2"/>
-              </a:solidFill>
-            </a:endParaRPr>
+        <p:spPr/>
+        <p:txBody>
+          <a:bodyPr/>
+          <a:lstStyle/>
+          <a:p>
+            <a:r>
+              <a:rPr lang="en-US" dirty="0" smtClean="0"/>
+              <a:t>TODO!</a:t>
+            </a:r>
+            <a:endParaRPr lang="en-US" dirty="0"/>
           </a:p>
         </p:txBody>
       </p:sp>
@@ -9209,63 +9318,40 @@
           <a:p>
             <a:r>
               <a:rPr lang="en-US" dirty="0" smtClean="0"/>
-              <a:t>not a word processor</a:t>
-            </a:r>
-          </a:p>
-          <a:p>
-            <a:endParaRPr lang="en-US" dirty="0" smtClean="0"/>
-          </a:p>
-          <a:p>
-            <a:r>
-              <a:rPr lang="en-US" dirty="0" smtClean="0"/>
-              <a:t>not a hand holder</a:t>
-            </a:r>
-          </a:p>
-          <a:p>
+              <a:t>H is like home for the screen</a:t>
+            </a:r>
+          </a:p>
+          <a:p>
+            <a:r>
+              <a:rPr lang="en-US" dirty="0" smtClean="0"/>
+              <a:t>L is like end for the screen</a:t>
+            </a:r>
+          </a:p>
+          <a:p>
+            <a:r>
+              <a:rPr lang="en-US" dirty="0" smtClean="0"/>
+              <a:t>J joins two lines</a:t>
+            </a:r>
+          </a:p>
+          <a:p>
+            <a:r>
+              <a:rPr lang="en-US" dirty="0" smtClean="0"/>
+              <a:t>K looks up man entry for word under cursor</a:t>
+            </a:r>
             <a:endParaRPr lang="en-US" dirty="0"/>
-          </a:p>
-          <a:p>
-            <a:r>
-              <a:rPr lang="en-US" dirty="0" smtClean="0"/>
-              <a:t>not a tool learned in a week</a:t>
-            </a:r>
-          </a:p>
-          <a:p>
-            <a:endParaRPr lang="en-US" dirty="0"/>
-          </a:p>
-          <a:p>
-            <a:r>
-              <a:rPr lang="en-US" dirty="0" smtClean="0"/>
-              <a:t>never </a:t>
-            </a:r>
-            <a:r>
-              <a:rPr lang="en-US" dirty="0" err="1" smtClean="0"/>
-              <a:t>gonna</a:t>
-            </a:r>
-            <a:r>
-              <a:rPr lang="en-US" dirty="0" smtClean="0"/>
-              <a:t> let you down</a:t>
-            </a:r>
           </a:p>
         </p:txBody>
       </p:sp>
     </p:spTree>
     <p:extLst>
       <p:ext uri="{BB962C8B-B14F-4D97-AF65-F5344CB8AC3E}">
-        <p14:creationId xmlns:p14="http://schemas.microsoft.com/office/powerpoint/2010/main" val="1157626077"/>
+        <p14:creationId xmlns:p14="http://schemas.microsoft.com/office/powerpoint/2010/main" val="2937294738"/>
       </p:ext>
     </p:extLst>
   </p:cSld>
   <p:clrMapOvr>
     <a:masterClrMapping/>
   </p:clrMapOvr>
-  <p:timing>
-    <p:tnLst>
-      <p:par>
-        <p:cTn id="1" dur="indefinite" restart="never" nodeType="tmRoot"/>
-      </p:par>
-    </p:tnLst>
-  </p:timing>
 </p:sld>
 </file>
 
@@ -9302,10 +9388,10 @@
           <a:lstStyle/>
           <a:p>
             <a:r>
-              <a:rPr lang="en-US" sz="7200" dirty="0" smtClean="0"/>
-              <a:t>advanced, cont.</a:t>
-            </a:r>
-            <a:endParaRPr lang="en-US" sz="7200" dirty="0"/>
+              <a:rPr lang="en-US" dirty="0" smtClean="0"/>
+              <a:t>windows</a:t>
+            </a:r>
+            <a:endParaRPr lang="en-US" dirty="0"/>
           </a:p>
         </p:txBody>
       </p:sp>
@@ -9322,41 +9408,22 @@
         <p:spPr/>
         <p:txBody>
           <a:bodyPr>
-            <a:normAutofit fontScale="85000" lnSpcReduction="20000"/>
+            <a:normAutofit/>
           </a:bodyPr>
           <a:lstStyle/>
           <a:p>
             <a:r>
-              <a:rPr lang="en-US" dirty="0"/>
-              <a:t>ranges for </a:t>
-            </a:r>
-            <a:r>
-              <a:rPr lang="en-US" dirty="0" smtClean="0"/>
-              <a:t>commands</a:t>
-            </a:r>
-          </a:p>
-          <a:p>
-            <a:r>
-              <a:rPr lang="en-US" dirty="0" smtClean="0"/>
-              <a:t>. </a:t>
-            </a:r>
-            <a:r>
-              <a:rPr lang="en-US" dirty="0"/>
-              <a:t>– refers to current </a:t>
-            </a:r>
-            <a:r>
-              <a:rPr lang="en-US" dirty="0" smtClean="0"/>
-              <a:t>line</a:t>
-            </a:r>
-          </a:p>
-          <a:p>
-            <a:r>
-              <a:rPr lang="en-US" dirty="0" smtClean="0"/>
-              <a:t>% </a:t>
-            </a:r>
-            <a:r>
-              <a:rPr lang="en-US" dirty="0"/>
-              <a:t>- refers to current file</a:t>
+              <a:rPr lang="en-US" dirty="0" smtClean="0"/>
+              <a:t>:help {foo} splits the window</a:t>
+            </a:r>
+          </a:p>
+          <a:p>
+            <a:endParaRPr lang="en-US" dirty="0"/>
+          </a:p>
+          <a:p>
+            <a:r>
+              <a:rPr lang="en-US" dirty="0" smtClean="0"/>
+              <a:t>show multiple buffers at same time</a:t>
             </a:r>
           </a:p>
           <a:p>
@@ -9364,51 +9431,12 @@
           </a:p>
           <a:p>
             <a:r>
-              <a:rPr lang="en-US" dirty="0" smtClean="0"/>
-              <a:t>examples:</a:t>
-            </a:r>
-          </a:p>
-          <a:p>
-            <a:pPr lvl="1"/>
-            <a:r>
-              <a:rPr lang="en-US" dirty="0"/>
-              <a:t>:&gt; - indent this line</a:t>
-            </a:r>
-          </a:p>
-          <a:p>
-            <a:pPr lvl="1"/>
-            <a:r>
-              <a:rPr lang="en-US" dirty="0"/>
-              <a:t>:.&gt; - indent this line</a:t>
-            </a:r>
-          </a:p>
-          <a:p>
-            <a:pPr lvl="1"/>
-            <a:r>
-              <a:rPr lang="en-US" dirty="0" smtClean="0"/>
-              <a:t>:.,+</a:t>
-            </a:r>
-            <a:r>
-              <a:rPr lang="en-US" dirty="0"/>
-              <a:t>2&gt; – indent this and the next two lines</a:t>
-            </a:r>
-          </a:p>
-          <a:p>
-            <a:pPr lvl="1"/>
-            <a:r>
-              <a:rPr lang="en-US" dirty="0"/>
-              <a:t>:.,’a&gt;&gt; - indent two times from this line until mark a</a:t>
-            </a:r>
-          </a:p>
-          <a:p>
-            <a:pPr lvl="1"/>
-            <a:r>
-              <a:rPr lang="en-US" dirty="0"/>
-              <a:t>:%&gt;&gt; indent this whole file two </a:t>
-            </a:r>
-            <a:r>
-              <a:rPr lang="en-US" dirty="0" smtClean="0"/>
-              <a:t>times</a:t>
+              <a:rPr lang="en-US" dirty="0" err="1" smtClean="0"/>
+              <a:t>eg</a:t>
+            </a:r>
+            <a:r>
+              <a:rPr lang="en-US" dirty="0" smtClean="0"/>
+              <a:t>. edit spec/code side by side</a:t>
             </a:r>
             <a:endParaRPr lang="en-US" dirty="0"/>
           </a:p>
@@ -9417,7 +9445,7 @@
     </p:spTree>
     <p:extLst>
       <p:ext uri="{BB962C8B-B14F-4D97-AF65-F5344CB8AC3E}">
-        <p14:creationId xmlns:p14="http://schemas.microsoft.com/office/powerpoint/2010/main" val="3667826321"/>
+        <p14:creationId xmlns:p14="http://schemas.microsoft.com/office/powerpoint/2010/main" val="1343700487"/>
       </p:ext>
     </p:extLst>
   </p:cSld>
@@ -9460,87 +9488,103 @@
           <a:lstStyle/>
           <a:p>
             <a:r>
-              <a:rPr lang="en-US" sz="7200" dirty="0">
-                <a:solidFill>
-                  <a:srgbClr val="EEEEEE"/>
-                </a:solidFill>
-              </a:rPr>
-              <a:t>advanced, cont.</a:t>
+              <a:rPr lang="en-US" sz="6600" dirty="0" smtClean="0"/>
+              <a:t>splitting windows</a:t>
+            </a:r>
+            <a:endParaRPr lang="en-US" sz="6600" dirty="0"/>
+          </a:p>
+        </p:txBody>
+      </p:sp>
+      <p:sp>
+        <p:nvSpPr>
+          <p:cNvPr id="3" name="Content Placeholder 2"/>
+          <p:cNvSpPr>
+            <a:spLocks noGrp="1"/>
+          </p:cNvSpPr>
+          <p:nvPr>
+            <p:ph idx="1"/>
+          </p:nvPr>
+        </p:nvSpPr>
+        <p:spPr/>
+        <p:txBody>
+          <a:bodyPr/>
+          <a:lstStyle/>
+          <a:p>
+            <a:r>
+              <a:rPr lang="en-US" dirty="0" smtClean="0"/>
+              <a:t>can </a:t>
+            </a:r>
+            <a:r>
+              <a:rPr lang="en-US" dirty="0"/>
+              <a:t>split the edit area multiple ways</a:t>
+            </a:r>
+          </a:p>
+          <a:p>
+            <a:pPr lvl="1"/>
+            <a:r>
+              <a:rPr lang="en-US" dirty="0" smtClean="0"/>
+              <a:t>:</a:t>
+            </a:r>
+            <a:r>
+              <a:rPr lang="en-US" dirty="0" err="1"/>
+              <a:t>sp</a:t>
+            </a:r>
+            <a:r>
+              <a:rPr lang="en-US" dirty="0"/>
+              <a:t>(lit) - </a:t>
+            </a:r>
+            <a:r>
+              <a:rPr lang="en-US" dirty="0" smtClean="0"/>
+              <a:t>horizontal</a:t>
             </a:r>
             <a:endParaRPr lang="en-US" dirty="0"/>
           </a:p>
-        </p:txBody>
-      </p:sp>
-      <p:sp>
-        <p:nvSpPr>
-          <p:cNvPr id="3" name="Content Placeholder 2"/>
-          <p:cNvSpPr>
-            <a:spLocks noGrp="1"/>
-          </p:cNvSpPr>
-          <p:nvPr>
-            <p:ph idx="1"/>
-          </p:nvPr>
-        </p:nvSpPr>
-        <p:spPr/>
-        <p:txBody>
-          <a:bodyPr>
-            <a:normAutofit fontScale="92500" lnSpcReduction="10000"/>
-          </a:bodyPr>
-          <a:lstStyle/>
-          <a:p>
-            <a:r>
-              <a:rPr lang="en-US" dirty="0" smtClean="0"/>
-              <a:t>macros</a:t>
-            </a:r>
-          </a:p>
           <a:p>
             <a:pPr lvl="1"/>
             <a:r>
-              <a:rPr lang="en-US" dirty="0" smtClean="0"/>
-              <a:t>repeat a series of actions that you record</a:t>
-            </a:r>
-          </a:p>
-          <a:p>
+              <a:rPr lang="en-US" dirty="0"/>
+              <a:t>:</a:t>
+            </a:r>
+            <a:r>
+              <a:rPr lang="en-US" dirty="0" err="1"/>
+              <a:t>vs</a:t>
+            </a:r>
+            <a:r>
+              <a:rPr lang="en-US" dirty="0"/>
+              <a:t>(</a:t>
+            </a:r>
+            <a:r>
+              <a:rPr lang="en-US" dirty="0" err="1"/>
+              <a:t>plit</a:t>
+            </a:r>
+            <a:r>
+              <a:rPr lang="en-US" dirty="0"/>
+              <a:t>) – vertical</a:t>
+            </a:r>
+          </a:p>
+          <a:p>
+            <a:endParaRPr lang="en-US" dirty="0" smtClean="0"/>
+          </a:p>
+          <a:p>
+            <a:r>
+              <a:rPr lang="en-US" dirty="0" smtClean="0"/>
+              <a:t>:q closes current window</a:t>
+            </a:r>
             <a:endParaRPr lang="en-US" dirty="0"/>
           </a:p>
           <a:p>
-            <a:r>
-              <a:rPr lang="en-US" dirty="0" smtClean="0"/>
-              <a:t>key mapping</a:t>
-            </a:r>
-          </a:p>
-          <a:p>
             <a:pPr lvl="1"/>
             <a:r>
               <a:rPr lang="en-US" dirty="0" smtClean="0"/>
-              <a:t>customize things as you like</a:t>
-            </a:r>
-          </a:p>
-          <a:p>
-            <a:endParaRPr lang="en-US" dirty="0"/>
-          </a:p>
-          <a:p>
-            <a:r>
-              <a:rPr lang="en-US" dirty="0" smtClean="0"/>
-              <a:t>plugins</a:t>
-            </a:r>
-          </a:p>
-          <a:p>
-            <a:pPr lvl="1"/>
-            <a:r>
-              <a:rPr lang="en-US" dirty="0" smtClean="0"/>
-              <a:t>Command-T for fuzzy file finding</a:t>
-            </a:r>
-          </a:p>
-          <a:p>
-            <a:endParaRPr lang="en-US" dirty="0"/>
+              <a:t>buffer still exists</a:t>
+            </a:r>
           </a:p>
         </p:txBody>
       </p:sp>
     </p:spTree>
     <p:extLst>
       <p:ext uri="{BB962C8B-B14F-4D97-AF65-F5344CB8AC3E}">
-        <p14:creationId xmlns:p14="http://schemas.microsoft.com/office/powerpoint/2010/main" val="14090876"/>
+        <p14:creationId xmlns:p14="http://schemas.microsoft.com/office/powerpoint/2010/main" val="2292124294"/>
       </p:ext>
     </p:extLst>
   </p:cSld>
@@ -9584,7 +9628,7 @@
           <a:p>
             <a:r>
               <a:rPr lang="en-US" sz="7200" dirty="0" smtClean="0"/>
-              <a:t>advanced, cont.</a:t>
+              <a:t>window commands</a:t>
             </a:r>
             <a:endParaRPr lang="en-US" sz="7200" dirty="0"/>
           </a:p>
@@ -9602,93 +9646,47 @@
         </p:nvSpPr>
         <p:spPr/>
         <p:txBody>
-          <a:bodyPr>
-            <a:normAutofit fontScale="77500" lnSpcReduction="20000"/>
-          </a:bodyPr>
-          <a:lstStyle/>
-          <a:p>
-            <a:r>
-              <a:rPr lang="en-US" dirty="0" smtClean="0"/>
-              <a:t>registers</a:t>
-            </a:r>
-          </a:p>
-          <a:p>
-            <a:pPr lvl="1"/>
-            <a:r>
-              <a:rPr lang="en-US" dirty="0" smtClean="0"/>
-              <a:t>deleting or yanking puts content into default registers</a:t>
-            </a:r>
-          </a:p>
-          <a:p>
-            <a:pPr lvl="1"/>
-            <a:r>
-              <a:rPr lang="en-US" dirty="0" smtClean="0"/>
-              <a:t>can specify other registers though</a:t>
-            </a:r>
-          </a:p>
-          <a:p>
-            <a:pPr lvl="1"/>
+          <a:bodyPr/>
+          <a:lstStyle/>
+          <a:p>
+            <a:r>
+              <a:rPr lang="en-US" dirty="0" smtClean="0"/>
+              <a:t>Ctrl-w w - cycles between windows</a:t>
+            </a:r>
+          </a:p>
+          <a:p>
             <a:endParaRPr lang="en-US" dirty="0"/>
           </a:p>
           <a:p>
             <a:r>
               <a:rPr lang="en-US" dirty="0" smtClean="0"/>
-              <a:t>tabs</a:t>
-            </a:r>
-          </a:p>
-          <a:p>
-            <a:pPr lvl="1"/>
-            <a:r>
-              <a:rPr lang="en-US" dirty="0"/>
-              <a:t>d</a:t>
-            </a:r>
-            <a:r>
-              <a:rPr lang="en-US" dirty="0" smtClean="0"/>
-              <a:t>ifferent view/window layout of the open buffers</a:t>
-            </a:r>
-          </a:p>
-          <a:p>
-            <a:pPr lvl="1"/>
+              <a:t>Ctrl-w </a:t>
+            </a:r>
+            <a:r>
+              <a:rPr lang="en-US" dirty="0" err="1" smtClean="0"/>
+              <a:t>h,j,k,l</a:t>
+            </a:r>
+            <a:r>
+              <a:rPr lang="en-US" dirty="0" smtClean="0"/>
+              <a:t> - moves to window in that direction</a:t>
+            </a:r>
+          </a:p>
+          <a:p>
             <a:endParaRPr lang="en-US" dirty="0"/>
           </a:p>
           <a:p>
             <a:r>
               <a:rPr lang="en-US" dirty="0" smtClean="0"/>
-              <a:t>matching</a:t>
-            </a:r>
-          </a:p>
-          <a:p>
-            <a:pPr lvl="1"/>
-            <a:r>
-              <a:rPr lang="en-US" dirty="0"/>
-              <a:t>% - match current punctuation</a:t>
-            </a:r>
-          </a:p>
-          <a:p>
-            <a:pPr lvl="1"/>
-            <a:r>
-              <a:rPr lang="en-US" dirty="0" smtClean="0"/>
-              <a:t>see if {}, </a:t>
-            </a:r>
-            <a:r>
-              <a:rPr lang="en-US" dirty="0"/>
-              <a:t>(), </a:t>
-            </a:r>
-            <a:r>
-              <a:rPr lang="en-US" dirty="0" smtClean="0"/>
-              <a:t>do/end, etc. match up properly</a:t>
+              <a:t>:help Ctrl-w for more commands</a:t>
             </a:r>
             <a:endParaRPr lang="en-US" dirty="0"/>
-          </a:p>
-          <a:p>
-            <a:endParaRPr lang="en-US" dirty="0" smtClean="0"/>
           </a:p>
         </p:txBody>
       </p:sp>
     </p:spTree>
     <p:extLst>
       <p:ext uri="{BB962C8B-B14F-4D97-AF65-F5344CB8AC3E}">
-        <p14:creationId xmlns:p14="http://schemas.microsoft.com/office/powerpoint/2010/main" val="3323915862"/>
+        <p14:creationId xmlns:p14="http://schemas.microsoft.com/office/powerpoint/2010/main" val="455296140"/>
       </p:ext>
     </p:extLst>
   </p:cSld>
@@ -9732,7 +9730,11 @@
           <a:p>
             <a:r>
               <a:rPr lang="en-US" dirty="0" smtClean="0"/>
-              <a:t>references</a:t>
+              <a:t>.</a:t>
+            </a:r>
+            <a:r>
+              <a:rPr lang="en-US" dirty="0" err="1" smtClean="0"/>
+              <a:t>vimrc</a:t>
             </a:r>
             <a:endParaRPr lang="en-US" dirty="0"/>
           </a:p>
@@ -9756,8 +9758,33 @@
           <a:lstStyle/>
           <a:p>
             <a:r>
-              <a:rPr lang="en-US" dirty="0"/>
-              <a:t>get a copy of this talk</a:t>
+              <a:rPr lang="en-US" dirty="0" smtClean="0"/>
+              <a:t>file containing vim customizations</a:t>
+            </a:r>
+          </a:p>
+          <a:p>
+            <a:endParaRPr lang="en-US" dirty="0"/>
+          </a:p>
+          <a:p>
+            <a:r>
+              <a:rPr lang="en-US" dirty="0" smtClean="0"/>
+              <a:t>see my .</a:t>
+            </a:r>
+            <a:r>
+              <a:rPr lang="en-US" dirty="0" err="1" smtClean="0"/>
+              <a:t>vimrc</a:t>
+            </a:r>
+            <a:r>
+              <a:rPr lang="en-US" dirty="0" smtClean="0"/>
+              <a:t> in my </a:t>
+            </a:r>
+            <a:r>
+              <a:rPr lang="en-US" dirty="0" err="1" smtClean="0"/>
+              <a:t>dotfiles</a:t>
+            </a:r>
+            <a:r>
+              <a:rPr lang="en-US" dirty="0" smtClean="0"/>
+              <a:t> repo</a:t>
             </a:r>
           </a:p>
           <a:p>
@@ -9766,58 +9793,45 @@
               <a:rPr lang="en-US" dirty="0">
                 <a:hlinkClick r:id="rId2"/>
               </a:rPr>
-              <a:t>https://github.com/kyletolle/talks</a:t>
-            </a:r>
+              <a:t>https://</a:t>
+            </a:r>
+            <a:r>
+              <a:rPr lang="en-US" dirty="0" smtClean="0">
+                <a:hlinkClick r:id="rId2"/>
+              </a:rPr>
+              <a:t>github.com/kyletolle/dotfiles</a:t>
+            </a:r>
+            <a:endParaRPr lang="en-US" dirty="0" smtClean="0"/>
+          </a:p>
+          <a:p>
             <a:endParaRPr lang="en-US" dirty="0"/>
           </a:p>
           <a:p>
-            <a:pPr lvl="1"/>
-            <a:endParaRPr lang="en-US" dirty="0"/>
-          </a:p>
-          <a:p>
-            <a:r>
-              <a:rPr lang="en-US" dirty="0" err="1"/>
-              <a:t>cheatsheet</a:t>
-            </a:r>
-            <a:endParaRPr lang="en-US" dirty="0"/>
-          </a:p>
-          <a:p>
-            <a:pPr lvl="1"/>
-            <a:r>
-              <a:rPr lang="en-US" dirty="0">
-                <a:hlinkClick r:id="rId3"/>
-              </a:rPr>
-              <a:t>http://simpletutorials.com/tutorials/vim/vimquick.pdf</a:t>
-            </a:r>
-            <a:endParaRPr lang="en-US" dirty="0"/>
-          </a:p>
-          <a:p>
+            <a:r>
+              <a:rPr lang="en-US" dirty="0" smtClean="0"/>
+              <a:t>other people share their </a:t>
+            </a:r>
+            <a:r>
+              <a:rPr lang="en-US" dirty="0" err="1" smtClean="0"/>
+              <a:t>vimrcs</a:t>
+            </a:r>
             <a:endParaRPr lang="en-US" dirty="0" smtClean="0"/>
           </a:p>
           <a:p>
-            <a:r>
-              <a:rPr lang="en-US" dirty="0" smtClean="0">
-                <a:hlinkClick r:id="rId4"/>
-              </a:rPr>
-              <a:t>http://www.vim.org</a:t>
-            </a:r>
             <a:endParaRPr lang="en-US" dirty="0" smtClean="0"/>
           </a:p>
           <a:p>
             <a:r>
-              <a:rPr lang="en-US" dirty="0" smtClean="0">
-                <a:hlinkClick r:id="rId5"/>
-              </a:rPr>
-              <a:t>http://vim.wikia.com</a:t>
-            </a:r>
-            <a:endParaRPr lang="en-US" dirty="0" smtClean="0"/>
+              <a:rPr lang="en-US" dirty="0" smtClean="0"/>
+              <a:t>mix and match as you choose</a:t>
+            </a:r>
           </a:p>
         </p:txBody>
       </p:sp>
     </p:spTree>
     <p:extLst>
       <p:ext uri="{BB962C8B-B14F-4D97-AF65-F5344CB8AC3E}">
-        <p14:creationId xmlns:p14="http://schemas.microsoft.com/office/powerpoint/2010/main" val="788730300"/>
+        <p14:creationId xmlns:p14="http://schemas.microsoft.com/office/powerpoint/2010/main" val="3557938886"/>
       </p:ext>
     </p:extLst>
   </p:cSld>
@@ -9860,8 +9874,8 @@
           <a:lstStyle/>
           <a:p>
             <a:r>
-              <a:rPr lang="en-US" dirty="0" smtClean="0"/>
-              <a:t>questions?</a:t>
+              <a:rPr lang="en-US" dirty="0" err="1" smtClean="0"/>
+              <a:t>colorschemes</a:t>
             </a:r>
             <a:endParaRPr lang="en-US" dirty="0"/>
           </a:p>
@@ -9886,7 +9900,11 @@
           <a:p>
             <a:r>
               <a:rPr lang="en-US" dirty="0" smtClean="0"/>
-              <a:t>thanks for showing up!</a:t>
+              <a:t>many </a:t>
+            </a:r>
+            <a:r>
+              <a:rPr lang="en-US" dirty="0"/>
+              <a:t>come with vim</a:t>
             </a:r>
           </a:p>
           <a:p>
@@ -9894,29 +9912,731 @@
           </a:p>
           <a:p>
             <a:r>
-              <a:rPr lang="en-US" dirty="0" err="1" smtClean="0"/>
-              <a:t>i</a:t>
-            </a:r>
-            <a:r>
-              <a:rPr lang="en-US" dirty="0" smtClean="0"/>
-              <a:t> appreciate </a:t>
-            </a:r>
-            <a:r>
-              <a:rPr lang="en-US" dirty="0" smtClean="0"/>
-              <a:t>any and all </a:t>
-            </a:r>
-            <a:r>
-              <a:rPr lang="en-US" dirty="0" smtClean="0"/>
-              <a:t>feedback</a:t>
-            </a:r>
+              <a:rPr lang="en-US" dirty="0" smtClean="0"/>
+              <a:t>solarized is a popular one</a:t>
+            </a:r>
+          </a:p>
+          <a:p>
             <a:endParaRPr lang="en-US" dirty="0" smtClean="0"/>
+          </a:p>
+          <a:p>
+            <a:r>
+              <a:rPr lang="en-US" dirty="0" smtClean="0"/>
+              <a:t>color packs you can download</a:t>
+            </a:r>
+          </a:p>
+          <a:p>
+            <a:endParaRPr lang="en-US" dirty="0" smtClean="0"/>
+          </a:p>
+          <a:p>
+            <a:r>
+              <a:rPr lang="en-US" dirty="0" smtClean="0"/>
+              <a:t>make your own!</a:t>
+            </a:r>
+            <a:endParaRPr lang="en-US" dirty="0"/>
           </a:p>
         </p:txBody>
       </p:sp>
     </p:spTree>
     <p:extLst>
       <p:ext uri="{BB962C8B-B14F-4D97-AF65-F5344CB8AC3E}">
-        <p14:creationId xmlns:p14="http://schemas.microsoft.com/office/powerpoint/2010/main" val="2322744590"/>
+        <p14:creationId xmlns:p14="http://schemas.microsoft.com/office/powerpoint/2010/main" val="412503745"/>
+      </p:ext>
+    </p:extLst>
+  </p:cSld>
+  <p:clrMapOvr>
+    <a:masterClrMapping/>
+  </p:clrMapOvr>
+</p:sld>
+</file>
+
+<file path=ppt/slides/slide45.xml><?xml version="1.0" encoding="utf-8"?>
+<p:sld xmlns:a="http://schemas.openxmlformats.org/drawingml/2006/main" xmlns:r="http://schemas.openxmlformats.org/officeDocument/2006/relationships" xmlns:p="http://schemas.openxmlformats.org/presentationml/2006/main">
+  <p:cSld>
+    <p:spTree>
+      <p:nvGrpSpPr>
+        <p:cNvPr id="1" name=""/>
+        <p:cNvGrpSpPr/>
+        <p:nvPr/>
+      </p:nvGrpSpPr>
+      <p:grpSpPr>
+        <a:xfrm>
+          <a:off x="0" y="0"/>
+          <a:ext cx="0" cy="0"/>
+          <a:chOff x="0" y="0"/>
+          <a:chExt cx="0" cy="0"/>
+        </a:xfrm>
+      </p:grpSpPr>
+      <p:sp>
+        <p:nvSpPr>
+          <p:cNvPr id="2" name="Title 1"/>
+          <p:cNvSpPr>
+            <a:spLocks noGrp="1"/>
+          </p:cNvSpPr>
+          <p:nvPr>
+            <p:ph type="title"/>
+          </p:nvPr>
+        </p:nvSpPr>
+        <p:spPr/>
+        <p:txBody>
+          <a:bodyPr/>
+          <a:lstStyle/>
+          <a:p>
+            <a:r>
+              <a:rPr lang="en-US" dirty="0" smtClean="0"/>
+              <a:t>advanced</a:t>
+            </a:r>
+            <a:endParaRPr lang="en-US" dirty="0"/>
+          </a:p>
+        </p:txBody>
+      </p:sp>
+      <p:sp>
+        <p:nvSpPr>
+          <p:cNvPr id="3" name="Content Placeholder 2"/>
+          <p:cNvSpPr>
+            <a:spLocks noGrp="1"/>
+          </p:cNvSpPr>
+          <p:nvPr>
+            <p:ph idx="1"/>
+          </p:nvPr>
+        </p:nvSpPr>
+        <p:spPr/>
+        <p:txBody>
+          <a:bodyPr>
+            <a:normAutofit lnSpcReduction="10000"/>
+          </a:bodyPr>
+          <a:lstStyle/>
+          <a:p>
+            <a:r>
+              <a:rPr lang="en-US" dirty="0" err="1" smtClean="0"/>
+              <a:t>filetypes</a:t>
+            </a:r>
+            <a:endParaRPr lang="en-US" dirty="0" smtClean="0"/>
+          </a:p>
+          <a:p>
+            <a:endParaRPr lang="en-US" dirty="0"/>
+          </a:p>
+          <a:p>
+            <a:r>
+              <a:rPr lang="en-US" dirty="0"/>
+              <a:t>language </a:t>
+            </a:r>
+            <a:r>
+              <a:rPr lang="en-US" dirty="0" smtClean="0"/>
+              <a:t>support</a:t>
+            </a:r>
+          </a:p>
+          <a:p>
+            <a:endParaRPr lang="en-US" dirty="0"/>
+          </a:p>
+          <a:p>
+            <a:r>
+              <a:rPr lang="en-US" dirty="0" smtClean="0"/>
+              <a:t>syntax highlighting</a:t>
+            </a:r>
+          </a:p>
+          <a:p>
+            <a:endParaRPr lang="en-US" dirty="0"/>
+          </a:p>
+          <a:p>
+            <a:r>
+              <a:rPr lang="en-US" dirty="0" smtClean="0"/>
+              <a:t>other modes</a:t>
+            </a:r>
+          </a:p>
+          <a:p>
+            <a:pPr lvl="1"/>
+            <a:r>
+              <a:rPr lang="en-US" dirty="0" smtClean="0"/>
+              <a:t>visual mode is a useful one</a:t>
+            </a:r>
+          </a:p>
+        </p:txBody>
+      </p:sp>
+    </p:spTree>
+    <p:extLst>
+      <p:ext uri="{BB962C8B-B14F-4D97-AF65-F5344CB8AC3E}">
+        <p14:creationId xmlns:p14="http://schemas.microsoft.com/office/powerpoint/2010/main" val="4285375794"/>
+      </p:ext>
+    </p:extLst>
+  </p:cSld>
+  <p:clrMapOvr>
+    <a:masterClrMapping/>
+  </p:clrMapOvr>
+</p:sld>
+</file>
+
+<file path=ppt/slides/slide46.xml><?xml version="1.0" encoding="utf-8"?>
+<p:sld xmlns:a="http://schemas.openxmlformats.org/drawingml/2006/main" xmlns:r="http://schemas.openxmlformats.org/officeDocument/2006/relationships" xmlns:p="http://schemas.openxmlformats.org/presentationml/2006/main">
+  <p:cSld>
+    <p:spTree>
+      <p:nvGrpSpPr>
+        <p:cNvPr id="1" name=""/>
+        <p:cNvGrpSpPr/>
+        <p:nvPr/>
+      </p:nvGrpSpPr>
+      <p:grpSpPr>
+        <a:xfrm>
+          <a:off x="0" y="0"/>
+          <a:ext cx="0" cy="0"/>
+          <a:chOff x="0" y="0"/>
+          <a:chExt cx="0" cy="0"/>
+        </a:xfrm>
+      </p:grpSpPr>
+      <p:sp>
+        <p:nvSpPr>
+          <p:cNvPr id="2" name="Title 1"/>
+          <p:cNvSpPr>
+            <a:spLocks noGrp="1"/>
+          </p:cNvSpPr>
+          <p:nvPr>
+            <p:ph type="title"/>
+          </p:nvPr>
+        </p:nvSpPr>
+        <p:spPr/>
+        <p:txBody>
+          <a:bodyPr/>
+          <a:lstStyle/>
+          <a:p>
+            <a:r>
+              <a:rPr lang="en-US" sz="7200" dirty="0">
+                <a:solidFill>
+                  <a:srgbClr val="EEEEEE"/>
+                </a:solidFill>
+              </a:rPr>
+              <a:t>advanced, cont.</a:t>
+            </a:r>
+            <a:endParaRPr lang="en-US" dirty="0"/>
+          </a:p>
+        </p:txBody>
+      </p:sp>
+      <p:sp>
+        <p:nvSpPr>
+          <p:cNvPr id="3" name="Content Placeholder 2"/>
+          <p:cNvSpPr>
+            <a:spLocks noGrp="1"/>
+          </p:cNvSpPr>
+          <p:nvPr>
+            <p:ph idx="1"/>
+          </p:nvPr>
+        </p:nvSpPr>
+        <p:spPr/>
+        <p:txBody>
+          <a:bodyPr>
+            <a:normAutofit fontScale="85000" lnSpcReduction="20000"/>
+          </a:bodyPr>
+          <a:lstStyle/>
+          <a:p>
+            <a:r>
+              <a:rPr lang="en-US" dirty="0" err="1" smtClean="0"/>
+              <a:t>gvimdiff</a:t>
+            </a:r>
+            <a:r>
+              <a:rPr lang="en-US" dirty="0" smtClean="0"/>
+              <a:t> file1 file2</a:t>
+            </a:r>
+          </a:p>
+          <a:p>
+            <a:pPr lvl="1"/>
+            <a:r>
+              <a:rPr lang="en-US" dirty="0" smtClean="0"/>
+              <a:t>commands related to diffing/merging files</a:t>
+            </a:r>
+          </a:p>
+          <a:p>
+            <a:endParaRPr lang="en-US" dirty="0" smtClean="0"/>
+          </a:p>
+          <a:p>
+            <a:r>
+              <a:rPr lang="en-US" dirty="0" smtClean="0"/>
+              <a:t>folds</a:t>
+            </a:r>
+          </a:p>
+          <a:p>
+            <a:pPr lvl="1"/>
+            <a:r>
+              <a:rPr lang="en-US" dirty="0" smtClean="0"/>
+              <a:t>collapse blocks of code</a:t>
+            </a:r>
+          </a:p>
+          <a:p>
+            <a:endParaRPr lang="en-US" dirty="0" smtClean="0"/>
+          </a:p>
+          <a:p>
+            <a:r>
+              <a:rPr lang="en-US" dirty="0" smtClean="0"/>
+              <a:t>marks – jump around file easier</a:t>
+            </a:r>
+          </a:p>
+          <a:p>
+            <a:pPr lvl="1"/>
+            <a:r>
+              <a:rPr lang="en-US" dirty="0" smtClean="0"/>
+              <a:t>ma – mark the current like as a</a:t>
+            </a:r>
+          </a:p>
+          <a:p>
+            <a:pPr lvl="1"/>
+            <a:r>
+              <a:rPr lang="en-US" dirty="0" smtClean="0"/>
+              <a:t>‘a – jump to mark a</a:t>
+            </a:r>
+          </a:p>
+          <a:p>
+            <a:pPr lvl="1"/>
+            <a:r>
+              <a:rPr lang="en-US" dirty="0" smtClean="0"/>
+              <a:t>Ctrl-o, Ctrl-</a:t>
+            </a:r>
+            <a:r>
+              <a:rPr lang="en-US" dirty="0" err="1" smtClean="0"/>
+              <a:t>i</a:t>
+            </a:r>
+            <a:r>
+              <a:rPr lang="en-US" dirty="0" smtClean="0"/>
+              <a:t> – jump forward and backward to last places you were</a:t>
+            </a:r>
+            <a:endParaRPr lang="en-US" dirty="0"/>
+          </a:p>
+          <a:p>
+            <a:pPr lvl="1"/>
+            <a:endParaRPr lang="en-US" dirty="0" smtClean="0"/>
+          </a:p>
+        </p:txBody>
+      </p:sp>
+    </p:spTree>
+    <p:extLst>
+      <p:ext uri="{BB962C8B-B14F-4D97-AF65-F5344CB8AC3E}">
+        <p14:creationId xmlns:p14="http://schemas.microsoft.com/office/powerpoint/2010/main" val="1365242323"/>
+      </p:ext>
+    </p:extLst>
+  </p:cSld>
+  <p:clrMapOvr>
+    <a:masterClrMapping/>
+  </p:clrMapOvr>
+</p:sld>
+</file>
+
+<file path=ppt/slides/slide47.xml><?xml version="1.0" encoding="utf-8"?>
+<p:sld xmlns:a="http://schemas.openxmlformats.org/drawingml/2006/main" xmlns:r="http://schemas.openxmlformats.org/officeDocument/2006/relationships" xmlns:p="http://schemas.openxmlformats.org/presentationml/2006/main">
+  <p:cSld>
+    <p:spTree>
+      <p:nvGrpSpPr>
+        <p:cNvPr id="1" name=""/>
+        <p:cNvGrpSpPr/>
+        <p:nvPr/>
+      </p:nvGrpSpPr>
+      <p:grpSpPr>
+        <a:xfrm>
+          <a:off x="0" y="0"/>
+          <a:ext cx="0" cy="0"/>
+          <a:chOff x="0" y="0"/>
+          <a:chExt cx="0" cy="0"/>
+        </a:xfrm>
+      </p:grpSpPr>
+      <p:sp>
+        <p:nvSpPr>
+          <p:cNvPr id="2" name="Title 1"/>
+          <p:cNvSpPr>
+            <a:spLocks noGrp="1"/>
+          </p:cNvSpPr>
+          <p:nvPr>
+            <p:ph type="title"/>
+          </p:nvPr>
+        </p:nvSpPr>
+        <p:spPr/>
+        <p:txBody>
+          <a:bodyPr/>
+          <a:lstStyle/>
+          <a:p>
+            <a:r>
+              <a:rPr lang="en-US" sz="7200" dirty="0" smtClean="0"/>
+              <a:t>advanced, cont.</a:t>
+            </a:r>
+            <a:endParaRPr lang="en-US" sz="7200" dirty="0"/>
+          </a:p>
+        </p:txBody>
+      </p:sp>
+      <p:sp>
+        <p:nvSpPr>
+          <p:cNvPr id="3" name="Content Placeholder 2"/>
+          <p:cNvSpPr>
+            <a:spLocks noGrp="1"/>
+          </p:cNvSpPr>
+          <p:nvPr>
+            <p:ph idx="1"/>
+          </p:nvPr>
+        </p:nvSpPr>
+        <p:spPr/>
+        <p:txBody>
+          <a:bodyPr>
+            <a:normAutofit fontScale="85000" lnSpcReduction="20000"/>
+          </a:bodyPr>
+          <a:lstStyle/>
+          <a:p>
+            <a:r>
+              <a:rPr lang="en-US" dirty="0"/>
+              <a:t>ranges for </a:t>
+            </a:r>
+            <a:r>
+              <a:rPr lang="en-US" dirty="0" smtClean="0"/>
+              <a:t>commands</a:t>
+            </a:r>
+          </a:p>
+          <a:p>
+            <a:r>
+              <a:rPr lang="en-US" dirty="0" smtClean="0"/>
+              <a:t>. </a:t>
+            </a:r>
+            <a:r>
+              <a:rPr lang="en-US" dirty="0"/>
+              <a:t>– refers to current </a:t>
+            </a:r>
+            <a:r>
+              <a:rPr lang="en-US" dirty="0" smtClean="0"/>
+              <a:t>line</a:t>
+            </a:r>
+          </a:p>
+          <a:p>
+            <a:r>
+              <a:rPr lang="en-US" dirty="0" smtClean="0"/>
+              <a:t>% </a:t>
+            </a:r>
+            <a:r>
+              <a:rPr lang="en-US" dirty="0"/>
+              <a:t>- refers to current file</a:t>
+            </a:r>
+          </a:p>
+          <a:p>
+            <a:endParaRPr lang="en-US" dirty="0" smtClean="0"/>
+          </a:p>
+          <a:p>
+            <a:r>
+              <a:rPr lang="en-US" dirty="0" smtClean="0"/>
+              <a:t>examples:</a:t>
+            </a:r>
+          </a:p>
+          <a:p>
+            <a:pPr lvl="1"/>
+            <a:r>
+              <a:rPr lang="en-US" dirty="0"/>
+              <a:t>:&gt; - indent this line</a:t>
+            </a:r>
+          </a:p>
+          <a:p>
+            <a:pPr lvl="1"/>
+            <a:r>
+              <a:rPr lang="en-US" dirty="0"/>
+              <a:t>:.&gt; - indent this line</a:t>
+            </a:r>
+          </a:p>
+          <a:p>
+            <a:pPr lvl="1"/>
+            <a:r>
+              <a:rPr lang="en-US" dirty="0" smtClean="0"/>
+              <a:t>:.,+</a:t>
+            </a:r>
+            <a:r>
+              <a:rPr lang="en-US" dirty="0"/>
+              <a:t>2&gt; – indent this and the next two lines</a:t>
+            </a:r>
+          </a:p>
+          <a:p>
+            <a:pPr lvl="1"/>
+            <a:r>
+              <a:rPr lang="en-US" dirty="0"/>
+              <a:t>:.,’a&gt;&gt; - indent two times from this line until mark a</a:t>
+            </a:r>
+          </a:p>
+          <a:p>
+            <a:pPr lvl="1"/>
+            <a:r>
+              <a:rPr lang="en-US" dirty="0"/>
+              <a:t>:%&gt;&gt; indent this whole file two </a:t>
+            </a:r>
+            <a:r>
+              <a:rPr lang="en-US" dirty="0" smtClean="0"/>
+              <a:t>times</a:t>
+            </a:r>
+            <a:endParaRPr lang="en-US" dirty="0"/>
+          </a:p>
+        </p:txBody>
+      </p:sp>
+    </p:spTree>
+    <p:extLst>
+      <p:ext uri="{BB962C8B-B14F-4D97-AF65-F5344CB8AC3E}">
+        <p14:creationId xmlns:p14="http://schemas.microsoft.com/office/powerpoint/2010/main" val="3667826321"/>
+      </p:ext>
+    </p:extLst>
+  </p:cSld>
+  <p:clrMapOvr>
+    <a:masterClrMapping/>
+  </p:clrMapOvr>
+</p:sld>
+</file>
+
+<file path=ppt/slides/slide48.xml><?xml version="1.0" encoding="utf-8"?>
+<p:sld xmlns:a="http://schemas.openxmlformats.org/drawingml/2006/main" xmlns:r="http://schemas.openxmlformats.org/officeDocument/2006/relationships" xmlns:p="http://schemas.openxmlformats.org/presentationml/2006/main">
+  <p:cSld>
+    <p:spTree>
+      <p:nvGrpSpPr>
+        <p:cNvPr id="1" name=""/>
+        <p:cNvGrpSpPr/>
+        <p:nvPr/>
+      </p:nvGrpSpPr>
+      <p:grpSpPr>
+        <a:xfrm>
+          <a:off x="0" y="0"/>
+          <a:ext cx="0" cy="0"/>
+          <a:chOff x="0" y="0"/>
+          <a:chExt cx="0" cy="0"/>
+        </a:xfrm>
+      </p:grpSpPr>
+      <p:sp>
+        <p:nvSpPr>
+          <p:cNvPr id="2" name="Title 1"/>
+          <p:cNvSpPr>
+            <a:spLocks noGrp="1"/>
+          </p:cNvSpPr>
+          <p:nvPr>
+            <p:ph type="title"/>
+          </p:nvPr>
+        </p:nvSpPr>
+        <p:spPr/>
+        <p:txBody>
+          <a:bodyPr/>
+          <a:lstStyle/>
+          <a:p>
+            <a:r>
+              <a:rPr lang="en-US" sz="7200" dirty="0">
+                <a:solidFill>
+                  <a:srgbClr val="EEEEEE"/>
+                </a:solidFill>
+              </a:rPr>
+              <a:t>advanced, cont.</a:t>
+            </a:r>
+            <a:endParaRPr lang="en-US" dirty="0"/>
+          </a:p>
+        </p:txBody>
+      </p:sp>
+      <p:sp>
+        <p:nvSpPr>
+          <p:cNvPr id="3" name="Content Placeholder 2"/>
+          <p:cNvSpPr>
+            <a:spLocks noGrp="1"/>
+          </p:cNvSpPr>
+          <p:nvPr>
+            <p:ph idx="1"/>
+          </p:nvPr>
+        </p:nvSpPr>
+        <p:spPr/>
+        <p:txBody>
+          <a:bodyPr>
+            <a:normAutofit fontScale="92500" lnSpcReduction="10000"/>
+          </a:bodyPr>
+          <a:lstStyle/>
+          <a:p>
+            <a:r>
+              <a:rPr lang="en-US" dirty="0" smtClean="0"/>
+              <a:t>macros</a:t>
+            </a:r>
+          </a:p>
+          <a:p>
+            <a:pPr lvl="1"/>
+            <a:r>
+              <a:rPr lang="en-US" dirty="0" smtClean="0"/>
+              <a:t>repeat a series of actions that you record</a:t>
+            </a:r>
+          </a:p>
+          <a:p>
+            <a:endParaRPr lang="en-US" dirty="0"/>
+          </a:p>
+          <a:p>
+            <a:r>
+              <a:rPr lang="en-US" dirty="0" smtClean="0"/>
+              <a:t>key mapping</a:t>
+            </a:r>
+          </a:p>
+          <a:p>
+            <a:pPr lvl="1"/>
+            <a:r>
+              <a:rPr lang="en-US" dirty="0" smtClean="0"/>
+              <a:t>customize things as you like</a:t>
+            </a:r>
+          </a:p>
+          <a:p>
+            <a:endParaRPr lang="en-US" dirty="0"/>
+          </a:p>
+          <a:p>
+            <a:r>
+              <a:rPr lang="en-US" dirty="0" smtClean="0"/>
+              <a:t>plugins</a:t>
+            </a:r>
+          </a:p>
+          <a:p>
+            <a:pPr lvl="1"/>
+            <a:r>
+              <a:rPr lang="en-US" dirty="0" smtClean="0"/>
+              <a:t>Command-T for fuzzy file finding</a:t>
+            </a:r>
+          </a:p>
+          <a:p>
+            <a:endParaRPr lang="en-US" dirty="0"/>
+          </a:p>
+        </p:txBody>
+      </p:sp>
+    </p:spTree>
+    <p:extLst>
+      <p:ext uri="{BB962C8B-B14F-4D97-AF65-F5344CB8AC3E}">
+        <p14:creationId xmlns:p14="http://schemas.microsoft.com/office/powerpoint/2010/main" val="14090876"/>
+      </p:ext>
+    </p:extLst>
+  </p:cSld>
+  <p:clrMapOvr>
+    <a:masterClrMapping/>
+  </p:clrMapOvr>
+</p:sld>
+</file>
+
+<file path=ppt/slides/slide49.xml><?xml version="1.0" encoding="utf-8"?>
+<p:sld xmlns:a="http://schemas.openxmlformats.org/drawingml/2006/main" xmlns:r="http://schemas.openxmlformats.org/officeDocument/2006/relationships" xmlns:p="http://schemas.openxmlformats.org/presentationml/2006/main">
+  <p:cSld>
+    <p:spTree>
+      <p:nvGrpSpPr>
+        <p:cNvPr id="1" name=""/>
+        <p:cNvGrpSpPr/>
+        <p:nvPr/>
+      </p:nvGrpSpPr>
+      <p:grpSpPr>
+        <a:xfrm>
+          <a:off x="0" y="0"/>
+          <a:ext cx="0" cy="0"/>
+          <a:chOff x="0" y="0"/>
+          <a:chExt cx="0" cy="0"/>
+        </a:xfrm>
+      </p:grpSpPr>
+      <p:sp>
+        <p:nvSpPr>
+          <p:cNvPr id="2" name="Title 1"/>
+          <p:cNvSpPr>
+            <a:spLocks noGrp="1"/>
+          </p:cNvSpPr>
+          <p:nvPr>
+            <p:ph type="title"/>
+          </p:nvPr>
+        </p:nvSpPr>
+        <p:spPr/>
+        <p:txBody>
+          <a:bodyPr/>
+          <a:lstStyle/>
+          <a:p>
+            <a:r>
+              <a:rPr lang="en-US" sz="7200" dirty="0" smtClean="0"/>
+              <a:t>advanced, cont.</a:t>
+            </a:r>
+            <a:endParaRPr lang="en-US" sz="7200" dirty="0"/>
+          </a:p>
+        </p:txBody>
+      </p:sp>
+      <p:sp>
+        <p:nvSpPr>
+          <p:cNvPr id="3" name="Content Placeholder 2"/>
+          <p:cNvSpPr>
+            <a:spLocks noGrp="1"/>
+          </p:cNvSpPr>
+          <p:nvPr>
+            <p:ph idx="1"/>
+          </p:nvPr>
+        </p:nvSpPr>
+        <p:spPr/>
+        <p:txBody>
+          <a:bodyPr>
+            <a:normAutofit fontScale="77500" lnSpcReduction="20000"/>
+          </a:bodyPr>
+          <a:lstStyle/>
+          <a:p>
+            <a:r>
+              <a:rPr lang="en-US" dirty="0" smtClean="0"/>
+              <a:t>registers</a:t>
+            </a:r>
+          </a:p>
+          <a:p>
+            <a:pPr lvl="1"/>
+            <a:r>
+              <a:rPr lang="en-US" dirty="0" smtClean="0"/>
+              <a:t>deleting or yanking puts content into default registers</a:t>
+            </a:r>
+          </a:p>
+          <a:p>
+            <a:pPr lvl="1"/>
+            <a:r>
+              <a:rPr lang="en-US" dirty="0" smtClean="0"/>
+              <a:t>can specify other registers though</a:t>
+            </a:r>
+          </a:p>
+          <a:p>
+            <a:pPr lvl="1"/>
+            <a:endParaRPr lang="en-US" dirty="0"/>
+          </a:p>
+          <a:p>
+            <a:r>
+              <a:rPr lang="en-US" dirty="0" smtClean="0"/>
+              <a:t>tabs</a:t>
+            </a:r>
+          </a:p>
+          <a:p>
+            <a:pPr lvl="1"/>
+            <a:r>
+              <a:rPr lang="en-US" dirty="0"/>
+              <a:t>d</a:t>
+            </a:r>
+            <a:r>
+              <a:rPr lang="en-US" dirty="0" smtClean="0"/>
+              <a:t>ifferent view/window layout of the open buffers</a:t>
+            </a:r>
+          </a:p>
+          <a:p>
+            <a:pPr lvl="1"/>
+            <a:endParaRPr lang="en-US" dirty="0"/>
+          </a:p>
+          <a:p>
+            <a:r>
+              <a:rPr lang="en-US" dirty="0" smtClean="0"/>
+              <a:t>matching</a:t>
+            </a:r>
+          </a:p>
+          <a:p>
+            <a:pPr lvl="1"/>
+            <a:r>
+              <a:rPr lang="en-US" dirty="0"/>
+              <a:t>% - match current punctuation</a:t>
+            </a:r>
+          </a:p>
+          <a:p>
+            <a:pPr lvl="1"/>
+            <a:r>
+              <a:rPr lang="en-US" dirty="0" smtClean="0"/>
+              <a:t>see if {}, </a:t>
+            </a:r>
+            <a:r>
+              <a:rPr lang="en-US" dirty="0"/>
+              <a:t>(), </a:t>
+            </a:r>
+            <a:r>
+              <a:rPr lang="en-US" dirty="0" smtClean="0"/>
+              <a:t>do/end, etc. match up properly</a:t>
+            </a:r>
+            <a:endParaRPr lang="en-US" dirty="0"/>
+          </a:p>
+          <a:p>
+            <a:endParaRPr lang="en-US" dirty="0" smtClean="0"/>
+          </a:p>
+        </p:txBody>
+      </p:sp>
+    </p:spTree>
+    <p:extLst>
+      <p:ext uri="{BB962C8B-B14F-4D97-AF65-F5344CB8AC3E}">
+        <p14:creationId xmlns:p14="http://schemas.microsoft.com/office/powerpoint/2010/main" val="3323915862"/>
       </p:ext>
     </p:extLst>
   </p:cSld>
@@ -9959,18 +10679,10 @@
           <a:lstStyle/>
           <a:p>
             <a:r>
-              <a:rPr lang="en-US" dirty="0" smtClean="0">
-                <a:solidFill>
-                  <a:schemeClr val="accent3"/>
-                </a:solidFill>
-              </a:rPr>
-              <a:t>begin</a:t>
-            </a:r>
-            <a:endParaRPr lang="en-US" dirty="0">
-              <a:solidFill>
-                <a:schemeClr val="accent3"/>
-              </a:solidFill>
-            </a:endParaRPr>
+              <a:rPr lang="en-US" dirty="0" smtClean="0"/>
+              <a:t>TODO!</a:t>
+            </a:r>
+            <a:endParaRPr lang="en-US" dirty="0"/>
           </a:p>
         </p:txBody>
       </p:sp>
@@ -9986,77 +10698,85 @@
         </p:nvSpPr>
         <p:spPr/>
         <p:txBody>
-          <a:bodyPr>
-            <a:normAutofit/>
-          </a:bodyPr>
-          <a:lstStyle/>
-          <a:p>
-            <a:r>
-              <a:rPr lang="en-US" dirty="0"/>
-              <a:t>i</a:t>
-            </a:r>
-            <a:r>
-              <a:rPr lang="en-US" dirty="0" smtClean="0"/>
-              <a:t>nstall</a:t>
-            </a:r>
-          </a:p>
-          <a:p>
-            <a:r>
-              <a:rPr lang="en-US" dirty="0" smtClean="0"/>
-              <a:t>run</a:t>
+          <a:bodyPr/>
+          <a:lstStyle/>
+          <a:p>
+            <a:r>
+              <a:rPr lang="en-US" dirty="0" smtClean="0"/>
+              <a:t>Create a vim startup script</a:t>
             </a:r>
           </a:p>
           <a:p>
             <a:pPr lvl="1"/>
             <a:r>
               <a:rPr lang="en-US" dirty="0" smtClean="0"/>
-              <a:t>vim or </a:t>
+              <a:t>:e ~/.</a:t>
             </a:r>
             <a:r>
               <a:rPr lang="en-US" dirty="0" err="1" smtClean="0"/>
-              <a:t>gvim</a:t>
+              <a:t>vimrc</a:t>
+            </a:r>
+            <a:r>
+              <a:rPr lang="en-US" dirty="0" smtClean="0"/>
+              <a:t> – </a:t>
+            </a:r>
+            <a:r>
+              <a:rPr lang="en-US" dirty="0" err="1" smtClean="0"/>
+              <a:t>unix</a:t>
             </a:r>
             <a:endParaRPr lang="en-US" dirty="0" smtClean="0"/>
           </a:p>
           <a:p>
-            <a:r>
-              <a:rPr lang="en-US" dirty="0" smtClean="0"/>
-              <a:t>learn, learn, learn</a:t>
+            <a:pPr lvl="2"/>
+            <a:r>
+              <a:rPr lang="en-US" dirty="0" smtClean="0"/>
+              <a:t>:e $VIM/_</a:t>
+            </a:r>
+            <a:r>
+              <a:rPr lang="en-US" dirty="0" err="1" smtClean="0"/>
+              <a:t>vimrc</a:t>
+            </a:r>
+            <a:r>
+              <a:rPr lang="en-US" dirty="0" smtClean="0"/>
+              <a:t> – windows</a:t>
             </a:r>
           </a:p>
           <a:p>
             <a:pPr lvl="1"/>
             <a:r>
+              <a:rPr lang="en-US" dirty="0" smtClean="0"/>
+              <a:t>:r $VIMRUNTIME/</a:t>
+            </a:r>
+            <a:r>
               <a:rPr lang="en-US" dirty="0" err="1" smtClean="0"/>
-              <a:t>vimtutor</a:t>
-            </a:r>
-            <a:r>
-              <a:rPr lang="en-US" dirty="0" smtClean="0"/>
-              <a:t> (from the cli)</a:t>
-            </a:r>
+              <a:t>vimrc_example.vim</a:t>
+            </a:r>
+            <a:endParaRPr lang="en-US" dirty="0" smtClean="0"/>
           </a:p>
           <a:p>
             <a:pPr lvl="1"/>
             <a:r>
               <a:rPr lang="en-US" dirty="0" smtClean="0"/>
-              <a:t>:help tutor (from within vim)</a:t>
+              <a:t>:w to write the file</a:t>
             </a:r>
           </a:p>
           <a:p>
             <a:pPr lvl="1"/>
             <a:r>
+              <a:rPr lang="en-US" dirty="0" smtClean="0"/>
+              <a:t>:help </a:t>
+            </a:r>
+            <a:r>
               <a:rPr lang="en-US" dirty="0" err="1" smtClean="0"/>
-              <a:t>cheatsheets</a:t>
+              <a:t>vimrc_intro</a:t>
             </a:r>
             <a:endParaRPr lang="en-US" dirty="0" smtClean="0"/>
           </a:p>
           <a:p>
             <a:r>
               <a:rPr lang="en-US" dirty="0" smtClean="0"/>
-              <a:t>tweak</a:t>
-            </a:r>
-          </a:p>
-          <a:p>
+              <a:t>Mention autocomplete</a:t>
+            </a:r>
             <a:endParaRPr lang="en-US" dirty="0"/>
           </a:p>
         </p:txBody>
@@ -10064,20 +10784,232 @@
     </p:spTree>
     <p:extLst>
       <p:ext uri="{BB962C8B-B14F-4D97-AF65-F5344CB8AC3E}">
-        <p14:creationId xmlns:p14="http://schemas.microsoft.com/office/powerpoint/2010/main" val="2775600374"/>
+        <p14:creationId xmlns:p14="http://schemas.microsoft.com/office/powerpoint/2010/main" val="1117018653"/>
       </p:ext>
     </p:extLst>
   </p:cSld>
   <p:clrMapOvr>
     <a:masterClrMapping/>
   </p:clrMapOvr>
-  <p:timing>
-    <p:tnLst>
-      <p:par>
-        <p:cTn id="1" dur="indefinite" restart="never" nodeType="tmRoot"/>
-      </p:par>
-    </p:tnLst>
-  </p:timing>
+</p:sld>
+</file>
+
+<file path=ppt/slides/slide50.xml><?xml version="1.0" encoding="utf-8"?>
+<p:sld xmlns:a="http://schemas.openxmlformats.org/drawingml/2006/main" xmlns:r="http://schemas.openxmlformats.org/officeDocument/2006/relationships" xmlns:p="http://schemas.openxmlformats.org/presentationml/2006/main">
+  <p:cSld>
+    <p:spTree>
+      <p:nvGrpSpPr>
+        <p:cNvPr id="1" name=""/>
+        <p:cNvGrpSpPr/>
+        <p:nvPr/>
+      </p:nvGrpSpPr>
+      <p:grpSpPr>
+        <a:xfrm>
+          <a:off x="0" y="0"/>
+          <a:ext cx="0" cy="0"/>
+          <a:chOff x="0" y="0"/>
+          <a:chExt cx="0" cy="0"/>
+        </a:xfrm>
+      </p:grpSpPr>
+      <p:sp>
+        <p:nvSpPr>
+          <p:cNvPr id="2" name="Title 1"/>
+          <p:cNvSpPr>
+            <a:spLocks noGrp="1"/>
+          </p:cNvSpPr>
+          <p:nvPr>
+            <p:ph type="title"/>
+          </p:nvPr>
+        </p:nvSpPr>
+        <p:spPr/>
+        <p:txBody>
+          <a:bodyPr/>
+          <a:lstStyle/>
+          <a:p>
+            <a:r>
+              <a:rPr lang="en-US" dirty="0" smtClean="0"/>
+              <a:t>references</a:t>
+            </a:r>
+            <a:endParaRPr lang="en-US" dirty="0"/>
+          </a:p>
+        </p:txBody>
+      </p:sp>
+      <p:sp>
+        <p:nvSpPr>
+          <p:cNvPr id="3" name="Content Placeholder 2"/>
+          <p:cNvSpPr>
+            <a:spLocks noGrp="1"/>
+          </p:cNvSpPr>
+          <p:nvPr>
+            <p:ph idx="1"/>
+          </p:nvPr>
+        </p:nvSpPr>
+        <p:spPr/>
+        <p:txBody>
+          <a:bodyPr>
+            <a:normAutofit lnSpcReduction="10000"/>
+          </a:bodyPr>
+          <a:lstStyle/>
+          <a:p>
+            <a:r>
+              <a:rPr lang="en-US" dirty="0"/>
+              <a:t>get a copy of this talk</a:t>
+            </a:r>
+          </a:p>
+          <a:p>
+            <a:pPr lvl="1"/>
+            <a:r>
+              <a:rPr lang="en-US" dirty="0">
+                <a:hlinkClick r:id="rId2"/>
+              </a:rPr>
+              <a:t>https://github.com/kyletolle/talks</a:t>
+            </a:r>
+            <a:endParaRPr lang="en-US" dirty="0"/>
+          </a:p>
+          <a:p>
+            <a:pPr lvl="1"/>
+            <a:endParaRPr lang="en-US" dirty="0"/>
+          </a:p>
+          <a:p>
+            <a:r>
+              <a:rPr lang="en-US" dirty="0" err="1"/>
+              <a:t>cheatsheet</a:t>
+            </a:r>
+            <a:endParaRPr lang="en-US" dirty="0"/>
+          </a:p>
+          <a:p>
+            <a:pPr lvl="1"/>
+            <a:r>
+              <a:rPr lang="en-US" dirty="0">
+                <a:hlinkClick r:id="rId3"/>
+              </a:rPr>
+              <a:t>http://simpletutorials.com/tutorials/vim/vimquick.pdf</a:t>
+            </a:r>
+            <a:endParaRPr lang="en-US" dirty="0"/>
+          </a:p>
+          <a:p>
+            <a:endParaRPr lang="en-US" dirty="0" smtClean="0"/>
+          </a:p>
+          <a:p>
+            <a:r>
+              <a:rPr lang="en-US" dirty="0" smtClean="0">
+                <a:hlinkClick r:id="rId4"/>
+              </a:rPr>
+              <a:t>http://www.vim.org</a:t>
+            </a:r>
+            <a:endParaRPr lang="en-US" dirty="0" smtClean="0"/>
+          </a:p>
+          <a:p>
+            <a:r>
+              <a:rPr lang="en-US" dirty="0" smtClean="0">
+                <a:hlinkClick r:id="rId5"/>
+              </a:rPr>
+              <a:t>http://vim.wikia.com</a:t>
+            </a:r>
+            <a:endParaRPr lang="en-US" dirty="0" smtClean="0"/>
+          </a:p>
+        </p:txBody>
+      </p:sp>
+    </p:spTree>
+    <p:extLst>
+      <p:ext uri="{BB962C8B-B14F-4D97-AF65-F5344CB8AC3E}">
+        <p14:creationId xmlns:p14="http://schemas.microsoft.com/office/powerpoint/2010/main" val="788730300"/>
+      </p:ext>
+    </p:extLst>
+  </p:cSld>
+  <p:clrMapOvr>
+    <a:masterClrMapping/>
+  </p:clrMapOvr>
+</p:sld>
+</file>
+
+<file path=ppt/slides/slide51.xml><?xml version="1.0" encoding="utf-8"?>
+<p:sld xmlns:a="http://schemas.openxmlformats.org/drawingml/2006/main" xmlns:r="http://schemas.openxmlformats.org/officeDocument/2006/relationships" xmlns:p="http://schemas.openxmlformats.org/presentationml/2006/main">
+  <p:cSld>
+    <p:spTree>
+      <p:nvGrpSpPr>
+        <p:cNvPr id="1" name=""/>
+        <p:cNvGrpSpPr/>
+        <p:nvPr/>
+      </p:nvGrpSpPr>
+      <p:grpSpPr>
+        <a:xfrm>
+          <a:off x="0" y="0"/>
+          <a:ext cx="0" cy="0"/>
+          <a:chOff x="0" y="0"/>
+          <a:chExt cx="0" cy="0"/>
+        </a:xfrm>
+      </p:grpSpPr>
+      <p:sp>
+        <p:nvSpPr>
+          <p:cNvPr id="2" name="Title 1"/>
+          <p:cNvSpPr>
+            <a:spLocks noGrp="1"/>
+          </p:cNvSpPr>
+          <p:nvPr>
+            <p:ph type="title"/>
+          </p:nvPr>
+        </p:nvSpPr>
+        <p:spPr/>
+        <p:txBody>
+          <a:bodyPr/>
+          <a:lstStyle/>
+          <a:p>
+            <a:r>
+              <a:rPr lang="en-US" dirty="0" smtClean="0"/>
+              <a:t>questions?</a:t>
+            </a:r>
+            <a:endParaRPr lang="en-US" dirty="0"/>
+          </a:p>
+        </p:txBody>
+      </p:sp>
+      <p:sp>
+        <p:nvSpPr>
+          <p:cNvPr id="3" name="Content Placeholder 2"/>
+          <p:cNvSpPr>
+            <a:spLocks noGrp="1"/>
+          </p:cNvSpPr>
+          <p:nvPr>
+            <p:ph idx="1"/>
+          </p:nvPr>
+        </p:nvSpPr>
+        <p:spPr/>
+        <p:txBody>
+          <a:bodyPr>
+            <a:normAutofit/>
+          </a:bodyPr>
+          <a:lstStyle/>
+          <a:p>
+            <a:r>
+              <a:rPr lang="en-US" dirty="0" smtClean="0"/>
+              <a:t>thanks for showing up!</a:t>
+            </a:r>
+          </a:p>
+          <a:p>
+            <a:endParaRPr lang="en-US" dirty="0" smtClean="0"/>
+          </a:p>
+          <a:p>
+            <a:r>
+              <a:rPr lang="en-US" dirty="0" err="1" smtClean="0"/>
+              <a:t>i</a:t>
+            </a:r>
+            <a:r>
+              <a:rPr lang="en-US" dirty="0" smtClean="0"/>
+              <a:t> appreciate any and all feedback</a:t>
+            </a:r>
+          </a:p>
+        </p:txBody>
+      </p:sp>
+    </p:spTree>
+    <p:extLst>
+      <p:ext uri="{BB962C8B-B14F-4D97-AF65-F5344CB8AC3E}">
+        <p14:creationId xmlns:p14="http://schemas.microsoft.com/office/powerpoint/2010/main" val="2322744590"/>
+      </p:ext>
+    </p:extLst>
+  </p:cSld>
+  <p:clrMapOvr>
+    <a:masterClrMapping/>
+  </p:clrMapOvr>
 </p:sld>
 </file>
 
@@ -10108,53 +11040,16 @@
             <p:ph type="title"/>
           </p:nvPr>
         </p:nvSpPr>
-        <p:spPr>
-          <a:xfrm>
-            <a:off x="0" y="274638"/>
-            <a:ext cx="9144000" cy="1143000"/>
-          </a:xfrm>
-        </p:spPr>
-        <p:txBody>
-          <a:bodyPr/>
-          <a:lstStyle/>
-          <a:p>
-            <a:r>
-              <a:rPr lang="en-US" dirty="0" smtClean="0">
-                <a:solidFill>
-                  <a:schemeClr val="accent1"/>
-                </a:solidFill>
-              </a:rPr>
-              <a:t>1</a:t>
-            </a:r>
-            <a:r>
-              <a:rPr lang="en-US" baseline="30000" dirty="0" smtClean="0">
-                <a:solidFill>
-                  <a:schemeClr val="accent1"/>
-                </a:solidFill>
-              </a:rPr>
-              <a:t>st</a:t>
-            </a:r>
-            <a:r>
-              <a:rPr lang="en-US" dirty="0" smtClean="0">
-                <a:solidFill>
-                  <a:schemeClr val="accent1"/>
-                </a:solidFill>
-              </a:rPr>
-              <a:t> things 1</a:t>
-            </a:r>
-            <a:r>
-              <a:rPr lang="en-US" baseline="30000" dirty="0" smtClean="0">
-                <a:solidFill>
-                  <a:schemeClr val="accent1"/>
-                </a:solidFill>
-              </a:rPr>
-              <a:t>st</a:t>
-            </a:r>
-            <a:endParaRPr lang="en-US" dirty="0">
-              <a:solidFill>
-                <a:schemeClr val="accent1"/>
-              </a:solidFill>
-            </a:endParaRPr>
+        <p:spPr/>
+        <p:txBody>
+          <a:bodyPr/>
+          <a:lstStyle/>
+          <a:p>
+            <a:r>
+              <a:rPr lang="en-US" dirty="0" smtClean="0"/>
+              <a:t>TODO!</a:t>
+            </a:r>
+            <a:endParaRPr lang="en-US" dirty="0"/>
           </a:p>
         </p:txBody>
       </p:sp>
@@ -10171,114 +11066,96 @@
         <p:spPr/>
         <p:txBody>
           <a:bodyPr>
-            <a:normAutofit/>
+            <a:normAutofit fontScale="92500" lnSpcReduction="20000"/>
           </a:bodyPr>
           <a:lstStyle/>
           <a:p>
+            <a:r>
+              <a:rPr lang="en-US" dirty="0" smtClean="0"/>
+              <a:t>Command Completion </a:t>
+            </a:r>
+          </a:p>
+          <a:p>
+            <a:pPr lvl="1"/>
+            <a:r>
+              <a:rPr lang="en-US" dirty="0" smtClean="0"/>
+              <a:t>:set </a:t>
+            </a:r>
+            <a:r>
+              <a:rPr lang="en-US" dirty="0" err="1" smtClean="0"/>
+              <a:t>nocp</a:t>
+            </a:r>
+            <a:r>
+              <a:rPr lang="en-US" dirty="0" smtClean="0"/>
+              <a:t> (not in compatible mode)</a:t>
+            </a:r>
+          </a:p>
+          <a:p>
+            <a:pPr lvl="1"/>
+            <a:r>
+              <a:rPr lang="en-US" dirty="0" smtClean="0"/>
+              <a:t>:!</a:t>
+            </a:r>
+            <a:r>
+              <a:rPr lang="en-US" dirty="0" err="1" smtClean="0"/>
+              <a:t>ls</a:t>
+            </a:r>
             <a:endParaRPr lang="en-US" dirty="0" smtClean="0"/>
           </a:p>
           <a:p>
-            <a:endParaRPr lang="en-US" dirty="0" smtClean="0"/>
-          </a:p>
-          <a:p>
-            <a:pPr marL="0" indent="0">
-              <a:buNone/>
-            </a:pPr>
-            <a:r>
-              <a:rPr lang="en-US" dirty="0" smtClean="0"/>
-              <a:t>what are some common things you do while editing text, code, </a:t>
-            </a:r>
-            <a:r>
-              <a:rPr lang="en-US" dirty="0" err="1" smtClean="0"/>
-              <a:t>config</a:t>
-            </a:r>
-            <a:r>
-              <a:rPr lang="en-US" dirty="0" smtClean="0"/>
-              <a:t> files, </a:t>
-            </a:r>
-            <a:r>
-              <a:rPr lang="en-US" dirty="0" err="1" smtClean="0"/>
-              <a:t>etc</a:t>
-            </a:r>
-            <a:r>
-              <a:rPr lang="en-US" dirty="0" smtClean="0"/>
-              <a:t>?</a:t>
-            </a:r>
-          </a:p>
-          <a:p>
-            <a:pPr marL="0" indent="0">
-              <a:buNone/>
-            </a:pPr>
-            <a:endParaRPr lang="en-US" dirty="0" smtClean="0"/>
-          </a:p>
-          <a:p>
-            <a:pPr marL="0" indent="0">
-              <a:buNone/>
-            </a:pPr>
-            <a:endParaRPr lang="en-US" dirty="0" smtClean="0"/>
-          </a:p>
-          <a:p>
-            <a:pPr marL="0" indent="0">
-              <a:buNone/>
-            </a:pPr>
-            <a:endParaRPr lang="en-US" dirty="0" smtClean="0"/>
-          </a:p>
-        </p:txBody>
-      </p:sp>
-      <p:sp>
-        <p:nvSpPr>
-          <p:cNvPr id="4" name="Rectangle 3"/>
-          <p:cNvSpPr/>
-          <p:nvPr/>
-        </p:nvSpPr>
-        <p:spPr>
-          <a:xfrm>
-            <a:off x="457200" y="6462789"/>
-            <a:ext cx="4363695" cy="369332"/>
-          </a:xfrm>
-          <a:prstGeom prst="rect">
-            <a:avLst/>
-          </a:prstGeom>
-        </p:spPr>
-        <p:txBody>
-          <a:bodyPr wrap="none">
-            <a:spAutoFit/>
-          </a:bodyPr>
-          <a:lstStyle/>
-          <a:p>
-            <a:r>
-              <a:rPr lang="en-US" dirty="0" smtClean="0">
-                <a:solidFill>
-                  <a:schemeClr val="accent4"/>
-                </a:solidFill>
-              </a:rPr>
-              <a:t>open up a file to learn by doing!</a:t>
-            </a:r>
-            <a:endParaRPr lang="en-US" dirty="0">
-              <a:solidFill>
-                <a:schemeClr val="accent4"/>
-              </a:solidFill>
-            </a:endParaRPr>
+            <a:pPr lvl="1"/>
+            <a:r>
+              <a:rPr lang="en-US" dirty="0" smtClean="0"/>
+              <a:t>:e</a:t>
+            </a:r>
+          </a:p>
+          <a:p>
+            <a:pPr lvl="1"/>
+            <a:r>
+              <a:rPr lang="en-US" dirty="0" smtClean="0"/>
+              <a:t>Ctrl-d</a:t>
+            </a:r>
+          </a:p>
+          <a:p>
+            <a:pPr lvl="2"/>
+            <a:r>
+              <a:rPr lang="en-US" dirty="0" smtClean="0"/>
+              <a:t>Vim shows commands that begin with e</a:t>
+            </a:r>
+          </a:p>
+          <a:p>
+            <a:pPr lvl="1"/>
+            <a:r>
+              <a:rPr lang="en-US" dirty="0" smtClean="0"/>
+              <a:t>Tab to cycle between complete options</a:t>
+            </a:r>
+          </a:p>
+          <a:p>
+            <a:pPr lvl="1"/>
+            <a:r>
+              <a:rPr lang="en-US" dirty="0" smtClean="0"/>
+              <a:t>Ctrl-D is useful for :help POWERFUL!</a:t>
+            </a:r>
+          </a:p>
+          <a:p>
+            <a:pPr lvl="1"/>
+            <a:r>
+              <a:rPr lang="en-US" dirty="0" smtClean="0"/>
+              <a:t>When typing a : command, ctrl-d shows possible completions. Press &lt;tab&gt; to use a completion.</a:t>
+            </a:r>
           </a:p>
         </p:txBody>
       </p:sp>
     </p:spTree>
     <p:extLst>
       <p:ext uri="{BB962C8B-B14F-4D97-AF65-F5344CB8AC3E}">
-        <p14:creationId xmlns:p14="http://schemas.microsoft.com/office/powerpoint/2010/main" val="96818925"/>
+        <p14:creationId xmlns:p14="http://schemas.microsoft.com/office/powerpoint/2010/main" val="3957703706"/>
       </p:ext>
     </p:extLst>
   </p:cSld>
   <p:clrMapOvr>
     <a:masterClrMapping/>
   </p:clrMapOvr>
-  <p:timing>
-    <p:tnLst>
-      <p:par>
-        <p:cTn id="1" dur="indefinite" restart="never" nodeType="tmRoot"/>
-      </p:par>
-    </p:tnLst>
-  </p:timing>
 </p:sld>
 </file>
 
@@ -10315,18 +11192,10 @@
           <a:lstStyle/>
           <a:p>
             <a:r>
-              <a:rPr lang="en-US" dirty="0" smtClean="0">
-                <a:solidFill>
-                  <a:schemeClr val="accent2"/>
-                </a:solidFill>
-              </a:rPr>
-              <a:t>normal mode</a:t>
-            </a:r>
-            <a:endParaRPr lang="en-US" dirty="0">
-              <a:solidFill>
-                <a:schemeClr val="accent2"/>
-              </a:solidFill>
-            </a:endParaRPr>
+              <a:rPr lang="en-US" dirty="0" smtClean="0"/>
+              <a:t>TODO!</a:t>
+            </a:r>
+            <a:endParaRPr lang="en-US" dirty="0"/>
           </a:p>
         </p:txBody>
       </p:sp>
@@ -10343,69 +11212,60 @@
         <p:spPr/>
         <p:txBody>
           <a:bodyPr>
-            <a:normAutofit fontScale="92500" lnSpcReduction="10000"/>
+            <a:normAutofit/>
           </a:bodyPr>
           <a:lstStyle/>
           <a:p>
             <a:r>
               <a:rPr lang="en-US" dirty="0" smtClean="0"/>
-              <a:t>you’re in normal mode by default</a:t>
-            </a:r>
-          </a:p>
-          <a:p>
+              <a:t>:</a:t>
+            </a:r>
+            <a:r>
+              <a:rPr lang="en-US" dirty="0" err="1" smtClean="0"/>
+              <a:t>wq</a:t>
+            </a:r>
+            <a:r>
+              <a:rPr lang="en-US" dirty="0" smtClean="0"/>
+              <a:t> is a common pairing of commands</a:t>
+            </a:r>
+          </a:p>
+          <a:p>
+            <a:r>
+              <a:rPr lang="en-US" dirty="0" smtClean="0"/>
+              <a:t>&amp; repeats substitutions</a:t>
+            </a:r>
+          </a:p>
+          <a:p>
+            <a:r>
+              <a:rPr lang="en-US" dirty="0" smtClean="0"/>
+              <a:t>:help </a:t>
+            </a:r>
+            <a:r>
+              <a:rPr lang="en-US" dirty="0" err="1" smtClean="0"/>
+              <a:t>user_manual</a:t>
+            </a:r>
+            <a:r>
+              <a:rPr lang="en-US" dirty="0" smtClean="0"/>
+              <a:t> – use after </a:t>
+            </a:r>
+            <a:r>
+              <a:rPr lang="en-US" smtClean="0"/>
+              <a:t>vimtutor</a:t>
+            </a:r>
             <a:endParaRPr lang="en-US" dirty="0" smtClean="0"/>
-          </a:p>
-          <a:p>
-            <a:r>
-              <a:rPr lang="en-US" dirty="0"/>
-              <a:t>move around and perform commands </a:t>
-            </a:r>
-          </a:p>
-          <a:p>
-            <a:endParaRPr lang="en-US" dirty="0" smtClean="0"/>
-          </a:p>
-          <a:p>
-            <a:r>
-              <a:rPr lang="en-US" dirty="0" smtClean="0"/>
-              <a:t>not for typing text</a:t>
-            </a:r>
-          </a:p>
-          <a:p>
-            <a:endParaRPr lang="en-US" dirty="0"/>
-          </a:p>
-          <a:p>
-            <a:r>
-              <a:rPr lang="en-US" dirty="0" smtClean="0"/>
-              <a:t>&lt;ESC&gt; gets you back to normal mode from any other mode</a:t>
-            </a:r>
-          </a:p>
-          <a:p>
-            <a:pPr lvl="1"/>
-            <a:r>
-              <a:rPr lang="en-US" dirty="0" smtClean="0"/>
-              <a:t>Ctrl-[ is equivalent, less hand movement</a:t>
-            </a:r>
-            <a:endParaRPr lang="en-US" dirty="0"/>
           </a:p>
         </p:txBody>
       </p:sp>
     </p:spTree>
     <p:extLst>
       <p:ext uri="{BB962C8B-B14F-4D97-AF65-F5344CB8AC3E}">
-        <p14:creationId xmlns:p14="http://schemas.microsoft.com/office/powerpoint/2010/main" val="546193272"/>
+        <p14:creationId xmlns:p14="http://schemas.microsoft.com/office/powerpoint/2010/main" val="475755485"/>
       </p:ext>
     </p:extLst>
   </p:cSld>
   <p:clrMapOvr>
     <a:masterClrMapping/>
   </p:clrMapOvr>
-  <p:timing>
-    <p:tnLst>
-      <p:par>
-        <p:cTn id="1" dur="indefinite" restart="never" nodeType="tmRoot"/>
-      </p:par>
-    </p:tnLst>
-  </p:timing>
 </p:sld>
 </file>
 
@@ -10433,186 +11293,65 @@
             <a:spLocks noGrp="1"/>
           </p:cNvSpPr>
           <p:nvPr>
-            <p:ph type="title"/>
-          </p:nvPr>
-        </p:nvSpPr>
-        <p:spPr/>
-        <p:txBody>
-          <a:bodyPr/>
-          <a:lstStyle/>
-          <a:p>
-            <a:r>
-              <a:rPr lang="en-US" dirty="0" smtClean="0">
+            <p:ph type="ctrTitle"/>
+          </p:nvPr>
+        </p:nvSpPr>
+        <p:spPr/>
+        <p:txBody>
+          <a:bodyPr>
+            <a:noAutofit/>
+          </a:bodyPr>
+          <a:lstStyle/>
+          <a:p>
+            <a:r>
+              <a:rPr lang="en-US" sz="9600" dirty="0" smtClean="0"/>
+              <a:t>vim</a:t>
+            </a:r>
+            <a:endParaRPr lang="en-US" sz="9600" dirty="0"/>
+          </a:p>
+        </p:txBody>
+      </p:sp>
+      <p:sp>
+        <p:nvSpPr>
+          <p:cNvPr id="3" name="Subtitle 2"/>
+          <p:cNvSpPr>
+            <a:spLocks noGrp="1"/>
+          </p:cNvSpPr>
+          <p:nvPr>
+            <p:ph type="subTitle" idx="1"/>
+          </p:nvPr>
+        </p:nvSpPr>
+        <p:spPr>
+          <a:xfrm>
+            <a:off x="685800" y="6075872"/>
+            <a:ext cx="7543800" cy="762000"/>
+          </a:xfrm>
+        </p:spPr>
+        <p:txBody>
+          <a:bodyPr>
+            <a:normAutofit/>
+          </a:bodyPr>
+          <a:lstStyle/>
+          <a:p>
+            <a:r>
+              <a:rPr lang="en-US" sz="2400" dirty="0" smtClean="0">
                 <a:solidFill>
-                  <a:schemeClr val="accent3"/>
+                  <a:schemeClr val="accent4"/>
                 </a:solidFill>
               </a:rPr>
-              <a:t>move around</a:t>
-            </a:r>
-            <a:endParaRPr lang="en-US" dirty="0">
-              <a:solidFill>
-                <a:schemeClr val="accent3"/>
-              </a:solidFill>
-            </a:endParaRPr>
-          </a:p>
-        </p:txBody>
-      </p:sp>
-      <p:sp>
-        <p:nvSpPr>
-          <p:cNvPr id="6" name="Rectangle 5"/>
-          <p:cNvSpPr/>
-          <p:nvPr/>
-        </p:nvSpPr>
-        <p:spPr>
-          <a:xfrm>
-            <a:off x="1371600" y="3505200"/>
-            <a:ext cx="862737" cy="584775"/>
-          </a:xfrm>
-          <a:prstGeom prst="rect">
-            <a:avLst/>
-          </a:prstGeom>
-        </p:spPr>
-        <p:txBody>
-          <a:bodyPr wrap="none">
-            <a:spAutoFit/>
-          </a:bodyPr>
-          <a:lstStyle/>
-          <a:p>
-            <a:r>
-              <a:rPr lang="en-US" sz="3200" dirty="0" smtClean="0">
+              <a:t>a beginner’s journey to coding </a:t>
+            </a:r>
+            <a:r>
+              <a:rPr lang="en-US" sz="2400" dirty="0" err="1" smtClean="0">
                 <a:solidFill>
-                  <a:srgbClr val="EEEEEE"/>
+                  <a:schemeClr val="accent4"/>
                 </a:solidFill>
               </a:rPr>
-              <a:t>&lt; h</a:t>
-            </a:r>
-            <a:endParaRPr lang="en-US" dirty="0"/>
-          </a:p>
-        </p:txBody>
-      </p:sp>
-      <p:sp>
-        <p:nvSpPr>
-          <p:cNvPr id="8" name="Rectangle 7"/>
-          <p:cNvSpPr/>
-          <p:nvPr/>
-        </p:nvSpPr>
-        <p:spPr>
-          <a:xfrm>
-            <a:off x="4495800" y="5181600"/>
-            <a:ext cx="410690" cy="1077218"/>
-          </a:xfrm>
-          <a:prstGeom prst="rect">
-            <a:avLst/>
-          </a:prstGeom>
-        </p:spPr>
-        <p:txBody>
-          <a:bodyPr wrap="none">
-            <a:spAutoFit/>
-          </a:bodyPr>
-          <a:lstStyle/>
-          <a:p>
-            <a:r>
-              <a:rPr lang="en-US" sz="3200" dirty="0" smtClean="0">
-                <a:solidFill>
-                  <a:srgbClr val="EEEEEE"/>
-                </a:solidFill>
-              </a:rPr>
-              <a:t>j</a:t>
-            </a:r>
-          </a:p>
-          <a:p>
-            <a:r>
-              <a:rPr lang="en-US" sz="3200" dirty="0">
-                <a:solidFill>
-                  <a:srgbClr val="EEEEEE"/>
-                </a:solidFill>
-              </a:rPr>
-              <a:t>v</a:t>
-            </a:r>
-            <a:endParaRPr lang="en-US" dirty="0"/>
-          </a:p>
-        </p:txBody>
-      </p:sp>
-      <p:sp>
-        <p:nvSpPr>
-          <p:cNvPr id="10" name="Rectangle 9"/>
-          <p:cNvSpPr/>
-          <p:nvPr/>
-        </p:nvSpPr>
-        <p:spPr>
-          <a:xfrm>
-            <a:off x="4495800" y="1905000"/>
-            <a:ext cx="410690" cy="1077218"/>
-          </a:xfrm>
-          <a:prstGeom prst="rect">
-            <a:avLst/>
-          </a:prstGeom>
-        </p:spPr>
-        <p:txBody>
-          <a:bodyPr wrap="none">
-            <a:spAutoFit/>
-          </a:bodyPr>
-          <a:lstStyle/>
-          <a:p>
-            <a:r>
-              <a:rPr lang="en-US" sz="3200" dirty="0" smtClean="0">
-                <a:solidFill>
-                  <a:srgbClr val="EEEEEE"/>
-                </a:solidFill>
-              </a:rPr>
-              <a:t>^</a:t>
-            </a:r>
-          </a:p>
-          <a:p>
-            <a:r>
-              <a:rPr lang="en-US" sz="3200" dirty="0" smtClean="0">
-                <a:solidFill>
-                  <a:srgbClr val="EEEEEE"/>
-                </a:solidFill>
-              </a:rPr>
-              <a:t>k</a:t>
-            </a:r>
-            <a:endParaRPr lang="en-US" dirty="0"/>
-          </a:p>
-        </p:txBody>
-      </p:sp>
-      <p:sp>
-        <p:nvSpPr>
-          <p:cNvPr id="12" name="Rectangle 11"/>
-          <p:cNvSpPr/>
-          <p:nvPr/>
-        </p:nvSpPr>
-        <p:spPr>
-          <a:xfrm>
-            <a:off x="6858000" y="3505199"/>
-            <a:ext cx="862737" cy="584775"/>
-          </a:xfrm>
-          <a:prstGeom prst="rect">
-            <a:avLst/>
-          </a:prstGeom>
-        </p:spPr>
-        <p:txBody>
-          <a:bodyPr wrap="none">
-            <a:spAutoFit/>
-          </a:bodyPr>
-          <a:lstStyle/>
-          <a:p>
-            <a:pPr lvl="0">
-              <a:spcBef>
-                <a:spcPct val="20000"/>
-              </a:spcBef>
-            </a:pPr>
-            <a:r>
-              <a:rPr lang="en-US" sz="3200" dirty="0" smtClean="0">
-                <a:solidFill>
-                  <a:srgbClr val="EEEEEE"/>
-                </a:solidFill>
-              </a:rPr>
-              <a:t>l &gt;</a:t>
-            </a:r>
-            <a:endParaRPr lang="en-US" sz="3200" dirty="0">
+              <a:t>awesomely:w</a:t>
+            </a:r>
+            <a:endParaRPr lang="en-US" sz="2400" dirty="0">
               <a:solidFill>
-                <a:srgbClr val="EEEEEE"/>
+                <a:schemeClr val="accent4"/>
               </a:solidFill>
             </a:endParaRPr>
           </a:p>
@@ -10621,7 +11360,7 @@
     </p:spTree>
     <p:extLst>
       <p:ext uri="{BB962C8B-B14F-4D97-AF65-F5344CB8AC3E}">
-        <p14:creationId xmlns:p14="http://schemas.microsoft.com/office/powerpoint/2010/main" val="1111465526"/>
+        <p14:creationId xmlns:p14="http://schemas.microsoft.com/office/powerpoint/2010/main" val="4162780200"/>
       </p:ext>
     </p:extLst>
   </p:cSld>
@@ -10657,7 +11396,7 @@
       </p:grpSpPr>
       <p:sp>
         <p:nvSpPr>
-          <p:cNvPr id="2" name="Title 1"/>
+          <p:cNvPr id="5" name="Title 4"/>
           <p:cNvSpPr>
             <a:spLocks noGrp="1"/>
           </p:cNvSpPr>
@@ -10665,20 +11404,63 @@
             <p:ph type="title"/>
           </p:nvPr>
         </p:nvSpPr>
-        <p:spPr/>
-        <p:txBody>
-          <a:bodyPr/>
-          <a:lstStyle/>
-          <a:p>
-            <a:r>
-              <a:rPr lang="en-US" dirty="0" smtClean="0">
+        <p:spPr>
+          <a:xfrm>
+            <a:off x="457200" y="304800"/>
+            <a:ext cx="8229600" cy="1143000"/>
+          </a:xfrm>
+        </p:spPr>
+        <p:txBody>
+          <a:bodyPr/>
+          <a:lstStyle/>
+          <a:p>
+            <a:r>
+              <a:rPr lang="en-US" dirty="0" smtClean="0"/>
+              <a:t>who am </a:t>
+            </a:r>
+            <a:r>
+              <a:rPr lang="en-US" dirty="0" err="1" smtClean="0"/>
+              <a:t>i</a:t>
+            </a:r>
+            <a:r>
+              <a:rPr lang="en-US" dirty="0" smtClean="0"/>
+              <a:t>?</a:t>
+            </a:r>
+            <a:endParaRPr lang="en-US" dirty="0"/>
+          </a:p>
+        </p:txBody>
+      </p:sp>
+      <p:sp>
+        <p:nvSpPr>
+          <p:cNvPr id="7" name="Rectangle 6"/>
+          <p:cNvSpPr/>
+          <p:nvPr/>
+        </p:nvSpPr>
+        <p:spPr>
+          <a:xfrm>
+            <a:off x="533400" y="4251204"/>
+            <a:ext cx="6748963" cy="584775"/>
+          </a:xfrm>
+          <a:prstGeom prst="rect">
+            <a:avLst/>
+          </a:prstGeom>
+        </p:spPr>
+        <p:txBody>
+          <a:bodyPr wrap="none">
+            <a:spAutoFit/>
+          </a:bodyPr>
+          <a:lstStyle/>
+          <a:p>
+            <a:pPr lvl="1"/>
+            <a:r>
+              <a:rPr lang="en-US" sz="3200" dirty="0" smtClean="0">
                 <a:solidFill>
                   <a:schemeClr val="accent1"/>
                 </a:solidFill>
               </a:rPr>
-              <a:t>what?</a:t>
-            </a:r>
-            <a:endParaRPr lang="en-US" dirty="0">
+              <a:t>aspiring software developer</a:t>
+            </a:r>
+            <a:endParaRPr lang="en-US" sz="3200" dirty="0">
               <a:solidFill>
                 <a:schemeClr val="accent1"/>
               </a:solidFill>
@@ -10688,61 +11470,153 @@
       </p:sp>
       <p:sp>
         <p:nvSpPr>
-          <p:cNvPr id="3" name="Content Placeholder 2"/>
-          <p:cNvSpPr>
-            <a:spLocks noGrp="1"/>
-          </p:cNvSpPr>
-          <p:nvPr>
-            <p:ph idx="1"/>
-          </p:nvPr>
-        </p:nvSpPr>
-        <p:spPr/>
-        <p:txBody>
-          <a:bodyPr>
-            <a:normAutofit/>
+          <p:cNvPr id="8" name="Rectangle 7"/>
+          <p:cNvSpPr/>
+          <p:nvPr/>
+        </p:nvSpPr>
+        <p:spPr>
+          <a:xfrm>
+            <a:off x="0" y="3050875"/>
+            <a:ext cx="5266185" cy="1200329"/>
+          </a:xfrm>
+          <a:prstGeom prst="rect">
+            <a:avLst/>
+          </a:prstGeom>
+        </p:spPr>
+        <p:txBody>
+          <a:bodyPr wrap="none">
+            <a:spAutoFit/>
           </a:bodyPr>
           <a:lstStyle/>
           <a:p>
             <a:r>
-              <a:rPr lang="en-US" dirty="0" smtClean="0"/>
-              <a:t>vim is a muscle memory</a:t>
-            </a:r>
-          </a:p>
-          <a:p>
-            <a:endParaRPr lang="en-US" dirty="0"/>
-          </a:p>
-          <a:p>
-            <a:r>
-              <a:rPr lang="en-US" dirty="0" smtClean="0"/>
-              <a:t>can use arrow keys but </a:t>
-            </a:r>
-            <a:r>
-              <a:rPr lang="en-US" dirty="0" err="1" smtClean="0"/>
-              <a:t>i’m</a:t>
-            </a:r>
-            <a:r>
-              <a:rPr lang="en-US" dirty="0" smtClean="0"/>
-              <a:t> lazy</a:t>
-            </a:r>
-          </a:p>
-          <a:p>
-            <a:endParaRPr lang="en-US" dirty="0"/>
-          </a:p>
-          <a:p>
-            <a:r>
-              <a:rPr lang="en-US" dirty="0" smtClean="0"/>
-              <a:t>trust in the vim - it’ll be faster</a:t>
-            </a:r>
-          </a:p>
-          <a:p>
-            <a:endParaRPr lang="en-US" dirty="0"/>
+              <a:rPr lang="en-US" sz="7200" dirty="0" err="1">
+                <a:solidFill>
+                  <a:schemeClr val="accent2"/>
+                </a:solidFill>
+              </a:rPr>
+              <a:t>k</a:t>
+            </a:r>
+            <a:r>
+              <a:rPr lang="en-US" sz="7200" dirty="0" err="1" smtClean="0">
+                <a:solidFill>
+                  <a:schemeClr val="accent2"/>
+                </a:solidFill>
+              </a:rPr>
+              <a:t>yle</a:t>
+            </a:r>
+            <a:r>
+              <a:rPr lang="en-US" sz="7200" dirty="0" smtClean="0">
+                <a:solidFill>
+                  <a:schemeClr val="accent2"/>
+                </a:solidFill>
+              </a:rPr>
+              <a:t> </a:t>
+            </a:r>
+            <a:r>
+              <a:rPr lang="en-US" sz="7200" dirty="0" err="1" smtClean="0">
+                <a:solidFill>
+                  <a:schemeClr val="accent2"/>
+                </a:solidFill>
+              </a:rPr>
+              <a:t>tolle</a:t>
+            </a:r>
+            <a:endParaRPr lang="en-US" sz="7200" dirty="0" smtClean="0">
+              <a:solidFill>
+                <a:schemeClr val="accent2"/>
+              </a:solidFill>
+            </a:endParaRPr>
+          </a:p>
+        </p:txBody>
+      </p:sp>
+      <p:sp>
+        <p:nvSpPr>
+          <p:cNvPr id="9" name="Rectangle 8"/>
+          <p:cNvSpPr/>
+          <p:nvPr/>
+        </p:nvSpPr>
+        <p:spPr>
+          <a:xfrm>
+            <a:off x="0" y="6508326"/>
+            <a:ext cx="1451038" cy="369332"/>
+          </a:xfrm>
+          <a:prstGeom prst="rect">
+            <a:avLst/>
+          </a:prstGeom>
+        </p:spPr>
+        <p:txBody>
+          <a:bodyPr wrap="none">
+            <a:spAutoFit/>
+          </a:bodyPr>
+          <a:lstStyle/>
+          <a:p>
+            <a:r>
+              <a:rPr lang="en-US" dirty="0" smtClean="0">
+                <a:solidFill>
+                  <a:schemeClr val="accent3"/>
+                </a:solidFill>
+              </a:rPr>
+              <a:t>@</a:t>
+            </a:r>
+            <a:r>
+              <a:rPr lang="en-US" dirty="0" err="1" smtClean="0">
+                <a:solidFill>
+                  <a:schemeClr val="accent3"/>
+                </a:solidFill>
+              </a:rPr>
+              <a:t>kyletolle</a:t>
+            </a:r>
+            <a:endParaRPr lang="en-US" dirty="0" smtClean="0">
+              <a:solidFill>
+                <a:schemeClr val="accent3"/>
+              </a:solidFill>
+            </a:endParaRPr>
+          </a:p>
+        </p:txBody>
+      </p:sp>
+      <p:sp>
+        <p:nvSpPr>
+          <p:cNvPr id="11" name="Rectangle 10"/>
+          <p:cNvSpPr/>
+          <p:nvPr/>
+        </p:nvSpPr>
+        <p:spPr>
+          <a:xfrm>
+            <a:off x="5413492" y="6498096"/>
+            <a:ext cx="3730508" cy="646331"/>
+          </a:xfrm>
+          <a:prstGeom prst="rect">
+            <a:avLst/>
+          </a:prstGeom>
+        </p:spPr>
+        <p:txBody>
+          <a:bodyPr wrap="none">
+            <a:spAutoFit/>
+          </a:bodyPr>
+          <a:lstStyle/>
+          <a:p>
+            <a:r>
+              <a:rPr lang="en-US" dirty="0" smtClean="0">
+                <a:solidFill>
+                  <a:schemeClr val="accent3"/>
+                </a:solidFill>
+              </a:rPr>
+              <a:t>https://github.com/kyletolle</a:t>
+            </a:r>
+          </a:p>
+          <a:p>
+            <a:endParaRPr lang="en-US" dirty="0" smtClean="0">
+              <a:solidFill>
+                <a:schemeClr val="accent3"/>
+              </a:solidFill>
+            </a:endParaRPr>
           </a:p>
         </p:txBody>
       </p:sp>
     </p:spTree>
     <p:extLst>
       <p:ext uri="{BB962C8B-B14F-4D97-AF65-F5344CB8AC3E}">
-        <p14:creationId xmlns:p14="http://schemas.microsoft.com/office/powerpoint/2010/main" val="2353730274"/>
+        <p14:creationId xmlns:p14="http://schemas.microsoft.com/office/powerpoint/2010/main" val="3638783891"/>
       </p:ext>
     </p:extLst>
   </p:cSld>

--- a/beginning_vim-04.17.2012.pptx
+++ b/beginning_vim-04.17.2012.pptx
@@ -5,60 +5,66 @@
     <p:sldMasterId id="2147483648" r:id="rId1"/>
   </p:sldMasterIdLst>
   <p:notesMasterIdLst>
-    <p:notesMasterId r:id="rId53"/>
+    <p:notesMasterId r:id="rId59"/>
   </p:notesMasterIdLst>
   <p:sldIdLst>
-    <p:sldId id="310" r:id="rId2"/>
-    <p:sldId id="311" r:id="rId3"/>
-    <p:sldId id="312" r:id="rId4"/>
-    <p:sldId id="313" r:id="rId5"/>
-    <p:sldId id="314" r:id="rId6"/>
-    <p:sldId id="315" r:id="rId7"/>
-    <p:sldId id="316" r:id="rId8"/>
-    <p:sldId id="256" r:id="rId9"/>
-    <p:sldId id="257" r:id="rId10"/>
-    <p:sldId id="258" r:id="rId11"/>
-    <p:sldId id="259" r:id="rId12"/>
-    <p:sldId id="260" r:id="rId13"/>
-    <p:sldId id="261" r:id="rId14"/>
-    <p:sldId id="264" r:id="rId15"/>
-    <p:sldId id="265" r:id="rId16"/>
-    <p:sldId id="263" r:id="rId17"/>
-    <p:sldId id="266" r:id="rId18"/>
-    <p:sldId id="267" r:id="rId19"/>
-    <p:sldId id="268" r:id="rId20"/>
-    <p:sldId id="298" r:id="rId21"/>
-    <p:sldId id="292" r:id="rId22"/>
-    <p:sldId id="293" r:id="rId23"/>
-    <p:sldId id="269" r:id="rId24"/>
-    <p:sldId id="270" r:id="rId25"/>
-    <p:sldId id="294" r:id="rId26"/>
-    <p:sldId id="273" r:id="rId27"/>
-    <p:sldId id="295" r:id="rId28"/>
-    <p:sldId id="272" r:id="rId29"/>
-    <p:sldId id="271" r:id="rId30"/>
-    <p:sldId id="279" r:id="rId31"/>
-    <p:sldId id="280" r:id="rId32"/>
-    <p:sldId id="299" r:id="rId33"/>
-    <p:sldId id="274" r:id="rId34"/>
-    <p:sldId id="297" r:id="rId35"/>
-    <p:sldId id="278" r:id="rId36"/>
+    <p:sldId id="256" r:id="rId2"/>
+    <p:sldId id="257" r:id="rId3"/>
+    <p:sldId id="258" r:id="rId4"/>
+    <p:sldId id="259" r:id="rId5"/>
+    <p:sldId id="260" r:id="rId6"/>
+    <p:sldId id="261" r:id="rId7"/>
+    <p:sldId id="264" r:id="rId8"/>
+    <p:sldId id="265" r:id="rId9"/>
+    <p:sldId id="263" r:id="rId10"/>
+    <p:sldId id="266" r:id="rId11"/>
+    <p:sldId id="267" r:id="rId12"/>
+    <p:sldId id="268" r:id="rId13"/>
+    <p:sldId id="317" r:id="rId14"/>
+    <p:sldId id="298" r:id="rId15"/>
+    <p:sldId id="292" r:id="rId16"/>
+    <p:sldId id="320" r:id="rId17"/>
+    <p:sldId id="321" r:id="rId18"/>
+    <p:sldId id="293" r:id="rId19"/>
+    <p:sldId id="269" r:id="rId20"/>
+    <p:sldId id="270" r:id="rId21"/>
+    <p:sldId id="294" r:id="rId22"/>
+    <p:sldId id="273" r:id="rId23"/>
+    <p:sldId id="295" r:id="rId24"/>
+    <p:sldId id="324" r:id="rId25"/>
+    <p:sldId id="272" r:id="rId26"/>
+    <p:sldId id="271" r:id="rId27"/>
+    <p:sldId id="279" r:id="rId28"/>
+    <p:sldId id="280" r:id="rId29"/>
+    <p:sldId id="299" r:id="rId30"/>
+    <p:sldId id="325" r:id="rId31"/>
+    <p:sldId id="326" r:id="rId32"/>
+    <p:sldId id="274" r:id="rId33"/>
+    <p:sldId id="297" r:id="rId34"/>
+    <p:sldId id="278" r:id="rId35"/>
+    <p:sldId id="318" r:id="rId36"/>
     <p:sldId id="302" r:id="rId37"/>
-    <p:sldId id="277" r:id="rId38"/>
-    <p:sldId id="309" r:id="rId39"/>
-    <p:sldId id="281" r:id="rId40"/>
-    <p:sldId id="291" r:id="rId41"/>
-    <p:sldId id="300" r:id="rId42"/>
-    <p:sldId id="301" r:id="rId43"/>
-    <p:sldId id="284" r:id="rId44"/>
-    <p:sldId id="285" r:id="rId45"/>
-    <p:sldId id="305" r:id="rId46"/>
-    <p:sldId id="287" r:id="rId47"/>
-    <p:sldId id="303" r:id="rId48"/>
-    <p:sldId id="304" r:id="rId49"/>
-    <p:sldId id="306" r:id="rId50"/>
-    <p:sldId id="308" r:id="rId51"/>
-    <p:sldId id="307" r:id="rId52"/>
+    <p:sldId id="319" r:id="rId38"/>
+    <p:sldId id="277" r:id="rId39"/>
+    <p:sldId id="323" r:id="rId40"/>
+    <p:sldId id="309" r:id="rId41"/>
+    <p:sldId id="281" r:id="rId42"/>
+    <p:sldId id="330" r:id="rId43"/>
+    <p:sldId id="291" r:id="rId44"/>
+    <p:sldId id="300" r:id="rId45"/>
+    <p:sldId id="301" r:id="rId46"/>
+    <p:sldId id="331" r:id="rId47"/>
+    <p:sldId id="332" r:id="rId48"/>
+    <p:sldId id="284" r:id="rId49"/>
+    <p:sldId id="322" r:id="rId50"/>
+    <p:sldId id="285" r:id="rId51"/>
+    <p:sldId id="305" r:id="rId52"/>
+    <p:sldId id="287" r:id="rId53"/>
+    <p:sldId id="303" r:id="rId54"/>
+    <p:sldId id="304" r:id="rId55"/>
+    <p:sldId id="306" r:id="rId56"/>
+    <p:sldId id="308" r:id="rId57"/>
+    <p:sldId id="307" r:id="rId58"/>
   </p:sldIdLst>
   <p:sldSz cx="9144000" cy="6858000" type="screen4x3"/>
   <p:notesSz cx="6858000" cy="9144000"/>
@@ -613,7 +619,7 @@
           <a:p>
             <a:fld id="{6C188E6B-5A27-4E24-B8AB-05234A4CD30B}" type="slidenum">
               <a:rPr lang="en-US" smtClean="0"/>
-              <a:t>9</a:t>
+              <a:t>2</a:t>
             </a:fld>
             <a:endParaRPr lang="en-US"/>
           </a:p>
@@ -728,7 +734,7 @@
           <a:p>
             <a:fld id="{6C188E6B-5A27-4E24-B8AB-05234A4CD30B}" type="slidenum">
               <a:rPr lang="en-US" smtClean="0"/>
-              <a:t>19</a:t>
+              <a:t>12</a:t>
             </a:fld>
             <a:endParaRPr lang="en-US"/>
           </a:p>
@@ -791,35 +797,38 @@
           <a:bodyPr/>
           <a:lstStyle/>
           <a:p>
-            <a:pPr marL="0" marR="0" indent="0" algn="l" defTabSz="914400" rtl="0" eaLnBrk="1" fontAlgn="auto" latinLnBrk="0" hangingPunct="1">
-              <a:lnSpc>
-                <a:spcPct val="100000"/>
-              </a:lnSpc>
-              <a:spcBef>
-                <a:spcPts val="0"/>
-              </a:spcBef>
-              <a:spcAft>
-                <a:spcPts val="0"/>
-              </a:spcAft>
-              <a:buClrTx/>
-              <a:buSzTx/>
-              <a:buFontTx/>
-              <a:buNone/>
-              <a:tabLst/>
-              <a:defRPr/>
-            </a:pPr>
-            <a:r>
-              <a:rPr lang="en-US" dirty="0" smtClean="0"/>
-              <a:t>Writing the file, quitting, reloading, etc. Appending a bang forces the command. For instance :q to quit an edited file will give you a message. :q! quits without that message and without writing. You can string them together: :</a:t>
-            </a:r>
-            <a:r>
-              <a:rPr lang="en-US" dirty="0" err="1" smtClean="0"/>
-              <a:t>wq</a:t>
-            </a:r>
-            <a:r>
-              <a:rPr lang="en-US" dirty="0" smtClean="0"/>
-              <a:t> to write and quit the file.</a:t>
-            </a:r>
+            <a:r>
+              <a:rPr lang="en-US" dirty="0" smtClean="0"/>
+              <a:t>Notice</a:t>
+            </a:r>
+            <a:r>
+              <a:rPr lang="en-US" baseline="0" dirty="0" smtClean="0"/>
+              <a:t> this patter of the lowercase letter doing something. If you hit shift and that letter, it does something different, and, though we haven’t seen it, ctrl and that latter usually does something different again.</a:t>
+            </a:r>
+          </a:p>
+          <a:p>
+            <a:r>
+              <a:rPr lang="en-US" baseline="0" dirty="0" smtClean="0"/>
+              <a:t>type :help </a:t>
+            </a:r>
+            <a:r>
+              <a:rPr lang="en-US" baseline="0" dirty="0" err="1" smtClean="0"/>
+              <a:t>i</a:t>
+            </a:r>
+            <a:r>
+              <a:rPr lang="en-US" baseline="0" dirty="0" smtClean="0"/>
+              <a:t> or :help I to see what that key does. This is incredibly helpful! Very awesome.</a:t>
+            </a:r>
+          </a:p>
+          <a:p>
+            <a:endParaRPr lang="en-US" baseline="0" dirty="0" smtClean="0"/>
+          </a:p>
+          <a:p>
+            <a:r>
+              <a:rPr lang="en-US" baseline="0" dirty="0" smtClean="0"/>
+              <a:t>But now that you’ve done that, it actually opened up another buffer. Now, let’s see what that’s about.</a:t>
+            </a:r>
+            <a:endParaRPr lang="en-US" dirty="0"/>
           </a:p>
         </p:txBody>
       </p:sp>
@@ -840,7 +849,7 @@
           <a:p>
             <a:fld id="{6C188E6B-5A27-4E24-B8AB-05234A4CD30B}" type="slidenum">
               <a:rPr lang="en-US" smtClean="0"/>
-              <a:t>23</a:t>
+              <a:t>13</a:t>
             </a:fld>
             <a:endParaRPr lang="en-US"/>
           </a:p>
@@ -849,7 +858,7 @@
     </p:spTree>
     <p:extLst>
       <p:ext uri="{BB962C8B-B14F-4D97-AF65-F5344CB8AC3E}">
-        <p14:creationId xmlns:p14="http://schemas.microsoft.com/office/powerpoint/2010/main" val="1824010202"/>
+        <p14:creationId xmlns:p14="http://schemas.microsoft.com/office/powerpoint/2010/main" val="4293109525"/>
       </p:ext>
     </p:extLst>
   </p:cSld>
@@ -903,27 +912,35 @@
           <a:bodyPr/>
           <a:lstStyle/>
           <a:p>
-            <a:r>
-              <a:rPr lang="en-US" dirty="0" smtClean="0"/>
-              <a:t>Mention</a:t>
-            </a:r>
-            <a:r>
-              <a:rPr lang="en-US" baseline="0" dirty="0" smtClean="0"/>
-              <a:t> some of the most common: </a:t>
-            </a:r>
-            <a:r>
-              <a:rPr lang="en-US" baseline="0" dirty="0" err="1" smtClean="0"/>
-              <a:t>dw</a:t>
-            </a:r>
-            <a:r>
-              <a:rPr lang="en-US" baseline="0" dirty="0" smtClean="0"/>
-              <a:t>, </a:t>
-            </a:r>
-            <a:r>
-              <a:rPr lang="en-US" baseline="0" dirty="0" err="1" smtClean="0"/>
-              <a:t>cw</a:t>
-            </a:r>
-            <a:endParaRPr lang="en-US" dirty="0"/>
+            <a:pPr marL="0" marR="0" indent="0" algn="l" defTabSz="914400" rtl="0" eaLnBrk="1" fontAlgn="auto" latinLnBrk="0" hangingPunct="1">
+              <a:lnSpc>
+                <a:spcPct val="100000"/>
+              </a:lnSpc>
+              <a:spcBef>
+                <a:spcPts val="0"/>
+              </a:spcBef>
+              <a:spcAft>
+                <a:spcPts val="0"/>
+              </a:spcAft>
+              <a:buClrTx/>
+              <a:buSzTx/>
+              <a:buFontTx/>
+              <a:buNone/>
+              <a:tabLst/>
+              <a:defRPr/>
+            </a:pPr>
+            <a:r>
+              <a:rPr lang="en-US" dirty="0" smtClean="0"/>
+              <a:t>Writing the file, quitting, reloading, etc. Appending a bang forces the command. For instance :q to quit an edited file will give you a message. :q! quits without that message and without writing. You can string them together: :</a:t>
+            </a:r>
+            <a:r>
+              <a:rPr lang="en-US" dirty="0" err="1" smtClean="0"/>
+              <a:t>wq</a:t>
+            </a:r>
+            <a:r>
+              <a:rPr lang="en-US" dirty="0" smtClean="0"/>
+              <a:t> to write and quit the file.</a:t>
+            </a:r>
           </a:p>
         </p:txBody>
       </p:sp>
@@ -944,7 +961,7 @@
           <a:p>
             <a:fld id="{6C188E6B-5A27-4E24-B8AB-05234A4CD30B}" type="slidenum">
               <a:rPr lang="en-US" smtClean="0"/>
-              <a:t>29</a:t>
+              <a:t>19</a:t>
             </a:fld>
             <a:endParaRPr lang="en-US"/>
           </a:p>
@@ -953,7 +970,7 @@
     </p:spTree>
     <p:extLst>
       <p:ext uri="{BB962C8B-B14F-4D97-AF65-F5344CB8AC3E}">
-        <p14:creationId xmlns:p14="http://schemas.microsoft.com/office/powerpoint/2010/main" val="578610599"/>
+        <p14:creationId xmlns:p14="http://schemas.microsoft.com/office/powerpoint/2010/main" val="1824010202"/>
       </p:ext>
     </p:extLst>
   </p:cSld>
@@ -1009,7 +1026,11 @@
           <a:p>
             <a:r>
               <a:rPr lang="en-US" dirty="0" smtClean="0"/>
-              <a:t>can use with change, yank, etc.</a:t>
+              <a:t>^ and $ are like</a:t>
+            </a:r>
+            <a:r>
+              <a:rPr lang="en-US" baseline="0" dirty="0" smtClean="0"/>
+              <a:t> regexes.</a:t>
             </a:r>
             <a:endParaRPr lang="en-US" dirty="0"/>
           </a:p>
@@ -1032,7 +1053,7 @@
           <a:p>
             <a:fld id="{6C188E6B-5A27-4E24-B8AB-05234A4CD30B}" type="slidenum">
               <a:rPr lang="en-US" smtClean="0"/>
-              <a:t>32</a:t>
+              <a:t>21</a:t>
             </a:fld>
             <a:endParaRPr lang="en-US"/>
           </a:p>
@@ -1041,7 +1062,7 @@
     </p:spTree>
     <p:extLst>
       <p:ext uri="{BB962C8B-B14F-4D97-AF65-F5344CB8AC3E}">
-        <p14:creationId xmlns:p14="http://schemas.microsoft.com/office/powerpoint/2010/main" val="4275672446"/>
+        <p14:creationId xmlns:p14="http://schemas.microsoft.com/office/powerpoint/2010/main" val="3015829491"/>
       </p:ext>
     </p:extLst>
   </p:cSld>
@@ -1095,6 +1116,305 @@
           <a:bodyPr/>
           <a:lstStyle/>
           <a:p>
+            <a:r>
+              <a:rPr lang="en-US" dirty="0" smtClean="0"/>
+              <a:t>Mention</a:t>
+            </a:r>
+            <a:r>
+              <a:rPr lang="en-US" baseline="0" dirty="0" smtClean="0"/>
+              <a:t> some of the most common: </a:t>
+            </a:r>
+            <a:r>
+              <a:rPr lang="en-US" baseline="0" dirty="0" err="1" smtClean="0"/>
+              <a:t>dw</a:t>
+            </a:r>
+            <a:r>
+              <a:rPr lang="en-US" baseline="0" dirty="0" smtClean="0"/>
+              <a:t>, </a:t>
+            </a:r>
+            <a:r>
+              <a:rPr lang="en-US" baseline="0" dirty="0" err="1" smtClean="0"/>
+              <a:t>cw</a:t>
+            </a:r>
+            <a:endParaRPr lang="en-US" dirty="0"/>
+          </a:p>
+        </p:txBody>
+      </p:sp>
+      <p:sp>
+        <p:nvSpPr>
+          <p:cNvPr id="4" name="Slide Number Placeholder 3"/>
+          <p:cNvSpPr>
+            <a:spLocks noGrp="1"/>
+          </p:cNvSpPr>
+          <p:nvPr>
+            <p:ph type="sldNum" sz="quarter" idx="10"/>
+          </p:nvPr>
+        </p:nvSpPr>
+        <p:spPr/>
+        <p:txBody>
+          <a:bodyPr/>
+          <a:lstStyle/>
+          <a:p>
+            <a:fld id="{6C188E6B-5A27-4E24-B8AB-05234A4CD30B}" type="slidenum">
+              <a:rPr lang="en-US" smtClean="0"/>
+              <a:t>26</a:t>
+            </a:fld>
+            <a:endParaRPr lang="en-US"/>
+          </a:p>
+        </p:txBody>
+      </p:sp>
+    </p:spTree>
+    <p:extLst>
+      <p:ext uri="{BB962C8B-B14F-4D97-AF65-F5344CB8AC3E}">
+        <p14:creationId xmlns:p14="http://schemas.microsoft.com/office/powerpoint/2010/main" val="578610599"/>
+      </p:ext>
+    </p:extLst>
+  </p:cSld>
+  <p:clrMapOvr>
+    <a:masterClrMapping/>
+  </p:clrMapOvr>
+</p:notes>
+</file>
+
+<file path=ppt/notesSlides/notesSlide15.xml><?xml version="1.0" encoding="utf-8"?>
+<p:notes xmlns:a="http://schemas.openxmlformats.org/drawingml/2006/main" xmlns:r="http://schemas.openxmlformats.org/officeDocument/2006/relationships" xmlns:p="http://schemas.openxmlformats.org/presentationml/2006/main">
+  <p:cSld>
+    <p:spTree>
+      <p:nvGrpSpPr>
+        <p:cNvPr id="1" name=""/>
+        <p:cNvGrpSpPr/>
+        <p:nvPr/>
+      </p:nvGrpSpPr>
+      <p:grpSpPr>
+        <a:xfrm>
+          <a:off x="0" y="0"/>
+          <a:ext cx="0" cy="0"/>
+          <a:chOff x="0" y="0"/>
+          <a:chExt cx="0" cy="0"/>
+        </a:xfrm>
+      </p:grpSpPr>
+      <p:sp>
+        <p:nvSpPr>
+          <p:cNvPr id="2" name="Slide Image Placeholder 1"/>
+          <p:cNvSpPr>
+            <a:spLocks noGrp="1" noRot="1" noChangeAspect="1"/>
+          </p:cNvSpPr>
+          <p:nvPr>
+            <p:ph type="sldImg"/>
+          </p:nvPr>
+        </p:nvSpPr>
+        <p:spPr/>
+      </p:sp>
+      <p:sp>
+        <p:nvSpPr>
+          <p:cNvPr id="3" name="Notes Placeholder 2"/>
+          <p:cNvSpPr>
+            <a:spLocks noGrp="1"/>
+          </p:cNvSpPr>
+          <p:nvPr>
+            <p:ph type="body" idx="1"/>
+          </p:nvPr>
+        </p:nvSpPr>
+        <p:spPr/>
+        <p:txBody>
+          <a:bodyPr/>
+          <a:lstStyle/>
+          <a:p>
+            <a:r>
+              <a:rPr lang="en-US" dirty="0" smtClean="0"/>
+              <a:t>can use with change, yank, etc</a:t>
+            </a:r>
+            <a:r>
+              <a:rPr lang="en-US" dirty="0" smtClean="0"/>
+              <a:t>.</a:t>
+            </a:r>
+          </a:p>
+        </p:txBody>
+      </p:sp>
+      <p:sp>
+        <p:nvSpPr>
+          <p:cNvPr id="4" name="Slide Number Placeholder 3"/>
+          <p:cNvSpPr>
+            <a:spLocks noGrp="1"/>
+          </p:cNvSpPr>
+          <p:nvPr>
+            <p:ph type="sldNum" sz="quarter" idx="10"/>
+          </p:nvPr>
+        </p:nvSpPr>
+        <p:spPr/>
+        <p:txBody>
+          <a:bodyPr/>
+          <a:lstStyle/>
+          <a:p>
+            <a:fld id="{6C188E6B-5A27-4E24-B8AB-05234A4CD30B}" type="slidenum">
+              <a:rPr lang="en-US" smtClean="0"/>
+              <a:t>29</a:t>
+            </a:fld>
+            <a:endParaRPr lang="en-US"/>
+          </a:p>
+        </p:txBody>
+      </p:sp>
+    </p:spTree>
+    <p:extLst>
+      <p:ext uri="{BB962C8B-B14F-4D97-AF65-F5344CB8AC3E}">
+        <p14:creationId xmlns:p14="http://schemas.microsoft.com/office/powerpoint/2010/main" val="4275672446"/>
+      </p:ext>
+    </p:extLst>
+  </p:cSld>
+  <p:clrMapOvr>
+    <a:masterClrMapping/>
+  </p:clrMapOvr>
+</p:notes>
+</file>
+
+<file path=ppt/notesSlides/notesSlide16.xml><?xml version="1.0" encoding="utf-8"?>
+<p:notes xmlns:a="http://schemas.openxmlformats.org/drawingml/2006/main" xmlns:r="http://schemas.openxmlformats.org/officeDocument/2006/relationships" xmlns:p="http://schemas.openxmlformats.org/presentationml/2006/main">
+  <p:cSld>
+    <p:spTree>
+      <p:nvGrpSpPr>
+        <p:cNvPr id="1" name=""/>
+        <p:cNvGrpSpPr/>
+        <p:nvPr/>
+      </p:nvGrpSpPr>
+      <p:grpSpPr>
+        <a:xfrm>
+          <a:off x="0" y="0"/>
+          <a:ext cx="0" cy="0"/>
+          <a:chOff x="0" y="0"/>
+          <a:chExt cx="0" cy="0"/>
+        </a:xfrm>
+      </p:grpSpPr>
+      <p:sp>
+        <p:nvSpPr>
+          <p:cNvPr id="2" name="Slide Image Placeholder 1"/>
+          <p:cNvSpPr>
+            <a:spLocks noGrp="1" noRot="1" noChangeAspect="1"/>
+          </p:cNvSpPr>
+          <p:nvPr>
+            <p:ph type="sldImg"/>
+          </p:nvPr>
+        </p:nvSpPr>
+        <p:spPr/>
+      </p:sp>
+      <p:sp>
+        <p:nvSpPr>
+          <p:cNvPr id="3" name="Notes Placeholder 2"/>
+          <p:cNvSpPr>
+            <a:spLocks noGrp="1"/>
+          </p:cNvSpPr>
+          <p:nvPr>
+            <p:ph type="body" idx="1"/>
+          </p:nvPr>
+        </p:nvSpPr>
+        <p:spPr/>
+        <p:txBody>
+          <a:bodyPr/>
+          <a:lstStyle/>
+          <a:p>
+            <a:r>
+              <a:rPr lang="en-US" dirty="0" smtClean="0"/>
+              <a:t>Mention</a:t>
+            </a:r>
+            <a:r>
+              <a:rPr lang="en-US" baseline="0" dirty="0" smtClean="0"/>
+              <a:t> some of the most common: </a:t>
+            </a:r>
+            <a:r>
+              <a:rPr lang="en-US" baseline="0" dirty="0" err="1" smtClean="0"/>
+              <a:t>dw</a:t>
+            </a:r>
+            <a:r>
+              <a:rPr lang="en-US" baseline="0" dirty="0" smtClean="0"/>
+              <a:t>, </a:t>
+            </a:r>
+            <a:r>
+              <a:rPr lang="en-US" baseline="0" dirty="0" err="1" smtClean="0"/>
+              <a:t>cw</a:t>
+            </a:r>
+            <a:endParaRPr lang="en-US" dirty="0"/>
+          </a:p>
+        </p:txBody>
+      </p:sp>
+      <p:sp>
+        <p:nvSpPr>
+          <p:cNvPr id="4" name="Slide Number Placeholder 3"/>
+          <p:cNvSpPr>
+            <a:spLocks noGrp="1"/>
+          </p:cNvSpPr>
+          <p:nvPr>
+            <p:ph type="sldNum" sz="quarter" idx="10"/>
+          </p:nvPr>
+        </p:nvSpPr>
+        <p:spPr/>
+        <p:txBody>
+          <a:bodyPr/>
+          <a:lstStyle/>
+          <a:p>
+            <a:fld id="{6C188E6B-5A27-4E24-B8AB-05234A4CD30B}" type="slidenum">
+              <a:rPr lang="en-US" smtClean="0"/>
+              <a:t>30</a:t>
+            </a:fld>
+            <a:endParaRPr lang="en-US"/>
+          </a:p>
+        </p:txBody>
+      </p:sp>
+    </p:spTree>
+    <p:extLst>
+      <p:ext uri="{BB962C8B-B14F-4D97-AF65-F5344CB8AC3E}">
+        <p14:creationId xmlns:p14="http://schemas.microsoft.com/office/powerpoint/2010/main" val="578610599"/>
+      </p:ext>
+    </p:extLst>
+  </p:cSld>
+  <p:clrMapOvr>
+    <a:masterClrMapping/>
+  </p:clrMapOvr>
+</p:notes>
+</file>
+
+<file path=ppt/notesSlides/notesSlide17.xml><?xml version="1.0" encoding="utf-8"?>
+<p:notes xmlns:a="http://schemas.openxmlformats.org/drawingml/2006/main" xmlns:r="http://schemas.openxmlformats.org/officeDocument/2006/relationships" xmlns:p="http://schemas.openxmlformats.org/presentationml/2006/main">
+  <p:cSld>
+    <p:spTree>
+      <p:nvGrpSpPr>
+        <p:cNvPr id="1" name=""/>
+        <p:cNvGrpSpPr/>
+        <p:nvPr/>
+      </p:nvGrpSpPr>
+      <p:grpSpPr>
+        <a:xfrm>
+          <a:off x="0" y="0"/>
+          <a:ext cx="0" cy="0"/>
+          <a:chOff x="0" y="0"/>
+          <a:chExt cx="0" cy="0"/>
+        </a:xfrm>
+      </p:grpSpPr>
+      <p:sp>
+        <p:nvSpPr>
+          <p:cNvPr id="2" name="Slide Image Placeholder 1"/>
+          <p:cNvSpPr>
+            <a:spLocks noGrp="1" noRot="1" noChangeAspect="1"/>
+          </p:cNvSpPr>
+          <p:nvPr>
+            <p:ph type="sldImg"/>
+          </p:nvPr>
+        </p:nvSpPr>
+        <p:spPr/>
+      </p:sp>
+      <p:sp>
+        <p:nvSpPr>
+          <p:cNvPr id="3" name="Notes Placeholder 2"/>
+          <p:cNvSpPr>
+            <a:spLocks noGrp="1"/>
+          </p:cNvSpPr>
+          <p:nvPr>
+            <p:ph type="body" idx="1"/>
+          </p:nvPr>
+        </p:nvSpPr>
+        <p:spPr/>
+        <p:txBody>
+          <a:bodyPr/>
+          <a:lstStyle/>
+          <a:p>
             <a:pPr marL="0" marR="0" indent="0" algn="l" defTabSz="914400" rtl="0" eaLnBrk="1" fontAlgn="auto" latinLnBrk="0" hangingPunct="1">
               <a:lnSpc>
                 <a:spcPct val="100000"/>
@@ -1139,7 +1459,7 @@
           <a:p>
             <a:fld id="{6C188E6B-5A27-4E24-B8AB-05234A4CD30B}" type="slidenum">
               <a:rPr lang="en-US" smtClean="0"/>
-              <a:t>33</a:t>
+              <a:t>32</a:t>
             </a:fld>
             <a:endParaRPr lang="en-US"/>
           </a:p>
@@ -1261,7 +1581,7 @@
           <a:p>
             <a:fld id="{6C188E6B-5A27-4E24-B8AB-05234A4CD30B}" type="slidenum">
               <a:rPr lang="en-US" smtClean="0"/>
-              <a:t>10</a:t>
+              <a:t>3</a:t>
             </a:fld>
             <a:endParaRPr lang="en-US"/>
           </a:p>
@@ -1375,7 +1695,7 @@
           <a:p>
             <a:fld id="{6C188E6B-5A27-4E24-B8AB-05234A4CD30B}" type="slidenum">
               <a:rPr lang="en-US" smtClean="0"/>
-              <a:t>11</a:t>
+              <a:t>4</a:t>
             </a:fld>
             <a:endParaRPr lang="en-US"/>
           </a:p>
@@ -1516,7 +1836,7 @@
           <a:p>
             <a:fld id="{6C188E6B-5A27-4E24-B8AB-05234A4CD30B}" type="slidenum">
               <a:rPr lang="en-US" smtClean="0"/>
-              <a:t>12</a:t>
+              <a:t>5</a:t>
             </a:fld>
             <a:endParaRPr lang="en-US"/>
           </a:p>
@@ -1624,7 +1944,7 @@
           <a:p>
             <a:fld id="{6C188E6B-5A27-4E24-B8AB-05234A4CD30B}" type="slidenum">
               <a:rPr lang="en-US" smtClean="0"/>
-              <a:t>13</a:t>
+              <a:t>6</a:t>
             </a:fld>
             <a:endParaRPr lang="en-US"/>
           </a:p>
@@ -1722,7 +2042,7 @@
           <a:p>
             <a:fld id="{6C188E6B-5A27-4E24-B8AB-05234A4CD30B}" type="slidenum">
               <a:rPr lang="en-US" smtClean="0"/>
-              <a:t>14</a:t>
+              <a:t>7</a:t>
             </a:fld>
             <a:endParaRPr lang="en-US"/>
           </a:p>
@@ -1819,7 +2139,7 @@
           <a:p>
             <a:fld id="{6C188E6B-5A27-4E24-B8AB-05234A4CD30B}" type="slidenum">
               <a:rPr lang="en-US" smtClean="0"/>
-              <a:t>15</a:t>
+              <a:t>8</a:t>
             </a:fld>
             <a:endParaRPr lang="en-US"/>
           </a:p>
@@ -1943,7 +2263,7 @@
           <a:p>
             <a:fld id="{6C188E6B-5A27-4E24-B8AB-05234A4CD30B}" type="slidenum">
               <a:rPr lang="en-US" smtClean="0"/>
-              <a:t>17</a:t>
+              <a:t>10</a:t>
             </a:fld>
             <a:endParaRPr lang="en-US"/>
           </a:p>
@@ -2044,7 +2364,7 @@
           <a:p>
             <a:fld id="{6C188E6B-5A27-4E24-B8AB-05234A4CD30B}" type="slidenum">
               <a:rPr lang="en-US" smtClean="0"/>
-              <a:t>18</a:t>
+              <a:t>11</a:t>
             </a:fld>
             <a:endParaRPr lang="en-US"/>
           </a:p>
@@ -5088,95 +5408,87 @@
             <a:spLocks noGrp="1"/>
           </p:cNvSpPr>
           <p:nvPr>
-            <p:ph type="title"/>
-          </p:nvPr>
-        </p:nvSpPr>
-        <p:spPr/>
-        <p:txBody>
-          <a:bodyPr/>
-          <a:lstStyle/>
-          <a:p>
-            <a:r>
-              <a:rPr lang="en-US" dirty="0" smtClean="0"/>
-              <a:t>TODO!</a:t>
-            </a:r>
-            <a:endParaRPr lang="en-US" dirty="0"/>
-          </a:p>
-        </p:txBody>
-      </p:sp>
-      <p:sp>
-        <p:nvSpPr>
-          <p:cNvPr id="3" name="Content Placeholder 2"/>
-          <p:cNvSpPr>
-            <a:spLocks noGrp="1"/>
-          </p:cNvSpPr>
-          <p:nvPr>
-            <p:ph idx="1"/>
-          </p:nvPr>
-        </p:nvSpPr>
-        <p:spPr/>
-        <p:txBody>
-          <a:bodyPr/>
-          <a:lstStyle/>
-          <a:p>
-            <a:r>
-              <a:rPr lang="en-US" dirty="0" smtClean="0"/>
-              <a:t>Where do I talk about Ctrl-</a:t>
-            </a:r>
-            <a:r>
-              <a:rPr lang="en-US" dirty="0" err="1" smtClean="0"/>
-              <a:t>i</a:t>
-            </a:r>
-            <a:r>
-              <a:rPr lang="en-US" dirty="0" smtClean="0"/>
-              <a:t>/o?</a:t>
-            </a:r>
-          </a:p>
-          <a:p>
-            <a:r>
-              <a:rPr lang="en-US" dirty="0" smtClean="0"/>
-              <a:t>mention . to repeat commands</a:t>
-            </a:r>
-          </a:p>
-          <a:p>
-            <a:r>
-              <a:rPr lang="en-US" dirty="0" smtClean="0"/>
-              <a:t>* and # for searching</a:t>
-            </a:r>
-          </a:p>
-          <a:p>
-            <a:r>
-              <a:rPr lang="en-US" dirty="0" smtClean="0"/>
-              <a:t>r - replace char under cursor</a:t>
-            </a:r>
-          </a:p>
-          <a:p>
-            <a:r>
-              <a:rPr lang="en-US" dirty="0" smtClean="0"/>
-              <a:t>R – replace many chars starting here</a:t>
-            </a:r>
-          </a:p>
-          <a:p>
-            <a:r>
-              <a:rPr lang="en-US" dirty="0" smtClean="0"/>
-              <a:t>W,E,B – uppercase versions</a:t>
-            </a:r>
-          </a:p>
-          <a:p>
-            <a:endParaRPr lang="en-US" dirty="0"/>
+            <p:ph type="ctrTitle"/>
+          </p:nvPr>
+        </p:nvSpPr>
+        <p:spPr/>
+        <p:txBody>
+          <a:bodyPr>
+            <a:noAutofit/>
+          </a:bodyPr>
+          <a:lstStyle/>
+          <a:p>
+            <a:r>
+              <a:rPr lang="en-US" sz="9600" dirty="0" smtClean="0"/>
+              <a:t>vim</a:t>
+            </a:r>
+            <a:endParaRPr lang="en-US" sz="9600" dirty="0"/>
+          </a:p>
+        </p:txBody>
+      </p:sp>
+      <p:sp>
+        <p:nvSpPr>
+          <p:cNvPr id="3" name="Subtitle 2"/>
+          <p:cNvSpPr>
+            <a:spLocks noGrp="1"/>
+          </p:cNvSpPr>
+          <p:nvPr>
+            <p:ph type="subTitle" idx="1"/>
+          </p:nvPr>
+        </p:nvSpPr>
+        <p:spPr>
+          <a:xfrm>
+            <a:off x="685800" y="6075872"/>
+            <a:ext cx="7543800" cy="762000"/>
+          </a:xfrm>
+        </p:spPr>
+        <p:txBody>
+          <a:bodyPr>
+            <a:normAutofit/>
+          </a:bodyPr>
+          <a:lstStyle/>
+          <a:p>
+            <a:r>
+              <a:rPr lang="en-US" sz="2400" dirty="0" smtClean="0">
+                <a:solidFill>
+                  <a:schemeClr val="accent4"/>
+                </a:solidFill>
+              </a:rPr>
+              <a:t>a beginner’s journey to coding </a:t>
+            </a:r>
+            <a:r>
+              <a:rPr lang="en-US" sz="2400" dirty="0" err="1" smtClean="0">
+                <a:solidFill>
+                  <a:schemeClr val="accent4"/>
+                </a:solidFill>
+              </a:rPr>
+              <a:t>awesomely:w</a:t>
+            </a:r>
+            <a:endParaRPr lang="en-US" sz="2400" dirty="0">
+              <a:solidFill>
+                <a:schemeClr val="accent4"/>
+              </a:solidFill>
+            </a:endParaRPr>
           </a:p>
         </p:txBody>
       </p:sp>
     </p:spTree>
     <p:extLst>
       <p:ext uri="{BB962C8B-B14F-4D97-AF65-F5344CB8AC3E}">
-        <p14:creationId xmlns:p14="http://schemas.microsoft.com/office/powerpoint/2010/main" val="1353026451"/>
+        <p14:creationId xmlns:p14="http://schemas.microsoft.com/office/powerpoint/2010/main" val="4162780200"/>
       </p:ext>
     </p:extLst>
   </p:cSld>
   <p:clrMapOvr>
     <a:masterClrMapping/>
   </p:clrMapOvr>
+  <p:timing>
+    <p:tnLst>
+      <p:par>
+        <p:cTn id="1" dur="indefinite" restart="never" nodeType="tmRoot"/>
+      </p:par>
+    </p:tnLst>
+  </p:timing>
 </p:sld>
 </file>
 
@@ -5215,86 +5527,126 @@
             <a:r>
               <a:rPr lang="en-US" dirty="0" smtClean="0">
                 <a:solidFill>
+                  <a:schemeClr val="accent2"/>
+                </a:solidFill>
+              </a:rPr>
+              <a:t>insert mode</a:t>
+            </a:r>
+            <a:endParaRPr lang="en-US" dirty="0">
+              <a:solidFill>
+                <a:schemeClr val="accent2"/>
+              </a:solidFill>
+            </a:endParaRPr>
+          </a:p>
+        </p:txBody>
+      </p:sp>
+      <p:sp>
+        <p:nvSpPr>
+          <p:cNvPr id="3" name="Content Placeholder 2"/>
+          <p:cNvSpPr>
+            <a:spLocks noGrp="1"/>
+          </p:cNvSpPr>
+          <p:nvPr>
+            <p:ph idx="1"/>
+          </p:nvPr>
+        </p:nvSpPr>
+        <p:spPr>
+          <a:xfrm>
+            <a:off x="457200" y="1600200"/>
+            <a:ext cx="8229600" cy="4800600"/>
+          </a:xfrm>
+        </p:spPr>
+        <p:txBody>
+          <a:bodyPr>
+            <a:normAutofit/>
+          </a:bodyPr>
+          <a:lstStyle/>
+          <a:p>
+            <a:r>
+              <a:rPr lang="en-US" dirty="0" err="1" smtClean="0"/>
+              <a:t>i</a:t>
+            </a:r>
+            <a:r>
+              <a:rPr lang="en-US" dirty="0" smtClean="0"/>
+              <a:t> - insert </a:t>
+            </a:r>
+            <a:r>
+              <a:rPr lang="en-US" dirty="0" smtClean="0">
+                <a:solidFill>
                   <a:schemeClr val="accent1"/>
                 </a:solidFill>
               </a:rPr>
-              <a:t>what is vim?</a:t>
-            </a:r>
-            <a:endParaRPr lang="en-US" dirty="0">
+              <a:t>before</a:t>
+            </a:r>
+            <a:r>
+              <a:rPr lang="en-US" dirty="0" smtClean="0"/>
+              <a:t> cursor</a:t>
+            </a:r>
+          </a:p>
+          <a:p>
+            <a:endParaRPr lang="en-US" dirty="0" smtClean="0"/>
+          </a:p>
+          <a:p>
+            <a:pPr marL="0" indent="0">
+              <a:buNone/>
+            </a:pPr>
+            <a:r>
+              <a:rPr lang="en-US" dirty="0" smtClean="0"/>
+              <a:t>  type in whatever you’d like</a:t>
+            </a:r>
+          </a:p>
+          <a:p>
+            <a:endParaRPr lang="en-US" dirty="0" smtClean="0"/>
+          </a:p>
+          <a:p>
+            <a:pPr marL="0" indent="0">
+              <a:buNone/>
+            </a:pPr>
+            <a:r>
+              <a:rPr lang="en-US" dirty="0" smtClean="0"/>
+              <a:t>  &lt;ESC&gt; to get back to normal mode</a:t>
+            </a:r>
+          </a:p>
+          <a:p>
+            <a:endParaRPr lang="en-US" dirty="0" smtClean="0"/>
+          </a:p>
+          <a:p>
+            <a:pPr marL="0" indent="0">
+              <a:buNone/>
+            </a:pPr>
+            <a:r>
+              <a:rPr lang="en-US" sz="2000" dirty="0" smtClean="0">
+                <a:solidFill>
+                  <a:schemeClr val="accent4"/>
+                </a:solidFill>
+              </a:rPr>
+              <a:t>get used to hitting &lt;ESC&gt; after editing text</a:t>
+            </a:r>
+          </a:p>
+          <a:p>
+            <a:pPr marL="0" indent="0">
+              <a:buNone/>
+            </a:pPr>
+            <a:r>
+              <a:rPr lang="en-US" sz="2000" dirty="0" smtClean="0">
+                <a:solidFill>
+                  <a:schemeClr val="accent4"/>
+                </a:solidFill>
+              </a:rPr>
+              <a:t>you’ll always end in normal mode</a:t>
+            </a:r>
+            <a:endParaRPr lang="en-US" sz="2000" dirty="0">
               <a:solidFill>
-                <a:schemeClr val="accent1"/>
+                <a:schemeClr val="accent4"/>
               </a:solidFill>
             </a:endParaRPr>
-          </a:p>
-        </p:txBody>
-      </p:sp>
-      <p:sp>
-        <p:nvSpPr>
-          <p:cNvPr id="3" name="Content Placeholder 2"/>
-          <p:cNvSpPr>
-            <a:spLocks noGrp="1"/>
-          </p:cNvSpPr>
-          <p:nvPr>
-            <p:ph idx="1"/>
-          </p:nvPr>
-        </p:nvSpPr>
-        <p:spPr/>
-        <p:txBody>
-          <a:bodyPr>
-            <a:normAutofit/>
-          </a:bodyPr>
-          <a:lstStyle/>
-          <a:p>
-            <a:r>
-              <a:rPr lang="en-US" dirty="0" smtClean="0"/>
-              <a:t>highly configurable text editor</a:t>
-            </a:r>
-          </a:p>
-          <a:p>
-            <a:endParaRPr lang="en-US" dirty="0"/>
-          </a:p>
-          <a:p>
-            <a:r>
-              <a:rPr lang="en-US" dirty="0" smtClean="0"/>
-              <a:t>improved version of the vi editor</a:t>
-            </a:r>
-          </a:p>
-          <a:p>
-            <a:endParaRPr lang="en-US" dirty="0" smtClean="0"/>
-          </a:p>
-          <a:p>
-            <a:r>
-              <a:rPr lang="en-US" dirty="0" smtClean="0"/>
-              <a:t>perfect for lazy </a:t>
-            </a:r>
-            <a:r>
-              <a:rPr lang="en-US" dirty="0" err="1" smtClean="0"/>
-              <a:t>devs</a:t>
-            </a:r>
-            <a:endParaRPr lang="en-US" dirty="0" smtClean="0"/>
-          </a:p>
-          <a:p>
-            <a:endParaRPr lang="en-US" dirty="0"/>
-          </a:p>
-          <a:p>
-            <a:r>
-              <a:rPr lang="en-US" dirty="0"/>
-              <a:t>m</a:t>
-            </a:r>
-            <a:r>
-              <a:rPr lang="en-US" dirty="0" smtClean="0"/>
-              <a:t>uscle memory maker</a:t>
-            </a:r>
-          </a:p>
-          <a:p>
-            <a:endParaRPr lang="en-US" dirty="0" smtClean="0"/>
           </a:p>
         </p:txBody>
       </p:sp>
     </p:spTree>
     <p:extLst>
       <p:ext uri="{BB962C8B-B14F-4D97-AF65-F5344CB8AC3E}">
-        <p14:creationId xmlns:p14="http://schemas.microsoft.com/office/powerpoint/2010/main" val="2981442941"/>
+        <p14:creationId xmlns:p14="http://schemas.microsoft.com/office/powerpoint/2010/main" val="2913058544"/>
       </p:ext>
     </p:extLst>
   </p:cSld>
@@ -5338,85 +5690,96 @@
             <p:ph type="title"/>
           </p:nvPr>
         </p:nvSpPr>
+        <p:spPr/>
+        <p:txBody>
+          <a:bodyPr/>
+          <a:lstStyle/>
+          <a:p>
+            <a:r>
+              <a:rPr lang="en-US" dirty="0" smtClean="0"/>
+              <a:t>insert mode</a:t>
+            </a:r>
+            <a:endParaRPr lang="en-US" dirty="0"/>
+          </a:p>
+        </p:txBody>
+      </p:sp>
+      <p:sp>
+        <p:nvSpPr>
+          <p:cNvPr id="3" name="Content Placeholder 2"/>
+          <p:cNvSpPr>
+            <a:spLocks noGrp="1"/>
+          </p:cNvSpPr>
+          <p:nvPr>
+            <p:ph idx="1"/>
+          </p:nvPr>
+        </p:nvSpPr>
         <p:spPr>
           <a:xfrm>
-            <a:off x="0" y="274638"/>
-            <a:ext cx="9144000" cy="1143000"/>
+            <a:off x="457200" y="1600200"/>
+            <a:ext cx="8229600" cy="4800600"/>
           </a:xfrm>
         </p:spPr>
         <p:txBody>
-          <a:bodyPr/>
-          <a:lstStyle/>
-          <a:p>
-            <a:r>
-              <a:rPr lang="en-US" sz="8000" dirty="0" smtClean="0">
+          <a:bodyPr>
+            <a:normAutofit/>
+          </a:bodyPr>
+          <a:lstStyle/>
+          <a:p>
+            <a:r>
+              <a:rPr lang="en-US" dirty="0" err="1" smtClean="0"/>
+              <a:t>i</a:t>
+            </a:r>
+            <a:r>
+              <a:rPr lang="en-US" dirty="0" smtClean="0"/>
+              <a:t> - insert </a:t>
+            </a:r>
+            <a:r>
+              <a:rPr lang="en-US" dirty="0" smtClean="0">
                 <a:solidFill>
-                  <a:schemeClr val="accent2"/>
+                  <a:schemeClr val="accent1"/>
                 </a:solidFill>
               </a:rPr>
-              <a:t>what isn’t vim?</a:t>
-            </a:r>
-            <a:endParaRPr lang="en-US" sz="8000" dirty="0">
-              <a:solidFill>
-                <a:schemeClr val="accent2"/>
-              </a:solidFill>
-            </a:endParaRPr>
-          </a:p>
-        </p:txBody>
-      </p:sp>
-      <p:sp>
-        <p:nvSpPr>
-          <p:cNvPr id="3" name="Content Placeholder 2"/>
-          <p:cNvSpPr>
-            <a:spLocks noGrp="1"/>
-          </p:cNvSpPr>
-          <p:nvPr>
-            <p:ph idx="1"/>
-          </p:nvPr>
-        </p:nvSpPr>
-        <p:spPr/>
-        <p:txBody>
-          <a:bodyPr/>
-          <a:lstStyle/>
-          <a:p>
-            <a:r>
-              <a:rPr lang="en-US" dirty="0" smtClean="0"/>
-              <a:t>not a word processor</a:t>
+              <a:t>before</a:t>
+            </a:r>
+            <a:r>
+              <a:rPr lang="en-US" dirty="0" smtClean="0"/>
+              <a:t> cursor</a:t>
+            </a:r>
+          </a:p>
+          <a:p>
+            <a:r>
+              <a:rPr lang="en-US" dirty="0" smtClean="0"/>
+              <a:t>a – insert </a:t>
+            </a:r>
+            <a:r>
+              <a:rPr lang="en-US" dirty="0" smtClean="0">
+                <a:solidFill>
+                  <a:schemeClr val="accent3"/>
+                </a:solidFill>
+              </a:rPr>
+              <a:t>after</a:t>
+            </a:r>
+            <a:r>
+              <a:rPr lang="en-US" dirty="0" smtClean="0"/>
+              <a:t> cursor</a:t>
             </a:r>
           </a:p>
           <a:p>
             <a:endParaRPr lang="en-US" dirty="0" smtClean="0"/>
           </a:p>
           <a:p>
-            <a:r>
-              <a:rPr lang="en-US" dirty="0" smtClean="0"/>
-              <a:t>not a hand holder</a:t>
-            </a:r>
-          </a:p>
-          <a:p>
-            <a:endParaRPr lang="en-US" dirty="0"/>
-          </a:p>
-          <a:p>
-            <a:r>
-              <a:rPr lang="en-US" dirty="0" smtClean="0"/>
-              <a:t>not a tool learned in a week</a:t>
-            </a:r>
-          </a:p>
-          <a:p>
-            <a:endParaRPr lang="en-US" dirty="0"/>
-          </a:p>
-          <a:p>
-            <a:r>
-              <a:rPr lang="en-US" dirty="0" smtClean="0"/>
-              <a:t>never </a:t>
-            </a:r>
-            <a:r>
-              <a:rPr lang="en-US" dirty="0" err="1" smtClean="0"/>
-              <a:t>gonna</a:t>
-            </a:r>
-            <a:r>
-              <a:rPr lang="en-US" dirty="0" smtClean="0"/>
-              <a:t> let you down</a:t>
+            <a:endParaRPr lang="en-US" dirty="0" smtClean="0"/>
+          </a:p>
+          <a:p>
+            <a:r>
+              <a:rPr lang="en-US" dirty="0" smtClean="0"/>
+              <a:t>I – insert at start of line</a:t>
+            </a:r>
+          </a:p>
+          <a:p>
+            <a:r>
+              <a:rPr lang="en-US" dirty="0" smtClean="0"/>
+              <a:t>A – append to end of line</a:t>
             </a:r>
           </a:p>
         </p:txBody>
@@ -5424,7 +5787,7 @@
     </p:spTree>
     <p:extLst>
       <p:ext uri="{BB962C8B-B14F-4D97-AF65-F5344CB8AC3E}">
-        <p14:creationId xmlns:p14="http://schemas.microsoft.com/office/powerpoint/2010/main" val="1157626077"/>
+        <p14:creationId xmlns:p14="http://schemas.microsoft.com/office/powerpoint/2010/main" val="1772528704"/>
       </p:ext>
     </p:extLst>
   </p:cSld>
@@ -5468,24 +5831,21 @@
             <p:ph type="title"/>
           </p:nvPr>
         </p:nvSpPr>
-        <p:spPr/>
-        <p:txBody>
-          <a:bodyPr/>
-          <a:lstStyle/>
-          <a:p>
-            <a:r>
-              <a:rPr lang="en-US" dirty="0" smtClean="0">
-                <a:solidFill>
-                  <a:schemeClr val="accent3"/>
-                </a:solidFill>
-              </a:rPr>
-              <a:t>begin</a:t>
-            </a:r>
-            <a:endParaRPr lang="en-US" dirty="0">
-              <a:solidFill>
-                <a:schemeClr val="accent3"/>
-              </a:solidFill>
-            </a:endParaRPr>
+        <p:spPr>
+          <a:xfrm>
+            <a:off x="228600" y="274638"/>
+            <a:ext cx="8686800" cy="1143000"/>
+          </a:xfrm>
+        </p:spPr>
+        <p:txBody>
+          <a:bodyPr/>
+          <a:lstStyle/>
+          <a:p>
+            <a:r>
+              <a:rPr lang="en-US" sz="7200" dirty="0" smtClean="0"/>
+              <a:t>see the pattern?</a:t>
+            </a:r>
+            <a:endParaRPr lang="en-US" sz="7200" dirty="0"/>
           </a:p>
         </p:txBody>
       </p:sp>
@@ -5507,79 +5867,43 @@
           <a:lstStyle/>
           <a:p>
             <a:r>
-              <a:rPr lang="en-US" dirty="0"/>
-              <a:t>i</a:t>
-            </a:r>
-            <a:r>
-              <a:rPr lang="en-US" dirty="0" smtClean="0"/>
-              <a:t>nstall</a:t>
-            </a:r>
-          </a:p>
-          <a:p>
-            <a:r>
-              <a:rPr lang="en-US" dirty="0" smtClean="0"/>
-              <a:t>run</a:t>
-            </a:r>
-          </a:p>
-          <a:p>
-            <a:pPr lvl="1"/>
-            <a:r>
-              <a:rPr lang="en-US" dirty="0" smtClean="0"/>
-              <a:t>vim or </a:t>
-            </a:r>
-            <a:r>
-              <a:rPr lang="en-US" dirty="0" err="1" smtClean="0"/>
-              <a:t>gvim</a:t>
-            </a:r>
+              <a:rPr lang="en-US" dirty="0" smtClean="0"/>
+              <a:t>a letter does something</a:t>
+            </a:r>
+          </a:p>
+          <a:p>
             <a:endParaRPr lang="en-US" dirty="0" smtClean="0"/>
           </a:p>
           <a:p>
             <a:r>
               <a:rPr lang="en-US" dirty="0" smtClean="0"/>
-              <a:t>learn, learn, learn</a:t>
-            </a:r>
-          </a:p>
-          <a:p>
-            <a:pPr lvl="1"/>
-            <a:r>
-              <a:rPr lang="en-US" dirty="0" err="1" smtClean="0"/>
-              <a:t>vimtutor</a:t>
-            </a:r>
-            <a:r>
-              <a:rPr lang="en-US" dirty="0" smtClean="0"/>
-              <a:t> (from the cli)</a:t>
-            </a:r>
-          </a:p>
-          <a:p>
-            <a:pPr lvl="1"/>
-            <a:r>
-              <a:rPr lang="en-US" dirty="0" smtClean="0"/>
-              <a:t>:help tutor (from within vim)</a:t>
-            </a:r>
-          </a:p>
-          <a:p>
-            <a:pPr lvl="1"/>
-            <a:r>
-              <a:rPr lang="en-US" dirty="0" err="1" smtClean="0"/>
-              <a:t>cheatsheets</a:t>
-            </a:r>
+              <a:t>shift modifies it in some way</a:t>
+            </a:r>
+          </a:p>
+          <a:p>
             <a:endParaRPr lang="en-US" dirty="0" smtClean="0"/>
           </a:p>
           <a:p>
             <a:r>
               <a:rPr lang="en-US" dirty="0" smtClean="0"/>
-              <a:t>tweak</a:t>
-            </a:r>
-          </a:p>
-          <a:p>
-            <a:endParaRPr lang="en-US" dirty="0"/>
+              <a:t>ctrl also modifies some keys</a:t>
+            </a:r>
+          </a:p>
+          <a:p>
+            <a:endParaRPr lang="en-US" dirty="0" smtClean="0"/>
+          </a:p>
+          <a:p>
+            <a:r>
+              <a:rPr lang="en-US" dirty="0" smtClean="0"/>
+              <a:t>vim is full of patterns</a:t>
+            </a:r>
           </a:p>
         </p:txBody>
       </p:sp>
     </p:spTree>
     <p:extLst>
       <p:ext uri="{BB962C8B-B14F-4D97-AF65-F5344CB8AC3E}">
-        <p14:creationId xmlns:p14="http://schemas.microsoft.com/office/powerpoint/2010/main" val="2775600374"/>
+        <p14:creationId xmlns:p14="http://schemas.microsoft.com/office/powerpoint/2010/main" val="1570060829"/>
       </p:ext>
     </p:extLst>
   </p:cSld>
@@ -5625,8 +5949,8 @@
         </p:nvSpPr>
         <p:spPr>
           <a:xfrm>
-            <a:off x="0" y="274638"/>
-            <a:ext cx="9144000" cy="1143000"/>
+            <a:off x="228600" y="274638"/>
+            <a:ext cx="8686800" cy="1143000"/>
           </a:xfrm>
         </p:spPr>
         <p:txBody>
@@ -5634,42 +5958,10 @@
           <a:lstStyle/>
           <a:p>
             <a:r>
-              <a:rPr lang="en-US" dirty="0" smtClean="0">
-                <a:solidFill>
-                  <a:schemeClr val="accent1"/>
-                </a:solidFill>
-              </a:rPr>
-              <a:t>1</a:t>
-            </a:r>
-            <a:r>
-              <a:rPr lang="en-US" baseline="30000" dirty="0" smtClean="0">
-                <a:solidFill>
-                  <a:schemeClr val="accent1"/>
-                </a:solidFill>
-              </a:rPr>
-              <a:t>st</a:t>
-            </a:r>
-            <a:r>
-              <a:rPr lang="en-US" dirty="0" smtClean="0">
-                <a:solidFill>
-                  <a:schemeClr val="accent1"/>
-                </a:solidFill>
-              </a:rPr>
-              <a:t> things 1</a:t>
-            </a:r>
-            <a:r>
-              <a:rPr lang="en-US" baseline="30000" dirty="0" smtClean="0">
-                <a:solidFill>
-                  <a:schemeClr val="accent1"/>
-                </a:solidFill>
-              </a:rPr>
-              <a:t>st</a:t>
-            </a:r>
-            <a:endParaRPr lang="en-US" dirty="0">
-              <a:solidFill>
-                <a:schemeClr val="accent1"/>
-              </a:solidFill>
-            </a:endParaRPr>
+              <a:rPr lang="en-US" sz="7200" dirty="0" smtClean="0"/>
+              <a:t>un-pattern</a:t>
+            </a:r>
+            <a:endParaRPr lang="en-US" sz="7200" dirty="0"/>
           </a:p>
         </p:txBody>
       </p:sp>
@@ -5690,97 +5982,35 @@
           </a:bodyPr>
           <a:lstStyle/>
           <a:p>
-            <a:endParaRPr lang="en-US" dirty="0" smtClean="0"/>
-          </a:p>
-          <a:p>
-            <a:endParaRPr lang="en-US" dirty="0" smtClean="0"/>
-          </a:p>
-          <a:p>
-            <a:pPr marL="0" indent="0">
-              <a:buNone/>
-            </a:pPr>
-            <a:r>
-              <a:rPr lang="en-US" dirty="0" smtClean="0"/>
-              <a:t>what are some common things you do while editing text, code, </a:t>
-            </a:r>
-            <a:r>
-              <a:rPr lang="en-US" dirty="0" err="1" smtClean="0"/>
-              <a:t>config</a:t>
-            </a:r>
-            <a:r>
-              <a:rPr lang="en-US" dirty="0" smtClean="0"/>
-              <a:t> files, </a:t>
-            </a:r>
-            <a:r>
-              <a:rPr lang="en-US" dirty="0" err="1" smtClean="0"/>
-              <a:t>etc</a:t>
-            </a:r>
-            <a:r>
-              <a:rPr lang="en-US" dirty="0" smtClean="0"/>
-              <a:t>?</a:t>
-            </a:r>
-          </a:p>
-          <a:p>
-            <a:pPr marL="0" indent="0">
-              <a:buNone/>
-            </a:pPr>
-            <a:endParaRPr lang="en-US" dirty="0" smtClean="0"/>
-          </a:p>
-          <a:p>
-            <a:pPr marL="0" indent="0">
-              <a:buNone/>
-            </a:pPr>
-            <a:endParaRPr lang="en-US" dirty="0" smtClean="0"/>
-          </a:p>
-          <a:p>
-            <a:pPr marL="0" indent="0">
-              <a:buNone/>
-            </a:pPr>
-            <a:endParaRPr lang="en-US" dirty="0" smtClean="0"/>
-          </a:p>
-        </p:txBody>
-      </p:sp>
-      <p:sp>
-        <p:nvSpPr>
-          <p:cNvPr id="4" name="Rectangle 3"/>
-          <p:cNvSpPr/>
-          <p:nvPr/>
-        </p:nvSpPr>
-        <p:spPr>
-          <a:xfrm>
-            <a:off x="457200" y="6462789"/>
-            <a:ext cx="4363695" cy="369332"/>
-          </a:xfrm>
-          <a:prstGeom prst="rect">
-            <a:avLst/>
-          </a:prstGeom>
-        </p:spPr>
-        <p:txBody>
-          <a:bodyPr wrap="none">
-            <a:spAutoFit/>
-          </a:bodyPr>
-          <a:lstStyle/>
-          <a:p>
-            <a:r>
-              <a:rPr lang="en-US" dirty="0" smtClean="0">
-                <a:solidFill>
-                  <a:schemeClr val="accent4"/>
-                </a:solidFill>
-              </a:rPr>
-              <a:t>open up a file to learn by doing!</a:t>
-            </a:r>
-            <a:endParaRPr lang="en-US" dirty="0">
-              <a:solidFill>
-                <a:schemeClr val="accent4"/>
-              </a:solidFill>
-            </a:endParaRPr>
+            <a:r>
+              <a:rPr lang="en-US" dirty="0" smtClean="0"/>
+              <a:t>H,J,K,L are oddities</a:t>
+            </a:r>
+          </a:p>
+          <a:p>
+            <a:pPr lvl="1"/>
+            <a:r>
+              <a:rPr lang="en-US" dirty="0"/>
+              <a:t>#</a:t>
+            </a:r>
+            <a:r>
+              <a:rPr lang="en-US" dirty="0" smtClean="0"/>
+              <a:t>J joins # lines, which is handy</a:t>
+            </a:r>
+          </a:p>
+          <a:p>
+            <a:pPr lvl="1"/>
+            <a:r>
+              <a:rPr lang="en-US" dirty="0" smtClean="0"/>
+              <a:t>use :help for others</a:t>
+            </a:r>
           </a:p>
         </p:txBody>
       </p:sp>
     </p:spTree>
     <p:extLst>
       <p:ext uri="{BB962C8B-B14F-4D97-AF65-F5344CB8AC3E}">
-        <p14:creationId xmlns:p14="http://schemas.microsoft.com/office/powerpoint/2010/main" val="96818925"/>
+        <p14:creationId xmlns:p14="http://schemas.microsoft.com/office/powerpoint/2010/main" val="1013667466"/>
       </p:ext>
     </p:extLst>
   </p:cSld>
@@ -5830,18 +6060,10 @@
           <a:lstStyle/>
           <a:p>
             <a:r>
-              <a:rPr lang="en-US" dirty="0" smtClean="0">
-                <a:solidFill>
-                  <a:schemeClr val="accent2"/>
-                </a:solidFill>
-              </a:rPr>
-              <a:t>normal mode</a:t>
-            </a:r>
-            <a:endParaRPr lang="en-US" dirty="0">
-              <a:solidFill>
-                <a:schemeClr val="accent2"/>
-              </a:solidFill>
-            </a:endParaRPr>
+              <a:rPr lang="en-US" sz="7200" dirty="0" smtClean="0"/>
+              <a:t>help is helpful</a:t>
+            </a:r>
+            <a:endParaRPr lang="en-US" sz="7200" dirty="0"/>
           </a:p>
         </p:txBody>
       </p:sp>
@@ -5863,8 +6085,27 @@
           <a:lstStyle/>
           <a:p>
             <a:r>
-              <a:rPr lang="en-US" dirty="0" smtClean="0"/>
-              <a:t>you’re in normal mode by default</a:t>
+              <a:rPr lang="en-US" dirty="0"/>
+              <a:t>type one of the following</a:t>
+            </a:r>
+          </a:p>
+          <a:p>
+            <a:pPr lvl="1"/>
+            <a:r>
+              <a:rPr lang="en-US" dirty="0"/>
+              <a:t>:help </a:t>
+            </a:r>
+            <a:r>
+              <a:rPr lang="en-US" dirty="0" err="1"/>
+              <a:t>i</a:t>
+            </a:r>
+            <a:endParaRPr lang="en-US" dirty="0"/>
+          </a:p>
+          <a:p>
+            <a:pPr lvl="1"/>
+            <a:r>
+              <a:rPr lang="en-US" dirty="0"/>
+              <a:t>:help I</a:t>
             </a:r>
           </a:p>
           <a:p>
@@ -5872,33 +6113,31 @@
           </a:p>
           <a:p>
             <a:r>
-              <a:rPr lang="en-US" dirty="0"/>
-              <a:t>move around and perform commands </a:t>
-            </a:r>
-          </a:p>
-          <a:p>
-            <a:endParaRPr lang="en-US" dirty="0" smtClean="0"/>
-          </a:p>
-          <a:p>
-            <a:r>
-              <a:rPr lang="en-US" dirty="0" smtClean="0"/>
-              <a:t>not for typing text</a:t>
-            </a:r>
-          </a:p>
-          <a:p>
-            <a:endParaRPr lang="en-US" dirty="0"/>
-          </a:p>
-          <a:p>
-            <a:r>
-              <a:rPr lang="en-US" dirty="0" smtClean="0"/>
-              <a:t>&lt;ESC&gt; gets you back to normal mode from any other mode</a:t>
-            </a:r>
-          </a:p>
-          <a:p>
-            <a:pPr lvl="1"/>
-            <a:r>
-              <a:rPr lang="en-US" dirty="0" smtClean="0"/>
-              <a:t>Ctrl-[ is equivalent, less hand movement</a:t>
+              <a:rPr lang="en-US" dirty="0" smtClean="0"/>
+              <a:t>use :help to figure out </a:t>
+            </a:r>
+            <a:r>
+              <a:rPr lang="en-US" dirty="0" smtClean="0"/>
+              <a:t>things do</a:t>
+            </a:r>
+          </a:p>
+          <a:p>
+            <a:endParaRPr lang="en-US" dirty="0"/>
+          </a:p>
+          <a:p>
+            <a:r>
+              <a:rPr lang="en-US" dirty="0" smtClean="0"/>
+              <a:t>tab completion works here</a:t>
+            </a:r>
+            <a:r>
+              <a:rPr lang="en-US" dirty="0" smtClean="0"/>
+              <a:t>!</a:t>
+            </a:r>
+          </a:p>
+          <a:p>
+            <a:r>
+              <a:rPr lang="en-US" dirty="0" smtClean="0"/>
+              <a:t>Ctrl-d is another way to show completion options</a:t>
             </a:r>
             <a:endParaRPr lang="en-US" dirty="0"/>
           </a:p>
@@ -5907,20 +6146,13 @@
     </p:spTree>
     <p:extLst>
       <p:ext uri="{BB962C8B-B14F-4D97-AF65-F5344CB8AC3E}">
-        <p14:creationId xmlns:p14="http://schemas.microsoft.com/office/powerpoint/2010/main" val="546193272"/>
+        <p14:creationId xmlns:p14="http://schemas.microsoft.com/office/powerpoint/2010/main" val="3682792564"/>
       </p:ext>
     </p:extLst>
   </p:cSld>
   <p:clrMapOvr>
     <a:masterClrMapping/>
   </p:clrMapOvr>
-  <p:timing>
-    <p:tnLst>
-      <p:par>
-        <p:cTn id="1" dur="indefinite" restart="never" nodeType="tmRoot"/>
-      </p:par>
-    </p:tnLst>
-  </p:timing>
 </p:sld>
 </file>
 
@@ -5951,205 +6183,75 @@
             <p:ph type="title"/>
           </p:nvPr>
         </p:nvSpPr>
-        <p:spPr/>
-        <p:txBody>
-          <a:bodyPr/>
-          <a:lstStyle/>
-          <a:p>
-            <a:r>
-              <a:rPr lang="en-US" dirty="0" smtClean="0">
-                <a:solidFill>
-                  <a:schemeClr val="accent3"/>
-                </a:solidFill>
-              </a:rPr>
-              <a:t>move around</a:t>
-            </a:r>
-            <a:endParaRPr lang="en-US" dirty="0">
-              <a:solidFill>
-                <a:schemeClr val="accent3"/>
-              </a:solidFill>
-            </a:endParaRPr>
-          </a:p>
-        </p:txBody>
-      </p:sp>
-      <p:sp>
-        <p:nvSpPr>
-          <p:cNvPr id="6" name="Rectangle 5"/>
-          <p:cNvSpPr/>
-          <p:nvPr/>
-        </p:nvSpPr>
         <p:spPr>
           <a:xfrm>
-            <a:off x="1371600" y="3505200"/>
-            <a:ext cx="862737" cy="584775"/>
+            <a:off x="76200" y="274638"/>
+            <a:ext cx="9067800" cy="1143000"/>
           </a:xfrm>
-          <a:prstGeom prst="rect">
-            <a:avLst/>
-          </a:prstGeom>
         </p:spPr>
         <p:txBody>
-          <a:bodyPr wrap="none">
-            <a:spAutoFit/>
-          </a:bodyPr>
-          <a:lstStyle/>
-          <a:p>
-            <a:r>
-              <a:rPr lang="en-US" sz="3200" dirty="0" smtClean="0">
-                <a:solidFill>
-                  <a:srgbClr val="EEEEEE"/>
-                </a:solidFill>
-              </a:rPr>
-              <a:t>&lt; h</a:t>
-            </a:r>
-            <a:endParaRPr lang="en-US" dirty="0"/>
-          </a:p>
-        </p:txBody>
-      </p:sp>
-      <p:sp>
-        <p:nvSpPr>
-          <p:cNvPr id="8" name="Rectangle 7"/>
-          <p:cNvSpPr/>
-          <p:nvPr/>
-        </p:nvSpPr>
-        <p:spPr>
-          <a:xfrm>
-            <a:off x="4495800" y="5181600"/>
-            <a:ext cx="410690" cy="1077218"/>
-          </a:xfrm>
-          <a:prstGeom prst="rect">
-            <a:avLst/>
-          </a:prstGeom>
-        </p:spPr>
-        <p:txBody>
-          <a:bodyPr wrap="none">
-            <a:spAutoFit/>
-          </a:bodyPr>
-          <a:lstStyle/>
-          <a:p>
-            <a:r>
-              <a:rPr lang="en-US" sz="3200" dirty="0" smtClean="0">
-                <a:solidFill>
-                  <a:srgbClr val="EEEEEE"/>
-                </a:solidFill>
-              </a:rPr>
-              <a:t>j</a:t>
-            </a:r>
-          </a:p>
-          <a:p>
-            <a:r>
-              <a:rPr lang="en-US" sz="3200" dirty="0">
-                <a:solidFill>
-                  <a:srgbClr val="EEEEEE"/>
-                </a:solidFill>
-              </a:rPr>
-              <a:t>v</a:t>
-            </a:r>
-            <a:endParaRPr lang="en-US" dirty="0"/>
-          </a:p>
-        </p:txBody>
-      </p:sp>
-      <p:sp>
-        <p:nvSpPr>
-          <p:cNvPr id="10" name="Rectangle 9"/>
-          <p:cNvSpPr/>
-          <p:nvPr/>
-        </p:nvSpPr>
-        <p:spPr>
-          <a:xfrm>
-            <a:off x="4495800" y="1905000"/>
-            <a:ext cx="410690" cy="1077218"/>
-          </a:xfrm>
-          <a:prstGeom prst="rect">
-            <a:avLst/>
-          </a:prstGeom>
-        </p:spPr>
-        <p:txBody>
-          <a:bodyPr wrap="none">
-            <a:spAutoFit/>
-          </a:bodyPr>
-          <a:lstStyle/>
-          <a:p>
-            <a:r>
-              <a:rPr lang="en-US" sz="3200" dirty="0" smtClean="0">
-                <a:solidFill>
-                  <a:srgbClr val="EEEEEE"/>
-                </a:solidFill>
-              </a:rPr>
-              <a:t>^</a:t>
-            </a:r>
-          </a:p>
-          <a:p>
-            <a:r>
-              <a:rPr lang="en-US" sz="3200" dirty="0" smtClean="0">
-                <a:solidFill>
-                  <a:srgbClr val="EEEEEE"/>
-                </a:solidFill>
-              </a:rPr>
-              <a:t>k</a:t>
-            </a:r>
-            <a:endParaRPr lang="en-US" dirty="0"/>
-          </a:p>
-        </p:txBody>
-      </p:sp>
-      <p:sp>
-        <p:nvSpPr>
-          <p:cNvPr id="12" name="Rectangle 11"/>
-          <p:cNvSpPr/>
-          <p:nvPr/>
-        </p:nvSpPr>
-        <p:spPr>
-          <a:xfrm>
-            <a:off x="6858000" y="3505199"/>
-            <a:ext cx="862737" cy="584775"/>
-          </a:xfrm>
-          <a:prstGeom prst="rect">
-            <a:avLst/>
-          </a:prstGeom>
-        </p:spPr>
-        <p:txBody>
-          <a:bodyPr wrap="none">
-            <a:spAutoFit/>
-          </a:bodyPr>
-          <a:lstStyle/>
-          <a:p>
-            <a:pPr lvl="0">
-              <a:spcBef>
-                <a:spcPct val="20000"/>
-              </a:spcBef>
-            </a:pPr>
-            <a:r>
-              <a:rPr lang="en-US" sz="3200" dirty="0" smtClean="0">
-                <a:solidFill>
-                  <a:srgbClr val="EEEEEE"/>
-                </a:solidFill>
-              </a:rPr>
-              <a:t>l &gt;</a:t>
-            </a:r>
-            <a:endParaRPr lang="en-US" sz="3200" dirty="0">
-              <a:solidFill>
-                <a:srgbClr val="EEEEEE"/>
-              </a:solidFill>
-            </a:endParaRPr>
+          <a:bodyPr/>
+          <a:lstStyle/>
+          <a:p>
+            <a:r>
+              <a:rPr lang="en-US" dirty="0" smtClean="0"/>
+              <a:t>window splits</a:t>
+            </a:r>
+            <a:endParaRPr lang="en-US" dirty="0"/>
+          </a:p>
+        </p:txBody>
+      </p:sp>
+      <p:sp>
+        <p:nvSpPr>
+          <p:cNvPr id="3" name="Content Placeholder 2"/>
+          <p:cNvSpPr>
+            <a:spLocks noGrp="1"/>
+          </p:cNvSpPr>
+          <p:nvPr>
+            <p:ph idx="1"/>
+          </p:nvPr>
+        </p:nvSpPr>
+        <p:spPr/>
+        <p:txBody>
+          <a:bodyPr/>
+          <a:lstStyle/>
+          <a:p>
+            <a:r>
+              <a:rPr lang="en-US" dirty="0" smtClean="0"/>
+              <a:t>the :help command split the window</a:t>
+            </a:r>
+          </a:p>
+          <a:p>
+            <a:endParaRPr lang="en-US" dirty="0"/>
+          </a:p>
+          <a:p>
+            <a:r>
+              <a:rPr lang="en-US" dirty="0" smtClean="0"/>
+              <a:t>we’ll learn more about this later</a:t>
+            </a:r>
+          </a:p>
+          <a:p>
+            <a:endParaRPr lang="en-US" dirty="0"/>
+          </a:p>
+          <a:p>
+            <a:r>
+              <a:rPr lang="en-US" dirty="0" smtClean="0"/>
+              <a:t>for now, know that :q closes it</a:t>
+            </a:r>
+            <a:endParaRPr lang="en-US" dirty="0"/>
           </a:p>
         </p:txBody>
       </p:sp>
     </p:spTree>
     <p:extLst>
       <p:ext uri="{BB962C8B-B14F-4D97-AF65-F5344CB8AC3E}">
-        <p14:creationId xmlns:p14="http://schemas.microsoft.com/office/powerpoint/2010/main" val="1111465526"/>
+        <p14:creationId xmlns:p14="http://schemas.microsoft.com/office/powerpoint/2010/main" val="2524525004"/>
       </p:ext>
     </p:extLst>
   </p:cSld>
   <p:clrMapOvr>
     <a:masterClrMapping/>
   </p:clrMapOvr>
-  <p:timing>
-    <p:tnLst>
-      <p:par>
-        <p:cTn id="1" dur="indefinite" restart="never" nodeType="tmRoot"/>
-      </p:par>
-    </p:tnLst>
-  </p:timing>
 </p:sld>
 </file>
 
@@ -6186,18 +6288,10 @@
           <a:lstStyle/>
           <a:p>
             <a:r>
-              <a:rPr lang="en-US" dirty="0" smtClean="0">
-                <a:solidFill>
-                  <a:schemeClr val="accent1"/>
-                </a:solidFill>
-              </a:rPr>
-              <a:t>what?</a:t>
-            </a:r>
-            <a:endParaRPr lang="en-US" dirty="0">
-              <a:solidFill>
-                <a:schemeClr val="accent1"/>
-              </a:solidFill>
-            </a:endParaRPr>
+              <a:rPr lang="en-US" dirty="0" smtClean="0"/>
+              <a:t>editing</a:t>
+            </a:r>
+            <a:endParaRPr lang="en-US" dirty="0"/>
           </a:p>
         </p:txBody>
       </p:sp>
@@ -6214,42 +6308,41 @@
         <p:spPr/>
         <p:txBody>
           <a:bodyPr>
-            <a:normAutofit/>
+            <a:normAutofit fontScale="92500" lnSpcReduction="10000"/>
           </a:bodyPr>
           <a:lstStyle/>
           <a:p>
             <a:r>
               <a:rPr lang="en-US" dirty="0" smtClean="0"/>
-              <a:t>vim is a muscle memory</a:t>
-            </a:r>
-          </a:p>
-          <a:p>
-            <a:endParaRPr lang="en-US" dirty="0"/>
-          </a:p>
-          <a:p>
-            <a:r>
-              <a:rPr lang="en-US" dirty="0" smtClean="0"/>
-              <a:t>can use arrow keys but </a:t>
-            </a:r>
-            <a:r>
-              <a:rPr lang="en-US" dirty="0" err="1" smtClean="0"/>
-              <a:t>i’m</a:t>
-            </a:r>
-            <a:r>
-              <a:rPr lang="en-US" dirty="0" smtClean="0"/>
-              <a:t> lazy</a:t>
-            </a:r>
-          </a:p>
-          <a:p>
-            <a:endParaRPr lang="en-US" dirty="0"/>
-          </a:p>
-          <a:p>
-            <a:r>
-              <a:rPr lang="en-US" dirty="0" smtClean="0"/>
-              <a:t>trust in the vim - it’ll be faster</a:t>
-            </a:r>
-          </a:p>
-          <a:p>
+              <a:t>x – delete char under cursor</a:t>
+            </a:r>
+          </a:p>
+          <a:p>
+            <a:endParaRPr lang="en-US" dirty="0"/>
+          </a:p>
+          <a:p>
+            <a:r>
+              <a:rPr lang="en-US" dirty="0" smtClean="0"/>
+              <a:t>r{char} – replace char under cursor with {char}</a:t>
+            </a:r>
+          </a:p>
+          <a:p>
+            <a:endParaRPr lang="en-US" dirty="0" smtClean="0"/>
+          </a:p>
+          <a:p>
+            <a:r>
+              <a:rPr lang="en-US" dirty="0" smtClean="0"/>
+              <a:t>R – replace multiple characters, starting with char under cursor</a:t>
+            </a:r>
+          </a:p>
+          <a:p>
+            <a:endParaRPr lang="en-US" dirty="0"/>
+          </a:p>
+          <a:p>
+            <a:r>
+              <a:rPr lang="en-US" dirty="0" smtClean="0"/>
+              <a:t>. – repeat last command</a:t>
+            </a:r>
             <a:endParaRPr lang="en-US" dirty="0"/>
           </a:p>
         </p:txBody>
@@ -6257,20 +6350,13 @@
     </p:spTree>
     <p:extLst>
       <p:ext uri="{BB962C8B-B14F-4D97-AF65-F5344CB8AC3E}">
-        <p14:creationId xmlns:p14="http://schemas.microsoft.com/office/powerpoint/2010/main" val="2353730274"/>
+        <p14:creationId xmlns:p14="http://schemas.microsoft.com/office/powerpoint/2010/main" val="3664906790"/>
       </p:ext>
     </p:extLst>
   </p:cSld>
   <p:clrMapOvr>
     <a:masterClrMapping/>
   </p:clrMapOvr>
-  <p:timing>
-    <p:tnLst>
-      <p:par>
-        <p:cTn id="1" dur="indefinite" restart="never" nodeType="tmRoot"/>
-      </p:par>
-    </p:tnLst>
-  </p:timing>
 </p:sld>
 </file>
 
@@ -6307,18 +6393,10 @@
           <a:lstStyle/>
           <a:p>
             <a:r>
-              <a:rPr lang="en-US" dirty="0" smtClean="0">
-                <a:solidFill>
-                  <a:schemeClr val="accent2"/>
-                </a:solidFill>
-              </a:rPr>
-              <a:t>insert mode</a:t>
-            </a:r>
-            <a:endParaRPr lang="en-US" dirty="0">
-              <a:solidFill>
-                <a:schemeClr val="accent2"/>
-              </a:solidFill>
-            </a:endParaRPr>
+              <a:rPr lang="en-US" dirty="0" smtClean="0"/>
+              <a:t>new lines</a:t>
+            </a:r>
+            <a:endParaRPr lang="en-US" dirty="0"/>
           </a:p>
         </p:txBody>
       </p:sp>
@@ -6332,116 +6410,38 @@
             <p:ph idx="1"/>
           </p:nvPr>
         </p:nvSpPr>
-        <p:spPr>
-          <a:xfrm>
-            <a:off x="457200" y="1600200"/>
-            <a:ext cx="8229600" cy="4800600"/>
-          </a:xfrm>
-        </p:spPr>
-        <p:txBody>
-          <a:bodyPr>
-            <a:normAutofit/>
-          </a:bodyPr>
-          <a:lstStyle/>
-          <a:p>
-            <a:r>
-              <a:rPr lang="en-US" dirty="0" err="1" smtClean="0"/>
-              <a:t>i</a:t>
-            </a:r>
-            <a:r>
-              <a:rPr lang="en-US" dirty="0" smtClean="0"/>
-              <a:t> - insert </a:t>
-            </a:r>
-            <a:r>
-              <a:rPr lang="en-US" dirty="0" smtClean="0">
-                <a:solidFill>
-                  <a:schemeClr val="accent1"/>
-                </a:solidFill>
-              </a:rPr>
-              <a:t>before</a:t>
-            </a:r>
-            <a:r>
-              <a:rPr lang="en-US" dirty="0" smtClean="0"/>
-              <a:t> cursor</a:t>
-            </a:r>
-          </a:p>
-          <a:p>
-            <a:endParaRPr lang="en-US" dirty="0" smtClean="0"/>
-          </a:p>
-          <a:p>
-            <a:pPr marL="0" indent="0">
-              <a:buNone/>
-            </a:pPr>
-            <a:r>
-              <a:rPr lang="en-US" dirty="0" smtClean="0"/>
-              <a:t>  type in whatever you’d like</a:t>
-            </a:r>
-          </a:p>
-          <a:p>
-            <a:endParaRPr lang="en-US" dirty="0" smtClean="0"/>
-          </a:p>
-          <a:p>
-            <a:pPr marL="0" indent="0">
-              <a:buNone/>
-            </a:pPr>
-            <a:r>
-              <a:rPr lang="en-US" dirty="0" smtClean="0"/>
-              <a:t>  &lt;ESC&gt; to get back to normal mode</a:t>
-            </a:r>
-          </a:p>
-          <a:p>
-            <a:endParaRPr lang="en-US" dirty="0" smtClean="0"/>
-          </a:p>
-          <a:p>
-            <a:pPr marL="0" indent="0">
-              <a:buNone/>
-            </a:pPr>
-            <a:r>
-              <a:rPr lang="en-US" sz="2000" dirty="0" smtClean="0">
-                <a:solidFill>
-                  <a:schemeClr val="accent4"/>
-                </a:solidFill>
-              </a:rPr>
-              <a:t>get used to hitting &lt;ESC&gt; after editing text</a:t>
-            </a:r>
-          </a:p>
-          <a:p>
-            <a:pPr marL="0" indent="0">
-              <a:buNone/>
-            </a:pPr>
-            <a:r>
-              <a:rPr lang="en-US" sz="2000" dirty="0" smtClean="0">
-                <a:solidFill>
-                  <a:schemeClr val="accent4"/>
-                </a:solidFill>
-              </a:rPr>
-              <a:t>you’ll always end in normal mode</a:t>
-            </a:r>
-            <a:endParaRPr lang="en-US" sz="2000" dirty="0">
-              <a:solidFill>
-                <a:schemeClr val="accent4"/>
-              </a:solidFill>
-            </a:endParaRPr>
+        <p:spPr/>
+        <p:txBody>
+          <a:bodyPr/>
+          <a:lstStyle/>
+          <a:p>
+            <a:r>
+              <a:rPr lang="en-US" dirty="0" smtClean="0"/>
+              <a:t>o – insert new line below current</a:t>
+            </a:r>
+          </a:p>
+          <a:p>
+            <a:endParaRPr lang="en-US" dirty="0"/>
+          </a:p>
+          <a:p>
+            <a:r>
+              <a:rPr lang="en-US" dirty="0" smtClean="0"/>
+              <a:t>O – insert new line after current</a:t>
+            </a:r>
+            <a:endParaRPr lang="en-US" dirty="0"/>
           </a:p>
         </p:txBody>
       </p:sp>
     </p:spTree>
     <p:extLst>
       <p:ext uri="{BB962C8B-B14F-4D97-AF65-F5344CB8AC3E}">
-        <p14:creationId xmlns:p14="http://schemas.microsoft.com/office/powerpoint/2010/main" val="2913058544"/>
+        <p14:creationId xmlns:p14="http://schemas.microsoft.com/office/powerpoint/2010/main" val="1711738944"/>
       </p:ext>
     </p:extLst>
   </p:cSld>
   <p:clrMapOvr>
     <a:masterClrMapping/>
   </p:clrMapOvr>
-  <p:timing>
-    <p:tnLst>
-      <p:par>
-        <p:cTn id="1" dur="indefinite" restart="never" nodeType="tmRoot"/>
-      </p:par>
-    </p:tnLst>
-  </p:timing>
 </p:sld>
 </file>
 
@@ -6479,7 +6479,7 @@
           <a:p>
             <a:r>
               <a:rPr lang="en-US" dirty="0" smtClean="0"/>
-              <a:t>insert mode</a:t>
+              <a:t>writing file</a:t>
             </a:r>
             <a:endParaRPr lang="en-US" dirty="0"/>
           </a:p>
@@ -6495,12 +6495,7 @@
             <p:ph idx="1"/>
           </p:nvPr>
         </p:nvSpPr>
-        <p:spPr>
-          <a:xfrm>
-            <a:off x="457200" y="1600200"/>
-            <a:ext cx="8229600" cy="4800600"/>
-          </a:xfrm>
-        </p:spPr>
+        <p:spPr/>
         <p:txBody>
           <a:bodyPr>
             <a:normAutofit/>
@@ -6508,60 +6503,26 @@
           <a:lstStyle/>
           <a:p>
             <a:r>
-              <a:rPr lang="en-US" dirty="0" err="1" smtClean="0"/>
-              <a:t>i</a:t>
-            </a:r>
-            <a:r>
-              <a:rPr lang="en-US" dirty="0" smtClean="0"/>
-              <a:t> - insert </a:t>
-            </a:r>
-            <a:r>
-              <a:rPr lang="en-US" dirty="0" smtClean="0">
-                <a:solidFill>
-                  <a:schemeClr val="accent1"/>
-                </a:solidFill>
-              </a:rPr>
-              <a:t>before</a:t>
-            </a:r>
-            <a:r>
-              <a:rPr lang="en-US" dirty="0" smtClean="0"/>
-              <a:t> cursor</a:t>
-            </a:r>
-          </a:p>
-          <a:p>
-            <a:r>
-              <a:rPr lang="en-US" dirty="0" smtClean="0"/>
-              <a:t>a – insert </a:t>
-            </a:r>
-            <a:r>
-              <a:rPr lang="en-US" dirty="0" smtClean="0">
-                <a:solidFill>
-                  <a:schemeClr val="accent3"/>
-                </a:solidFill>
-              </a:rPr>
-              <a:t>after</a:t>
-            </a:r>
-            <a:r>
-              <a:rPr lang="en-US" dirty="0" smtClean="0"/>
-              <a:t> cursor</a:t>
-            </a:r>
-          </a:p>
-          <a:p>
-            <a:endParaRPr lang="en-US" dirty="0" smtClean="0"/>
-          </a:p>
-          <a:p>
-            <a:endParaRPr lang="en-US" dirty="0" smtClean="0"/>
-          </a:p>
-          <a:p>
-            <a:r>
-              <a:rPr lang="en-US" dirty="0" smtClean="0"/>
-              <a:t>I – insert at start of line</a:t>
-            </a:r>
-          </a:p>
-          <a:p>
-            <a:r>
-              <a:rPr lang="en-US" dirty="0" smtClean="0"/>
-              <a:t>A – append to end of line</a:t>
+              <a:rPr lang="en-US" dirty="0" smtClean="0"/>
+              <a:t>we made some changes we want to save</a:t>
+            </a:r>
+          </a:p>
+          <a:p>
+            <a:endParaRPr lang="en-US" dirty="0"/>
+          </a:p>
+          <a:p>
+            <a:r>
+              <a:rPr lang="en-US" dirty="0" smtClean="0"/>
+              <a:t>:w writes the file</a:t>
+            </a:r>
+          </a:p>
+          <a:p>
+            <a:endParaRPr lang="en-US" dirty="0"/>
+          </a:p>
+          <a:p>
+            <a:r>
+              <a:rPr lang="en-US" dirty="0" smtClean="0"/>
+              <a:t>if not in normal mode, :w’s may appear in your file!</a:t>
             </a:r>
           </a:p>
         </p:txBody>
@@ -6569,20 +6530,13 @@
     </p:spTree>
     <p:extLst>
       <p:ext uri="{BB962C8B-B14F-4D97-AF65-F5344CB8AC3E}">
-        <p14:creationId xmlns:p14="http://schemas.microsoft.com/office/powerpoint/2010/main" val="1772528704"/>
+        <p14:creationId xmlns:p14="http://schemas.microsoft.com/office/powerpoint/2010/main" val="2905576294"/>
       </p:ext>
     </p:extLst>
   </p:cSld>
   <p:clrMapOvr>
     <a:masterClrMapping/>
   </p:clrMapOvr>
-  <p:timing>
-    <p:tnLst>
-      <p:par>
-        <p:cTn id="1" dur="indefinite" restart="never" nodeType="tmRoot"/>
-      </p:par>
-    </p:tnLst>
-  </p:timing>
 </p:sld>
 </file>
 
@@ -6613,21 +6567,16 @@
             <p:ph type="title"/>
           </p:nvPr>
         </p:nvSpPr>
-        <p:spPr>
-          <a:xfrm>
-            <a:off x="228600" y="274638"/>
-            <a:ext cx="8686800" cy="1143000"/>
-          </a:xfrm>
-        </p:spPr>
-        <p:txBody>
-          <a:bodyPr/>
-          <a:lstStyle/>
-          <a:p>
-            <a:r>
-              <a:rPr lang="en-US" sz="7200" dirty="0" smtClean="0"/>
-              <a:t>see the pattern?</a:t>
-            </a:r>
-            <a:endParaRPr lang="en-US" sz="7200" dirty="0"/>
+        <p:spPr/>
+        <p:txBody>
+          <a:bodyPr/>
+          <a:lstStyle/>
+          <a:p>
+            <a:r>
+              <a:rPr lang="en-US" dirty="0" smtClean="0"/>
+              <a:t>commands</a:t>
+            </a:r>
+            <a:endParaRPr lang="en-US" dirty="0"/>
           </a:p>
         </p:txBody>
       </p:sp>
@@ -6650,34 +6599,70 @@
           <a:p>
             <a:r>
               <a:rPr lang="en-US" dirty="0" smtClean="0"/>
-              <a:t>a letter does something</a:t>
-            </a:r>
-          </a:p>
-          <a:p>
+              <a:t>from normal mode, type :</a:t>
+            </a:r>
+          </a:p>
+          <a:p>
+            <a:pPr lvl="1"/>
+            <a:r>
+              <a:rPr lang="en-US" dirty="0" smtClean="0"/>
+              <a:t>:w - write</a:t>
+            </a:r>
+          </a:p>
+          <a:p>
+            <a:pPr lvl="1"/>
+            <a:r>
+              <a:rPr lang="en-US" dirty="0" smtClean="0"/>
+              <a:t>:q - quit</a:t>
+            </a:r>
+          </a:p>
+          <a:p>
+            <a:pPr lvl="1"/>
+            <a:r>
+              <a:rPr lang="en-US" dirty="0" smtClean="0"/>
+              <a:t>:e – edit (without arguments reloads current file</a:t>
+            </a:r>
+            <a:r>
+              <a:rPr lang="en-US" dirty="0"/>
+              <a:t>)</a:t>
+            </a:r>
             <a:endParaRPr lang="en-US" dirty="0" smtClean="0"/>
           </a:p>
           <a:p>
-            <a:r>
-              <a:rPr lang="en-US" dirty="0" smtClean="0"/>
-              <a:t>shift modifies it in some way</a:t>
-            </a:r>
-          </a:p>
-          <a:p>
+            <a:pPr lvl="1"/>
+            <a:r>
+              <a:rPr lang="en-US" dirty="0" smtClean="0"/>
+              <a:t>append a ! to force the </a:t>
+            </a:r>
+            <a:r>
+              <a:rPr lang="en-US" dirty="0" smtClean="0"/>
+              <a:t>command</a:t>
+            </a:r>
+          </a:p>
+          <a:p>
+            <a:pPr lvl="1"/>
+            <a:r>
+              <a:rPr lang="en-US" dirty="0" smtClean="0"/>
+              <a:t>:</a:t>
+            </a:r>
+            <a:r>
+              <a:rPr lang="en-US" dirty="0" err="1" smtClean="0"/>
+              <a:t>wq</a:t>
+            </a:r>
+            <a:r>
+              <a:rPr lang="en-US" dirty="0" smtClean="0"/>
+              <a:t> is common</a:t>
+            </a:r>
             <a:endParaRPr lang="en-US" dirty="0" smtClean="0"/>
           </a:p>
           <a:p>
             <a:r>
               <a:rPr lang="en-US" dirty="0" smtClean="0"/>
-              <a:t>ctrl also modifies some keys</a:t>
-            </a:r>
-          </a:p>
-          <a:p>
-            <a:endParaRPr lang="en-US" dirty="0" smtClean="0"/>
-          </a:p>
-          <a:p>
-            <a:r>
-              <a:rPr lang="en-US" dirty="0" smtClean="0"/>
-              <a:t>vim is full of patterns</a:t>
+              <a:t>:</a:t>
+            </a:r>
+            <a:r>
+              <a:rPr lang="en-US" dirty="0" smtClean="0"/>
+              <a:t>help :e</a:t>
             </a:r>
           </a:p>
         </p:txBody>
@@ -6685,7 +6670,7 @@
     </p:spTree>
     <p:extLst>
       <p:ext uri="{BB962C8B-B14F-4D97-AF65-F5344CB8AC3E}">
-        <p14:creationId xmlns:p14="http://schemas.microsoft.com/office/powerpoint/2010/main" val="1570060829"/>
+        <p14:creationId xmlns:p14="http://schemas.microsoft.com/office/powerpoint/2010/main" val="2587255804"/>
       </p:ext>
     </p:extLst>
   </p:cSld>
@@ -6721,7 +6706,7 @@
       </p:grpSpPr>
       <p:sp>
         <p:nvSpPr>
-          <p:cNvPr id="2" name="Title 1"/>
+          <p:cNvPr id="5" name="Title 4"/>
           <p:cNvSpPr>
             <a:spLocks noGrp="1"/>
           </p:cNvSpPr>
@@ -6729,114 +6714,240 @@
             <p:ph type="title"/>
           </p:nvPr>
         </p:nvSpPr>
-        <p:spPr/>
-        <p:txBody>
-          <a:bodyPr/>
-          <a:lstStyle/>
-          <a:p>
-            <a:r>
-              <a:rPr lang="en-US" dirty="0" smtClean="0"/>
-              <a:t>TODO!</a:t>
-            </a:r>
-            <a:endParaRPr lang="en-US" dirty="0"/>
-          </a:p>
-        </p:txBody>
-      </p:sp>
-      <p:sp>
-        <p:nvSpPr>
-          <p:cNvPr id="3" name="Content Placeholder 2"/>
-          <p:cNvSpPr>
-            <a:spLocks noGrp="1"/>
-          </p:cNvSpPr>
-          <p:nvPr>
-            <p:ph idx="1"/>
-          </p:nvPr>
-        </p:nvSpPr>
-        <p:spPr/>
-        <p:txBody>
-          <a:bodyPr>
-            <a:normAutofit/>
+        <p:spPr>
+          <a:xfrm>
+            <a:off x="457200" y="304800"/>
+            <a:ext cx="8229600" cy="1143000"/>
+          </a:xfrm>
+        </p:spPr>
+        <p:txBody>
+          <a:bodyPr/>
+          <a:lstStyle/>
+          <a:p>
+            <a:r>
+              <a:rPr lang="en-US" dirty="0" smtClean="0"/>
+              <a:t>who am </a:t>
+            </a:r>
+            <a:r>
+              <a:rPr lang="en-US" dirty="0" err="1" smtClean="0"/>
+              <a:t>i</a:t>
+            </a:r>
+            <a:r>
+              <a:rPr lang="en-US" dirty="0" smtClean="0"/>
+              <a:t>?</a:t>
+            </a:r>
+            <a:endParaRPr lang="en-US" dirty="0"/>
+          </a:p>
+        </p:txBody>
+      </p:sp>
+      <p:sp>
+        <p:nvSpPr>
+          <p:cNvPr id="7" name="Rectangle 6"/>
+          <p:cNvSpPr/>
+          <p:nvPr/>
+        </p:nvSpPr>
+        <p:spPr>
+          <a:xfrm>
+            <a:off x="533400" y="4251204"/>
+            <a:ext cx="6974986" cy="584775"/>
+          </a:xfrm>
+          <a:prstGeom prst="rect">
+            <a:avLst/>
+          </a:prstGeom>
+        </p:spPr>
+        <p:txBody>
+          <a:bodyPr wrap="none">
+            <a:spAutoFit/>
           </a:bodyPr>
           <a:lstStyle/>
           <a:p>
-            <a:r>
-              <a:rPr lang="en-US" dirty="0" smtClean="0"/>
-              <a:t>Mention some of the most common commands – </a:t>
-            </a:r>
-            <a:r>
-              <a:rPr lang="en-US" dirty="0" err="1" smtClean="0"/>
-              <a:t>dw</a:t>
-            </a:r>
-            <a:r>
-              <a:rPr lang="en-US" dirty="0" smtClean="0"/>
-              <a:t>, </a:t>
-            </a:r>
-            <a:r>
-              <a:rPr lang="en-US" dirty="0" err="1" smtClean="0"/>
-              <a:t>cw</a:t>
-            </a:r>
-            <a:endParaRPr lang="en-US" dirty="0" smtClean="0"/>
-          </a:p>
-          <a:p>
-            <a:r>
-              <a:rPr lang="en-US" dirty="0" smtClean="0"/>
-              <a:t>There’s a ton of flexibility</a:t>
-            </a:r>
-          </a:p>
-          <a:p>
             <a:pPr lvl="1"/>
             <a:r>
-              <a:rPr lang="en-US" dirty="0" smtClean="0"/>
-              <a:t>3dk – delete 3 lines up</a:t>
-            </a:r>
-          </a:p>
-          <a:p>
-            <a:pPr lvl="1"/>
-            <a:r>
-              <a:rPr lang="en-US" dirty="0" smtClean="0"/>
-              <a:t>5,10dd – delete lines 5 thru 10</a:t>
-            </a:r>
-          </a:p>
-          <a:p>
-            <a:r>
-              <a:rPr lang="en-US" dirty="0" smtClean="0"/>
-              <a:t>o and O</a:t>
-            </a:r>
-          </a:p>
-          <a:p>
-            <a:r>
-              <a:rPr lang="en-US" dirty="0"/>
-              <a:t>aw and </a:t>
-            </a:r>
-            <a:r>
-              <a:rPr lang="en-US" dirty="0" err="1"/>
-              <a:t>iw</a:t>
-            </a:r>
-            <a:r>
-              <a:rPr lang="en-US" dirty="0"/>
-              <a:t> can be used with change, yank, </a:t>
-            </a:r>
-            <a:r>
-              <a:rPr lang="en-US" dirty="0" err="1"/>
-              <a:t>etc</a:t>
-            </a:r>
-            <a:endParaRPr lang="en-US" dirty="0"/>
-          </a:p>
-          <a:p>
-            <a:endParaRPr lang="en-US" dirty="0" smtClean="0"/>
+              <a:rPr lang="en-US" sz="3200" dirty="0" smtClean="0">
+                <a:solidFill>
+                  <a:schemeClr val="accent1"/>
+                </a:solidFill>
+              </a:rPr>
+              <a:t>ambitious software </a:t>
+            </a:r>
+            <a:r>
+              <a:rPr lang="en-US" sz="3200" dirty="0" smtClean="0">
+                <a:solidFill>
+                  <a:schemeClr val="accent1"/>
+                </a:solidFill>
+              </a:rPr>
+              <a:t>developer</a:t>
+            </a:r>
+            <a:endParaRPr lang="en-US" sz="3200" dirty="0">
+              <a:solidFill>
+                <a:schemeClr val="accent1"/>
+              </a:solidFill>
+            </a:endParaRPr>
+          </a:p>
+        </p:txBody>
+      </p:sp>
+      <p:sp>
+        <p:nvSpPr>
+          <p:cNvPr id="8" name="Rectangle 7"/>
+          <p:cNvSpPr/>
+          <p:nvPr/>
+        </p:nvSpPr>
+        <p:spPr>
+          <a:xfrm>
+            <a:off x="0" y="3050875"/>
+            <a:ext cx="5266185" cy="1200329"/>
+          </a:xfrm>
+          <a:prstGeom prst="rect">
+            <a:avLst/>
+          </a:prstGeom>
+        </p:spPr>
+        <p:txBody>
+          <a:bodyPr wrap="none">
+            <a:spAutoFit/>
+          </a:bodyPr>
+          <a:lstStyle/>
+          <a:p>
+            <a:r>
+              <a:rPr lang="en-US" sz="7200" dirty="0" err="1">
+                <a:solidFill>
+                  <a:schemeClr val="accent2"/>
+                </a:solidFill>
+              </a:rPr>
+              <a:t>k</a:t>
+            </a:r>
+            <a:r>
+              <a:rPr lang="en-US" sz="7200" dirty="0" err="1" smtClean="0">
+                <a:solidFill>
+                  <a:schemeClr val="accent2"/>
+                </a:solidFill>
+              </a:rPr>
+              <a:t>yle</a:t>
+            </a:r>
+            <a:r>
+              <a:rPr lang="en-US" sz="7200" dirty="0" smtClean="0">
+                <a:solidFill>
+                  <a:schemeClr val="accent2"/>
+                </a:solidFill>
+              </a:rPr>
+              <a:t> </a:t>
+            </a:r>
+            <a:r>
+              <a:rPr lang="en-US" sz="7200" dirty="0" err="1" smtClean="0">
+                <a:solidFill>
+                  <a:schemeClr val="accent2"/>
+                </a:solidFill>
+              </a:rPr>
+              <a:t>tolle</a:t>
+            </a:r>
+            <a:endParaRPr lang="en-US" sz="7200" dirty="0" smtClean="0">
+              <a:solidFill>
+                <a:schemeClr val="accent2"/>
+              </a:solidFill>
+            </a:endParaRPr>
+          </a:p>
+        </p:txBody>
+      </p:sp>
+      <p:sp>
+        <p:nvSpPr>
+          <p:cNvPr id="9" name="Rectangle 8"/>
+          <p:cNvSpPr/>
+          <p:nvPr/>
+        </p:nvSpPr>
+        <p:spPr>
+          <a:xfrm>
+            <a:off x="0" y="6508326"/>
+            <a:ext cx="1451038" cy="369332"/>
+          </a:xfrm>
+          <a:prstGeom prst="rect">
+            <a:avLst/>
+          </a:prstGeom>
+        </p:spPr>
+        <p:txBody>
+          <a:bodyPr wrap="none">
+            <a:spAutoFit/>
+          </a:bodyPr>
+          <a:lstStyle/>
+          <a:p>
+            <a:r>
+              <a:rPr lang="en-US" dirty="0" smtClean="0">
+                <a:solidFill>
+                  <a:schemeClr val="accent3"/>
+                </a:solidFill>
+              </a:rPr>
+              <a:t>@</a:t>
+            </a:r>
+            <a:r>
+              <a:rPr lang="en-US" dirty="0" err="1" smtClean="0">
+                <a:solidFill>
+                  <a:schemeClr val="accent3"/>
+                </a:solidFill>
+              </a:rPr>
+              <a:t>kyletolle</a:t>
+            </a:r>
+            <a:endParaRPr lang="en-US" dirty="0" smtClean="0">
+              <a:solidFill>
+                <a:schemeClr val="accent3"/>
+              </a:solidFill>
+            </a:endParaRPr>
+          </a:p>
+        </p:txBody>
+      </p:sp>
+      <p:sp>
+        <p:nvSpPr>
+          <p:cNvPr id="11" name="Rectangle 10"/>
+          <p:cNvSpPr/>
+          <p:nvPr/>
+        </p:nvSpPr>
+        <p:spPr>
+          <a:xfrm>
+            <a:off x="5413492" y="6498096"/>
+            <a:ext cx="3730508" cy="646331"/>
+          </a:xfrm>
+          <a:prstGeom prst="rect">
+            <a:avLst/>
+          </a:prstGeom>
+        </p:spPr>
+        <p:txBody>
+          <a:bodyPr wrap="none">
+            <a:spAutoFit/>
+          </a:bodyPr>
+          <a:lstStyle/>
+          <a:p>
+            <a:r>
+              <a:rPr lang="en-US" dirty="0" smtClean="0">
+                <a:solidFill>
+                  <a:schemeClr val="accent3"/>
+                </a:solidFill>
+              </a:rPr>
+              <a:t>https://github.com/kyletolle</a:t>
+            </a:r>
+          </a:p>
+          <a:p>
+            <a:endParaRPr lang="en-US" dirty="0" smtClean="0">
+              <a:solidFill>
+                <a:schemeClr val="accent3"/>
+              </a:solidFill>
+            </a:endParaRPr>
           </a:p>
         </p:txBody>
       </p:sp>
     </p:spTree>
     <p:extLst>
       <p:ext uri="{BB962C8B-B14F-4D97-AF65-F5344CB8AC3E}">
-        <p14:creationId xmlns:p14="http://schemas.microsoft.com/office/powerpoint/2010/main" val="3583106580"/>
+        <p14:creationId xmlns:p14="http://schemas.microsoft.com/office/powerpoint/2010/main" val="3638783891"/>
       </p:ext>
     </p:extLst>
   </p:cSld>
   <p:clrMapOvr>
     <a:masterClrMapping/>
   </p:clrMapOvr>
+  <p:timing>
+    <p:tnLst>
+      <p:par>
+        <p:cTn id="1" dur="indefinite" restart="never" nodeType="tmRoot"/>
+      </p:par>
+    </p:tnLst>
+  </p:timing>
 </p:sld>
 </file>
 
@@ -6873,10 +6984,10 @@
           <a:lstStyle/>
           <a:p>
             <a:r>
-              <a:rPr lang="en-US" sz="7200" dirty="0" smtClean="0"/>
-              <a:t>help is helpful</a:t>
-            </a:r>
-            <a:endParaRPr lang="en-US" sz="7200" dirty="0"/>
+              <a:rPr lang="en-US" dirty="0" smtClean="0"/>
+              <a:t>motions</a:t>
+            </a:r>
+            <a:endParaRPr lang="en-US" dirty="0"/>
           </a:p>
         </p:txBody>
       </p:sp>
@@ -6892,58 +7003,66 @@
         </p:nvSpPr>
         <p:spPr/>
         <p:txBody>
-          <a:bodyPr/>
-          <a:lstStyle/>
-          <a:p>
-            <a:r>
-              <a:rPr lang="en-US" dirty="0"/>
-              <a:t>type one of the following</a:t>
+          <a:bodyPr>
+            <a:normAutofit lnSpcReduction="10000"/>
+          </a:bodyPr>
+          <a:lstStyle/>
+          <a:p>
+            <a:r>
+              <a:rPr lang="en-US" dirty="0" smtClean="0"/>
+              <a:t>move around the file with certain motion keys</a:t>
             </a:r>
           </a:p>
           <a:p>
             <a:pPr lvl="1"/>
             <a:r>
-              <a:rPr lang="en-US" dirty="0"/>
-              <a:t>:help </a:t>
-            </a:r>
-            <a:r>
-              <a:rPr lang="en-US" dirty="0" err="1"/>
-              <a:t>i</a:t>
-            </a:r>
-            <a:endParaRPr lang="en-US" dirty="0"/>
+              <a:rPr lang="en-US" dirty="0" smtClean="0"/>
+              <a:t>w – start of next word</a:t>
+            </a:r>
           </a:p>
           <a:p>
             <a:pPr lvl="1"/>
-            <a:r>
-              <a:rPr lang="en-US" dirty="0"/>
-              <a:t>:help I</a:t>
-            </a:r>
-          </a:p>
-          <a:p>
             <a:endParaRPr lang="en-US" dirty="0" smtClean="0"/>
           </a:p>
           <a:p>
-            <a:r>
-              <a:rPr lang="en-US" dirty="0" smtClean="0"/>
-              <a:t>use :help to figure out what any key does</a:t>
-            </a:r>
-          </a:p>
-          <a:p>
-            <a:endParaRPr lang="en-US" dirty="0"/>
-          </a:p>
-          <a:p>
-            <a:r>
-              <a:rPr lang="en-US" dirty="0" smtClean="0"/>
-              <a:t>tab completion works here!</a:t>
-            </a:r>
-            <a:endParaRPr lang="en-US" dirty="0"/>
+            <a:pPr lvl="1"/>
+            <a:r>
+              <a:rPr lang="en-US" dirty="0" smtClean="0"/>
+              <a:t>e – end of this word</a:t>
+            </a:r>
+          </a:p>
+          <a:p>
+            <a:pPr lvl="1"/>
+            <a:endParaRPr lang="en-US" dirty="0" smtClean="0"/>
+          </a:p>
+          <a:p>
+            <a:pPr lvl="1"/>
+            <a:r>
+              <a:rPr lang="en-US" dirty="0" smtClean="0"/>
+              <a:t>b – back a </a:t>
+            </a:r>
+            <a:r>
+              <a:rPr lang="en-US" dirty="0" smtClean="0"/>
+              <a:t>word</a:t>
+            </a:r>
+          </a:p>
+          <a:p>
+            <a:pPr lvl="1"/>
+            <a:endParaRPr lang="en-US" dirty="0"/>
+          </a:p>
+          <a:p>
+            <a:r>
+              <a:rPr lang="en-US" dirty="0" smtClean="0"/>
+              <a:t>use help to find out what W,E,B do</a:t>
+            </a:r>
+            <a:endParaRPr lang="en-US" dirty="0" smtClean="0"/>
           </a:p>
         </p:txBody>
       </p:sp>
     </p:spTree>
     <p:extLst>
       <p:ext uri="{BB962C8B-B14F-4D97-AF65-F5344CB8AC3E}">
-        <p14:creationId xmlns:p14="http://schemas.microsoft.com/office/powerpoint/2010/main" val="3682792564"/>
+        <p14:creationId xmlns:p14="http://schemas.microsoft.com/office/powerpoint/2010/main" val="372988858"/>
       </p:ext>
     </p:extLst>
   </p:cSld>
@@ -6980,19 +7099,14 @@
             <p:ph type="title"/>
           </p:nvPr>
         </p:nvSpPr>
-        <p:spPr>
-          <a:xfrm>
-            <a:off x="76200" y="274638"/>
-            <a:ext cx="9067800" cy="1143000"/>
-          </a:xfrm>
-        </p:spPr>
-        <p:txBody>
-          <a:bodyPr/>
-          <a:lstStyle/>
-          <a:p>
-            <a:r>
-              <a:rPr lang="en-US" dirty="0" smtClean="0"/>
-              <a:t>window splits</a:t>
+        <p:spPr/>
+        <p:txBody>
+          <a:bodyPr/>
+          <a:lstStyle/>
+          <a:p>
+            <a:r>
+              <a:rPr lang="en-US" dirty="0" smtClean="0"/>
+              <a:t>more motions</a:t>
             </a:r>
             <a:endParaRPr lang="en-US" dirty="0"/>
           </a:p>
@@ -7013,28 +7127,43 @@
           <a:bodyPr/>
           <a:lstStyle/>
           <a:p>
-            <a:r>
-              <a:rPr lang="en-US" dirty="0" smtClean="0"/>
-              <a:t>the :help command split the window</a:t>
-            </a:r>
-          </a:p>
-          <a:p>
-            <a:endParaRPr lang="en-US" dirty="0"/>
-          </a:p>
-          <a:p>
-            <a:r>
-              <a:rPr lang="en-US" dirty="0" smtClean="0"/>
-              <a:t>we’ll learn more about this later</a:t>
-            </a:r>
-          </a:p>
-          <a:p>
-            <a:endParaRPr lang="en-US" dirty="0"/>
-          </a:p>
-          <a:p>
-            <a:r>
-              <a:rPr lang="en-US" dirty="0" smtClean="0"/>
-              <a:t>for now, know that :q closes it</a:t>
-            </a:r>
+            <a:pPr lvl="1"/>
+            <a:r>
+              <a:rPr lang="en-US" dirty="0"/>
+              <a:t>^ - start of text on this </a:t>
+            </a:r>
+            <a:r>
+              <a:rPr lang="en-US" dirty="0" smtClean="0"/>
+              <a:t>line</a:t>
+            </a:r>
+          </a:p>
+          <a:p>
+            <a:pPr lvl="1"/>
+            <a:endParaRPr lang="en-US" dirty="0"/>
+          </a:p>
+          <a:p>
+            <a:pPr lvl="1"/>
+            <a:r>
+              <a:rPr lang="en-US" dirty="0"/>
+              <a:t>$ - end of this </a:t>
+            </a:r>
+            <a:r>
+              <a:rPr lang="en-US" dirty="0" smtClean="0"/>
+              <a:t>line</a:t>
+            </a:r>
+          </a:p>
+          <a:p>
+            <a:pPr lvl="1"/>
+            <a:endParaRPr lang="en-US" dirty="0"/>
+          </a:p>
+          <a:p>
+            <a:pPr lvl="1"/>
+            <a:r>
+              <a:rPr lang="en-US" dirty="0"/>
+              <a:t>0 – very beginning of this line</a:t>
+            </a:r>
+          </a:p>
+          <a:p>
             <a:endParaRPr lang="en-US" dirty="0"/>
           </a:p>
         </p:txBody>
@@ -7042,7 +7171,7 @@
     </p:spTree>
     <p:extLst>
       <p:ext uri="{BB962C8B-B14F-4D97-AF65-F5344CB8AC3E}">
-        <p14:creationId xmlns:p14="http://schemas.microsoft.com/office/powerpoint/2010/main" val="2524525004"/>
+        <p14:creationId xmlns:p14="http://schemas.microsoft.com/office/powerpoint/2010/main" val="1516594609"/>
       </p:ext>
     </p:extLst>
   </p:cSld>
@@ -7086,9 +7215,12 @@
           <a:p>
             <a:r>
               <a:rPr lang="en-US" dirty="0" smtClean="0"/>
-              <a:t>writing file</a:t>
-            </a:r>
-            <a:endParaRPr lang="en-US" dirty="0"/>
+              <a:t>more </a:t>
+            </a:r>
+            <a:r>
+              <a:rPr lang="en-US" dirty="0"/>
+              <a:t>motions</a:t>
+            </a:r>
           </a:p>
         </p:txBody>
       </p:sp>
@@ -7109,35 +7241,54 @@
           </a:bodyPr>
           <a:lstStyle/>
           <a:p>
-            <a:r>
-              <a:rPr lang="en-US" dirty="0" smtClean="0"/>
-              <a:t>we made some changes we want to save</a:t>
-            </a:r>
-          </a:p>
-          <a:p>
-            <a:endParaRPr lang="en-US" dirty="0"/>
-          </a:p>
-          <a:p>
-            <a:r>
-              <a:rPr lang="en-US" dirty="0" smtClean="0"/>
-              <a:t>:w writes the file</a:t>
-            </a:r>
-          </a:p>
-          <a:p>
-            <a:endParaRPr lang="en-US" dirty="0"/>
-          </a:p>
-          <a:p>
-            <a:r>
-              <a:rPr lang="en-US" dirty="0" smtClean="0"/>
-              <a:t>if not in normal mode, :w’s may appear in your file!</a:t>
-            </a:r>
+            <a:pPr lvl="1"/>
+            <a:r>
+              <a:rPr lang="en-US" dirty="0" err="1" smtClean="0"/>
+              <a:t>gg</a:t>
+            </a:r>
+            <a:r>
+              <a:rPr lang="en-US" dirty="0" smtClean="0"/>
+              <a:t> – beginning of file</a:t>
+            </a:r>
+          </a:p>
+          <a:p>
+            <a:endParaRPr lang="en-US" dirty="0" smtClean="0"/>
+          </a:p>
+          <a:p>
+            <a:pPr lvl="1"/>
+            <a:r>
+              <a:rPr lang="en-US" dirty="0" smtClean="0"/>
+              <a:t>G – end of file</a:t>
+            </a:r>
+          </a:p>
+          <a:p>
+            <a:endParaRPr lang="en-US" dirty="0" smtClean="0"/>
+          </a:p>
+          <a:p>
+            <a:pPr lvl="1"/>
+            <a:r>
+              <a:rPr lang="en-US" dirty="0" err="1"/>
+              <a:t>h,j,k,l</a:t>
+            </a:r>
+            <a:r>
+              <a:rPr lang="en-US" dirty="0"/>
+              <a:t> </a:t>
+            </a:r>
+            <a:r>
+              <a:rPr lang="en-US" dirty="0" smtClean="0"/>
+              <a:t>are movements too</a:t>
+            </a:r>
+            <a:endParaRPr lang="en-US" dirty="0"/>
+          </a:p>
+          <a:p>
+            <a:endParaRPr lang="en-US" dirty="0" smtClean="0"/>
           </a:p>
         </p:txBody>
       </p:sp>
     </p:spTree>
     <p:extLst>
       <p:ext uri="{BB962C8B-B14F-4D97-AF65-F5344CB8AC3E}">
-        <p14:creationId xmlns:p14="http://schemas.microsoft.com/office/powerpoint/2010/main" val="2905576294"/>
+        <p14:creationId xmlns:p14="http://schemas.microsoft.com/office/powerpoint/2010/main" val="2442909035"/>
       </p:ext>
     </p:extLst>
   </p:cSld>
@@ -7181,9 +7332,12 @@
           <a:p>
             <a:r>
               <a:rPr lang="en-US" dirty="0" smtClean="0"/>
-              <a:t>commands</a:t>
-            </a:r>
-            <a:endParaRPr lang="en-US" dirty="0"/>
+              <a:t>more </a:t>
+            </a:r>
+            <a:r>
+              <a:rPr lang="en-US" dirty="0"/>
+              <a:t>motions</a:t>
+            </a:r>
           </a:p>
         </p:txBody>
       </p:sp>
@@ -7199,77 +7353,42 @@
         </p:nvSpPr>
         <p:spPr/>
         <p:txBody>
-          <a:bodyPr>
-            <a:normAutofit/>
-          </a:bodyPr>
-          <a:lstStyle/>
-          <a:p>
-            <a:r>
-              <a:rPr lang="en-US" dirty="0" smtClean="0"/>
-              <a:t>from normal mode, type :</a:t>
-            </a:r>
-          </a:p>
+          <a:bodyPr/>
+          <a:lstStyle/>
           <a:p>
             <a:pPr lvl="1"/>
             <a:r>
               <a:rPr lang="en-US" dirty="0" smtClean="0"/>
-              <a:t>:w - write</a:t>
+              <a:t>f{char} – moves cursor forward (right) to first occurrence of char</a:t>
             </a:r>
           </a:p>
           <a:p>
             <a:pPr lvl="1"/>
-            <a:r>
-              <a:rPr lang="en-US" dirty="0" smtClean="0"/>
-              <a:t>:q - quit</a:t>
-            </a:r>
+            <a:endParaRPr lang="en-US" dirty="0" smtClean="0"/>
           </a:p>
           <a:p>
             <a:pPr lvl="1"/>
             <a:r>
               <a:rPr lang="en-US" dirty="0" smtClean="0"/>
-              <a:t>:e – edit (without arguments reloads current file</a:t>
-            </a:r>
-            <a:r>
-              <a:rPr lang="en-US" dirty="0"/>
-              <a:t>)</a:t>
-            </a:r>
+              <a:t>F{char} – like f, but to the left</a:t>
+            </a:r>
+          </a:p>
+          <a:p>
+            <a:pPr lvl="1"/>
             <a:endParaRPr lang="en-US" dirty="0" smtClean="0"/>
-          </a:p>
-          <a:p>
-            <a:pPr lvl="1"/>
-            <a:r>
-              <a:rPr lang="en-US" dirty="0" smtClean="0"/>
-              <a:t>append a ! to force the command</a:t>
-            </a:r>
-          </a:p>
-          <a:p>
-            <a:endParaRPr lang="en-US" dirty="0" smtClean="0"/>
-          </a:p>
-          <a:p>
-            <a:r>
-              <a:rPr lang="en-US" dirty="0" smtClean="0"/>
-              <a:t>:help :e</a:t>
-            </a:r>
           </a:p>
         </p:txBody>
       </p:sp>
     </p:spTree>
     <p:extLst>
       <p:ext uri="{BB962C8B-B14F-4D97-AF65-F5344CB8AC3E}">
-        <p14:creationId xmlns:p14="http://schemas.microsoft.com/office/powerpoint/2010/main" val="2587255804"/>
+        <p14:creationId xmlns:p14="http://schemas.microsoft.com/office/powerpoint/2010/main" val="3273054452"/>
       </p:ext>
     </p:extLst>
   </p:cSld>
   <p:clrMapOvr>
     <a:masterClrMapping/>
   </p:clrMapOvr>
-  <p:timing>
-    <p:tnLst>
-      <p:par>
-        <p:cTn id="1" dur="indefinite" restart="never" nodeType="tmRoot"/>
-      </p:par>
-    </p:tnLst>
-  </p:timing>
 </p:sld>
 </file>
 
@@ -7307,9 +7426,12 @@
           <a:p>
             <a:r>
               <a:rPr lang="en-US" dirty="0" smtClean="0"/>
+              <a:t>more </a:t>
+            </a:r>
+            <a:r>
+              <a:rPr lang="en-US" dirty="0"/>
               <a:t>motions</a:t>
             </a:r>
-            <a:endParaRPr lang="en-US" dirty="0"/>
           </a:p>
         </p:txBody>
       </p:sp>
@@ -7328,16 +7450,10 @@
           <a:bodyPr/>
           <a:lstStyle/>
           <a:p>
-            <a:r>
-              <a:rPr lang="en-US" dirty="0" smtClean="0"/>
-              <a:t>move around the file with certain motion keys</a:t>
-            </a:r>
-          </a:p>
-          <a:p>
             <a:pPr lvl="1"/>
             <a:r>
               <a:rPr lang="en-US" dirty="0" smtClean="0"/>
-              <a:t>w – start of next word</a:t>
+              <a:t>t{char} – moves cursor forward just before first occurrence of char</a:t>
             </a:r>
           </a:p>
           <a:p>
@@ -7348,26 +7464,70 @@
             <a:pPr lvl="1"/>
             <a:r>
               <a:rPr lang="en-US" dirty="0" smtClean="0"/>
-              <a:t>e – end of this word</a:t>
+              <a:t>T{char} – like t, but to the left</a:t>
             </a:r>
           </a:p>
           <a:p>
             <a:pPr lvl="1"/>
-            <a:endParaRPr lang="en-US" dirty="0" smtClean="0"/>
+            <a:endParaRPr lang="en-US" dirty="0"/>
           </a:p>
           <a:p>
             <a:pPr lvl="1"/>
             <a:r>
               <a:rPr lang="en-US" dirty="0" smtClean="0"/>
-              <a:t>b – back a word</a:t>
-            </a:r>
+              <a:t>#; - repeat latest </a:t>
+            </a:r>
+            <a:r>
+              <a:rPr lang="en-US" dirty="0" err="1" smtClean="0"/>
+              <a:t>f,F,t,T</a:t>
+            </a:r>
+            <a:r>
+              <a:rPr lang="en-US" dirty="0" smtClean="0"/>
+              <a:t> # times </a:t>
+            </a:r>
+          </a:p>
+          <a:p>
+            <a:pPr lvl="1"/>
+            <a:endParaRPr lang="en-US" dirty="0"/>
+          </a:p>
+          <a:p>
+            <a:pPr lvl="1"/>
+            <a:r>
+              <a:rPr lang="en-US" dirty="0" smtClean="0"/>
+              <a:t>#, </a:t>
+            </a:r>
+            <a:r>
+              <a:rPr lang="en-US" dirty="0"/>
+              <a:t>- repeat latest </a:t>
+            </a:r>
+            <a:r>
+              <a:rPr lang="en-US" dirty="0" err="1"/>
+              <a:t>f,F,t,T</a:t>
+            </a:r>
+            <a:r>
+              <a:rPr lang="en-US" dirty="0"/>
+              <a:t> </a:t>
+            </a:r>
+            <a:r>
+              <a:rPr lang="en-US" dirty="0" smtClean="0"/>
+              <a:t># </a:t>
+            </a:r>
+            <a:r>
+              <a:rPr lang="en-US" dirty="0"/>
+              <a:t>times </a:t>
+            </a:r>
+            <a:r>
+              <a:rPr lang="en-US" dirty="0" smtClean="0"/>
+              <a:t>in opposite direction</a:t>
+            </a:r>
+            <a:endParaRPr lang="en-US" dirty="0"/>
           </a:p>
         </p:txBody>
       </p:sp>
     </p:spTree>
     <p:extLst>
       <p:ext uri="{BB962C8B-B14F-4D97-AF65-F5344CB8AC3E}">
-        <p14:creationId xmlns:p14="http://schemas.microsoft.com/office/powerpoint/2010/main" val="372988858"/>
+        <p14:creationId xmlns:p14="http://schemas.microsoft.com/office/powerpoint/2010/main" val="3915609093"/>
       </p:ext>
     </p:extLst>
   </p:cSld>
@@ -7410,68 +7570,75 @@
           <a:lstStyle/>
           <a:p>
             <a:r>
-              <a:rPr lang="en-US" dirty="0" smtClean="0"/>
-              <a:t>more </a:t>
-            </a:r>
+              <a:rPr lang="en-US" sz="8000" dirty="0" smtClean="0"/>
+              <a:t>bigger picture</a:t>
+            </a:r>
+            <a:endParaRPr lang="en-US" sz="8000" dirty="0"/>
+          </a:p>
+        </p:txBody>
+      </p:sp>
+      <p:sp>
+        <p:nvSpPr>
+          <p:cNvPr id="3" name="Content Placeholder 2"/>
+          <p:cNvSpPr>
+            <a:spLocks noGrp="1"/>
+          </p:cNvSpPr>
+          <p:nvPr>
+            <p:ph idx="1"/>
+          </p:nvPr>
+        </p:nvSpPr>
+        <p:spPr/>
+        <p:txBody>
+          <a:bodyPr>
+            <a:normAutofit/>
+          </a:bodyPr>
+          <a:lstStyle/>
+          <a:p>
+            <a:r>
+              <a:rPr lang="en-US" dirty="0" smtClean="0"/>
+              <a:t>pair motions with commands</a:t>
+            </a:r>
+          </a:p>
+          <a:p>
+            <a:endParaRPr lang="en-US" dirty="0" smtClean="0"/>
+          </a:p>
+          <a:p>
+            <a:r>
+              <a:rPr lang="en-US" dirty="0" smtClean="0"/>
+              <a:t>general formula is</a:t>
+            </a:r>
+          </a:p>
+          <a:p>
+            <a:pPr lvl="1"/>
+            <a:r>
+              <a:rPr lang="en-US" dirty="0" smtClean="0"/>
+              <a:t>#command{motion}</a:t>
+            </a:r>
+          </a:p>
+          <a:p>
+            <a:pPr lvl="2"/>
+            <a:r>
+              <a:rPr lang="en-US" dirty="0" smtClean="0"/>
+              <a:t>perform the command this many times</a:t>
+            </a:r>
+          </a:p>
+          <a:p>
+            <a:pPr lvl="2"/>
             <a:r>
               <a:rPr lang="en-US" dirty="0"/>
-              <a:t>motions</a:t>
-            </a:r>
-          </a:p>
-        </p:txBody>
-      </p:sp>
-      <p:sp>
-        <p:nvSpPr>
-          <p:cNvPr id="3" name="Content Placeholder 2"/>
-          <p:cNvSpPr>
-            <a:spLocks noGrp="1"/>
-          </p:cNvSpPr>
-          <p:nvPr>
-            <p:ph idx="1"/>
-          </p:nvPr>
-        </p:nvSpPr>
-        <p:spPr/>
-        <p:txBody>
-          <a:bodyPr/>
-          <a:lstStyle/>
-          <a:p>
-            <a:pPr lvl="1"/>
-            <a:r>
-              <a:rPr lang="en-US" dirty="0"/>
-              <a:t>^ - start of text on this </a:t>
-            </a:r>
-            <a:r>
-              <a:rPr lang="en-US" dirty="0" smtClean="0"/>
-              <a:t>line</a:t>
-            </a:r>
-          </a:p>
-          <a:p>
-            <a:pPr lvl="1"/>
-            <a:endParaRPr lang="en-US" dirty="0"/>
-          </a:p>
-          <a:p>
-            <a:pPr lvl="1"/>
-            <a:r>
-              <a:rPr lang="en-US" dirty="0"/>
-              <a:t>$ - end of this </a:t>
-            </a:r>
-            <a:r>
-              <a:rPr lang="en-US" dirty="0" smtClean="0"/>
-              <a:t>line</a:t>
-            </a:r>
-          </a:p>
-          <a:p>
-            <a:pPr lvl="1"/>
-            <a:endParaRPr lang="en-US" dirty="0"/>
-          </a:p>
-          <a:p>
-            <a:pPr lvl="1"/>
-            <a:r>
-              <a:rPr lang="en-US" dirty="0"/>
-              <a:t>0 – very beginning of this line</a:t>
-            </a:r>
-          </a:p>
-          <a:p>
+              <a:t>w</a:t>
+            </a:r>
+            <a:r>
+              <a:rPr lang="en-US" dirty="0" smtClean="0"/>
+              <a:t>hat command to perform</a:t>
+            </a:r>
+          </a:p>
+          <a:p>
+            <a:pPr lvl="2"/>
+            <a:r>
+              <a:rPr lang="en-US" dirty="0" smtClean="0"/>
+              <a:t>what motion to perform the command over</a:t>
+            </a:r>
             <a:endParaRPr lang="en-US" dirty="0"/>
           </a:p>
         </p:txBody>
@@ -7479,7 +7646,7 @@
     </p:spTree>
     <p:extLst>
       <p:ext uri="{BB962C8B-B14F-4D97-AF65-F5344CB8AC3E}">
-        <p14:creationId xmlns:p14="http://schemas.microsoft.com/office/powerpoint/2010/main" val="1516594609"/>
+        <p14:creationId xmlns:p14="http://schemas.microsoft.com/office/powerpoint/2010/main" val="3337788353"/>
       </p:ext>
     </p:extLst>
   </p:cSld>
@@ -7523,12 +7690,9 @@
           <a:p>
             <a:r>
               <a:rPr lang="en-US" dirty="0" smtClean="0"/>
-              <a:t>more </a:t>
-            </a:r>
-            <a:r>
-              <a:rPr lang="en-US" dirty="0"/>
-              <a:t>motions</a:t>
-            </a:r>
+              <a:t>commands</a:t>
+            </a:r>
+            <a:endParaRPr lang="en-US" dirty="0"/>
           </a:p>
         </p:txBody>
       </p:sp>
@@ -7549,14 +7713,19 @@
           </a:bodyPr>
           <a:lstStyle/>
           <a:p>
+            <a:r>
+              <a:rPr lang="en-US" dirty="0" smtClean="0"/>
+              <a:t>manipulate text from normal mode</a:t>
+            </a:r>
+          </a:p>
+          <a:p>
+            <a:endParaRPr lang="en-US" dirty="0" smtClean="0"/>
+          </a:p>
+          <a:p>
             <a:pPr lvl="1"/>
             <a:r>
-              <a:rPr lang="en-US" dirty="0" err="1" smtClean="0"/>
-              <a:t>gg</a:t>
-            </a:r>
-            <a:r>
-              <a:rPr lang="en-US" dirty="0" smtClean="0"/>
-              <a:t> – beginning of file</a:t>
+              <a:rPr lang="en-US" dirty="0" smtClean="0"/>
+              <a:t>d{motion} – delete</a:t>
             </a:r>
           </a:p>
           <a:p>
@@ -7566,29 +7735,24 @@
             <a:pPr lvl="1"/>
             <a:r>
               <a:rPr lang="en-US" dirty="0" smtClean="0"/>
-              <a:t>G – end of file</a:t>
+              <a:t>c{motion} – change</a:t>
             </a:r>
           </a:p>
           <a:p>
             <a:endParaRPr lang="en-US" dirty="0" smtClean="0"/>
           </a:p>
           <a:p>
+            <a:r>
+              <a:rPr lang="en-US" dirty="0" smtClean="0"/>
+              <a:t>. repeats the last command</a:t>
+            </a:r>
+          </a:p>
+          <a:p>
             <a:pPr lvl="1"/>
             <a:r>
-              <a:rPr lang="en-US" dirty="0" err="1"/>
-              <a:t>h,j,k,l</a:t>
-            </a:r>
-            <a:r>
-              <a:rPr lang="en-US" dirty="0"/>
-              <a:t> </a:t>
-            </a:r>
-            <a:r>
-              <a:rPr lang="en-US" dirty="0" smtClean="0"/>
-              <a:t>are movements too</a:t>
-            </a:r>
-            <a:endParaRPr lang="en-US" dirty="0"/>
-          </a:p>
-          <a:p>
+              <a:rPr lang="en-US" dirty="0" smtClean="0"/>
+              <a:t>feels good to be lazy!</a:t>
+            </a:r>
             <a:endParaRPr lang="en-US" dirty="0" smtClean="0"/>
           </a:p>
         </p:txBody>
@@ -7596,7 +7760,7 @@
     </p:spTree>
     <p:extLst>
       <p:ext uri="{BB962C8B-B14F-4D97-AF65-F5344CB8AC3E}">
-        <p14:creationId xmlns:p14="http://schemas.microsoft.com/office/powerpoint/2010/main" val="2442909035"/>
+        <p14:creationId xmlns:p14="http://schemas.microsoft.com/office/powerpoint/2010/main" val="1237100760"/>
       </p:ext>
     </p:extLst>
   </p:cSld>
@@ -7640,67 +7804,49 @@
           <a:p>
             <a:r>
               <a:rPr lang="en-US" dirty="0" smtClean="0"/>
-              <a:t>more </a:t>
-            </a:r>
+              <a:t>copy/paste</a:t>
+            </a:r>
+            <a:endParaRPr lang="en-US" dirty="0"/>
+          </a:p>
+        </p:txBody>
+      </p:sp>
+      <p:sp>
+        <p:nvSpPr>
+          <p:cNvPr id="3" name="Content Placeholder 2"/>
+          <p:cNvSpPr>
+            <a:spLocks noGrp="1"/>
+          </p:cNvSpPr>
+          <p:nvPr>
+            <p:ph idx="1"/>
+          </p:nvPr>
+        </p:nvSpPr>
+        <p:spPr/>
+        <p:txBody>
+          <a:bodyPr/>
+          <a:lstStyle/>
+          <a:p>
             <a:r>
               <a:rPr lang="en-US" dirty="0"/>
-              <a:t>motions</a:t>
-            </a:r>
-          </a:p>
-        </p:txBody>
-      </p:sp>
-      <p:sp>
-        <p:nvSpPr>
-          <p:cNvPr id="3" name="Content Placeholder 2"/>
-          <p:cNvSpPr>
-            <a:spLocks noGrp="1"/>
-          </p:cNvSpPr>
-          <p:nvPr>
-            <p:ph idx="1"/>
-          </p:nvPr>
-        </p:nvSpPr>
-        <p:spPr/>
-        <p:txBody>
-          <a:bodyPr/>
-          <a:lstStyle/>
-          <a:p>
-            <a:pPr lvl="1"/>
-            <a:r>
-              <a:rPr lang="en-US" dirty="0" smtClean="0"/>
-              <a:t>f{char} – moves cursor forward (right) to first occurrence of char</a:t>
-            </a:r>
-          </a:p>
-          <a:p>
-            <a:pPr lvl="1"/>
-            <a:endParaRPr lang="en-US" dirty="0" smtClean="0"/>
-          </a:p>
-          <a:p>
-            <a:pPr lvl="1"/>
-            <a:r>
-              <a:rPr lang="en-US" dirty="0" smtClean="0"/>
-              <a:t>F{char} – like f, but to the left</a:t>
-            </a:r>
-          </a:p>
-          <a:p>
-            <a:pPr lvl="1"/>
-            <a:endParaRPr lang="en-US" dirty="0" smtClean="0"/>
-          </a:p>
-          <a:p>
-            <a:pPr lvl="1"/>
-            <a:r>
-              <a:rPr lang="en-US" dirty="0" smtClean="0"/>
-              <a:t>t{char} – moves cursor forward just before first occurrence of char</a:t>
-            </a:r>
-          </a:p>
-          <a:p>
-            <a:pPr lvl="1"/>
-            <a:endParaRPr lang="en-US" dirty="0"/>
-          </a:p>
-          <a:p>
-            <a:pPr lvl="1"/>
-            <a:r>
-              <a:rPr lang="en-US" dirty="0" smtClean="0"/>
-              <a:t>T{char} – like t, but to the left</a:t>
+              <a:t>y{motion} – </a:t>
+            </a:r>
+            <a:r>
+              <a:rPr lang="en-US" dirty="0" smtClean="0"/>
+              <a:t>yank</a:t>
+            </a:r>
+          </a:p>
+          <a:p>
+            <a:endParaRPr lang="en-US" dirty="0"/>
+          </a:p>
+          <a:p>
+            <a:r>
+              <a:rPr lang="en-US" dirty="0" smtClean="0"/>
+              <a:t>p – paste after cursor</a:t>
+            </a:r>
+          </a:p>
+          <a:p>
+            <a:r>
+              <a:rPr lang="en-US" dirty="0" smtClean="0"/>
+              <a:t>P – paste before cursor</a:t>
             </a:r>
             <a:endParaRPr lang="en-US" dirty="0"/>
           </a:p>
@@ -7709,7 +7855,7 @@
     </p:spTree>
     <p:extLst>
       <p:ext uri="{BB962C8B-B14F-4D97-AF65-F5344CB8AC3E}">
-        <p14:creationId xmlns:p14="http://schemas.microsoft.com/office/powerpoint/2010/main" val="3273054452"/>
+        <p14:creationId xmlns:p14="http://schemas.microsoft.com/office/powerpoint/2010/main" val="1930338765"/>
       </p:ext>
     </p:extLst>
   </p:cSld>
@@ -7752,10 +7898,14 @@
           <a:lstStyle/>
           <a:p>
             <a:r>
-              <a:rPr lang="en-US" sz="8000" dirty="0" smtClean="0"/>
-              <a:t>bigger picture</a:t>
-            </a:r>
-            <a:endParaRPr lang="en-US" sz="8000" dirty="0"/>
+              <a:rPr lang="en-US" sz="6600" dirty="0" err="1" smtClean="0"/>
+              <a:t>linewise</a:t>
+            </a:r>
+            <a:r>
+              <a:rPr lang="en-US" sz="6600" dirty="0" smtClean="0"/>
+              <a:t> motions</a:t>
+            </a:r>
+            <a:endParaRPr lang="en-US" sz="6600" dirty="0"/>
           </a:p>
         </p:txBody>
       </p:sp>
@@ -7771,55 +7921,55 @@
         </p:nvSpPr>
         <p:spPr/>
         <p:txBody>
-          <a:bodyPr>
-            <a:normAutofit/>
-          </a:bodyPr>
-          <a:lstStyle/>
-          <a:p>
-            <a:r>
-              <a:rPr lang="en-US" dirty="0" smtClean="0"/>
-              <a:t>pair motions with commands</a:t>
-            </a:r>
-          </a:p>
-          <a:p>
-            <a:endParaRPr lang="en-US" dirty="0" smtClean="0"/>
-          </a:p>
-          <a:p>
-            <a:r>
-              <a:rPr lang="en-US" dirty="0" smtClean="0"/>
-              <a:t>general formula is</a:t>
+          <a:bodyPr/>
+          <a:lstStyle/>
+          <a:p>
+            <a:r>
+              <a:rPr lang="en-US" dirty="0" smtClean="0"/>
+              <a:t>work on whole line</a:t>
             </a:r>
           </a:p>
           <a:p>
             <a:pPr lvl="1"/>
             <a:r>
-              <a:rPr lang="en-US" dirty="0" smtClean="0"/>
-              <a:t>#command{motion}</a:t>
-            </a:r>
-          </a:p>
-          <a:p>
-            <a:pPr lvl="2"/>
-            <a:r>
-              <a:rPr lang="en-US" dirty="0" smtClean="0"/>
-              <a:t>perform the command this many times</a:t>
-            </a:r>
-          </a:p>
-          <a:p>
-            <a:pPr lvl="2"/>
-            <a:r>
-              <a:rPr lang="en-US" dirty="0"/>
-              <a:t>w</a:t>
-            </a:r>
-            <a:r>
-              <a:rPr lang="en-US" dirty="0" smtClean="0"/>
-              <a:t>hat command to perform</a:t>
-            </a:r>
-          </a:p>
-          <a:p>
-            <a:pPr lvl="2"/>
-            <a:r>
-              <a:rPr lang="en-US" dirty="0" smtClean="0"/>
-              <a:t>what motion to perform the command over</a:t>
+              <a:rPr lang="en-US" dirty="0" err="1" smtClean="0"/>
+              <a:t>dd</a:t>
+            </a:r>
+            <a:r>
+              <a:rPr lang="en-US" dirty="0" smtClean="0"/>
+              <a:t> - delete</a:t>
+            </a:r>
+          </a:p>
+          <a:p>
+            <a:pPr lvl="1"/>
+            <a:r>
+              <a:rPr lang="en-US" dirty="0" smtClean="0"/>
+              <a:t>cc - change</a:t>
+            </a:r>
+          </a:p>
+          <a:p>
+            <a:pPr lvl="1"/>
+            <a:r>
+              <a:rPr lang="en-US" dirty="0" err="1" smtClean="0"/>
+              <a:t>yy</a:t>
+            </a:r>
+            <a:r>
+              <a:rPr lang="en-US" dirty="0" smtClean="0"/>
+              <a:t> - yank</a:t>
+            </a:r>
+          </a:p>
+          <a:p>
+            <a:pPr lvl="1"/>
+            <a:r>
+              <a:rPr lang="en-US" dirty="0" smtClean="0"/>
+              <a:t>&gt;&gt; - indent</a:t>
+            </a:r>
+          </a:p>
+          <a:p>
+            <a:pPr lvl="1"/>
+            <a:r>
+              <a:rPr lang="en-US" dirty="0" smtClean="0"/>
+              <a:t>&lt;&lt; - de-indent</a:t>
             </a:r>
             <a:endParaRPr lang="en-US" dirty="0"/>
           </a:p>
@@ -7828,7 +7978,7 @@
     </p:spTree>
     <p:extLst>
       <p:ext uri="{BB962C8B-B14F-4D97-AF65-F5344CB8AC3E}">
-        <p14:creationId xmlns:p14="http://schemas.microsoft.com/office/powerpoint/2010/main" val="3337788353"/>
+        <p14:creationId xmlns:p14="http://schemas.microsoft.com/office/powerpoint/2010/main" val="328306012"/>
       </p:ext>
     </p:extLst>
   </p:cSld>
@@ -7871,10 +8021,10 @@
           <a:lstStyle/>
           <a:p>
             <a:r>
-              <a:rPr lang="en-US" dirty="0" smtClean="0"/>
-              <a:t>commands</a:t>
-            </a:r>
-            <a:endParaRPr lang="en-US" dirty="0"/>
+              <a:rPr lang="en-US" sz="6000" dirty="0" smtClean="0"/>
+              <a:t>a word, inner word</a:t>
+            </a:r>
+            <a:endParaRPr lang="en-US" sz="6000" dirty="0"/>
           </a:p>
         </p:txBody>
       </p:sp>
@@ -7891,44 +8041,94 @@
         <p:spPr/>
         <p:txBody>
           <a:bodyPr>
-            <a:normAutofit/>
+            <a:normAutofit fontScale="85000" lnSpcReduction="20000"/>
           </a:bodyPr>
           <a:lstStyle/>
           <a:p>
             <a:r>
               <a:rPr lang="en-US" dirty="0" smtClean="0"/>
-              <a:t>manipulate text from normal mode</a:t>
-            </a:r>
-          </a:p>
-          <a:p>
+              <a:t>d{motion} deletes from cursor to motion</a:t>
+            </a:r>
+          </a:p>
+          <a:p>
+            <a:endParaRPr lang="en-US" dirty="0"/>
+          </a:p>
+          <a:p>
+            <a:r>
+              <a:rPr lang="en-US" dirty="0" smtClean="0"/>
+              <a:t>there’s a way to work on whole word.</a:t>
+            </a:r>
+          </a:p>
+          <a:p>
+            <a:pPr lvl="1"/>
+            <a:r>
+              <a:rPr lang="en-US" dirty="0" smtClean="0"/>
+              <a:t>:help aw or :help </a:t>
+            </a:r>
+            <a:r>
+              <a:rPr lang="en-US" dirty="0" err="1" smtClean="0"/>
+              <a:t>iw</a:t>
+            </a:r>
             <a:endParaRPr lang="en-US" dirty="0" smtClean="0"/>
           </a:p>
           <a:p>
             <a:pPr lvl="1"/>
             <a:r>
               <a:rPr lang="en-US" dirty="0" smtClean="0"/>
-              <a:t>d{motion} – delete</a:t>
+              <a:t>part of a larger pattern, of course</a:t>
             </a:r>
           </a:p>
           <a:p>
             <a:endParaRPr lang="en-US" dirty="0" smtClean="0"/>
           </a:p>
           <a:p>
-            <a:pPr lvl="1"/>
-            <a:r>
-              <a:rPr lang="en-US" dirty="0" smtClean="0"/>
-              <a:t>c{motion} – change</a:t>
-            </a:r>
+            <a:r>
+              <a:rPr lang="en-US" dirty="0" err="1"/>
+              <a:t>daw</a:t>
+            </a:r>
+            <a:r>
+              <a:rPr lang="en-US" dirty="0"/>
+              <a:t> – delete a </a:t>
+            </a:r>
+            <a:r>
+              <a:rPr lang="en-US" dirty="0" smtClean="0"/>
+              <a:t>word - </a:t>
+            </a:r>
+            <a:r>
+              <a:rPr lang="en-US" dirty="0"/>
+              <a:t>also deletes whitespace </a:t>
+            </a:r>
+            <a:r>
+              <a:rPr lang="en-US" dirty="0" smtClean="0"/>
+              <a:t>following word</a:t>
+            </a:r>
+            <a:endParaRPr lang="en-US" dirty="0"/>
           </a:p>
           <a:p>
             <a:endParaRPr lang="en-US" dirty="0" smtClean="0"/>
+          </a:p>
+          <a:p>
+            <a:r>
+              <a:rPr lang="en-US" dirty="0" err="1" smtClean="0"/>
+              <a:t>diw</a:t>
+            </a:r>
+            <a:r>
+              <a:rPr lang="en-US" dirty="0" smtClean="0"/>
+              <a:t> – delete inner word - only deletes text; leaves whitespace</a:t>
+            </a:r>
+          </a:p>
+          <a:p>
+            <a:endParaRPr lang="en-US" dirty="0" smtClean="0"/>
+          </a:p>
+          <a:p>
+            <a:endParaRPr lang="en-US" dirty="0"/>
           </a:p>
         </p:txBody>
       </p:sp>
     </p:spTree>
     <p:extLst>
       <p:ext uri="{BB962C8B-B14F-4D97-AF65-F5344CB8AC3E}">
-        <p14:creationId xmlns:p14="http://schemas.microsoft.com/office/powerpoint/2010/main" val="1237100760"/>
+        <p14:creationId xmlns:p14="http://schemas.microsoft.com/office/powerpoint/2010/main" val="2352913784"/>
       </p:ext>
     </p:extLst>
   </p:cSld>
@@ -7971,10 +8171,18 @@
           <a:lstStyle/>
           <a:p>
             <a:r>
-              <a:rPr lang="en-US" dirty="0" smtClean="0"/>
-              <a:t>TODO!</a:t>
-            </a:r>
-            <a:endParaRPr lang="en-US" dirty="0"/>
+              <a:rPr lang="en-US" dirty="0" smtClean="0">
+                <a:solidFill>
+                  <a:schemeClr val="accent1"/>
+                </a:solidFill>
+              </a:rPr>
+              <a:t>what is vim?</a:t>
+            </a:r>
+            <a:endParaRPr lang="en-US" dirty="0">
+              <a:solidFill>
+                <a:schemeClr val="accent1"/>
+              </a:solidFill>
+            </a:endParaRPr>
           </a:p>
         </p:txBody>
       </p:sp>
@@ -7990,97 +8198,74 @@
         </p:nvSpPr>
         <p:spPr/>
         <p:txBody>
-          <a:bodyPr/>
-          <a:lstStyle/>
-          <a:p>
-            <a:r>
-              <a:rPr lang="en-US" dirty="0" smtClean="0"/>
-              <a:t>Mention </a:t>
-            </a:r>
+          <a:bodyPr>
+            <a:normAutofit/>
+          </a:bodyPr>
+          <a:lstStyle/>
+          <a:p>
+            <a:r>
+              <a:rPr lang="en-US" dirty="0" smtClean="0"/>
+              <a:t>highly configurable text editor</a:t>
+            </a:r>
+          </a:p>
+          <a:p>
+            <a:endParaRPr lang="en-US" dirty="0"/>
+          </a:p>
+          <a:p>
+            <a:r>
+              <a:rPr lang="en-US" dirty="0" smtClean="0"/>
+              <a:t>improved version of the vi editor</a:t>
+            </a:r>
+          </a:p>
+          <a:p>
+            <a:endParaRPr lang="en-US" dirty="0" smtClean="0"/>
+          </a:p>
+          <a:p>
+            <a:r>
+              <a:rPr lang="en-US" dirty="0" smtClean="0"/>
+              <a:t>perfect for lazy </a:t>
+            </a:r>
+            <a:r>
+              <a:rPr lang="en-US" dirty="0" err="1" smtClean="0"/>
+              <a:t>devs</a:t>
+            </a:r>
+            <a:endParaRPr lang="en-US" dirty="0" smtClean="0"/>
+          </a:p>
+          <a:p>
+            <a:endParaRPr lang="en-US" dirty="0"/>
+          </a:p>
+          <a:p>
             <a:r>
               <a:rPr lang="en-US" dirty="0"/>
-              <a:t>visual mode</a:t>
-            </a:r>
-          </a:p>
-          <a:p>
-            <a:pPr lvl="1"/>
-            <a:r>
-              <a:rPr lang="en-US" dirty="0"/>
-              <a:t>v-</a:t>
-            </a:r>
-            <a:r>
-              <a:rPr lang="en-US" dirty="0" err="1"/>
-              <a:t>character,V</a:t>
-            </a:r>
-            <a:r>
-              <a:rPr lang="en-US" dirty="0"/>
-              <a:t>-</a:t>
-            </a:r>
-            <a:r>
-              <a:rPr lang="en-US" dirty="0" err="1"/>
-              <a:t>line,Ctrl</a:t>
-            </a:r>
-            <a:r>
-              <a:rPr lang="en-US" dirty="0"/>
-              <a:t>-v-block</a:t>
-            </a:r>
-          </a:p>
-          <a:p>
-            <a:pPr lvl="1"/>
-            <a:r>
-              <a:rPr lang="en-US" dirty="0"/>
-              <a:t>Select text, then delete/yank/substitute only in selected </a:t>
-            </a:r>
-            <a:r>
-              <a:rPr lang="en-US" dirty="0" smtClean="0"/>
-              <a:t>area</a:t>
-            </a:r>
-          </a:p>
-          <a:p>
-            <a:r>
-              <a:rPr lang="en-US" dirty="0" smtClean="0"/>
-              <a:t>Ctrl-g to show file status</a:t>
-            </a:r>
-          </a:p>
-          <a:p>
-            <a:pPr lvl="1"/>
-            <a:r>
-              <a:rPr lang="en-US" dirty="0" smtClean="0"/>
-              <a:t>Can set this to show all the time</a:t>
-            </a:r>
-            <a:endParaRPr lang="en-US" dirty="0"/>
-          </a:p>
-          <a:p>
-            <a:r>
-              <a:rPr lang="en-US" dirty="0" smtClean="0"/>
-              <a:t>Searching – </a:t>
-            </a:r>
-            <a:r>
-              <a:rPr lang="en-US" dirty="0" err="1" smtClean="0"/>
-              <a:t>hlsearch</a:t>
-            </a:r>
-            <a:r>
-              <a:rPr lang="en-US" dirty="0" smtClean="0"/>
-              <a:t> to </a:t>
-            </a:r>
-            <a:r>
-              <a:rPr lang="en-US" dirty="0" err="1" smtClean="0"/>
-              <a:t>hilight</a:t>
-            </a:r>
-            <a:endParaRPr lang="en-US" dirty="0"/>
+              <a:t>m</a:t>
+            </a:r>
+            <a:r>
+              <a:rPr lang="en-US" dirty="0" smtClean="0"/>
+              <a:t>uscle memory maker</a:t>
+            </a:r>
+          </a:p>
+          <a:p>
+            <a:endParaRPr lang="en-US" dirty="0" smtClean="0"/>
           </a:p>
         </p:txBody>
       </p:sp>
     </p:spTree>
     <p:extLst>
       <p:ext uri="{BB962C8B-B14F-4D97-AF65-F5344CB8AC3E}">
-        <p14:creationId xmlns:p14="http://schemas.microsoft.com/office/powerpoint/2010/main" val="1545437029"/>
+        <p14:creationId xmlns:p14="http://schemas.microsoft.com/office/powerpoint/2010/main" val="2981442941"/>
       </p:ext>
     </p:extLst>
   </p:cSld>
   <p:clrMapOvr>
     <a:masterClrMapping/>
   </p:clrMapOvr>
+  <p:timing>
+    <p:tnLst>
+      <p:par>
+        <p:cTn id="1" dur="indefinite" restart="never" nodeType="tmRoot"/>
+      </p:par>
+    </p:tnLst>
+  </p:timing>
 </p:sld>
 </file>
 
@@ -8118,7 +8303,7 @@
           <a:p>
             <a:r>
               <a:rPr lang="en-US" dirty="0" smtClean="0"/>
-              <a:t>copy/paste</a:t>
+              <a:t>power</a:t>
             </a:r>
             <a:endParaRPr lang="en-US" dirty="0"/>
           </a:p>
@@ -8136,31 +8321,71 @@
         </p:nvSpPr>
         <p:spPr/>
         <p:txBody>
-          <a:bodyPr/>
-          <a:lstStyle/>
-          <a:p>
+          <a:bodyPr>
+            <a:normAutofit/>
+          </a:bodyPr>
+          <a:lstStyle/>
+          <a:p>
+            <a:r>
+              <a:rPr lang="en-US" dirty="0" smtClean="0"/>
+              <a:t>there’s </a:t>
+            </a:r>
             <a:r>
               <a:rPr lang="en-US" dirty="0"/>
-              <a:t>y{motion} – </a:t>
-            </a:r>
-            <a:r>
-              <a:rPr lang="en-US" dirty="0" smtClean="0"/>
-              <a:t>yank</a:t>
-            </a:r>
-          </a:p>
-          <a:p>
-            <a:endParaRPr lang="en-US" dirty="0"/>
-          </a:p>
-          <a:p>
-            <a:r>
-              <a:rPr lang="en-US" dirty="0" smtClean="0"/>
-              <a:t>p – paste after cursor</a:t>
-            </a:r>
-          </a:p>
-          <a:p>
-            <a:r>
-              <a:rPr lang="en-US" dirty="0" smtClean="0"/>
-              <a:t>P – paste before cursor</a:t>
+              <a:t>a ton </a:t>
+            </a:r>
+            <a:r>
+              <a:rPr lang="en-US" dirty="0" smtClean="0"/>
+              <a:t>of possibilities</a:t>
+            </a:r>
+            <a:endParaRPr lang="en-US" dirty="0"/>
+          </a:p>
+          <a:p>
+            <a:pPr lvl="1"/>
+            <a:endParaRPr lang="en-US" dirty="0" smtClean="0"/>
+          </a:p>
+          <a:p>
+            <a:pPr lvl="1"/>
+            <a:r>
+              <a:rPr lang="en-US" dirty="0" smtClean="0"/>
+              <a:t>3dk </a:t>
+            </a:r>
+            <a:r>
+              <a:rPr lang="en-US" dirty="0"/>
+              <a:t>– delete 3 lines </a:t>
+            </a:r>
+            <a:r>
+              <a:rPr lang="en-US" dirty="0" smtClean="0"/>
+              <a:t>up</a:t>
+            </a:r>
+          </a:p>
+          <a:p>
+            <a:pPr lvl="1"/>
+            <a:endParaRPr lang="en-US" dirty="0"/>
+          </a:p>
+          <a:p>
+            <a:pPr lvl="1"/>
+            <a:r>
+              <a:rPr lang="en-US" dirty="0" smtClean="0"/>
+              <a:t>5,10y – yank lines </a:t>
+            </a:r>
+            <a:r>
+              <a:rPr lang="en-US" dirty="0"/>
+              <a:t>5 </a:t>
+            </a:r>
+            <a:r>
+              <a:rPr lang="en-US" dirty="0" smtClean="0"/>
+              <a:t>through 10</a:t>
+            </a:r>
+          </a:p>
+          <a:p>
+            <a:pPr lvl="1"/>
+            <a:endParaRPr lang="en-US" dirty="0"/>
+          </a:p>
+          <a:p>
+            <a:r>
+              <a:rPr lang="en-US" dirty="0" smtClean="0"/>
+              <a:t>chaining commands can make you fast too</a:t>
             </a:r>
             <a:endParaRPr lang="en-US" dirty="0"/>
           </a:p>
@@ -8169,7 +8394,7 @@
     </p:spTree>
     <p:extLst>
       <p:ext uri="{BB962C8B-B14F-4D97-AF65-F5344CB8AC3E}">
-        <p14:creationId xmlns:p14="http://schemas.microsoft.com/office/powerpoint/2010/main" val="1930338765"/>
+        <p14:creationId xmlns:p14="http://schemas.microsoft.com/office/powerpoint/2010/main" val="3332347424"/>
       </p:ext>
     </p:extLst>
   </p:cSld>
@@ -8212,14 +8437,10 @@
           <a:lstStyle/>
           <a:p>
             <a:r>
-              <a:rPr lang="en-US" sz="6600" dirty="0" err="1" smtClean="0"/>
-              <a:t>linewise</a:t>
-            </a:r>
-            <a:r>
-              <a:rPr lang="en-US" sz="6600" dirty="0" smtClean="0"/>
-              <a:t> motions</a:t>
-            </a:r>
-            <a:endParaRPr lang="en-US" sz="6600" dirty="0"/>
+              <a:rPr lang="en-US" dirty="0" smtClean="0"/>
+              <a:t>autocomplete</a:t>
+            </a:r>
+            <a:endParaRPr lang="en-US" dirty="0"/>
           </a:p>
         </p:txBody>
       </p:sp>
@@ -8235,64 +8456,63 @@
         </p:nvSpPr>
         <p:spPr/>
         <p:txBody>
-          <a:bodyPr/>
-          <a:lstStyle/>
-          <a:p>
-            <a:r>
-              <a:rPr lang="en-US" dirty="0" smtClean="0"/>
-              <a:t>work on whole line</a:t>
+          <a:bodyPr>
+            <a:normAutofit lnSpcReduction="10000"/>
+          </a:bodyPr>
+          <a:lstStyle/>
+          <a:p>
+            <a:r>
+              <a:rPr lang="en-US" dirty="0" smtClean="0"/>
+              <a:t>in insert mode, type first part of word, then press</a:t>
             </a:r>
           </a:p>
           <a:p>
             <a:pPr lvl="1"/>
             <a:r>
+              <a:rPr lang="en-US" dirty="0" smtClean="0"/>
+              <a:t>Ctrl-n - insert next matching word</a:t>
+            </a:r>
+          </a:p>
+          <a:p>
+            <a:pPr lvl="1"/>
+            <a:r>
+              <a:rPr lang="en-US" dirty="0" smtClean="0"/>
+              <a:t>Ctrl-p – insert previous matching word</a:t>
+            </a:r>
+          </a:p>
+          <a:p>
+            <a:pPr lvl="1"/>
+            <a:endParaRPr lang="en-US" dirty="0"/>
+          </a:p>
+          <a:p>
+            <a:r>
+              <a:rPr lang="en-US" dirty="0" smtClean="0"/>
+              <a:t>repeat to cycle through matches</a:t>
+            </a:r>
+          </a:p>
+          <a:p>
+            <a:endParaRPr lang="en-US" dirty="0"/>
+          </a:p>
+          <a:p>
+            <a:r>
+              <a:rPr lang="en-US" dirty="0" smtClean="0"/>
+              <a:t>:help </a:t>
+            </a:r>
+            <a:r>
               <a:rPr lang="en-US" dirty="0" err="1" smtClean="0"/>
-              <a:t>dd</a:t>
-            </a:r>
-            <a:r>
-              <a:rPr lang="en-US" dirty="0" smtClean="0"/>
-              <a:t> - delete</a:t>
-            </a:r>
-          </a:p>
-          <a:p>
-            <a:pPr lvl="1"/>
-            <a:r>
-              <a:rPr lang="en-US" dirty="0" smtClean="0"/>
-              <a:t>cc - change</a:t>
-            </a:r>
-          </a:p>
-          <a:p>
-            <a:pPr lvl="1"/>
-            <a:r>
-              <a:rPr lang="en-US" dirty="0" err="1" smtClean="0"/>
-              <a:t>yy</a:t>
-            </a:r>
-            <a:r>
-              <a:rPr lang="en-US" dirty="0" smtClean="0"/>
-              <a:t> - yank</a:t>
-            </a:r>
-          </a:p>
-          <a:p>
-            <a:pPr lvl="1"/>
-            <a:r>
-              <a:rPr lang="en-US" dirty="0" smtClean="0"/>
-              <a:t>&gt;&gt; - indent</a:t>
-            </a:r>
-          </a:p>
-          <a:p>
-            <a:pPr lvl="1"/>
-            <a:r>
-              <a:rPr lang="en-US" dirty="0" smtClean="0"/>
-              <a:t>&lt;&lt; - de-indent</a:t>
-            </a:r>
-            <a:endParaRPr lang="en-US" dirty="0"/>
+              <a:t>i_ctrl</a:t>
+            </a:r>
+            <a:r>
+              <a:rPr lang="en-US" dirty="0" smtClean="0"/>
+              <a:t>-n</a:t>
+            </a:r>
           </a:p>
         </p:txBody>
       </p:sp>
     </p:spTree>
     <p:extLst>
       <p:ext uri="{BB962C8B-B14F-4D97-AF65-F5344CB8AC3E}">
-        <p14:creationId xmlns:p14="http://schemas.microsoft.com/office/powerpoint/2010/main" val="328306012"/>
+        <p14:creationId xmlns:p14="http://schemas.microsoft.com/office/powerpoint/2010/main" val="1571956809"/>
       </p:ext>
     </p:extLst>
   </p:cSld>
@@ -8335,10 +8555,10 @@
           <a:lstStyle/>
           <a:p>
             <a:r>
-              <a:rPr lang="en-US" sz="6000" dirty="0" smtClean="0"/>
-              <a:t>a word, inner word</a:t>
-            </a:r>
-            <a:endParaRPr lang="en-US" sz="6000" dirty="0"/>
+              <a:rPr lang="en-US" dirty="0" smtClean="0"/>
+              <a:t>oops</a:t>
+            </a:r>
+            <a:endParaRPr lang="en-US" dirty="0"/>
           </a:p>
         </p:txBody>
       </p:sp>
@@ -8355,94 +8575,36 @@
         <p:spPr/>
         <p:txBody>
           <a:bodyPr>
-            <a:normAutofit fontScale="85000" lnSpcReduction="20000"/>
+            <a:normAutofit/>
           </a:bodyPr>
           <a:lstStyle/>
           <a:p>
             <a:r>
               <a:rPr lang="en-US" dirty="0" smtClean="0"/>
-              <a:t>d{motion} deletes from cursor to motion</a:t>
-            </a:r>
-          </a:p>
-          <a:p>
-            <a:endParaRPr lang="en-US" dirty="0"/>
-          </a:p>
-          <a:p>
-            <a:r>
-              <a:rPr lang="en-US" dirty="0" smtClean="0"/>
-              <a:t>there’s a way to work on whole word.</a:t>
-            </a:r>
-          </a:p>
-          <a:p>
-            <a:pPr lvl="1"/>
-            <a:r>
-              <a:rPr lang="en-US" dirty="0" smtClean="0"/>
-              <a:t>:help aw or :help </a:t>
-            </a:r>
-            <a:r>
-              <a:rPr lang="en-US" dirty="0" err="1" smtClean="0"/>
-              <a:t>iw</a:t>
-            </a:r>
+              <a:t>u – undo</a:t>
+            </a:r>
+          </a:p>
+          <a:p>
+            <a:r>
+              <a:rPr lang="en-US" dirty="0" smtClean="0"/>
+              <a:t>U – undo all changes made to this line</a:t>
+            </a:r>
+          </a:p>
+          <a:p>
             <a:endParaRPr lang="en-US" dirty="0" smtClean="0"/>
           </a:p>
           <a:p>
-            <a:pPr lvl="1"/>
-            <a:r>
-              <a:rPr lang="en-US" dirty="0" smtClean="0"/>
-              <a:t>part of a larger pattern, of course</a:t>
-            </a:r>
-          </a:p>
-          <a:p>
-            <a:endParaRPr lang="en-US" dirty="0" smtClean="0"/>
-          </a:p>
-          <a:p>
-            <a:r>
-              <a:rPr lang="en-US" dirty="0" err="1"/>
-              <a:t>daw</a:t>
-            </a:r>
-            <a:r>
-              <a:rPr lang="en-US" dirty="0"/>
-              <a:t> – delete a </a:t>
-            </a:r>
-            <a:r>
-              <a:rPr lang="en-US" dirty="0" smtClean="0"/>
-              <a:t>word - </a:t>
-            </a:r>
-            <a:r>
-              <a:rPr lang="en-US" dirty="0"/>
-              <a:t>also deletes whitespace </a:t>
-            </a:r>
-            <a:r>
-              <a:rPr lang="en-US" dirty="0" smtClean="0"/>
-              <a:t>following word</a:t>
-            </a:r>
-            <a:endParaRPr lang="en-US" dirty="0"/>
-          </a:p>
-          <a:p>
-            <a:endParaRPr lang="en-US" dirty="0" smtClean="0"/>
-          </a:p>
-          <a:p>
-            <a:r>
-              <a:rPr lang="en-US" dirty="0" err="1" smtClean="0"/>
-              <a:t>diw</a:t>
-            </a:r>
-            <a:r>
-              <a:rPr lang="en-US" dirty="0" smtClean="0"/>
-              <a:t> – delete inner word - only deletes text; leaves whitespace</a:t>
-            </a:r>
-          </a:p>
-          <a:p>
-            <a:endParaRPr lang="en-US" dirty="0" smtClean="0"/>
-          </a:p>
-          <a:p>
-            <a:endParaRPr lang="en-US" dirty="0"/>
+            <a:r>
+              <a:rPr lang="en-US" dirty="0" smtClean="0"/>
+              <a:t>Ctrl-r – redo</a:t>
+            </a:r>
           </a:p>
         </p:txBody>
       </p:sp>
     </p:spTree>
     <p:extLst>
       <p:ext uri="{BB962C8B-B14F-4D97-AF65-F5344CB8AC3E}">
-        <p14:creationId xmlns:p14="http://schemas.microsoft.com/office/powerpoint/2010/main" val="2352913784"/>
+        <p14:creationId xmlns:p14="http://schemas.microsoft.com/office/powerpoint/2010/main" val="3176231640"/>
       </p:ext>
     </p:extLst>
   </p:cSld>
@@ -8485,10 +8647,10 @@
           <a:lstStyle/>
           <a:p>
             <a:r>
-              <a:rPr lang="en-US" dirty="0" smtClean="0"/>
-              <a:t>oops</a:t>
-            </a:r>
-            <a:endParaRPr lang="en-US" dirty="0"/>
+              <a:rPr lang="en-US" sz="8000" dirty="0" smtClean="0"/>
+              <a:t>jumping around</a:t>
+            </a:r>
+            <a:endParaRPr lang="en-US" sz="8000" dirty="0"/>
           </a:p>
         </p:txBody>
       </p:sp>
@@ -8505,36 +8667,73 @@
         <p:spPr/>
         <p:txBody>
           <a:bodyPr>
-            <a:normAutofit/>
+            <a:normAutofit fontScale="92500" lnSpcReduction="20000"/>
           </a:bodyPr>
           <a:lstStyle/>
           <a:p>
-            <a:r>
-              <a:rPr lang="en-US" dirty="0" smtClean="0"/>
-              <a:t>u – undo</a:t>
-            </a:r>
-          </a:p>
-          <a:p>
-            <a:r>
-              <a:rPr lang="en-US" dirty="0" smtClean="0"/>
-              <a:t>U – undo all changes made to this line</a:t>
-            </a:r>
-          </a:p>
-          <a:p>
             <a:endParaRPr lang="en-US" dirty="0" smtClean="0"/>
           </a:p>
           <a:p>
             <a:r>
               <a:rPr lang="en-US" dirty="0" smtClean="0"/>
-              <a:t>Ctrl-r – redo</a:t>
-            </a:r>
+              <a:t>Ctrl-f </a:t>
+            </a:r>
+            <a:r>
+              <a:rPr lang="en-US" dirty="0"/>
+              <a:t>– jump forward a screen</a:t>
+            </a:r>
+          </a:p>
+          <a:p>
+            <a:r>
+              <a:rPr lang="en-US" dirty="0"/>
+              <a:t>Ctrl-b – jump backward a screen</a:t>
+            </a:r>
+          </a:p>
+          <a:p>
+            <a:endParaRPr lang="en-US" dirty="0"/>
+          </a:p>
+          <a:p>
+            <a:r>
+              <a:rPr lang="en-US" dirty="0"/>
+              <a:t>:# - to go to line #</a:t>
+            </a:r>
+          </a:p>
+          <a:p>
+            <a:r>
+              <a:rPr lang="en-US" dirty="0"/>
+              <a:t>#G – to go to line #</a:t>
+            </a:r>
+          </a:p>
+          <a:p>
+            <a:endParaRPr lang="en-US" dirty="0" smtClean="0"/>
+          </a:p>
+          <a:p>
+            <a:r>
+              <a:rPr lang="en-US" dirty="0" smtClean="0"/>
+              <a:t>Ctrl-</a:t>
+            </a:r>
+            <a:r>
+              <a:rPr lang="en-US" dirty="0" err="1" smtClean="0"/>
+              <a:t>i</a:t>
+            </a:r>
+            <a:r>
+              <a:rPr lang="en-US" dirty="0" smtClean="0"/>
+              <a:t> – follow breadcrumb backward</a:t>
+            </a:r>
+          </a:p>
+          <a:p>
+            <a:r>
+              <a:rPr lang="en-US" dirty="0" smtClean="0"/>
+              <a:t>Ctrl-o – follow breadcrumb forward</a:t>
+            </a:r>
+            <a:endParaRPr lang="en-US" dirty="0"/>
           </a:p>
         </p:txBody>
       </p:sp>
     </p:spTree>
     <p:extLst>
       <p:ext uri="{BB962C8B-B14F-4D97-AF65-F5344CB8AC3E}">
-        <p14:creationId xmlns:p14="http://schemas.microsoft.com/office/powerpoint/2010/main" val="3176231640"/>
+        <p14:creationId xmlns:p14="http://schemas.microsoft.com/office/powerpoint/2010/main" val="1289026330"/>
       </p:ext>
     </p:extLst>
   </p:cSld>
@@ -8577,10 +8776,10 @@
           <a:lstStyle/>
           <a:p>
             <a:r>
-              <a:rPr lang="en-US" sz="8000" dirty="0" smtClean="0"/>
-              <a:t>jumping around</a:t>
-            </a:r>
-            <a:endParaRPr lang="en-US" sz="8000" dirty="0"/>
+              <a:rPr lang="en-US" dirty="0" smtClean="0"/>
+              <a:t>searching</a:t>
+            </a:r>
+            <a:endParaRPr lang="en-US" dirty="0"/>
           </a:p>
         </p:txBody>
       </p:sp>
@@ -8596,51 +8795,36 @@
         </p:nvSpPr>
         <p:spPr/>
         <p:txBody>
-          <a:bodyPr>
-            <a:normAutofit lnSpcReduction="10000"/>
-          </a:bodyPr>
-          <a:lstStyle/>
+          <a:bodyPr/>
+          <a:lstStyle/>
+          <a:p>
+            <a:r>
+              <a:rPr lang="en-US" dirty="0" smtClean="0"/>
+              <a:t>/{text} - search forward</a:t>
+            </a:r>
+          </a:p>
+          <a:p>
+            <a:r>
+              <a:rPr lang="en-US" dirty="0" smtClean="0"/>
+              <a:t>?{text} – search backward</a:t>
+            </a:r>
+          </a:p>
           <a:p>
             <a:endParaRPr lang="en-US" dirty="0" smtClean="0"/>
           </a:p>
           <a:p>
-            <a:r>
-              <a:rPr lang="en-US" dirty="0" smtClean="0"/>
-              <a:t>Ctrl-f </a:t>
-            </a:r>
-            <a:r>
-              <a:rPr lang="en-US" dirty="0"/>
-              <a:t>– jump forward a screen</a:t>
-            </a:r>
-          </a:p>
-          <a:p>
-            <a:r>
-              <a:rPr lang="en-US" dirty="0"/>
-              <a:t>Ctrl-b – jump backward a screen</a:t>
-            </a:r>
-          </a:p>
-          <a:p>
-            <a:endParaRPr lang="en-US" dirty="0"/>
-          </a:p>
-          <a:p>
-            <a:r>
-              <a:rPr lang="en-US" dirty="0"/>
-              <a:t>:# - to go to line #</a:t>
-            </a:r>
-          </a:p>
-          <a:p>
-            <a:r>
-              <a:rPr lang="en-US" dirty="0"/>
-              <a:t>#G – to go to line #</a:t>
-            </a:r>
-          </a:p>
-          <a:p>
             <a:endParaRPr lang="en-US" dirty="0" smtClean="0"/>
           </a:p>
           <a:p>
             <a:r>
               <a:rPr lang="en-US" dirty="0" smtClean="0"/>
-              <a:t>CTRL-I AND CTRL-O HERE?!</a:t>
+              <a:t>n – repeat search in that direction</a:t>
+            </a:r>
+          </a:p>
+          <a:p>
+            <a:r>
+              <a:rPr lang="en-US" dirty="0" smtClean="0"/>
+              <a:t>N – repeat search in opposite direction</a:t>
             </a:r>
             <a:endParaRPr lang="en-US" dirty="0"/>
           </a:p>
@@ -8649,7 +8833,7 @@
     </p:spTree>
     <p:extLst>
       <p:ext uri="{BB962C8B-B14F-4D97-AF65-F5344CB8AC3E}">
-        <p14:creationId xmlns:p14="http://schemas.microsoft.com/office/powerpoint/2010/main" val="1289026330"/>
+        <p14:creationId xmlns:p14="http://schemas.microsoft.com/office/powerpoint/2010/main" val="2681253588"/>
       </p:ext>
     </p:extLst>
   </p:cSld>
@@ -8711,36 +8895,41 @@
         </p:nvSpPr>
         <p:spPr/>
         <p:txBody>
-          <a:bodyPr/>
-          <a:lstStyle/>
-          <a:p>
-            <a:r>
-              <a:rPr lang="en-US" dirty="0" smtClean="0"/>
-              <a:t>/{text} - search forward</a:t>
-            </a:r>
-          </a:p>
-          <a:p>
-            <a:r>
-              <a:rPr lang="en-US" dirty="0" smtClean="0"/>
-              <a:t>?{text} – search backward</a:t>
+          <a:bodyPr>
+            <a:normAutofit fontScale="92500"/>
+          </a:bodyPr>
+          <a:lstStyle/>
+          <a:p>
+            <a:r>
+              <a:rPr lang="en-US" dirty="0" smtClean="0"/>
+              <a:t>Searches wrap around file start/end</a:t>
             </a:r>
           </a:p>
           <a:p>
             <a:endParaRPr lang="en-US" dirty="0" smtClean="0"/>
           </a:p>
           <a:p>
-            <a:endParaRPr lang="en-US" dirty="0" smtClean="0"/>
-          </a:p>
-          <a:p>
-            <a:r>
-              <a:rPr lang="en-US" dirty="0" smtClean="0"/>
-              <a:t>n – repeat search in that direction</a:t>
-            </a:r>
-          </a:p>
-          <a:p>
-            <a:r>
-              <a:rPr lang="en-US" dirty="0" smtClean="0"/>
-              <a:t>N – repeat search in opposite direction</a:t>
+            <a:r>
+              <a:rPr lang="en-US" dirty="0" smtClean="0"/>
+              <a:t>* - search forward for word under cursor</a:t>
+            </a:r>
+          </a:p>
+          <a:p>
+            <a:endParaRPr lang="en-US" dirty="0"/>
+          </a:p>
+          <a:p>
+            <a:r>
+              <a:rPr lang="en-US" dirty="0" smtClean="0"/>
+              <a:t># - like * but backward</a:t>
+            </a:r>
+          </a:p>
+          <a:p>
+            <a:endParaRPr lang="en-US" dirty="0"/>
+          </a:p>
+          <a:p>
+            <a:r>
+              <a:rPr lang="en-US" dirty="0" smtClean="0"/>
+              <a:t>n and N work for repeating</a:t>
             </a:r>
             <a:endParaRPr lang="en-US" dirty="0"/>
           </a:p>
@@ -8749,7 +8938,7 @@
     </p:spTree>
     <p:extLst>
       <p:ext uri="{BB962C8B-B14F-4D97-AF65-F5344CB8AC3E}">
-        <p14:creationId xmlns:p14="http://schemas.microsoft.com/office/powerpoint/2010/main" val="2681253588"/>
+        <p14:creationId xmlns:p14="http://schemas.microsoft.com/office/powerpoint/2010/main" val="2920377775"/>
       </p:ext>
     </p:extLst>
   </p:cSld>
@@ -8854,7 +9043,11 @@
             </a:r>
             <a:r>
               <a:rPr lang="en-US" dirty="0" smtClean="0"/>
-              <a:t> – shows first matching word as you type</a:t>
+              <a:t> – shows first matching word as you </a:t>
+            </a:r>
+            <a:r>
+              <a:rPr lang="en-US" dirty="0" smtClean="0"/>
+              <a:t>type</a:t>
             </a:r>
           </a:p>
           <a:p>
@@ -8923,10 +9116,10 @@
           <a:lstStyle/>
           <a:p>
             <a:r>
-              <a:rPr lang="en-US" dirty="0" smtClean="0"/>
-              <a:t>substitution</a:t>
-            </a:r>
-            <a:endParaRPr lang="en-US" dirty="0"/>
+              <a:rPr lang="en-US" sz="6600" dirty="0" smtClean="0"/>
+              <a:t>search highlight</a:t>
+            </a:r>
+            <a:endParaRPr lang="en-US" sz="6600" dirty="0"/>
           </a:p>
         </p:txBody>
       </p:sp>
@@ -8943,63 +9136,50 @@
         <p:spPr/>
         <p:txBody>
           <a:bodyPr>
-            <a:normAutofit fontScale="77500" lnSpcReduction="20000"/>
+            <a:normAutofit/>
           </a:bodyPr>
           <a:lstStyle/>
           <a:p>
             <a:r>
-              <a:rPr lang="en-US" dirty="0" smtClean="0"/>
-              <a:t>:s/old/new – replace first occurrence of old with new on this line</a:t>
-            </a:r>
-          </a:p>
-          <a:p>
-            <a:endParaRPr lang="en-US" dirty="0"/>
-          </a:p>
-          <a:p>
-            <a:r>
-              <a:rPr lang="en-US" dirty="0" smtClean="0"/>
-              <a:t>add flags to the end:</a:t>
-            </a:r>
-          </a:p>
-          <a:p>
-            <a:pPr lvl="1"/>
-            <a:r>
-              <a:rPr lang="en-US" dirty="0" smtClean="0"/>
-              <a:t>:s/old/new/</a:t>
+              <a:rPr lang="en-US" dirty="0"/>
+              <a:t>:set </a:t>
+            </a:r>
+            <a:r>
+              <a:rPr lang="en-US" dirty="0" err="1"/>
+              <a:t>hlsearch</a:t>
+            </a:r>
+            <a:r>
+              <a:rPr lang="en-US" dirty="0"/>
+              <a:t> – highlights </a:t>
+            </a:r>
+            <a:r>
+              <a:rPr lang="en-US" dirty="0" smtClean="0"/>
+              <a:t>search term </a:t>
             </a:r>
             <a:r>
               <a:rPr lang="en-US" dirty="0" err="1" smtClean="0"/>
-              <a:t>gc</a:t>
-            </a:r>
-            <a:endParaRPr lang="en-US" dirty="0" smtClean="0"/>
-          </a:p>
-          <a:p>
-            <a:pPr lvl="2"/>
-            <a:r>
-              <a:rPr lang="en-US" dirty="0" smtClean="0"/>
-              <a:t>g – global - replaces all occurrences on line</a:t>
-            </a:r>
-          </a:p>
-          <a:p>
-            <a:pPr lvl="2"/>
-            <a:r>
-              <a:rPr lang="en-US" dirty="0" smtClean="0"/>
-              <a:t>c – confirmation - prompts confirmation each time</a:t>
-            </a:r>
-          </a:p>
-          <a:p>
-            <a:endParaRPr lang="en-US" dirty="0" smtClean="0"/>
-          </a:p>
-          <a:p>
-            <a:r>
-              <a:rPr lang="en-US" dirty="0" smtClean="0"/>
-              <a:t>:%s/old/new/ - replace first occurrence of old with new on all lines in whole file</a:t>
-            </a:r>
-          </a:p>
-          <a:p>
-            <a:r>
-              <a:rPr lang="en-US" dirty="0" smtClean="0"/>
-              <a:t>:%s/old/new/g – replace all occurrences of old with new in whole file</a:t>
+              <a:t>througout</a:t>
+            </a:r>
+            <a:r>
+              <a:rPr lang="en-US" dirty="0" smtClean="0"/>
+              <a:t> the file</a:t>
+            </a:r>
+          </a:p>
+          <a:p>
+            <a:endParaRPr lang="en-US" dirty="0"/>
+          </a:p>
+          <a:p>
+            <a:r>
+              <a:rPr lang="en-US" dirty="0" smtClean="0"/>
+              <a:t>:</a:t>
+            </a:r>
+            <a:r>
+              <a:rPr lang="en-US" dirty="0" err="1" smtClean="0"/>
+              <a:t>noh</a:t>
+            </a:r>
+            <a:r>
+              <a:rPr lang="en-US" dirty="0" smtClean="0"/>
+              <a:t> – no highlight – clears highlights if you no longer want them displayed</a:t>
             </a:r>
             <a:endParaRPr lang="en-US" dirty="0"/>
           </a:p>
@@ -9008,7 +9188,7 @@
     </p:spTree>
     <p:extLst>
       <p:ext uri="{BB962C8B-B14F-4D97-AF65-F5344CB8AC3E}">
-        <p14:creationId xmlns:p14="http://schemas.microsoft.com/office/powerpoint/2010/main" val="3885236189"/>
+        <p14:creationId xmlns:p14="http://schemas.microsoft.com/office/powerpoint/2010/main" val="306550357"/>
       </p:ext>
     </p:extLst>
   </p:cSld>
@@ -9052,7 +9232,7 @@
           <a:p>
             <a:r>
               <a:rPr lang="en-US" dirty="0" smtClean="0"/>
-              <a:t>buffers</a:t>
+              <a:t>substitution</a:t>
             </a:r>
             <a:endParaRPr lang="en-US" dirty="0"/>
           </a:p>
@@ -9077,45 +9257,53 @@
           <a:p>
             <a:r>
               <a:rPr lang="en-US" dirty="0" smtClean="0"/>
-              <a:t>each file opened is its own buffer</a:t>
-            </a:r>
-          </a:p>
-          <a:p>
-            <a:endParaRPr lang="en-US" dirty="0"/>
-          </a:p>
-          <a:p>
-            <a:r>
-              <a:rPr lang="en-US" dirty="0" smtClean="0"/>
-              <a:t>might only be viewing one buffer but the others are still open</a:t>
-            </a:r>
-          </a:p>
-          <a:p>
-            <a:endParaRPr lang="en-US" dirty="0"/>
-          </a:p>
-          <a:p>
-            <a:r>
-              <a:rPr lang="en-US" dirty="0" smtClean="0"/>
-              <a:t>switch between buffers</a:t>
-            </a:r>
-          </a:p>
-          <a:p>
-            <a:endParaRPr lang="en-US" dirty="0"/>
-          </a:p>
-          <a:p>
-            <a:r>
-              <a:rPr lang="en-US" dirty="0" smtClean="0"/>
-              <a:t>show buffers in different windows</a:t>
-            </a:r>
-          </a:p>
-          <a:p>
-            <a:endParaRPr lang="en-US" dirty="0"/>
+              <a:t>:s/old/new – replace first occurrence of old with new on this line</a:t>
+            </a:r>
+          </a:p>
+          <a:p>
+            <a:endParaRPr lang="en-US" dirty="0"/>
+          </a:p>
+          <a:p>
+            <a:r>
+              <a:rPr lang="en-US" dirty="0" smtClean="0"/>
+              <a:t>add flags to the end:</a:t>
+            </a:r>
+          </a:p>
+          <a:p>
+            <a:pPr lvl="1"/>
+            <a:r>
+              <a:rPr lang="en-US" dirty="0" smtClean="0"/>
+              <a:t>:s/old/new/</a:t>
+            </a:r>
+            <a:r>
+              <a:rPr lang="en-US" dirty="0" err="1" smtClean="0"/>
+              <a:t>gc</a:t>
+            </a:r>
+            <a:endParaRPr lang="en-US" dirty="0" smtClean="0"/>
+          </a:p>
+          <a:p>
+            <a:pPr lvl="2"/>
+            <a:r>
+              <a:rPr lang="en-US" dirty="0" smtClean="0"/>
+              <a:t>g – global - replaces all occurrences on line</a:t>
+            </a:r>
+          </a:p>
+          <a:p>
+            <a:pPr lvl="2"/>
+            <a:r>
+              <a:rPr lang="en-US" dirty="0" smtClean="0"/>
+              <a:t>c – confirmation - prompts confirmation each time</a:t>
+            </a:r>
+          </a:p>
+          <a:p>
+            <a:endParaRPr lang="en-US" dirty="0" smtClean="0"/>
           </a:p>
         </p:txBody>
       </p:sp>
     </p:spTree>
     <p:extLst>
       <p:ext uri="{BB962C8B-B14F-4D97-AF65-F5344CB8AC3E}">
-        <p14:creationId xmlns:p14="http://schemas.microsoft.com/office/powerpoint/2010/main" val="3296149072"/>
+        <p14:creationId xmlns:p14="http://schemas.microsoft.com/office/powerpoint/2010/main" val="3885236189"/>
       </p:ext>
     </p:extLst>
   </p:cSld>
@@ -9158,10 +9346,10 @@
           <a:lstStyle/>
           <a:p>
             <a:r>
-              <a:rPr lang="en-US" sz="8000" dirty="0" smtClean="0"/>
-              <a:t>buffers, cont.</a:t>
-            </a:r>
-            <a:endParaRPr lang="en-US" sz="8000" dirty="0"/>
+              <a:rPr lang="en-US" dirty="0" smtClean="0"/>
+              <a:t>substitution</a:t>
+            </a:r>
+            <a:endParaRPr lang="en-US" dirty="0"/>
           </a:p>
         </p:txBody>
       </p:sp>
@@ -9178,13 +9366,13 @@
         <p:spPr/>
         <p:txBody>
           <a:bodyPr>
-            <a:normAutofit/>
+            <a:normAutofit lnSpcReduction="10000"/>
           </a:bodyPr>
           <a:lstStyle/>
           <a:p>
             <a:r>
-              <a:rPr lang="en-US" dirty="0" smtClean="0"/>
-              <a:t>:e {filename} – edit filename in current window - creates new buffer</a:t>
+              <a:rPr lang="en-US" dirty="0"/>
+              <a:t>:%s/old/new/ - replace first occurrence of old with new on all lines in whole file</a:t>
             </a:r>
           </a:p>
           <a:p>
@@ -9193,65 +9381,33 @@
           <a:p>
             <a:r>
               <a:rPr lang="en-US" dirty="0" smtClean="0"/>
-              <a:t>:</a:t>
-            </a:r>
-            <a:r>
-              <a:rPr lang="en-US" dirty="0" err="1" smtClean="0"/>
-              <a:t>ls</a:t>
-            </a:r>
-            <a:r>
-              <a:rPr lang="en-US" dirty="0" smtClean="0"/>
-              <a:t> – show buffers</a:t>
-            </a:r>
-          </a:p>
-          <a:p>
-            <a:r>
-              <a:rPr lang="en-US" dirty="0" smtClean="0"/>
-              <a:t>:b# - switch to buffer #</a:t>
-            </a:r>
-          </a:p>
-          <a:p>
-            <a:r>
-              <a:rPr lang="en-US" dirty="0" smtClean="0"/>
-              <a:t>:</a:t>
-            </a:r>
-            <a:r>
-              <a:rPr lang="en-US" dirty="0" err="1" smtClean="0"/>
-              <a:t>bn</a:t>
-            </a:r>
-            <a:r>
-              <a:rPr lang="en-US" dirty="0" smtClean="0"/>
-              <a:t>,:</a:t>
-            </a:r>
-            <a:r>
-              <a:rPr lang="en-US" dirty="0" err="1" smtClean="0"/>
-              <a:t>bp</a:t>
-            </a:r>
-            <a:r>
-              <a:rPr lang="en-US" dirty="0" smtClean="0"/>
-              <a:t> – buffer next/previous</a:t>
-            </a:r>
-          </a:p>
-          <a:p>
-            <a:r>
-              <a:rPr lang="en-US" dirty="0" smtClean="0"/>
-              <a:t>:</a:t>
-            </a:r>
-            <a:r>
-              <a:rPr lang="en-US" dirty="0" err="1" smtClean="0"/>
-              <a:t>bd</a:t>
-            </a:r>
-            <a:r>
-              <a:rPr lang="en-US" dirty="0" smtClean="0"/>
-              <a:t> – buffer delete</a:t>
-            </a:r>
+              <a:t>:%</a:t>
+            </a:r>
+            <a:r>
+              <a:rPr lang="en-US" dirty="0"/>
+              <a:t>s/old/new/g – replace all occurrences of old with new in whole </a:t>
+            </a:r>
+            <a:r>
+              <a:rPr lang="en-US" dirty="0" smtClean="0"/>
+              <a:t>file</a:t>
+            </a:r>
+          </a:p>
+          <a:p>
+            <a:endParaRPr lang="en-US" dirty="0"/>
+          </a:p>
+          <a:p>
+            <a:r>
+              <a:rPr lang="en-US" dirty="0" smtClean="0"/>
+              <a:t>&amp; - repeat last substitution</a:t>
+            </a:r>
+            <a:endParaRPr lang="en-US" dirty="0"/>
           </a:p>
         </p:txBody>
       </p:sp>
     </p:spTree>
     <p:extLst>
       <p:ext uri="{BB962C8B-B14F-4D97-AF65-F5344CB8AC3E}">
-        <p14:creationId xmlns:p14="http://schemas.microsoft.com/office/powerpoint/2010/main" val="1090808654"/>
+        <p14:creationId xmlns:p14="http://schemas.microsoft.com/office/powerpoint/2010/main" val="4103943853"/>
       </p:ext>
     </p:extLst>
   </p:cSld>
@@ -9288,16 +9444,29 @@
             <p:ph type="title"/>
           </p:nvPr>
         </p:nvSpPr>
-        <p:spPr/>
-        <p:txBody>
-          <a:bodyPr/>
-          <a:lstStyle/>
-          <a:p>
-            <a:r>
-              <a:rPr lang="en-US" dirty="0" smtClean="0"/>
-              <a:t>TODO!</a:t>
-            </a:r>
-            <a:endParaRPr lang="en-US" dirty="0"/>
+        <p:spPr>
+          <a:xfrm>
+            <a:off x="0" y="274638"/>
+            <a:ext cx="9144000" cy="1143000"/>
+          </a:xfrm>
+        </p:spPr>
+        <p:txBody>
+          <a:bodyPr/>
+          <a:lstStyle/>
+          <a:p>
+            <a:r>
+              <a:rPr lang="en-US" sz="8000" dirty="0" smtClean="0">
+                <a:solidFill>
+                  <a:schemeClr val="accent2"/>
+                </a:solidFill>
+              </a:rPr>
+              <a:t>what isn’t vim?</a:t>
+            </a:r>
+            <a:endParaRPr lang="en-US" sz="8000" dirty="0">
+              <a:solidFill>
+                <a:schemeClr val="accent2"/>
+              </a:solidFill>
+            </a:endParaRPr>
           </a:p>
         </p:txBody>
       </p:sp>
@@ -9318,40 +9487,63 @@
           <a:p>
             <a:r>
               <a:rPr lang="en-US" dirty="0" smtClean="0"/>
-              <a:t>H is like home for the screen</a:t>
-            </a:r>
-          </a:p>
-          <a:p>
-            <a:r>
-              <a:rPr lang="en-US" dirty="0" smtClean="0"/>
-              <a:t>L is like end for the screen</a:t>
-            </a:r>
-          </a:p>
-          <a:p>
-            <a:r>
-              <a:rPr lang="en-US" dirty="0" smtClean="0"/>
-              <a:t>J joins two lines</a:t>
-            </a:r>
-          </a:p>
-          <a:p>
-            <a:r>
-              <a:rPr lang="en-US" dirty="0" smtClean="0"/>
-              <a:t>K looks up man entry for word under cursor</a:t>
-            </a:r>
-            <a:endParaRPr lang="en-US" dirty="0"/>
+              <a:t>not a word processor</a:t>
+            </a:r>
+          </a:p>
+          <a:p>
+            <a:endParaRPr lang="en-US" dirty="0" smtClean="0"/>
+          </a:p>
+          <a:p>
+            <a:r>
+              <a:rPr lang="en-US" dirty="0" smtClean="0"/>
+              <a:t>not a hand holder</a:t>
+            </a:r>
+          </a:p>
+          <a:p>
+            <a:endParaRPr lang="en-US" dirty="0"/>
+          </a:p>
+          <a:p>
+            <a:r>
+              <a:rPr lang="en-US" dirty="0" smtClean="0"/>
+              <a:t>not a tool learned in a week</a:t>
+            </a:r>
+          </a:p>
+          <a:p>
+            <a:endParaRPr lang="en-US" dirty="0"/>
+          </a:p>
+          <a:p>
+            <a:r>
+              <a:rPr lang="en-US" dirty="0" smtClean="0"/>
+              <a:t>never </a:t>
+            </a:r>
+            <a:r>
+              <a:rPr lang="en-US" dirty="0" err="1" smtClean="0"/>
+              <a:t>gonna</a:t>
+            </a:r>
+            <a:r>
+              <a:rPr lang="en-US" dirty="0" smtClean="0"/>
+              <a:t> let you down</a:t>
+            </a:r>
           </a:p>
         </p:txBody>
       </p:sp>
     </p:spTree>
     <p:extLst>
       <p:ext uri="{BB962C8B-B14F-4D97-AF65-F5344CB8AC3E}">
-        <p14:creationId xmlns:p14="http://schemas.microsoft.com/office/powerpoint/2010/main" val="2937294738"/>
+        <p14:creationId xmlns:p14="http://schemas.microsoft.com/office/powerpoint/2010/main" val="1157626077"/>
       </p:ext>
     </p:extLst>
   </p:cSld>
   <p:clrMapOvr>
     <a:masterClrMapping/>
   </p:clrMapOvr>
+  <p:timing>
+    <p:tnLst>
+      <p:par>
+        <p:cTn id="1" dur="indefinite" restart="never" nodeType="tmRoot"/>
+      </p:par>
+    </p:tnLst>
+  </p:timing>
 </p:sld>
 </file>
 
@@ -9389,7 +9581,7 @@
           <a:p>
             <a:r>
               <a:rPr lang="en-US" dirty="0" smtClean="0"/>
-              <a:t>windows</a:t>
+              <a:t>buffers</a:t>
             </a:r>
             <a:endParaRPr lang="en-US" dirty="0"/>
           </a:p>
@@ -9408,36 +9600,43 @@
         <p:spPr/>
         <p:txBody>
           <a:bodyPr>
-            <a:normAutofit/>
+            <a:normAutofit lnSpcReduction="10000"/>
           </a:bodyPr>
           <a:lstStyle/>
           <a:p>
             <a:r>
               <a:rPr lang="en-US" dirty="0" smtClean="0"/>
-              <a:t>:help {foo} splits the window</a:t>
-            </a:r>
-          </a:p>
-          <a:p>
-            <a:endParaRPr lang="en-US" dirty="0"/>
-          </a:p>
-          <a:p>
-            <a:r>
-              <a:rPr lang="en-US" dirty="0" smtClean="0"/>
-              <a:t>show multiple buffers at same time</a:t>
-            </a:r>
-          </a:p>
-          <a:p>
-            <a:endParaRPr lang="en-US" dirty="0" smtClean="0"/>
-          </a:p>
-          <a:p>
-            <a:r>
-              <a:rPr lang="en-US" dirty="0" err="1" smtClean="0"/>
-              <a:t>eg</a:t>
-            </a:r>
-            <a:r>
-              <a:rPr lang="en-US" dirty="0" smtClean="0"/>
-              <a:t>. edit spec/code side by side</a:t>
-            </a:r>
+              <a:t>each file opened is its own buffer</a:t>
+            </a:r>
+          </a:p>
+          <a:p>
+            <a:endParaRPr lang="en-US" dirty="0"/>
+          </a:p>
+          <a:p>
+            <a:r>
+              <a:rPr lang="en-US" dirty="0" smtClean="0"/>
+              <a:t>might only be viewing one buffer but the others are still open</a:t>
+            </a:r>
+          </a:p>
+          <a:p>
+            <a:endParaRPr lang="en-US" dirty="0"/>
+          </a:p>
+          <a:p>
+            <a:r>
+              <a:rPr lang="en-US" dirty="0" smtClean="0"/>
+              <a:t>switch between buffers</a:t>
+            </a:r>
+          </a:p>
+          <a:p>
+            <a:endParaRPr lang="en-US" dirty="0"/>
+          </a:p>
+          <a:p>
+            <a:r>
+              <a:rPr lang="en-US" dirty="0" smtClean="0"/>
+              <a:t>show buffers in different windows</a:t>
+            </a:r>
+          </a:p>
+          <a:p>
             <a:endParaRPr lang="en-US" dirty="0"/>
           </a:p>
         </p:txBody>
@@ -9445,7 +9644,7 @@
     </p:spTree>
     <p:extLst>
       <p:ext uri="{BB962C8B-B14F-4D97-AF65-F5344CB8AC3E}">
-        <p14:creationId xmlns:p14="http://schemas.microsoft.com/office/powerpoint/2010/main" val="1343700487"/>
+        <p14:creationId xmlns:p14="http://schemas.microsoft.com/office/powerpoint/2010/main" val="3296149072"/>
       </p:ext>
     </p:extLst>
   </p:cSld>
@@ -9488,10 +9687,10 @@
           <a:lstStyle/>
           <a:p>
             <a:r>
-              <a:rPr lang="en-US" sz="6600" dirty="0" smtClean="0"/>
-              <a:t>splitting windows</a:t>
-            </a:r>
-            <a:endParaRPr lang="en-US" sz="6600" dirty="0"/>
+              <a:rPr lang="en-US" dirty="0"/>
+              <a:t>buffers</a:t>
+            </a:r>
+            <a:endParaRPr lang="en-US" dirty="0"/>
           </a:p>
         </p:txBody>
       </p:sp>
@@ -9507,76 +9706,73 @@
         </p:nvSpPr>
         <p:spPr/>
         <p:txBody>
-          <a:bodyPr/>
-          <a:lstStyle/>
-          <a:p>
-            <a:r>
-              <a:rPr lang="en-US" dirty="0" smtClean="0"/>
-              <a:t>can </a:t>
-            </a:r>
-            <a:r>
-              <a:rPr lang="en-US" dirty="0"/>
-              <a:t>split the edit area multiple ways</a:t>
-            </a:r>
-          </a:p>
-          <a:p>
-            <a:pPr lvl="1"/>
+          <a:bodyPr>
+            <a:normAutofit/>
+          </a:bodyPr>
+          <a:lstStyle/>
+          <a:p>
+            <a:r>
+              <a:rPr lang="en-US" dirty="0" smtClean="0"/>
+              <a:t>:e {filename} – edit filename in current window - creates new buffer</a:t>
+            </a:r>
+          </a:p>
+          <a:p>
+            <a:endParaRPr lang="en-US" dirty="0" smtClean="0"/>
+          </a:p>
+          <a:p>
             <a:r>
               <a:rPr lang="en-US" dirty="0" smtClean="0"/>
               <a:t>:</a:t>
             </a:r>
             <a:r>
-              <a:rPr lang="en-US" dirty="0" err="1"/>
-              <a:t>sp</a:t>
-            </a:r>
-            <a:r>
-              <a:rPr lang="en-US" dirty="0"/>
-              <a:t>(lit) - </a:t>
-            </a:r>
-            <a:r>
-              <a:rPr lang="en-US" dirty="0" smtClean="0"/>
-              <a:t>horizontal</a:t>
-            </a:r>
-            <a:endParaRPr lang="en-US" dirty="0"/>
-          </a:p>
-          <a:p>
-            <a:pPr lvl="1"/>
-            <a:r>
-              <a:rPr lang="en-US" dirty="0"/>
+              <a:rPr lang="en-US" dirty="0" err="1" smtClean="0"/>
+              <a:t>ls</a:t>
+            </a:r>
+            <a:r>
+              <a:rPr lang="en-US" dirty="0" smtClean="0"/>
+              <a:t> – show buffers</a:t>
+            </a:r>
+          </a:p>
+          <a:p>
+            <a:r>
+              <a:rPr lang="en-US" dirty="0" smtClean="0"/>
+              <a:t>:b# - switch to buffer #</a:t>
+            </a:r>
+          </a:p>
+          <a:p>
+            <a:r>
+              <a:rPr lang="en-US" dirty="0" smtClean="0"/>
               <a:t>:</a:t>
             </a:r>
             <a:r>
-              <a:rPr lang="en-US" dirty="0" err="1"/>
-              <a:t>vs</a:t>
-            </a:r>
-            <a:r>
-              <a:rPr lang="en-US" dirty="0"/>
-              <a:t>(</a:t>
-            </a:r>
-            <a:r>
-              <a:rPr lang="en-US" dirty="0" err="1"/>
-              <a:t>plit</a:t>
-            </a:r>
-            <a:r>
-              <a:rPr lang="en-US" dirty="0"/>
-              <a:t>) – vertical</a:t>
-            </a:r>
-          </a:p>
-          <a:p>
-            <a:endParaRPr lang="en-US" dirty="0" smtClean="0"/>
-          </a:p>
-          <a:p>
-            <a:r>
-              <a:rPr lang="en-US" dirty="0" smtClean="0"/>
-              <a:t>:q closes current window</a:t>
-            </a:r>
-            <a:endParaRPr lang="en-US" dirty="0"/>
-          </a:p>
-          <a:p>
-            <a:pPr lvl="1"/>
-            <a:r>
-              <a:rPr lang="en-US" dirty="0" smtClean="0"/>
-              <a:t>buffer still exists</a:t>
+              <a:rPr lang="en-US" dirty="0" err="1" smtClean="0"/>
+              <a:t>bn</a:t>
+            </a:r>
+            <a:r>
+              <a:rPr lang="en-US" dirty="0" smtClean="0"/>
+              <a:t>,:</a:t>
+            </a:r>
+            <a:r>
+              <a:rPr lang="en-US" dirty="0" err="1" smtClean="0"/>
+              <a:t>bp</a:t>
+            </a:r>
+            <a:r>
+              <a:rPr lang="en-US" dirty="0" smtClean="0"/>
+              <a:t> – buffer next/previous</a:t>
+            </a:r>
+          </a:p>
+          <a:p>
+            <a:r>
+              <a:rPr lang="en-US" dirty="0" smtClean="0"/>
+              <a:t>:</a:t>
+            </a:r>
+            <a:r>
+              <a:rPr lang="en-US" dirty="0" err="1" smtClean="0"/>
+              <a:t>bd</a:t>
+            </a:r>
+            <a:r>
+              <a:rPr lang="en-US" dirty="0" smtClean="0"/>
+              <a:t> – buffer delete</a:t>
             </a:r>
           </a:p>
         </p:txBody>
@@ -9584,7 +9780,7 @@
     </p:spTree>
     <p:extLst>
       <p:ext uri="{BB962C8B-B14F-4D97-AF65-F5344CB8AC3E}">
-        <p14:creationId xmlns:p14="http://schemas.microsoft.com/office/powerpoint/2010/main" val="2292124294"/>
+        <p14:creationId xmlns:p14="http://schemas.microsoft.com/office/powerpoint/2010/main" val="1090808654"/>
       </p:ext>
     </p:extLst>
   </p:cSld>
@@ -9627,10 +9823,10 @@
           <a:lstStyle/>
           <a:p>
             <a:r>
-              <a:rPr lang="en-US" sz="7200" dirty="0" smtClean="0"/>
-              <a:t>window commands</a:t>
-            </a:r>
-            <a:endParaRPr lang="en-US" sz="7200" dirty="0"/>
+              <a:rPr lang="en-US" sz="6600" dirty="0" smtClean="0"/>
+              <a:t>buffer/file info</a:t>
+            </a:r>
+            <a:endParaRPr lang="en-US" sz="6600" dirty="0"/>
           </a:p>
         </p:txBody>
       </p:sp>
@@ -9646,39 +9842,80 @@
         </p:nvSpPr>
         <p:spPr/>
         <p:txBody>
-          <a:bodyPr/>
-          <a:lstStyle/>
-          <a:p>
-            <a:r>
-              <a:rPr lang="en-US" dirty="0" smtClean="0"/>
-              <a:t>Ctrl-w w - cycles between windows</a:t>
-            </a:r>
-          </a:p>
-          <a:p>
-            <a:endParaRPr lang="en-US" dirty="0"/>
-          </a:p>
-          <a:p>
-            <a:r>
-              <a:rPr lang="en-US" dirty="0" smtClean="0"/>
-              <a:t>Ctrl-w </a:t>
+          <a:bodyPr>
+            <a:normAutofit fontScale="92500"/>
+          </a:bodyPr>
+          <a:lstStyle/>
+          <a:p>
+            <a:r>
+              <a:rPr lang="en-US" dirty="0"/>
+              <a:t>Ctrl-g </a:t>
+            </a:r>
+            <a:r>
+              <a:rPr lang="en-US" dirty="0" smtClean="0"/>
+              <a:t>or :f shows</a:t>
+            </a:r>
+          </a:p>
+          <a:p>
+            <a:pPr lvl="1"/>
+            <a:r>
+              <a:rPr lang="en-US" dirty="0" smtClean="0"/>
+              <a:t>current file name</a:t>
+            </a:r>
+          </a:p>
+          <a:p>
+            <a:pPr lvl="1"/>
+            <a:endParaRPr lang="en-US" dirty="0"/>
+          </a:p>
+          <a:p>
+            <a:pPr lvl="1"/>
+            <a:r>
+              <a:rPr lang="en-US" dirty="0" smtClean="0"/>
+              <a:t>cursor position</a:t>
+            </a:r>
+          </a:p>
+          <a:p>
+            <a:pPr lvl="1"/>
+            <a:endParaRPr lang="en-US" dirty="0"/>
+          </a:p>
+          <a:p>
+            <a:pPr lvl="1"/>
+            <a:r>
+              <a:rPr lang="en-US" dirty="0" smtClean="0"/>
+              <a:t>file status (read-only, modified, </a:t>
             </a:r>
             <a:r>
               <a:rPr lang="en-US" dirty="0" err="1" smtClean="0"/>
-              <a:t>h,j,k,l</a:t>
-            </a:r>
-            <a:r>
-              <a:rPr lang="en-US" dirty="0" smtClean="0"/>
-              <a:t> - moves to window in that direction</a:t>
-            </a:r>
-          </a:p>
-          <a:p>
-            <a:endParaRPr lang="en-US" dirty="0"/>
-          </a:p>
-          <a:p>
-            <a:r>
-              <a:rPr lang="en-US" dirty="0" smtClean="0"/>
-              <a:t>:help Ctrl-w for more commands</a:t>
-            </a:r>
+              <a:t>etc</a:t>
+            </a:r>
+            <a:r>
+              <a:rPr lang="en-US" dirty="0" smtClean="0"/>
+              <a:t>)</a:t>
+            </a:r>
+          </a:p>
+          <a:p>
+            <a:pPr lvl="1"/>
+            <a:endParaRPr lang="en-US" dirty="0"/>
+          </a:p>
+          <a:p>
+            <a:r>
+              <a:rPr lang="en-US" dirty="0" smtClean="0"/>
+              <a:t>helpful to get bearings when switching between buffers</a:t>
+            </a:r>
+          </a:p>
+          <a:p>
+            <a:pPr lvl="1"/>
+            <a:endParaRPr lang="en-US" dirty="0"/>
+          </a:p>
+          <a:p>
+            <a:pPr lvl="1"/>
+            <a:endParaRPr lang="en-US" dirty="0" smtClean="0"/>
+          </a:p>
+          <a:p>
+            <a:pPr lvl="1"/>
+            <a:endParaRPr lang="en-US" dirty="0"/>
+          </a:p>
+          <a:p>
             <a:endParaRPr lang="en-US" dirty="0"/>
           </a:p>
         </p:txBody>
@@ -9686,7 +9923,7 @@
     </p:spTree>
     <p:extLst>
       <p:ext uri="{BB962C8B-B14F-4D97-AF65-F5344CB8AC3E}">
-        <p14:creationId xmlns:p14="http://schemas.microsoft.com/office/powerpoint/2010/main" val="455296140"/>
+        <p14:creationId xmlns:p14="http://schemas.microsoft.com/office/powerpoint/2010/main" val="4150435749"/>
       </p:ext>
     </p:extLst>
   </p:cSld>
@@ -9730,108 +9967,63 @@
           <a:p>
             <a:r>
               <a:rPr lang="en-US" dirty="0" smtClean="0"/>
-              <a:t>.</a:t>
-            </a:r>
+              <a:t>windows</a:t>
+            </a:r>
+            <a:endParaRPr lang="en-US" dirty="0"/>
+          </a:p>
+        </p:txBody>
+      </p:sp>
+      <p:sp>
+        <p:nvSpPr>
+          <p:cNvPr id="3" name="Content Placeholder 2"/>
+          <p:cNvSpPr>
+            <a:spLocks noGrp="1"/>
+          </p:cNvSpPr>
+          <p:nvPr>
+            <p:ph idx="1"/>
+          </p:nvPr>
+        </p:nvSpPr>
+        <p:spPr/>
+        <p:txBody>
+          <a:bodyPr>
+            <a:normAutofit/>
+          </a:bodyPr>
+          <a:lstStyle/>
+          <a:p>
+            <a:r>
+              <a:rPr lang="en-US" dirty="0" smtClean="0"/>
+              <a:t>:help {foo} splits the window</a:t>
+            </a:r>
+          </a:p>
+          <a:p>
+            <a:endParaRPr lang="en-US" dirty="0"/>
+          </a:p>
+          <a:p>
+            <a:r>
+              <a:rPr lang="en-US" dirty="0" smtClean="0"/>
+              <a:t>show multiple buffers at same time</a:t>
+            </a:r>
+          </a:p>
+          <a:p>
+            <a:endParaRPr lang="en-US" dirty="0" smtClean="0"/>
+          </a:p>
+          <a:p>
             <a:r>
               <a:rPr lang="en-US" dirty="0" err="1" smtClean="0"/>
-              <a:t>vimrc</a:t>
-            </a:r>
-            <a:endParaRPr lang="en-US" dirty="0"/>
-          </a:p>
-        </p:txBody>
-      </p:sp>
-      <p:sp>
-        <p:nvSpPr>
-          <p:cNvPr id="3" name="Content Placeholder 2"/>
-          <p:cNvSpPr>
-            <a:spLocks noGrp="1"/>
-          </p:cNvSpPr>
-          <p:nvPr>
-            <p:ph idx="1"/>
-          </p:nvPr>
-        </p:nvSpPr>
-        <p:spPr/>
-        <p:txBody>
-          <a:bodyPr>
-            <a:normAutofit lnSpcReduction="10000"/>
-          </a:bodyPr>
-          <a:lstStyle/>
-          <a:p>
-            <a:r>
-              <a:rPr lang="en-US" dirty="0" smtClean="0"/>
-              <a:t>file containing vim customizations</a:t>
-            </a:r>
-          </a:p>
-          <a:p>
-            <a:endParaRPr lang="en-US" dirty="0"/>
-          </a:p>
-          <a:p>
-            <a:r>
-              <a:rPr lang="en-US" dirty="0" smtClean="0"/>
-              <a:t>see my .</a:t>
-            </a:r>
-            <a:r>
-              <a:rPr lang="en-US" dirty="0" err="1" smtClean="0"/>
-              <a:t>vimrc</a:t>
-            </a:r>
-            <a:r>
-              <a:rPr lang="en-US" dirty="0" smtClean="0"/>
-              <a:t> in my </a:t>
-            </a:r>
-            <a:r>
-              <a:rPr lang="en-US" dirty="0" err="1" smtClean="0"/>
-              <a:t>dotfiles</a:t>
-            </a:r>
-            <a:r>
-              <a:rPr lang="en-US" dirty="0" smtClean="0"/>
-              <a:t> repo</a:t>
-            </a:r>
-          </a:p>
-          <a:p>
-            <a:pPr lvl="1"/>
-            <a:r>
-              <a:rPr lang="en-US" dirty="0">
-                <a:hlinkClick r:id="rId2"/>
-              </a:rPr>
-              <a:t>https://</a:t>
-            </a:r>
-            <a:r>
-              <a:rPr lang="en-US" dirty="0" smtClean="0">
-                <a:hlinkClick r:id="rId2"/>
-              </a:rPr>
-              <a:t>github.com/kyletolle/dotfiles</a:t>
-            </a:r>
-            <a:endParaRPr lang="en-US" dirty="0" smtClean="0"/>
-          </a:p>
-          <a:p>
-            <a:endParaRPr lang="en-US" dirty="0"/>
-          </a:p>
-          <a:p>
-            <a:r>
-              <a:rPr lang="en-US" dirty="0" smtClean="0"/>
-              <a:t>other people share their </a:t>
-            </a:r>
-            <a:r>
-              <a:rPr lang="en-US" dirty="0" err="1" smtClean="0"/>
-              <a:t>vimrcs</a:t>
-            </a:r>
-            <a:endParaRPr lang="en-US" dirty="0" smtClean="0"/>
-          </a:p>
-          <a:p>
-            <a:endParaRPr lang="en-US" dirty="0" smtClean="0"/>
-          </a:p>
-          <a:p>
-            <a:r>
-              <a:rPr lang="en-US" dirty="0" smtClean="0"/>
-              <a:t>mix and match as you choose</a:t>
-            </a:r>
+              <a:t>eg</a:t>
+            </a:r>
+            <a:r>
+              <a:rPr lang="en-US" dirty="0" smtClean="0"/>
+              <a:t>. edit spec/code side by side</a:t>
+            </a:r>
+            <a:endParaRPr lang="en-US" dirty="0"/>
           </a:p>
         </p:txBody>
       </p:sp>
     </p:spTree>
     <p:extLst>
       <p:ext uri="{BB962C8B-B14F-4D97-AF65-F5344CB8AC3E}">
-        <p14:creationId xmlns:p14="http://schemas.microsoft.com/office/powerpoint/2010/main" val="3557938886"/>
+        <p14:creationId xmlns:p14="http://schemas.microsoft.com/office/powerpoint/2010/main" val="1343700487"/>
       </p:ext>
     </p:extLst>
   </p:cSld>
@@ -9874,10 +10066,10 @@
           <a:lstStyle/>
           <a:p>
             <a:r>
-              <a:rPr lang="en-US" dirty="0" err="1" smtClean="0"/>
-              <a:t>colorschemes</a:t>
-            </a:r>
-            <a:endParaRPr lang="en-US" dirty="0"/>
+              <a:rPr lang="en-US" sz="6600" dirty="0" smtClean="0"/>
+              <a:t>splitting windows</a:t>
+            </a:r>
+            <a:endParaRPr lang="en-US" sz="6600" dirty="0"/>
           </a:p>
         </p:txBody>
       </p:sp>
@@ -9893,18 +10085,59 @@
         </p:nvSpPr>
         <p:spPr/>
         <p:txBody>
-          <a:bodyPr>
-            <a:normAutofit/>
-          </a:bodyPr>
-          <a:lstStyle/>
-          <a:p>
-            <a:r>
-              <a:rPr lang="en-US" dirty="0" smtClean="0"/>
-              <a:t>many </a:t>
+          <a:bodyPr/>
+          <a:lstStyle/>
+          <a:p>
+            <a:r>
+              <a:rPr lang="en-US" dirty="0" smtClean="0"/>
+              <a:t>can </a:t>
             </a:r>
             <a:r>
               <a:rPr lang="en-US" dirty="0"/>
-              <a:t>come with vim</a:t>
+              <a:t>split the edit area multiple ways</a:t>
+            </a:r>
+          </a:p>
+          <a:p>
+            <a:pPr lvl="1"/>
+            <a:r>
+              <a:rPr lang="en-US" dirty="0" smtClean="0"/>
+              <a:t>:</a:t>
+            </a:r>
+            <a:r>
+              <a:rPr lang="en-US" dirty="0" err="1"/>
+              <a:t>sp</a:t>
+            </a:r>
+            <a:r>
+              <a:rPr lang="en-US" dirty="0"/>
+              <a:t>(lit) - </a:t>
+            </a:r>
+            <a:r>
+              <a:rPr lang="en-US" dirty="0" smtClean="0"/>
+              <a:t>horizontal</a:t>
+            </a:r>
+            <a:endParaRPr lang="en-US" dirty="0"/>
+          </a:p>
+          <a:p>
+            <a:pPr lvl="1"/>
+            <a:r>
+              <a:rPr lang="en-US" dirty="0"/>
+              <a:t>:</a:t>
+            </a:r>
+            <a:r>
+              <a:rPr lang="en-US" dirty="0" err="1"/>
+              <a:t>vs</a:t>
+            </a:r>
+            <a:r>
+              <a:rPr lang="en-US" dirty="0"/>
+              <a:t>(</a:t>
+            </a:r>
+            <a:r>
+              <a:rPr lang="en-US" dirty="0" err="1"/>
+              <a:t>plit</a:t>
+            </a:r>
+            <a:r>
+              <a:rPr lang="en-US" dirty="0"/>
+              <a:t>) – vertical</a:t>
             </a:r>
           </a:p>
           <a:p>
@@ -9913,34 +10146,23 @@
           <a:p>
             <a:r>
               <a:rPr lang="en-US" dirty="0" smtClean="0"/>
-              <a:t>solarized is a popular one</a:t>
-            </a:r>
-          </a:p>
-          <a:p>
-            <a:endParaRPr lang="en-US" dirty="0" smtClean="0"/>
-          </a:p>
-          <a:p>
-            <a:r>
-              <a:rPr lang="en-US" dirty="0" smtClean="0"/>
-              <a:t>color packs you can download</a:t>
-            </a:r>
-          </a:p>
-          <a:p>
-            <a:endParaRPr lang="en-US" dirty="0" smtClean="0"/>
-          </a:p>
-          <a:p>
-            <a:r>
-              <a:rPr lang="en-US" dirty="0" smtClean="0"/>
-              <a:t>make your own!</a:t>
-            </a:r>
-            <a:endParaRPr lang="en-US" dirty="0"/>
+              <a:t>:q closes current window</a:t>
+            </a:r>
+            <a:endParaRPr lang="en-US" dirty="0"/>
+          </a:p>
+          <a:p>
+            <a:pPr lvl="1"/>
+            <a:r>
+              <a:rPr lang="en-US" dirty="0" smtClean="0"/>
+              <a:t>buffer still exists</a:t>
+            </a:r>
           </a:p>
         </p:txBody>
       </p:sp>
     </p:spTree>
     <p:extLst>
       <p:ext uri="{BB962C8B-B14F-4D97-AF65-F5344CB8AC3E}">
-        <p14:creationId xmlns:p14="http://schemas.microsoft.com/office/powerpoint/2010/main" val="412503745"/>
+        <p14:creationId xmlns:p14="http://schemas.microsoft.com/office/powerpoint/2010/main" val="2292124294"/>
       </p:ext>
     </p:extLst>
   </p:cSld>
@@ -9983,10 +10205,10 @@
           <a:lstStyle/>
           <a:p>
             <a:r>
-              <a:rPr lang="en-US" dirty="0" smtClean="0"/>
-              <a:t>advanced</a:t>
-            </a:r>
-            <a:endParaRPr lang="en-US" dirty="0"/>
+              <a:rPr lang="en-US" sz="7200" dirty="0" smtClean="0"/>
+              <a:t>window commands</a:t>
+            </a:r>
+            <a:endParaRPr lang="en-US" sz="7200" dirty="0"/>
           </a:p>
         </p:txBody>
       </p:sp>
@@ -10002,61 +10224,47 @@
         </p:nvSpPr>
         <p:spPr/>
         <p:txBody>
-          <a:bodyPr>
-            <a:normAutofit lnSpcReduction="10000"/>
-          </a:bodyPr>
-          <a:lstStyle/>
-          <a:p>
+          <a:bodyPr/>
+          <a:lstStyle/>
+          <a:p>
+            <a:r>
+              <a:rPr lang="en-US" dirty="0" smtClean="0"/>
+              <a:t>Ctrl-w w - cycles between windows</a:t>
+            </a:r>
+          </a:p>
+          <a:p>
+            <a:endParaRPr lang="en-US" dirty="0"/>
+          </a:p>
+          <a:p>
+            <a:r>
+              <a:rPr lang="en-US" dirty="0" smtClean="0"/>
+              <a:t>Ctrl-w </a:t>
+            </a:r>
             <a:r>
               <a:rPr lang="en-US" dirty="0" err="1" smtClean="0"/>
-              <a:t>filetypes</a:t>
-            </a:r>
-            <a:endParaRPr lang="en-US" dirty="0" smtClean="0"/>
-          </a:p>
-          <a:p>
-            <a:endParaRPr lang="en-US" dirty="0"/>
-          </a:p>
-          <a:p>
-            <a:r>
-              <a:rPr lang="en-US" dirty="0"/>
-              <a:t>language </a:t>
-            </a:r>
-            <a:r>
-              <a:rPr lang="en-US" dirty="0" smtClean="0"/>
-              <a:t>support</a:t>
-            </a:r>
-          </a:p>
-          <a:p>
-            <a:endParaRPr lang="en-US" dirty="0"/>
-          </a:p>
-          <a:p>
-            <a:r>
-              <a:rPr lang="en-US" dirty="0" smtClean="0"/>
-              <a:t>syntax highlighting</a:t>
-            </a:r>
-          </a:p>
-          <a:p>
-            <a:endParaRPr lang="en-US" dirty="0"/>
-          </a:p>
-          <a:p>
-            <a:r>
-              <a:rPr lang="en-US" dirty="0" smtClean="0"/>
-              <a:t>other modes</a:t>
-            </a:r>
-          </a:p>
-          <a:p>
-            <a:pPr lvl="1"/>
-            <a:r>
-              <a:rPr lang="en-US" dirty="0" smtClean="0"/>
-              <a:t>visual mode is a useful one</a:t>
-            </a:r>
+              <a:t>h,j,k,l</a:t>
+            </a:r>
+            <a:r>
+              <a:rPr lang="en-US" dirty="0" smtClean="0"/>
+              <a:t> - moves to window in that direction</a:t>
+            </a:r>
+          </a:p>
+          <a:p>
+            <a:endParaRPr lang="en-US" dirty="0"/>
+          </a:p>
+          <a:p>
+            <a:r>
+              <a:rPr lang="en-US" dirty="0" smtClean="0"/>
+              <a:t>:help Ctrl-w for more commands</a:t>
+            </a:r>
+            <a:endParaRPr lang="en-US" dirty="0"/>
           </a:p>
         </p:txBody>
       </p:sp>
     </p:spTree>
     <p:extLst>
       <p:ext uri="{BB962C8B-B14F-4D97-AF65-F5344CB8AC3E}">
-        <p14:creationId xmlns:p14="http://schemas.microsoft.com/office/powerpoint/2010/main" val="4285375794"/>
+        <p14:creationId xmlns:p14="http://schemas.microsoft.com/office/powerpoint/2010/main" val="455296140"/>
       </p:ext>
     </p:extLst>
   </p:cSld>
@@ -10099,12 +10307,8 @@
           <a:lstStyle/>
           <a:p>
             <a:r>
-              <a:rPr lang="en-US" sz="7200" dirty="0">
-                <a:solidFill>
-                  <a:srgbClr val="EEEEEE"/>
-                </a:solidFill>
-              </a:rPr>
-              <a:t>advanced, cont.</a:t>
+              <a:rPr lang="en-US" dirty="0" smtClean="0"/>
+              <a:t>visual mode</a:t>
             </a:r>
             <a:endParaRPr lang="en-US" dirty="0"/>
           </a:p>
@@ -10123,83 +10327,59 @@
         <p:spPr/>
         <p:txBody>
           <a:bodyPr>
-            <a:normAutofit fontScale="85000" lnSpcReduction="20000"/>
+            <a:normAutofit/>
           </a:bodyPr>
           <a:lstStyle/>
           <a:p>
             <a:r>
+              <a:rPr lang="en-US" dirty="0" smtClean="0"/>
+              <a:t>one of many modes</a:t>
+            </a:r>
+          </a:p>
+          <a:p>
+            <a:endParaRPr lang="en-US" dirty="0"/>
+          </a:p>
+          <a:p>
+            <a:r>
+              <a:rPr lang="en-US" dirty="0" smtClean="0"/>
+              <a:t>starts a highlighted area</a:t>
+            </a:r>
+          </a:p>
+          <a:p>
+            <a:endParaRPr lang="en-US" dirty="0"/>
+          </a:p>
+          <a:p>
+            <a:r>
+              <a:rPr lang="en-US" dirty="0" smtClean="0"/>
+              <a:t>v – visual mode per character</a:t>
+            </a:r>
+          </a:p>
+          <a:p>
+            <a:r>
+              <a:rPr lang="en-US" dirty="0" smtClean="0"/>
+              <a:t>V – visual mode </a:t>
+            </a:r>
+            <a:r>
               <a:rPr lang="en-US" dirty="0" err="1" smtClean="0"/>
-              <a:t>gvimdiff</a:t>
-            </a:r>
-            <a:r>
-              <a:rPr lang="en-US" dirty="0" smtClean="0"/>
-              <a:t> file1 file2</a:t>
-            </a:r>
-          </a:p>
-          <a:p>
-            <a:pPr lvl="1"/>
-            <a:r>
-              <a:rPr lang="en-US" dirty="0" smtClean="0"/>
-              <a:t>commands related to diffing/merging files</a:t>
-            </a:r>
-          </a:p>
-          <a:p>
+              <a:t>linewise</a:t>
+            </a:r>
+            <a:endParaRPr lang="en-US" dirty="0"/>
+          </a:p>
+          <a:p>
+            <a:r>
+              <a:rPr lang="en-US" dirty="0" smtClean="0"/>
+              <a:t>Ctrl-v – visual mode </a:t>
+            </a:r>
+            <a:r>
+              <a:rPr lang="en-US" dirty="0" err="1" smtClean="0"/>
+              <a:t>blockwise</a:t>
+            </a:r>
             <a:endParaRPr lang="en-US" dirty="0" smtClean="0"/>
           </a:p>
           <a:p>
-            <a:r>
-              <a:rPr lang="en-US" dirty="0" smtClean="0"/>
-              <a:t>folds</a:t>
-            </a:r>
-          </a:p>
-          <a:p>
-            <a:pPr lvl="1"/>
-            <a:r>
-              <a:rPr lang="en-US" dirty="0" smtClean="0"/>
-              <a:t>collapse blocks of code</a:t>
-            </a:r>
-          </a:p>
-          <a:p>
-            <a:endParaRPr lang="en-US" dirty="0" smtClean="0"/>
-          </a:p>
-          <a:p>
-            <a:r>
-              <a:rPr lang="en-US" dirty="0" smtClean="0"/>
-              <a:t>marks – jump around file easier</a:t>
-            </a:r>
-          </a:p>
-          <a:p>
-            <a:pPr lvl="1"/>
-            <a:r>
-              <a:rPr lang="en-US" dirty="0" smtClean="0"/>
-              <a:t>ma – mark the current like as a</a:t>
-            </a:r>
-          </a:p>
-          <a:p>
-            <a:pPr lvl="1"/>
-            <a:r>
-              <a:rPr lang="en-US" dirty="0" smtClean="0"/>
-              <a:t>‘a – jump to mark a</a:t>
-            </a:r>
-          </a:p>
-          <a:p>
-            <a:pPr lvl="1"/>
-            <a:r>
-              <a:rPr lang="en-US" dirty="0" smtClean="0"/>
-              <a:t>Ctrl-o, Ctrl-</a:t>
-            </a:r>
-            <a:r>
-              <a:rPr lang="en-US" dirty="0" err="1" smtClean="0"/>
-              <a:t>i</a:t>
-            </a:r>
-            <a:r>
-              <a:rPr lang="en-US" dirty="0" smtClean="0"/>
-              <a:t> – jump forward and backward to last places you were</a:t>
-            </a:r>
-            <a:endParaRPr lang="en-US" dirty="0"/>
-          </a:p>
-          <a:p>
-            <a:pPr lvl="1"/>
+            <a:endParaRPr lang="en-US" dirty="0"/>
+          </a:p>
+          <a:p>
             <a:endParaRPr lang="en-US" dirty="0" smtClean="0"/>
           </a:p>
         </p:txBody>
@@ -10207,7 +10387,7 @@
     </p:spTree>
     <p:extLst>
       <p:ext uri="{BB962C8B-B14F-4D97-AF65-F5344CB8AC3E}">
-        <p14:creationId xmlns:p14="http://schemas.microsoft.com/office/powerpoint/2010/main" val="1365242323"/>
+        <p14:creationId xmlns:p14="http://schemas.microsoft.com/office/powerpoint/2010/main" val="962654973"/>
       </p:ext>
     </p:extLst>
   </p:cSld>
@@ -10250,10 +10430,10 @@
           <a:lstStyle/>
           <a:p>
             <a:r>
-              <a:rPr lang="en-US" sz="7200" dirty="0" smtClean="0"/>
-              <a:t>advanced, cont.</a:t>
-            </a:r>
-            <a:endParaRPr lang="en-US" sz="7200" dirty="0"/>
+              <a:rPr lang="en-US" dirty="0" smtClean="0"/>
+              <a:t>visual mode</a:t>
+            </a:r>
+            <a:endParaRPr lang="en-US" dirty="0"/>
           </a:p>
         </p:txBody>
       </p:sp>
@@ -10270,94 +10450,51 @@
         <p:spPr/>
         <p:txBody>
           <a:bodyPr>
-            <a:normAutofit fontScale="85000" lnSpcReduction="20000"/>
+            <a:normAutofit lnSpcReduction="10000"/>
           </a:bodyPr>
           <a:lstStyle/>
           <a:p>
             <a:r>
+              <a:rPr lang="en-US" dirty="0" smtClean="0"/>
+              <a:t>once visual mode is selected, use motions to expand the highlighted text</a:t>
+            </a:r>
+          </a:p>
+          <a:p>
+            <a:pPr lvl="1"/>
+            <a:r>
+              <a:rPr lang="en-US" dirty="0" smtClean="0"/>
+              <a:t>Ctrl-V j – selects this line and 1 below</a:t>
+            </a:r>
+          </a:p>
+          <a:p>
+            <a:endParaRPr lang="en-US" dirty="0"/>
+          </a:p>
+          <a:p>
+            <a:r>
+              <a:rPr lang="en-US" dirty="0" smtClean="0"/>
+              <a:t>after selected, use a command</a:t>
+            </a:r>
+          </a:p>
+          <a:p>
+            <a:pPr lvl="1"/>
+            <a:r>
               <a:rPr lang="en-US" dirty="0"/>
-              <a:t>ranges for </a:t>
-            </a:r>
-            <a:r>
-              <a:rPr lang="en-US" dirty="0" smtClean="0"/>
-              <a:t>commands</a:t>
-            </a:r>
-          </a:p>
-          <a:p>
-            <a:r>
-              <a:rPr lang="en-US" dirty="0" smtClean="0"/>
-              <a:t>. </a:t>
-            </a:r>
-            <a:r>
-              <a:rPr lang="en-US" dirty="0"/>
-              <a:t>– refers to current </a:t>
-            </a:r>
-            <a:r>
-              <a:rPr lang="en-US" dirty="0" smtClean="0"/>
-              <a:t>line</a:t>
-            </a:r>
-          </a:p>
-          <a:p>
-            <a:r>
-              <a:rPr lang="en-US" dirty="0" smtClean="0"/>
-              <a:t>% </a:t>
-            </a:r>
-            <a:r>
-              <a:rPr lang="en-US" dirty="0"/>
-              <a:t>- refers to current file</a:t>
-            </a:r>
-          </a:p>
-          <a:p>
+              <a:t>delete/yank/substitute/</a:t>
+            </a:r>
+            <a:r>
+              <a:rPr lang="en-US" dirty="0" err="1"/>
+              <a:t>etc</a:t>
+            </a:r>
             <a:endParaRPr lang="en-US" dirty="0" smtClean="0"/>
           </a:p>
           <a:p>
-            <a:r>
-              <a:rPr lang="en-US" dirty="0" smtClean="0"/>
-              <a:t>examples:</a:t>
-            </a:r>
-          </a:p>
-          <a:p>
             <a:pPr lvl="1"/>
             <a:r>
-              <a:rPr lang="en-US" dirty="0"/>
-              <a:t>:&gt; - indent this line</a:t>
-            </a:r>
-          </a:p>
-          <a:p>
-            <a:pPr lvl="1"/>
-            <a:r>
-              <a:rPr lang="en-US" dirty="0"/>
-              <a:t>:.&gt; - indent this line</a:t>
-            </a:r>
-          </a:p>
-          <a:p>
-            <a:pPr lvl="1"/>
-            <a:r>
-              <a:rPr lang="en-US" dirty="0" smtClean="0"/>
-              <a:t>:.,+</a:t>
-            </a:r>
-            <a:r>
-              <a:rPr lang="en-US" dirty="0"/>
-              <a:t>2&gt; – indent this and the next two lines</a:t>
-            </a:r>
-          </a:p>
-          <a:p>
-            <a:pPr lvl="1"/>
-            <a:r>
-              <a:rPr lang="en-US" dirty="0"/>
-              <a:t>:.,’a&gt;&gt; - indent two times from this line until mark a</a:t>
-            </a:r>
-          </a:p>
-          <a:p>
-            <a:pPr lvl="1"/>
-            <a:r>
-              <a:rPr lang="en-US" dirty="0"/>
-              <a:t>:%&gt;&gt; indent this whole file two </a:t>
-            </a:r>
-            <a:r>
-              <a:rPr lang="en-US" dirty="0" smtClean="0"/>
-              <a:t>times</a:t>
-            </a:r>
+              <a:rPr lang="en-US" dirty="0" smtClean="0"/>
+              <a:t>performed only to the selected area</a:t>
+            </a:r>
+          </a:p>
+          <a:p>
             <a:endParaRPr lang="en-US" dirty="0"/>
           </a:p>
         </p:txBody>
@@ -10365,7 +10502,7 @@
     </p:spTree>
     <p:extLst>
       <p:ext uri="{BB962C8B-B14F-4D97-AF65-F5344CB8AC3E}">
-        <p14:creationId xmlns:p14="http://schemas.microsoft.com/office/powerpoint/2010/main" val="3667826321"/>
+        <p14:creationId xmlns:p14="http://schemas.microsoft.com/office/powerpoint/2010/main" val="2239354234"/>
       </p:ext>
     </p:extLst>
   </p:cSld>
@@ -10408,87 +10545,109 @@
           <a:lstStyle/>
           <a:p>
             <a:r>
-              <a:rPr lang="en-US" sz="7200" dirty="0">
-                <a:solidFill>
-                  <a:srgbClr val="EEEEEE"/>
-                </a:solidFill>
+              <a:rPr lang="en-US" dirty="0" smtClean="0"/>
+              <a:t>.</a:t>
+            </a:r>
+            <a:r>
+              <a:rPr lang="en-US" dirty="0" err="1" smtClean="0"/>
+              <a:t>vimrc</a:t>
+            </a:r>
+            <a:endParaRPr lang="en-US" dirty="0"/>
+          </a:p>
+        </p:txBody>
+      </p:sp>
+      <p:sp>
+        <p:nvSpPr>
+          <p:cNvPr id="3" name="Content Placeholder 2"/>
+          <p:cNvSpPr>
+            <a:spLocks noGrp="1"/>
+          </p:cNvSpPr>
+          <p:nvPr>
+            <p:ph idx="1"/>
+          </p:nvPr>
+        </p:nvSpPr>
+        <p:spPr/>
+        <p:txBody>
+          <a:bodyPr>
+            <a:normAutofit lnSpcReduction="10000"/>
+          </a:bodyPr>
+          <a:lstStyle/>
+          <a:p>
+            <a:r>
+              <a:rPr lang="en-US" dirty="0" smtClean="0"/>
+              <a:t>file containing vim customizations</a:t>
+            </a:r>
+          </a:p>
+          <a:p>
+            <a:endParaRPr lang="en-US" dirty="0"/>
+          </a:p>
+          <a:p>
+            <a:r>
+              <a:rPr lang="en-US" dirty="0" smtClean="0"/>
+              <a:t>see my .</a:t>
+            </a:r>
+            <a:r>
+              <a:rPr lang="en-US" dirty="0" err="1" smtClean="0"/>
+              <a:t>vimrc</a:t>
+            </a:r>
+            <a:r>
+              <a:rPr lang="en-US" dirty="0" smtClean="0"/>
+              <a:t> in my </a:t>
+            </a:r>
+            <a:r>
+              <a:rPr lang="en-US" dirty="0" err="1" smtClean="0"/>
+              <a:t>dotfiles</a:t>
+            </a:r>
+            <a:r>
+              <a:rPr lang="en-US" dirty="0" smtClean="0"/>
+              <a:t> repo</a:t>
+            </a:r>
+          </a:p>
+          <a:p>
+            <a:pPr lvl="1"/>
+            <a:r>
+              <a:rPr lang="en-US" dirty="0">
+                <a:hlinkClick r:id="rId2"/>
               </a:rPr>
-              <a:t>advanced, cont.</a:t>
-            </a:r>
-            <a:endParaRPr lang="en-US" dirty="0"/>
-          </a:p>
-        </p:txBody>
-      </p:sp>
-      <p:sp>
-        <p:nvSpPr>
-          <p:cNvPr id="3" name="Content Placeholder 2"/>
-          <p:cNvSpPr>
-            <a:spLocks noGrp="1"/>
-          </p:cNvSpPr>
-          <p:nvPr>
-            <p:ph idx="1"/>
-          </p:nvPr>
-        </p:nvSpPr>
-        <p:spPr/>
-        <p:txBody>
-          <a:bodyPr>
-            <a:normAutofit fontScale="92500" lnSpcReduction="10000"/>
-          </a:bodyPr>
-          <a:lstStyle/>
-          <a:p>
-            <a:r>
-              <a:rPr lang="en-US" dirty="0" smtClean="0"/>
-              <a:t>macros</a:t>
-            </a:r>
-          </a:p>
-          <a:p>
-            <a:pPr lvl="1"/>
-            <a:r>
-              <a:rPr lang="en-US" dirty="0" smtClean="0"/>
-              <a:t>repeat a series of actions that you record</a:t>
-            </a:r>
-          </a:p>
-          <a:p>
-            <a:endParaRPr lang="en-US" dirty="0"/>
-          </a:p>
-          <a:p>
-            <a:r>
-              <a:rPr lang="en-US" dirty="0" smtClean="0"/>
-              <a:t>key mapping</a:t>
-            </a:r>
-          </a:p>
-          <a:p>
-            <a:pPr lvl="1"/>
-            <a:r>
-              <a:rPr lang="en-US" dirty="0" smtClean="0"/>
-              <a:t>customize things as you like</a:t>
-            </a:r>
-          </a:p>
-          <a:p>
-            <a:endParaRPr lang="en-US" dirty="0"/>
-          </a:p>
-          <a:p>
-            <a:r>
-              <a:rPr lang="en-US" dirty="0" smtClean="0"/>
-              <a:t>plugins</a:t>
-            </a:r>
-          </a:p>
-          <a:p>
-            <a:pPr lvl="1"/>
-            <a:r>
-              <a:rPr lang="en-US" dirty="0" smtClean="0"/>
-              <a:t>Command-T for fuzzy file finding</a:t>
-            </a:r>
-          </a:p>
-          <a:p>
-            <a:endParaRPr lang="en-US" dirty="0"/>
+              <a:t>https://</a:t>
+            </a:r>
+            <a:r>
+              <a:rPr lang="en-US" dirty="0" smtClean="0">
+                <a:hlinkClick r:id="rId2"/>
+              </a:rPr>
+              <a:t>github.com/kyletolle/dotfiles</a:t>
+            </a:r>
+            <a:endParaRPr lang="en-US" dirty="0" smtClean="0"/>
+          </a:p>
+          <a:p>
+            <a:endParaRPr lang="en-US" dirty="0"/>
+          </a:p>
+          <a:p>
+            <a:r>
+              <a:rPr lang="en-US" dirty="0" smtClean="0"/>
+              <a:t>other people share their </a:t>
+            </a:r>
+            <a:r>
+              <a:rPr lang="en-US" dirty="0" err="1" smtClean="0"/>
+              <a:t>vimrcs</a:t>
+            </a:r>
+            <a:endParaRPr lang="en-US" dirty="0" smtClean="0"/>
+          </a:p>
+          <a:p>
+            <a:endParaRPr lang="en-US" dirty="0" smtClean="0"/>
+          </a:p>
+          <a:p>
+            <a:r>
+              <a:rPr lang="en-US" dirty="0" smtClean="0"/>
+              <a:t>mix and match as you choose</a:t>
+            </a:r>
           </a:p>
         </p:txBody>
       </p:sp>
     </p:spTree>
     <p:extLst>
       <p:ext uri="{BB962C8B-B14F-4D97-AF65-F5344CB8AC3E}">
-        <p14:creationId xmlns:p14="http://schemas.microsoft.com/office/powerpoint/2010/main" val="14090876"/>
+        <p14:creationId xmlns:p14="http://schemas.microsoft.com/office/powerpoint/2010/main" val="3557938886"/>
       </p:ext>
     </p:extLst>
   </p:cSld>
@@ -10531,10 +10690,14 @@
           <a:lstStyle/>
           <a:p>
             <a:r>
-              <a:rPr lang="en-US" sz="7200" dirty="0" smtClean="0"/>
-              <a:t>advanced, cont.</a:t>
-            </a:r>
-            <a:endParaRPr lang="en-US" sz="7200" dirty="0"/>
+              <a:rPr lang="en-US" sz="8800" dirty="0" smtClean="0"/>
+              <a:t>create .</a:t>
+            </a:r>
+            <a:r>
+              <a:rPr lang="en-US" sz="8800" dirty="0" err="1" smtClean="0"/>
+              <a:t>vimrc</a:t>
+            </a:r>
+            <a:endParaRPr lang="en-US" sz="8800" dirty="0"/>
           </a:p>
         </p:txBody>
       </p:sp>
@@ -10550,83 +10713,69 @@
         </p:nvSpPr>
         <p:spPr/>
         <p:txBody>
-          <a:bodyPr>
-            <a:normAutofit fontScale="77500" lnSpcReduction="20000"/>
-          </a:bodyPr>
-          <a:lstStyle/>
-          <a:p>
-            <a:r>
-              <a:rPr lang="en-US" dirty="0" smtClean="0"/>
-              <a:t>registers</a:t>
-            </a:r>
+          <a:bodyPr/>
+          <a:lstStyle/>
+          <a:p>
+            <a:r>
+              <a:rPr lang="en-US" dirty="0" smtClean="0"/>
+              <a:t>:e ~/.</a:t>
+            </a:r>
+            <a:r>
+              <a:rPr lang="en-US" dirty="0" err="1" smtClean="0"/>
+              <a:t>vimrc</a:t>
+            </a:r>
+            <a:r>
+              <a:rPr lang="en-US" dirty="0" smtClean="0"/>
+              <a:t> – </a:t>
+            </a:r>
+            <a:r>
+              <a:rPr lang="en-US" dirty="0" err="1" smtClean="0"/>
+              <a:t>unix</a:t>
+            </a:r>
+            <a:endParaRPr lang="en-US" dirty="0" smtClean="0"/>
           </a:p>
           <a:p>
             <a:pPr lvl="1"/>
             <a:r>
               <a:rPr lang="en-US" dirty="0" smtClean="0"/>
-              <a:t>deleting or yanking puts content into default registers</a:t>
-            </a:r>
-          </a:p>
-          <a:p>
-            <a:pPr lvl="1"/>
-            <a:r>
-              <a:rPr lang="en-US" dirty="0" smtClean="0"/>
-              <a:t>can specify other registers though</a:t>
-            </a:r>
-          </a:p>
-          <a:p>
-            <a:pPr lvl="1"/>
-            <a:endParaRPr lang="en-US" dirty="0"/>
-          </a:p>
-          <a:p>
-            <a:r>
-              <a:rPr lang="en-US" dirty="0" smtClean="0"/>
-              <a:t>tabs</a:t>
-            </a:r>
-          </a:p>
-          <a:p>
-            <a:pPr lvl="1"/>
-            <a:r>
-              <a:rPr lang="en-US" dirty="0"/>
-              <a:t>d</a:t>
-            </a:r>
-            <a:r>
-              <a:rPr lang="en-US" dirty="0" smtClean="0"/>
-              <a:t>ifferent view/window layout of the open buffers</a:t>
-            </a:r>
-          </a:p>
-          <a:p>
-            <a:pPr lvl="1"/>
-            <a:endParaRPr lang="en-US" dirty="0"/>
-          </a:p>
-          <a:p>
-            <a:r>
-              <a:rPr lang="en-US" dirty="0" smtClean="0"/>
-              <a:t>matching</a:t>
-            </a:r>
-          </a:p>
-          <a:p>
-            <a:pPr lvl="1"/>
-            <a:r>
-              <a:rPr lang="en-US" dirty="0"/>
-              <a:t>% - match current punctuation</a:t>
-            </a:r>
-          </a:p>
-          <a:p>
-            <a:pPr lvl="1"/>
-            <a:r>
-              <a:rPr lang="en-US" dirty="0" smtClean="0"/>
-              <a:t>see if {}, </a:t>
-            </a:r>
-            <a:r>
-              <a:rPr lang="en-US" dirty="0"/>
-              <a:t>(), </a:t>
-            </a:r>
-            <a:r>
-              <a:rPr lang="en-US" dirty="0" smtClean="0"/>
-              <a:t>do/end, etc. match up properly</a:t>
-            </a:r>
-            <a:endParaRPr lang="en-US" dirty="0"/>
+              <a:t>:e $VIM/_</a:t>
+            </a:r>
+            <a:r>
+              <a:rPr lang="en-US" dirty="0" err="1" smtClean="0"/>
+              <a:t>vimrc</a:t>
+            </a:r>
+            <a:r>
+              <a:rPr lang="en-US" dirty="0" smtClean="0"/>
+              <a:t> – windows</a:t>
+            </a:r>
+          </a:p>
+          <a:p>
+            <a:r>
+              <a:rPr lang="en-US" dirty="0" smtClean="0"/>
+              <a:t>:r $VIMRUNTIME/</a:t>
+            </a:r>
+            <a:r>
+              <a:rPr lang="en-US" dirty="0" err="1" smtClean="0"/>
+              <a:t>vimrc_example.vim</a:t>
+            </a:r>
+            <a:endParaRPr lang="en-US" dirty="0" smtClean="0"/>
+          </a:p>
+          <a:p>
+            <a:r>
+              <a:rPr lang="en-US" dirty="0" smtClean="0"/>
+              <a:t>:w to write the file</a:t>
+            </a:r>
+          </a:p>
+          <a:p>
+            <a:r>
+              <a:rPr lang="en-US" dirty="0" smtClean="0"/>
+              <a:t>:help </a:t>
+            </a:r>
+            <a:r>
+              <a:rPr lang="en-US" dirty="0" err="1" smtClean="0"/>
+              <a:t>vimrc_intro</a:t>
+            </a:r>
+            <a:endParaRPr lang="en-US" dirty="0" smtClean="0"/>
           </a:p>
           <a:p>
             <a:endParaRPr lang="en-US" dirty="0" smtClean="0"/>
@@ -10636,7 +10785,7 @@
     </p:spTree>
     <p:extLst>
       <p:ext uri="{BB962C8B-B14F-4D97-AF65-F5344CB8AC3E}">
-        <p14:creationId xmlns:p14="http://schemas.microsoft.com/office/powerpoint/2010/main" val="3323915862"/>
+        <p14:creationId xmlns:p14="http://schemas.microsoft.com/office/powerpoint/2010/main" val="128928671"/>
       </p:ext>
     </p:extLst>
   </p:cSld>
@@ -10679,10 +10828,18 @@
           <a:lstStyle/>
           <a:p>
             <a:r>
-              <a:rPr lang="en-US" dirty="0" smtClean="0"/>
-              <a:t>TODO!</a:t>
-            </a:r>
-            <a:endParaRPr lang="en-US" dirty="0"/>
+              <a:rPr lang="en-US" dirty="0" smtClean="0">
+                <a:solidFill>
+                  <a:schemeClr val="accent3"/>
+                </a:solidFill>
+              </a:rPr>
+              <a:t>begin</a:t>
+            </a:r>
+            <a:endParaRPr lang="en-US" dirty="0">
+              <a:solidFill>
+                <a:schemeClr val="accent3"/>
+              </a:solidFill>
+            </a:endParaRPr>
           </a:p>
         </p:txBody>
       </p:sp>
@@ -10698,85 +10855,81 @@
         </p:nvSpPr>
         <p:spPr/>
         <p:txBody>
-          <a:bodyPr/>
-          <a:lstStyle/>
-          <a:p>
-            <a:r>
-              <a:rPr lang="en-US" dirty="0" smtClean="0"/>
-              <a:t>Create a vim startup script</a:t>
+          <a:bodyPr>
+            <a:normAutofit fontScale="92500" lnSpcReduction="10000"/>
+          </a:bodyPr>
+          <a:lstStyle/>
+          <a:p>
+            <a:r>
+              <a:rPr lang="en-US" dirty="0" smtClean="0"/>
+              <a:t>install</a:t>
+            </a:r>
+          </a:p>
+          <a:p>
+            <a:endParaRPr lang="en-US" dirty="0" smtClean="0"/>
+          </a:p>
+          <a:p>
+            <a:r>
+              <a:rPr lang="en-US" dirty="0" smtClean="0"/>
+              <a:t>run vim </a:t>
+            </a:r>
+            <a:r>
+              <a:rPr lang="en-US" dirty="0" smtClean="0"/>
+              <a:t>or </a:t>
+            </a:r>
+            <a:r>
+              <a:rPr lang="en-US" dirty="0" err="1" smtClean="0"/>
+              <a:t>gvim</a:t>
+            </a:r>
+            <a:endParaRPr lang="en-US" dirty="0" smtClean="0"/>
+          </a:p>
+          <a:p>
+            <a:endParaRPr lang="en-US" dirty="0" smtClean="0"/>
+          </a:p>
+          <a:p>
+            <a:r>
+              <a:rPr lang="en-US" dirty="0" smtClean="0"/>
+              <a:t>learn, learn, learn</a:t>
             </a:r>
           </a:p>
           <a:p>
             <a:pPr lvl="1"/>
             <a:r>
-              <a:rPr lang="en-US" dirty="0" smtClean="0"/>
-              <a:t>:e ~/.</a:t>
-            </a:r>
-            <a:r>
               <a:rPr lang="en-US" dirty="0" err="1" smtClean="0"/>
-              <a:t>vimrc</a:t>
-            </a:r>
-            <a:r>
-              <a:rPr lang="en-US" dirty="0" smtClean="0"/>
-              <a:t> – </a:t>
+              <a:t>vimtutor</a:t>
+            </a:r>
+            <a:r>
+              <a:rPr lang="en-US" dirty="0" smtClean="0"/>
+              <a:t> (from the cli)</a:t>
+            </a:r>
+          </a:p>
+          <a:p>
+            <a:pPr lvl="1"/>
+            <a:r>
+              <a:rPr lang="en-US" dirty="0" smtClean="0"/>
+              <a:t>:</a:t>
+            </a:r>
+            <a:r>
+              <a:rPr lang="en-US" dirty="0"/>
+              <a:t>help </a:t>
             </a:r>
             <a:r>
               <a:rPr lang="en-US" dirty="0" err="1" smtClean="0"/>
-              <a:t>unix</a:t>
-            </a:r>
+              <a:t>user_manual</a:t>
+            </a:r>
+            <a:endParaRPr lang="en-US" dirty="0"/>
+          </a:p>
+          <a:p>
             <a:endParaRPr lang="en-US" dirty="0" smtClean="0"/>
           </a:p>
           <a:p>
-            <a:pPr lvl="2"/>
-            <a:r>
-              <a:rPr lang="en-US" dirty="0" smtClean="0"/>
-              <a:t>:e $VIM/_</a:t>
-            </a:r>
-            <a:r>
-              <a:rPr lang="en-US" dirty="0" err="1" smtClean="0"/>
-              <a:t>vimrc</a:t>
-            </a:r>
-            <a:r>
-              <a:rPr lang="en-US" dirty="0" smtClean="0"/>
-              <a:t> – windows</a:t>
-            </a:r>
-          </a:p>
-          <a:p>
-            <a:pPr lvl="1"/>
-            <a:r>
-              <a:rPr lang="en-US" dirty="0" smtClean="0"/>
-              <a:t>:r $VIMRUNTIME/</a:t>
-            </a:r>
-            <a:r>
-              <a:rPr lang="en-US" dirty="0" err="1" smtClean="0"/>
-              <a:t>vimrc_example.vim</a:t>
+            <a:r>
+              <a:rPr lang="en-US" dirty="0" smtClean="0"/>
+              <a:t>tweak</a:t>
             </a:r>
             <a:endParaRPr lang="en-US" dirty="0" smtClean="0"/>
           </a:p>
           <a:p>
-            <a:pPr lvl="1"/>
-            <a:r>
-              <a:rPr lang="en-US" dirty="0" smtClean="0"/>
-              <a:t>:w to write the file</a:t>
-            </a:r>
-          </a:p>
-          <a:p>
-            <a:pPr lvl="1"/>
-            <a:r>
-              <a:rPr lang="en-US" dirty="0" smtClean="0"/>
-              <a:t>:help </a:t>
-            </a:r>
-            <a:r>
-              <a:rPr lang="en-US" dirty="0" err="1" smtClean="0"/>
-              <a:t>vimrc_intro</a:t>
-            </a:r>
-            <a:endParaRPr lang="en-US" dirty="0" smtClean="0"/>
-          </a:p>
-          <a:p>
-            <a:r>
-              <a:rPr lang="en-US" dirty="0" smtClean="0"/>
-              <a:t>Mention autocomplete</a:t>
-            </a:r>
             <a:endParaRPr lang="en-US" dirty="0"/>
           </a:p>
         </p:txBody>
@@ -10784,13 +10937,20 @@
     </p:spTree>
     <p:extLst>
       <p:ext uri="{BB962C8B-B14F-4D97-AF65-F5344CB8AC3E}">
-        <p14:creationId xmlns:p14="http://schemas.microsoft.com/office/powerpoint/2010/main" val="1117018653"/>
+        <p14:creationId xmlns:p14="http://schemas.microsoft.com/office/powerpoint/2010/main" val="2775600374"/>
       </p:ext>
     </p:extLst>
   </p:cSld>
   <p:clrMapOvr>
     <a:masterClrMapping/>
   </p:clrMapOvr>
+  <p:timing>
+    <p:tnLst>
+      <p:par>
+        <p:cTn id="1" dur="indefinite" restart="never" nodeType="tmRoot"/>
+      </p:par>
+    </p:tnLst>
+  </p:timing>
 </p:sld>
 </file>
 
@@ -10827,6 +10987,819 @@
           <a:lstStyle/>
           <a:p>
             <a:r>
+              <a:rPr lang="en-US" dirty="0" err="1" smtClean="0"/>
+              <a:t>colorschemes</a:t>
+            </a:r>
+            <a:endParaRPr lang="en-US" dirty="0"/>
+          </a:p>
+        </p:txBody>
+      </p:sp>
+      <p:sp>
+        <p:nvSpPr>
+          <p:cNvPr id="3" name="Content Placeholder 2"/>
+          <p:cNvSpPr>
+            <a:spLocks noGrp="1"/>
+          </p:cNvSpPr>
+          <p:nvPr>
+            <p:ph idx="1"/>
+          </p:nvPr>
+        </p:nvSpPr>
+        <p:spPr/>
+        <p:txBody>
+          <a:bodyPr>
+            <a:normAutofit/>
+          </a:bodyPr>
+          <a:lstStyle/>
+          <a:p>
+            <a:r>
+              <a:rPr lang="en-US" dirty="0" smtClean="0"/>
+              <a:t>many </a:t>
+            </a:r>
+            <a:r>
+              <a:rPr lang="en-US" dirty="0"/>
+              <a:t>come with vim</a:t>
+            </a:r>
+          </a:p>
+          <a:p>
+            <a:endParaRPr lang="en-US" dirty="0" smtClean="0"/>
+          </a:p>
+          <a:p>
+            <a:r>
+              <a:rPr lang="en-US" dirty="0" smtClean="0"/>
+              <a:t>solarized is a popular one</a:t>
+            </a:r>
+          </a:p>
+          <a:p>
+            <a:endParaRPr lang="en-US" dirty="0" smtClean="0"/>
+          </a:p>
+          <a:p>
+            <a:r>
+              <a:rPr lang="en-US" dirty="0" smtClean="0"/>
+              <a:t>color packs you can download</a:t>
+            </a:r>
+          </a:p>
+          <a:p>
+            <a:endParaRPr lang="en-US" dirty="0" smtClean="0"/>
+          </a:p>
+          <a:p>
+            <a:r>
+              <a:rPr lang="en-US" dirty="0" smtClean="0"/>
+              <a:t>make your own!</a:t>
+            </a:r>
+            <a:endParaRPr lang="en-US" dirty="0"/>
+          </a:p>
+        </p:txBody>
+      </p:sp>
+    </p:spTree>
+    <p:extLst>
+      <p:ext uri="{BB962C8B-B14F-4D97-AF65-F5344CB8AC3E}">
+        <p14:creationId xmlns:p14="http://schemas.microsoft.com/office/powerpoint/2010/main" val="412503745"/>
+      </p:ext>
+    </p:extLst>
+  </p:cSld>
+  <p:clrMapOvr>
+    <a:masterClrMapping/>
+  </p:clrMapOvr>
+</p:sld>
+</file>
+
+<file path=ppt/slides/slide51.xml><?xml version="1.0" encoding="utf-8"?>
+<p:sld xmlns:a="http://schemas.openxmlformats.org/drawingml/2006/main" xmlns:r="http://schemas.openxmlformats.org/officeDocument/2006/relationships" xmlns:p="http://schemas.openxmlformats.org/presentationml/2006/main">
+  <p:cSld>
+    <p:spTree>
+      <p:nvGrpSpPr>
+        <p:cNvPr id="1" name=""/>
+        <p:cNvGrpSpPr/>
+        <p:nvPr/>
+      </p:nvGrpSpPr>
+      <p:grpSpPr>
+        <a:xfrm>
+          <a:off x="0" y="0"/>
+          <a:ext cx="0" cy="0"/>
+          <a:chOff x="0" y="0"/>
+          <a:chExt cx="0" cy="0"/>
+        </a:xfrm>
+      </p:grpSpPr>
+      <p:sp>
+        <p:nvSpPr>
+          <p:cNvPr id="2" name="Title 1"/>
+          <p:cNvSpPr>
+            <a:spLocks noGrp="1"/>
+          </p:cNvSpPr>
+          <p:nvPr>
+            <p:ph type="title"/>
+          </p:nvPr>
+        </p:nvSpPr>
+        <p:spPr/>
+        <p:txBody>
+          <a:bodyPr/>
+          <a:lstStyle/>
+          <a:p>
+            <a:r>
+              <a:rPr lang="en-US" dirty="0" smtClean="0"/>
+              <a:t>advanced</a:t>
+            </a:r>
+            <a:endParaRPr lang="en-US" dirty="0"/>
+          </a:p>
+        </p:txBody>
+      </p:sp>
+      <p:sp>
+        <p:nvSpPr>
+          <p:cNvPr id="3" name="Content Placeholder 2"/>
+          <p:cNvSpPr>
+            <a:spLocks noGrp="1"/>
+          </p:cNvSpPr>
+          <p:nvPr>
+            <p:ph idx="1"/>
+          </p:nvPr>
+        </p:nvSpPr>
+        <p:spPr/>
+        <p:txBody>
+          <a:bodyPr>
+            <a:normAutofit lnSpcReduction="10000"/>
+          </a:bodyPr>
+          <a:lstStyle/>
+          <a:p>
+            <a:r>
+              <a:rPr lang="en-US" dirty="0" err="1" smtClean="0"/>
+              <a:t>filetypes</a:t>
+            </a:r>
+            <a:endParaRPr lang="en-US" dirty="0" smtClean="0"/>
+          </a:p>
+          <a:p>
+            <a:endParaRPr lang="en-US" dirty="0"/>
+          </a:p>
+          <a:p>
+            <a:r>
+              <a:rPr lang="en-US" dirty="0"/>
+              <a:t>language </a:t>
+            </a:r>
+            <a:r>
+              <a:rPr lang="en-US" dirty="0" smtClean="0"/>
+              <a:t>support</a:t>
+            </a:r>
+          </a:p>
+          <a:p>
+            <a:endParaRPr lang="en-US" dirty="0"/>
+          </a:p>
+          <a:p>
+            <a:r>
+              <a:rPr lang="en-US" dirty="0" smtClean="0"/>
+              <a:t>syntax highlighting</a:t>
+            </a:r>
+          </a:p>
+          <a:p>
+            <a:endParaRPr lang="en-US" dirty="0"/>
+          </a:p>
+          <a:p>
+            <a:r>
+              <a:rPr lang="en-US" dirty="0" smtClean="0"/>
+              <a:t>other modes</a:t>
+            </a:r>
+          </a:p>
+          <a:p>
+            <a:pPr lvl="1"/>
+            <a:r>
+              <a:rPr lang="en-US" dirty="0" smtClean="0"/>
+              <a:t>visual mode is a useful one</a:t>
+            </a:r>
+          </a:p>
+        </p:txBody>
+      </p:sp>
+    </p:spTree>
+    <p:extLst>
+      <p:ext uri="{BB962C8B-B14F-4D97-AF65-F5344CB8AC3E}">
+        <p14:creationId xmlns:p14="http://schemas.microsoft.com/office/powerpoint/2010/main" val="4285375794"/>
+      </p:ext>
+    </p:extLst>
+  </p:cSld>
+  <p:clrMapOvr>
+    <a:masterClrMapping/>
+  </p:clrMapOvr>
+</p:sld>
+</file>
+
+<file path=ppt/slides/slide52.xml><?xml version="1.0" encoding="utf-8"?>
+<p:sld xmlns:a="http://schemas.openxmlformats.org/drawingml/2006/main" xmlns:r="http://schemas.openxmlformats.org/officeDocument/2006/relationships" xmlns:p="http://schemas.openxmlformats.org/presentationml/2006/main">
+  <p:cSld>
+    <p:spTree>
+      <p:nvGrpSpPr>
+        <p:cNvPr id="1" name=""/>
+        <p:cNvGrpSpPr/>
+        <p:nvPr/>
+      </p:nvGrpSpPr>
+      <p:grpSpPr>
+        <a:xfrm>
+          <a:off x="0" y="0"/>
+          <a:ext cx="0" cy="0"/>
+          <a:chOff x="0" y="0"/>
+          <a:chExt cx="0" cy="0"/>
+        </a:xfrm>
+      </p:grpSpPr>
+      <p:sp>
+        <p:nvSpPr>
+          <p:cNvPr id="2" name="Title 1"/>
+          <p:cNvSpPr>
+            <a:spLocks noGrp="1"/>
+          </p:cNvSpPr>
+          <p:nvPr>
+            <p:ph type="title"/>
+          </p:nvPr>
+        </p:nvSpPr>
+        <p:spPr/>
+        <p:txBody>
+          <a:bodyPr/>
+          <a:lstStyle/>
+          <a:p>
+            <a:r>
+              <a:rPr lang="en-US" dirty="0">
+                <a:solidFill>
+                  <a:srgbClr val="EEEEEE"/>
+                </a:solidFill>
+              </a:rPr>
+              <a:t>advanced</a:t>
+            </a:r>
+            <a:endParaRPr lang="en-US" dirty="0"/>
+          </a:p>
+        </p:txBody>
+      </p:sp>
+      <p:sp>
+        <p:nvSpPr>
+          <p:cNvPr id="3" name="Content Placeholder 2"/>
+          <p:cNvSpPr>
+            <a:spLocks noGrp="1"/>
+          </p:cNvSpPr>
+          <p:nvPr>
+            <p:ph idx="1"/>
+          </p:nvPr>
+        </p:nvSpPr>
+        <p:spPr/>
+        <p:txBody>
+          <a:bodyPr>
+            <a:normAutofit fontScale="85000" lnSpcReduction="20000"/>
+          </a:bodyPr>
+          <a:lstStyle/>
+          <a:p>
+            <a:r>
+              <a:rPr lang="en-US" dirty="0" err="1" smtClean="0"/>
+              <a:t>gvimdiff</a:t>
+            </a:r>
+            <a:r>
+              <a:rPr lang="en-US" dirty="0" smtClean="0"/>
+              <a:t> file1 file2</a:t>
+            </a:r>
+          </a:p>
+          <a:p>
+            <a:pPr lvl="1"/>
+            <a:r>
+              <a:rPr lang="en-US" dirty="0" smtClean="0"/>
+              <a:t>commands related to diffing/merging files</a:t>
+            </a:r>
+          </a:p>
+          <a:p>
+            <a:endParaRPr lang="en-US" dirty="0" smtClean="0"/>
+          </a:p>
+          <a:p>
+            <a:r>
+              <a:rPr lang="en-US" dirty="0" smtClean="0"/>
+              <a:t>folds</a:t>
+            </a:r>
+          </a:p>
+          <a:p>
+            <a:pPr lvl="1"/>
+            <a:r>
+              <a:rPr lang="en-US" dirty="0" smtClean="0"/>
+              <a:t>collapse blocks of code</a:t>
+            </a:r>
+          </a:p>
+          <a:p>
+            <a:endParaRPr lang="en-US" dirty="0" smtClean="0"/>
+          </a:p>
+          <a:p>
+            <a:r>
+              <a:rPr lang="en-US" dirty="0" smtClean="0"/>
+              <a:t>marks – jump around file easier</a:t>
+            </a:r>
+          </a:p>
+          <a:p>
+            <a:pPr lvl="1"/>
+            <a:r>
+              <a:rPr lang="en-US" dirty="0" smtClean="0"/>
+              <a:t>ma – mark the current like as a</a:t>
+            </a:r>
+          </a:p>
+          <a:p>
+            <a:pPr lvl="1"/>
+            <a:r>
+              <a:rPr lang="en-US" dirty="0" smtClean="0"/>
+              <a:t>‘a – jump to mark a</a:t>
+            </a:r>
+          </a:p>
+          <a:p>
+            <a:pPr lvl="1"/>
+            <a:r>
+              <a:rPr lang="en-US" dirty="0" smtClean="0"/>
+              <a:t>Ctrl-o, Ctrl-</a:t>
+            </a:r>
+            <a:r>
+              <a:rPr lang="en-US" dirty="0" err="1" smtClean="0"/>
+              <a:t>i</a:t>
+            </a:r>
+            <a:r>
+              <a:rPr lang="en-US" dirty="0" smtClean="0"/>
+              <a:t> – jump forward and backward to last places you were</a:t>
+            </a:r>
+            <a:endParaRPr lang="en-US" dirty="0"/>
+          </a:p>
+          <a:p>
+            <a:pPr lvl="1"/>
+            <a:endParaRPr lang="en-US" dirty="0" smtClean="0"/>
+          </a:p>
+        </p:txBody>
+      </p:sp>
+    </p:spTree>
+    <p:extLst>
+      <p:ext uri="{BB962C8B-B14F-4D97-AF65-F5344CB8AC3E}">
+        <p14:creationId xmlns:p14="http://schemas.microsoft.com/office/powerpoint/2010/main" val="1365242323"/>
+      </p:ext>
+    </p:extLst>
+  </p:cSld>
+  <p:clrMapOvr>
+    <a:masterClrMapping/>
+  </p:clrMapOvr>
+</p:sld>
+</file>
+
+<file path=ppt/slides/slide53.xml><?xml version="1.0" encoding="utf-8"?>
+<p:sld xmlns:a="http://schemas.openxmlformats.org/drawingml/2006/main" xmlns:r="http://schemas.openxmlformats.org/officeDocument/2006/relationships" xmlns:p="http://schemas.openxmlformats.org/presentationml/2006/main">
+  <p:cSld>
+    <p:spTree>
+      <p:nvGrpSpPr>
+        <p:cNvPr id="1" name=""/>
+        <p:cNvGrpSpPr/>
+        <p:nvPr/>
+      </p:nvGrpSpPr>
+      <p:grpSpPr>
+        <a:xfrm>
+          <a:off x="0" y="0"/>
+          <a:ext cx="0" cy="0"/>
+          <a:chOff x="0" y="0"/>
+          <a:chExt cx="0" cy="0"/>
+        </a:xfrm>
+      </p:grpSpPr>
+      <p:sp>
+        <p:nvSpPr>
+          <p:cNvPr id="2" name="Title 1"/>
+          <p:cNvSpPr>
+            <a:spLocks noGrp="1"/>
+          </p:cNvSpPr>
+          <p:nvPr>
+            <p:ph type="title"/>
+          </p:nvPr>
+        </p:nvSpPr>
+        <p:spPr/>
+        <p:txBody>
+          <a:bodyPr/>
+          <a:lstStyle/>
+          <a:p>
+            <a:r>
+              <a:rPr lang="en-US" dirty="0">
+                <a:solidFill>
+                  <a:srgbClr val="EEEEEE"/>
+                </a:solidFill>
+              </a:rPr>
+              <a:t>advanced</a:t>
+            </a:r>
+            <a:endParaRPr lang="en-US" sz="7200" dirty="0"/>
+          </a:p>
+        </p:txBody>
+      </p:sp>
+      <p:sp>
+        <p:nvSpPr>
+          <p:cNvPr id="3" name="Content Placeholder 2"/>
+          <p:cNvSpPr>
+            <a:spLocks noGrp="1"/>
+          </p:cNvSpPr>
+          <p:nvPr>
+            <p:ph idx="1"/>
+          </p:nvPr>
+        </p:nvSpPr>
+        <p:spPr/>
+        <p:txBody>
+          <a:bodyPr>
+            <a:normAutofit fontScale="85000" lnSpcReduction="20000"/>
+          </a:bodyPr>
+          <a:lstStyle/>
+          <a:p>
+            <a:r>
+              <a:rPr lang="en-US" dirty="0"/>
+              <a:t>ranges for </a:t>
+            </a:r>
+            <a:r>
+              <a:rPr lang="en-US" dirty="0" smtClean="0"/>
+              <a:t>commands</a:t>
+            </a:r>
+          </a:p>
+          <a:p>
+            <a:r>
+              <a:rPr lang="en-US" dirty="0" smtClean="0"/>
+              <a:t>. </a:t>
+            </a:r>
+            <a:r>
+              <a:rPr lang="en-US" dirty="0"/>
+              <a:t>– refers to current </a:t>
+            </a:r>
+            <a:r>
+              <a:rPr lang="en-US" dirty="0" smtClean="0"/>
+              <a:t>line</a:t>
+            </a:r>
+          </a:p>
+          <a:p>
+            <a:r>
+              <a:rPr lang="en-US" dirty="0" smtClean="0"/>
+              <a:t>% </a:t>
+            </a:r>
+            <a:r>
+              <a:rPr lang="en-US" dirty="0"/>
+              <a:t>- refers to current file</a:t>
+            </a:r>
+          </a:p>
+          <a:p>
+            <a:endParaRPr lang="en-US" dirty="0" smtClean="0"/>
+          </a:p>
+          <a:p>
+            <a:r>
+              <a:rPr lang="en-US" dirty="0" smtClean="0"/>
+              <a:t>examples:</a:t>
+            </a:r>
+          </a:p>
+          <a:p>
+            <a:pPr lvl="1"/>
+            <a:r>
+              <a:rPr lang="en-US" dirty="0"/>
+              <a:t>:&gt; - indent this line</a:t>
+            </a:r>
+          </a:p>
+          <a:p>
+            <a:pPr lvl="1"/>
+            <a:r>
+              <a:rPr lang="en-US" dirty="0"/>
+              <a:t>:.&gt; - indent this line</a:t>
+            </a:r>
+          </a:p>
+          <a:p>
+            <a:pPr lvl="1"/>
+            <a:r>
+              <a:rPr lang="en-US" dirty="0" smtClean="0"/>
+              <a:t>:.,+</a:t>
+            </a:r>
+            <a:r>
+              <a:rPr lang="en-US" dirty="0"/>
+              <a:t>2&gt; – indent this and the next two lines</a:t>
+            </a:r>
+          </a:p>
+          <a:p>
+            <a:pPr lvl="1"/>
+            <a:r>
+              <a:rPr lang="en-US" dirty="0"/>
+              <a:t>:.,’a&gt;&gt; - indent two times from this line until mark a</a:t>
+            </a:r>
+          </a:p>
+          <a:p>
+            <a:pPr lvl="1"/>
+            <a:r>
+              <a:rPr lang="en-US" dirty="0"/>
+              <a:t>:%&gt;&gt; indent this whole file two </a:t>
+            </a:r>
+            <a:r>
+              <a:rPr lang="en-US" dirty="0" smtClean="0"/>
+              <a:t>times</a:t>
+            </a:r>
+            <a:endParaRPr lang="en-US" dirty="0"/>
+          </a:p>
+        </p:txBody>
+      </p:sp>
+    </p:spTree>
+    <p:extLst>
+      <p:ext uri="{BB962C8B-B14F-4D97-AF65-F5344CB8AC3E}">
+        <p14:creationId xmlns:p14="http://schemas.microsoft.com/office/powerpoint/2010/main" val="3667826321"/>
+      </p:ext>
+    </p:extLst>
+  </p:cSld>
+  <p:clrMapOvr>
+    <a:masterClrMapping/>
+  </p:clrMapOvr>
+</p:sld>
+</file>
+
+<file path=ppt/slides/slide54.xml><?xml version="1.0" encoding="utf-8"?>
+<p:sld xmlns:a="http://schemas.openxmlformats.org/drawingml/2006/main" xmlns:r="http://schemas.openxmlformats.org/officeDocument/2006/relationships" xmlns:p="http://schemas.openxmlformats.org/presentationml/2006/main">
+  <p:cSld>
+    <p:spTree>
+      <p:nvGrpSpPr>
+        <p:cNvPr id="1" name=""/>
+        <p:cNvGrpSpPr/>
+        <p:nvPr/>
+      </p:nvGrpSpPr>
+      <p:grpSpPr>
+        <a:xfrm>
+          <a:off x="0" y="0"/>
+          <a:ext cx="0" cy="0"/>
+          <a:chOff x="0" y="0"/>
+          <a:chExt cx="0" cy="0"/>
+        </a:xfrm>
+      </p:grpSpPr>
+      <p:sp>
+        <p:nvSpPr>
+          <p:cNvPr id="2" name="Title 1"/>
+          <p:cNvSpPr>
+            <a:spLocks noGrp="1"/>
+          </p:cNvSpPr>
+          <p:nvPr>
+            <p:ph type="title"/>
+          </p:nvPr>
+        </p:nvSpPr>
+        <p:spPr/>
+        <p:txBody>
+          <a:bodyPr/>
+          <a:lstStyle/>
+          <a:p>
+            <a:r>
+              <a:rPr lang="en-US" dirty="0">
+                <a:solidFill>
+                  <a:srgbClr val="EEEEEE"/>
+                </a:solidFill>
+              </a:rPr>
+              <a:t>advanced</a:t>
+            </a:r>
+            <a:endParaRPr lang="en-US" dirty="0"/>
+          </a:p>
+        </p:txBody>
+      </p:sp>
+      <p:sp>
+        <p:nvSpPr>
+          <p:cNvPr id="3" name="Content Placeholder 2"/>
+          <p:cNvSpPr>
+            <a:spLocks noGrp="1"/>
+          </p:cNvSpPr>
+          <p:nvPr>
+            <p:ph idx="1"/>
+          </p:nvPr>
+        </p:nvSpPr>
+        <p:spPr/>
+        <p:txBody>
+          <a:bodyPr>
+            <a:normAutofit fontScale="92500" lnSpcReduction="10000"/>
+          </a:bodyPr>
+          <a:lstStyle/>
+          <a:p>
+            <a:r>
+              <a:rPr lang="en-US" dirty="0" smtClean="0"/>
+              <a:t>macros</a:t>
+            </a:r>
+          </a:p>
+          <a:p>
+            <a:pPr lvl="1"/>
+            <a:r>
+              <a:rPr lang="en-US" dirty="0" smtClean="0"/>
+              <a:t>repeat a series of actions that you record</a:t>
+            </a:r>
+          </a:p>
+          <a:p>
+            <a:endParaRPr lang="en-US" dirty="0"/>
+          </a:p>
+          <a:p>
+            <a:r>
+              <a:rPr lang="en-US" dirty="0" smtClean="0"/>
+              <a:t>key mapping</a:t>
+            </a:r>
+          </a:p>
+          <a:p>
+            <a:pPr lvl="1"/>
+            <a:r>
+              <a:rPr lang="en-US" dirty="0" smtClean="0"/>
+              <a:t>customize things as you like</a:t>
+            </a:r>
+          </a:p>
+          <a:p>
+            <a:endParaRPr lang="en-US" dirty="0"/>
+          </a:p>
+          <a:p>
+            <a:r>
+              <a:rPr lang="en-US" dirty="0" smtClean="0"/>
+              <a:t>plugins</a:t>
+            </a:r>
+          </a:p>
+          <a:p>
+            <a:pPr lvl="1"/>
+            <a:r>
+              <a:rPr lang="en-US" dirty="0" smtClean="0"/>
+              <a:t>Command-T for fuzzy file finding</a:t>
+            </a:r>
+          </a:p>
+          <a:p>
+            <a:endParaRPr lang="en-US" dirty="0"/>
+          </a:p>
+        </p:txBody>
+      </p:sp>
+    </p:spTree>
+    <p:extLst>
+      <p:ext uri="{BB962C8B-B14F-4D97-AF65-F5344CB8AC3E}">
+        <p14:creationId xmlns:p14="http://schemas.microsoft.com/office/powerpoint/2010/main" val="14090876"/>
+      </p:ext>
+    </p:extLst>
+  </p:cSld>
+  <p:clrMapOvr>
+    <a:masterClrMapping/>
+  </p:clrMapOvr>
+</p:sld>
+</file>
+
+<file path=ppt/slides/slide55.xml><?xml version="1.0" encoding="utf-8"?>
+<p:sld xmlns:a="http://schemas.openxmlformats.org/drawingml/2006/main" xmlns:r="http://schemas.openxmlformats.org/officeDocument/2006/relationships" xmlns:p="http://schemas.openxmlformats.org/presentationml/2006/main">
+  <p:cSld>
+    <p:spTree>
+      <p:nvGrpSpPr>
+        <p:cNvPr id="1" name=""/>
+        <p:cNvGrpSpPr/>
+        <p:nvPr/>
+      </p:nvGrpSpPr>
+      <p:grpSpPr>
+        <a:xfrm>
+          <a:off x="0" y="0"/>
+          <a:ext cx="0" cy="0"/>
+          <a:chOff x="0" y="0"/>
+          <a:chExt cx="0" cy="0"/>
+        </a:xfrm>
+      </p:grpSpPr>
+      <p:sp>
+        <p:nvSpPr>
+          <p:cNvPr id="2" name="Title 1"/>
+          <p:cNvSpPr>
+            <a:spLocks noGrp="1"/>
+          </p:cNvSpPr>
+          <p:nvPr>
+            <p:ph type="title"/>
+          </p:nvPr>
+        </p:nvSpPr>
+        <p:spPr/>
+        <p:txBody>
+          <a:bodyPr/>
+          <a:lstStyle/>
+          <a:p>
+            <a:r>
+              <a:rPr lang="en-US" dirty="0">
+                <a:solidFill>
+                  <a:srgbClr val="EEEEEE"/>
+                </a:solidFill>
+              </a:rPr>
+              <a:t>advanced</a:t>
+            </a:r>
+            <a:endParaRPr lang="en-US" sz="7200" dirty="0"/>
+          </a:p>
+        </p:txBody>
+      </p:sp>
+      <p:sp>
+        <p:nvSpPr>
+          <p:cNvPr id="3" name="Content Placeholder 2"/>
+          <p:cNvSpPr>
+            <a:spLocks noGrp="1"/>
+          </p:cNvSpPr>
+          <p:nvPr>
+            <p:ph idx="1"/>
+          </p:nvPr>
+        </p:nvSpPr>
+        <p:spPr/>
+        <p:txBody>
+          <a:bodyPr>
+            <a:normAutofit fontScale="77500" lnSpcReduction="20000"/>
+          </a:bodyPr>
+          <a:lstStyle/>
+          <a:p>
+            <a:r>
+              <a:rPr lang="en-US" dirty="0" smtClean="0"/>
+              <a:t>registers</a:t>
+            </a:r>
+          </a:p>
+          <a:p>
+            <a:pPr lvl="1"/>
+            <a:r>
+              <a:rPr lang="en-US" dirty="0" smtClean="0"/>
+              <a:t>deleting or yanking puts content into default registers</a:t>
+            </a:r>
+          </a:p>
+          <a:p>
+            <a:pPr lvl="1"/>
+            <a:r>
+              <a:rPr lang="en-US" dirty="0" smtClean="0"/>
+              <a:t>can specify other registers though</a:t>
+            </a:r>
+          </a:p>
+          <a:p>
+            <a:pPr lvl="1"/>
+            <a:endParaRPr lang="en-US" dirty="0"/>
+          </a:p>
+          <a:p>
+            <a:r>
+              <a:rPr lang="en-US" dirty="0" smtClean="0"/>
+              <a:t>tabs</a:t>
+            </a:r>
+          </a:p>
+          <a:p>
+            <a:pPr lvl="1"/>
+            <a:r>
+              <a:rPr lang="en-US" dirty="0"/>
+              <a:t>d</a:t>
+            </a:r>
+            <a:r>
+              <a:rPr lang="en-US" dirty="0" smtClean="0"/>
+              <a:t>ifferent view/window layout of the open buffers</a:t>
+            </a:r>
+          </a:p>
+          <a:p>
+            <a:pPr lvl="1"/>
+            <a:endParaRPr lang="en-US" dirty="0"/>
+          </a:p>
+          <a:p>
+            <a:r>
+              <a:rPr lang="en-US" dirty="0" smtClean="0"/>
+              <a:t>matching</a:t>
+            </a:r>
+          </a:p>
+          <a:p>
+            <a:pPr lvl="1"/>
+            <a:r>
+              <a:rPr lang="en-US" dirty="0"/>
+              <a:t>% - match current punctuation</a:t>
+            </a:r>
+          </a:p>
+          <a:p>
+            <a:pPr lvl="1"/>
+            <a:r>
+              <a:rPr lang="en-US" dirty="0" smtClean="0"/>
+              <a:t>see if {}, </a:t>
+            </a:r>
+            <a:r>
+              <a:rPr lang="en-US" dirty="0"/>
+              <a:t>(), </a:t>
+            </a:r>
+            <a:r>
+              <a:rPr lang="en-US" dirty="0" smtClean="0"/>
+              <a:t>do/end, etc. match up properly</a:t>
+            </a:r>
+            <a:endParaRPr lang="en-US" dirty="0"/>
+          </a:p>
+          <a:p>
+            <a:endParaRPr lang="en-US" dirty="0" smtClean="0"/>
+          </a:p>
+        </p:txBody>
+      </p:sp>
+    </p:spTree>
+    <p:extLst>
+      <p:ext uri="{BB962C8B-B14F-4D97-AF65-F5344CB8AC3E}">
+        <p14:creationId xmlns:p14="http://schemas.microsoft.com/office/powerpoint/2010/main" val="3323915862"/>
+      </p:ext>
+    </p:extLst>
+  </p:cSld>
+  <p:clrMapOvr>
+    <a:masterClrMapping/>
+  </p:clrMapOvr>
+</p:sld>
+</file>
+
+<file path=ppt/slides/slide56.xml><?xml version="1.0" encoding="utf-8"?>
+<p:sld xmlns:a="http://schemas.openxmlformats.org/drawingml/2006/main" xmlns:r="http://schemas.openxmlformats.org/officeDocument/2006/relationships" xmlns:p="http://schemas.openxmlformats.org/presentationml/2006/main">
+  <p:cSld>
+    <p:spTree>
+      <p:nvGrpSpPr>
+        <p:cNvPr id="1" name=""/>
+        <p:cNvGrpSpPr/>
+        <p:nvPr/>
+      </p:nvGrpSpPr>
+      <p:grpSpPr>
+        <a:xfrm>
+          <a:off x="0" y="0"/>
+          <a:ext cx="0" cy="0"/>
+          <a:chOff x="0" y="0"/>
+          <a:chExt cx="0" cy="0"/>
+        </a:xfrm>
+      </p:grpSpPr>
+      <p:sp>
+        <p:nvSpPr>
+          <p:cNvPr id="2" name="Title 1"/>
+          <p:cNvSpPr>
+            <a:spLocks noGrp="1"/>
+          </p:cNvSpPr>
+          <p:nvPr>
+            <p:ph type="title"/>
+          </p:nvPr>
+        </p:nvSpPr>
+        <p:spPr/>
+        <p:txBody>
+          <a:bodyPr/>
+          <a:lstStyle/>
+          <a:p>
+            <a:r>
               <a:rPr lang="en-US" dirty="0" smtClean="0"/>
               <a:t>references</a:t>
             </a:r>
@@ -10923,7 +11896,7 @@
 </p:sld>
 </file>
 
-<file path=ppt/slides/slide51.xml><?xml version="1.0" encoding="utf-8"?>
+<file path=ppt/slides/slide57.xml><?xml version="1.0" encoding="utf-8"?>
 <p:sld xmlns:a="http://schemas.openxmlformats.org/drawingml/2006/main" xmlns:r="http://schemas.openxmlformats.org/officeDocument/2006/relationships" xmlns:p="http://schemas.openxmlformats.org/presentationml/2006/main">
   <p:cSld>
     <p:spTree>
@@ -11040,16 +12013,53 @@
             <p:ph type="title"/>
           </p:nvPr>
         </p:nvSpPr>
-        <p:spPr/>
-        <p:txBody>
-          <a:bodyPr/>
-          <a:lstStyle/>
-          <a:p>
-            <a:r>
-              <a:rPr lang="en-US" dirty="0" smtClean="0"/>
-              <a:t>TODO!</a:t>
-            </a:r>
-            <a:endParaRPr lang="en-US" dirty="0"/>
+        <p:spPr>
+          <a:xfrm>
+            <a:off x="0" y="274638"/>
+            <a:ext cx="9144000" cy="1143000"/>
+          </a:xfrm>
+        </p:spPr>
+        <p:txBody>
+          <a:bodyPr/>
+          <a:lstStyle/>
+          <a:p>
+            <a:r>
+              <a:rPr lang="en-US" dirty="0" smtClean="0">
+                <a:solidFill>
+                  <a:schemeClr val="accent1"/>
+                </a:solidFill>
+              </a:rPr>
+              <a:t>1</a:t>
+            </a:r>
+            <a:r>
+              <a:rPr lang="en-US" baseline="30000" dirty="0" smtClean="0">
+                <a:solidFill>
+                  <a:schemeClr val="accent1"/>
+                </a:solidFill>
+              </a:rPr>
+              <a:t>st</a:t>
+            </a:r>
+            <a:r>
+              <a:rPr lang="en-US" dirty="0" smtClean="0">
+                <a:solidFill>
+                  <a:schemeClr val="accent1"/>
+                </a:solidFill>
+              </a:rPr>
+              <a:t> things 1</a:t>
+            </a:r>
+            <a:r>
+              <a:rPr lang="en-US" baseline="30000" dirty="0" smtClean="0">
+                <a:solidFill>
+                  <a:schemeClr val="accent1"/>
+                </a:solidFill>
+              </a:rPr>
+              <a:t>st</a:t>
+            </a:r>
+            <a:endParaRPr lang="en-US" dirty="0">
+              <a:solidFill>
+                <a:schemeClr val="accent1"/>
+              </a:solidFill>
+            </a:endParaRPr>
           </a:p>
         </p:txBody>
       </p:sp>
@@ -11066,96 +12076,114 @@
         <p:spPr/>
         <p:txBody>
           <a:bodyPr>
-            <a:normAutofit fontScale="92500" lnSpcReduction="20000"/>
+            <a:normAutofit/>
           </a:bodyPr>
           <a:lstStyle/>
           <a:p>
-            <a:r>
-              <a:rPr lang="en-US" dirty="0" smtClean="0"/>
-              <a:t>Command Completion </a:t>
-            </a:r>
-          </a:p>
-          <a:p>
-            <a:pPr lvl="1"/>
-            <a:r>
-              <a:rPr lang="en-US" dirty="0" smtClean="0"/>
-              <a:t>:set </a:t>
+            <a:endParaRPr lang="en-US" dirty="0" smtClean="0"/>
+          </a:p>
+          <a:p>
+            <a:endParaRPr lang="en-US" dirty="0" smtClean="0"/>
+          </a:p>
+          <a:p>
+            <a:pPr marL="0" indent="0">
+              <a:buNone/>
+            </a:pPr>
+            <a:r>
+              <a:rPr lang="en-US" dirty="0" smtClean="0"/>
+              <a:t>what are some common things you do while editing text, code, </a:t>
             </a:r>
             <a:r>
               <a:rPr lang="en-US" dirty="0" err="1" smtClean="0"/>
-              <a:t>nocp</a:t>
-            </a:r>
-            <a:r>
-              <a:rPr lang="en-US" dirty="0" smtClean="0"/>
-              <a:t> (not in compatible mode)</a:t>
-            </a:r>
-          </a:p>
-          <a:p>
-            <a:pPr lvl="1"/>
-            <a:r>
-              <a:rPr lang="en-US" dirty="0" smtClean="0"/>
-              <a:t>:!</a:t>
+              <a:t>config</a:t>
+            </a:r>
+            <a:r>
+              <a:rPr lang="en-US" dirty="0" smtClean="0"/>
+              <a:t> files, </a:t>
             </a:r>
             <a:r>
               <a:rPr lang="en-US" dirty="0" err="1" smtClean="0"/>
-              <a:t>ls</a:t>
-            </a:r>
+              <a:t>etc</a:t>
+            </a:r>
+            <a:r>
+              <a:rPr lang="en-US" dirty="0" smtClean="0"/>
+              <a:t>?</a:t>
+            </a:r>
+          </a:p>
+          <a:p>
+            <a:pPr marL="0" indent="0">
+              <a:buNone/>
+            </a:pPr>
             <a:endParaRPr lang="en-US" dirty="0" smtClean="0"/>
           </a:p>
           <a:p>
-            <a:pPr lvl="1"/>
-            <a:r>
-              <a:rPr lang="en-US" dirty="0" smtClean="0"/>
-              <a:t>:e</a:t>
-            </a:r>
-          </a:p>
-          <a:p>
-            <a:pPr lvl="1"/>
-            <a:r>
-              <a:rPr lang="en-US" dirty="0" smtClean="0"/>
-              <a:t>Ctrl-d</a:t>
-            </a:r>
-          </a:p>
-          <a:p>
-            <a:pPr lvl="2"/>
-            <a:r>
-              <a:rPr lang="en-US" dirty="0" smtClean="0"/>
-              <a:t>Vim shows commands that begin with e</a:t>
-            </a:r>
-          </a:p>
-          <a:p>
-            <a:pPr lvl="1"/>
-            <a:r>
-              <a:rPr lang="en-US" dirty="0" smtClean="0"/>
-              <a:t>Tab to cycle between complete options</a:t>
-            </a:r>
-          </a:p>
-          <a:p>
-            <a:pPr lvl="1"/>
-            <a:r>
-              <a:rPr lang="en-US" dirty="0" smtClean="0"/>
-              <a:t>Ctrl-D is useful for :help POWERFUL!</a:t>
-            </a:r>
-          </a:p>
-          <a:p>
-            <a:pPr lvl="1"/>
-            <a:r>
-              <a:rPr lang="en-US" dirty="0" smtClean="0"/>
-              <a:t>When typing a : command, ctrl-d shows possible completions. Press &lt;tab&gt; to use a completion.</a:t>
-            </a:r>
+            <a:pPr marL="0" indent="0">
+              <a:buNone/>
+            </a:pPr>
+            <a:endParaRPr lang="en-US" dirty="0" smtClean="0"/>
+          </a:p>
+          <a:p>
+            <a:pPr marL="0" indent="0">
+              <a:buNone/>
+            </a:pPr>
+            <a:endParaRPr lang="en-US" dirty="0" smtClean="0"/>
+          </a:p>
+        </p:txBody>
+      </p:sp>
+      <p:sp>
+        <p:nvSpPr>
+          <p:cNvPr id="4" name="Rectangle 3"/>
+          <p:cNvSpPr/>
+          <p:nvPr/>
+        </p:nvSpPr>
+        <p:spPr>
+          <a:xfrm>
+            <a:off x="457200" y="6462789"/>
+            <a:ext cx="4363695" cy="369332"/>
+          </a:xfrm>
+          <a:prstGeom prst="rect">
+            <a:avLst/>
+          </a:prstGeom>
+        </p:spPr>
+        <p:txBody>
+          <a:bodyPr wrap="none">
+            <a:spAutoFit/>
+          </a:bodyPr>
+          <a:lstStyle/>
+          <a:p>
+            <a:r>
+              <a:rPr lang="en-US" dirty="0" smtClean="0">
+                <a:solidFill>
+                  <a:schemeClr val="accent4"/>
+                </a:solidFill>
+              </a:rPr>
+              <a:t>open up a file to learn by doing!</a:t>
+            </a:r>
+            <a:endParaRPr lang="en-US" dirty="0">
+              <a:solidFill>
+                <a:schemeClr val="accent4"/>
+              </a:solidFill>
+            </a:endParaRPr>
           </a:p>
         </p:txBody>
       </p:sp>
     </p:spTree>
     <p:extLst>
       <p:ext uri="{BB962C8B-B14F-4D97-AF65-F5344CB8AC3E}">
-        <p14:creationId xmlns:p14="http://schemas.microsoft.com/office/powerpoint/2010/main" val="3957703706"/>
+        <p14:creationId xmlns:p14="http://schemas.microsoft.com/office/powerpoint/2010/main" val="96818925"/>
       </p:ext>
     </p:extLst>
   </p:cSld>
   <p:clrMapOvr>
     <a:masterClrMapping/>
   </p:clrMapOvr>
+  <p:timing>
+    <p:tnLst>
+      <p:par>
+        <p:cTn id="1" dur="indefinite" restart="never" nodeType="tmRoot"/>
+      </p:par>
+    </p:tnLst>
+  </p:timing>
 </p:sld>
 </file>
 
@@ -11192,10 +12220,18 @@
           <a:lstStyle/>
           <a:p>
             <a:r>
-              <a:rPr lang="en-US" dirty="0" smtClean="0"/>
-              <a:t>TODO!</a:t>
-            </a:r>
-            <a:endParaRPr lang="en-US" dirty="0"/>
+              <a:rPr lang="en-US" dirty="0" smtClean="0">
+                <a:solidFill>
+                  <a:schemeClr val="accent2"/>
+                </a:solidFill>
+              </a:rPr>
+              <a:t>normal mode</a:t>
+            </a:r>
+            <a:endParaRPr lang="en-US" dirty="0">
+              <a:solidFill>
+                <a:schemeClr val="accent2"/>
+              </a:solidFill>
+            </a:endParaRPr>
           </a:p>
         </p:txBody>
       </p:sp>
@@ -11212,60 +12248,69 @@
         <p:spPr/>
         <p:txBody>
           <a:bodyPr>
-            <a:normAutofit/>
+            <a:normAutofit fontScale="92500" lnSpcReduction="10000"/>
           </a:bodyPr>
           <a:lstStyle/>
           <a:p>
             <a:r>
               <a:rPr lang="en-US" dirty="0" smtClean="0"/>
-              <a:t>:</a:t>
-            </a:r>
-            <a:r>
-              <a:rPr lang="en-US" dirty="0" err="1" smtClean="0"/>
-              <a:t>wq</a:t>
-            </a:r>
-            <a:r>
-              <a:rPr lang="en-US" dirty="0" smtClean="0"/>
-              <a:t> is a common pairing of commands</a:t>
-            </a:r>
-          </a:p>
-          <a:p>
-            <a:r>
-              <a:rPr lang="en-US" dirty="0" smtClean="0"/>
-              <a:t>&amp; repeats substitutions</a:t>
-            </a:r>
-          </a:p>
-          <a:p>
-            <a:r>
-              <a:rPr lang="en-US" dirty="0" smtClean="0"/>
-              <a:t>:help </a:t>
-            </a:r>
-            <a:r>
-              <a:rPr lang="en-US" dirty="0" err="1" smtClean="0"/>
-              <a:t>user_manual</a:t>
-            </a:r>
-            <a:r>
-              <a:rPr lang="en-US" dirty="0" smtClean="0"/>
-              <a:t> – use after </a:t>
-            </a:r>
-            <a:r>
-              <a:rPr lang="en-US" smtClean="0"/>
-              <a:t>vimtutor</a:t>
-            </a:r>
+              <a:t>you’re in normal mode by default</a:t>
+            </a:r>
+          </a:p>
+          <a:p>
             <a:endParaRPr lang="en-US" dirty="0" smtClean="0"/>
+          </a:p>
+          <a:p>
+            <a:r>
+              <a:rPr lang="en-US" dirty="0"/>
+              <a:t>move around and perform commands </a:t>
+            </a:r>
+          </a:p>
+          <a:p>
+            <a:endParaRPr lang="en-US" dirty="0" smtClean="0"/>
+          </a:p>
+          <a:p>
+            <a:r>
+              <a:rPr lang="en-US" dirty="0" smtClean="0"/>
+              <a:t>not for typing text</a:t>
+            </a:r>
+          </a:p>
+          <a:p>
+            <a:endParaRPr lang="en-US" dirty="0"/>
+          </a:p>
+          <a:p>
+            <a:r>
+              <a:rPr lang="en-US" dirty="0" smtClean="0"/>
+              <a:t>&lt;ESC&gt; gets you back to normal mode from any other mode</a:t>
+            </a:r>
+          </a:p>
+          <a:p>
+            <a:pPr lvl="1"/>
+            <a:r>
+              <a:rPr lang="en-US" dirty="0" smtClean="0"/>
+              <a:t>Ctrl-[ is equivalent, less hand movement</a:t>
+            </a:r>
+            <a:endParaRPr lang="en-US" dirty="0"/>
           </a:p>
         </p:txBody>
       </p:sp>
     </p:spTree>
     <p:extLst>
       <p:ext uri="{BB962C8B-B14F-4D97-AF65-F5344CB8AC3E}">
-        <p14:creationId xmlns:p14="http://schemas.microsoft.com/office/powerpoint/2010/main" val="475755485"/>
+        <p14:creationId xmlns:p14="http://schemas.microsoft.com/office/powerpoint/2010/main" val="546193272"/>
       </p:ext>
     </p:extLst>
   </p:cSld>
   <p:clrMapOvr>
     <a:masterClrMapping/>
   </p:clrMapOvr>
+  <p:timing>
+    <p:tnLst>
+      <p:par>
+        <p:cTn id="1" dur="indefinite" restart="never" nodeType="tmRoot"/>
+      </p:par>
+    </p:tnLst>
+  </p:timing>
 </p:sld>
 </file>
 
@@ -11293,65 +12338,186 @@
             <a:spLocks noGrp="1"/>
           </p:cNvSpPr>
           <p:nvPr>
-            <p:ph type="ctrTitle"/>
-          </p:nvPr>
-        </p:nvSpPr>
-        <p:spPr/>
-        <p:txBody>
-          <a:bodyPr>
-            <a:noAutofit/>
-          </a:bodyPr>
-          <a:lstStyle/>
-          <a:p>
-            <a:r>
-              <a:rPr lang="en-US" sz="9600" dirty="0" smtClean="0"/>
-              <a:t>vim</a:t>
-            </a:r>
-            <a:endParaRPr lang="en-US" sz="9600" dirty="0"/>
-          </a:p>
-        </p:txBody>
-      </p:sp>
-      <p:sp>
-        <p:nvSpPr>
-          <p:cNvPr id="3" name="Subtitle 2"/>
-          <p:cNvSpPr>
-            <a:spLocks noGrp="1"/>
-          </p:cNvSpPr>
-          <p:nvPr>
-            <p:ph type="subTitle" idx="1"/>
-          </p:nvPr>
+            <p:ph type="title"/>
+          </p:nvPr>
+        </p:nvSpPr>
+        <p:spPr/>
+        <p:txBody>
+          <a:bodyPr/>
+          <a:lstStyle/>
+          <a:p>
+            <a:r>
+              <a:rPr lang="en-US" dirty="0" smtClean="0">
+                <a:solidFill>
+                  <a:schemeClr val="accent3"/>
+                </a:solidFill>
+              </a:rPr>
+              <a:t>move around</a:t>
+            </a:r>
+            <a:endParaRPr lang="en-US" dirty="0">
+              <a:solidFill>
+                <a:schemeClr val="accent3"/>
+              </a:solidFill>
+            </a:endParaRPr>
+          </a:p>
+        </p:txBody>
+      </p:sp>
+      <p:sp>
+        <p:nvSpPr>
+          <p:cNvPr id="6" name="Rectangle 5"/>
+          <p:cNvSpPr/>
+          <p:nvPr/>
         </p:nvSpPr>
         <p:spPr>
           <a:xfrm>
-            <a:off x="685800" y="6075872"/>
-            <a:ext cx="7543800" cy="762000"/>
+            <a:off x="1371600" y="3505200"/>
+            <a:ext cx="862737" cy="584775"/>
           </a:xfrm>
+          <a:prstGeom prst="rect">
+            <a:avLst/>
+          </a:prstGeom>
         </p:spPr>
         <p:txBody>
-          <a:bodyPr>
-            <a:normAutofit/>
+          <a:bodyPr wrap="none">
+            <a:spAutoFit/>
           </a:bodyPr>
           <a:lstStyle/>
           <a:p>
             <a:r>
-              <a:rPr lang="en-US" sz="2400" dirty="0" smtClean="0">
+              <a:rPr lang="en-US" sz="3200" dirty="0" smtClean="0">
                 <a:solidFill>
-                  <a:schemeClr val="accent4"/>
+                  <a:srgbClr val="EEEEEE"/>
                 </a:solidFill>
               </a:rPr>
-              <a:t>a beginner’s journey to coding </a:t>
-            </a:r>
-            <a:r>
-              <a:rPr lang="en-US" sz="2400" dirty="0" err="1" smtClean="0">
+              <a:t>&lt; h</a:t>
+            </a:r>
+            <a:endParaRPr lang="en-US" dirty="0"/>
+          </a:p>
+        </p:txBody>
+      </p:sp>
+      <p:sp>
+        <p:nvSpPr>
+          <p:cNvPr id="8" name="Rectangle 7"/>
+          <p:cNvSpPr/>
+          <p:nvPr/>
+        </p:nvSpPr>
+        <p:spPr>
+          <a:xfrm>
+            <a:off x="4495800" y="5181600"/>
+            <a:ext cx="410690" cy="1077218"/>
+          </a:xfrm>
+          <a:prstGeom prst="rect">
+            <a:avLst/>
+          </a:prstGeom>
+        </p:spPr>
+        <p:txBody>
+          <a:bodyPr wrap="none">
+            <a:spAutoFit/>
+          </a:bodyPr>
+          <a:lstStyle/>
+          <a:p>
+            <a:r>
+              <a:rPr lang="en-US" sz="3200" dirty="0" smtClean="0">
                 <a:solidFill>
-                  <a:schemeClr val="accent4"/>
+                  <a:srgbClr val="EEEEEE"/>
                 </a:solidFill>
               </a:rPr>
-              <a:t>awesomely:w</a:t>
-            </a:r>
-            <a:endParaRPr lang="en-US" sz="2400" dirty="0">
+              <a:t>j</a:t>
+            </a:r>
+          </a:p>
+          <a:p>
+            <a:r>
+              <a:rPr lang="en-US" sz="3200" dirty="0">
+                <a:solidFill>
+                  <a:srgbClr val="EEEEEE"/>
+                </a:solidFill>
+              </a:rPr>
+              <a:t>v</a:t>
+            </a:r>
+            <a:endParaRPr lang="en-US" dirty="0"/>
+          </a:p>
+        </p:txBody>
+      </p:sp>
+      <p:sp>
+        <p:nvSpPr>
+          <p:cNvPr id="10" name="Rectangle 9"/>
+          <p:cNvSpPr/>
+          <p:nvPr/>
+        </p:nvSpPr>
+        <p:spPr>
+          <a:xfrm>
+            <a:off x="4495800" y="1905000"/>
+            <a:ext cx="410690" cy="1077218"/>
+          </a:xfrm>
+          <a:prstGeom prst="rect">
+            <a:avLst/>
+          </a:prstGeom>
+        </p:spPr>
+        <p:txBody>
+          <a:bodyPr wrap="none">
+            <a:spAutoFit/>
+          </a:bodyPr>
+          <a:lstStyle/>
+          <a:p>
+            <a:r>
+              <a:rPr lang="en-US" sz="3200" dirty="0" smtClean="0">
+                <a:solidFill>
+                  <a:srgbClr val="EEEEEE"/>
+                </a:solidFill>
+              </a:rPr>
+              <a:t>^</a:t>
+            </a:r>
+          </a:p>
+          <a:p>
+            <a:r>
+              <a:rPr lang="en-US" sz="3200" dirty="0" smtClean="0">
+                <a:solidFill>
+                  <a:srgbClr val="EEEEEE"/>
+                </a:solidFill>
+              </a:rPr>
+              <a:t>k</a:t>
+            </a:r>
+            <a:endParaRPr lang="en-US" dirty="0"/>
+          </a:p>
+        </p:txBody>
+      </p:sp>
+      <p:sp>
+        <p:nvSpPr>
+          <p:cNvPr id="12" name="Rectangle 11"/>
+          <p:cNvSpPr/>
+          <p:nvPr/>
+        </p:nvSpPr>
+        <p:spPr>
+          <a:xfrm>
+            <a:off x="6858000" y="3505199"/>
+            <a:ext cx="862737" cy="584775"/>
+          </a:xfrm>
+          <a:prstGeom prst="rect">
+            <a:avLst/>
+          </a:prstGeom>
+        </p:spPr>
+        <p:txBody>
+          <a:bodyPr wrap="none">
+            <a:spAutoFit/>
+          </a:bodyPr>
+          <a:lstStyle/>
+          <a:p>
+            <a:pPr lvl="0">
+              <a:spcBef>
+                <a:spcPct val="20000"/>
+              </a:spcBef>
+            </a:pPr>
+            <a:r>
+              <a:rPr lang="en-US" sz="3200" dirty="0" smtClean="0">
+                <a:solidFill>
+                  <a:srgbClr val="EEEEEE"/>
+                </a:solidFill>
+              </a:rPr>
+              <a:t>l &gt;</a:t>
+            </a:r>
+            <a:endParaRPr lang="en-US" sz="3200" dirty="0">
               <a:solidFill>
-                <a:schemeClr val="accent4"/>
+                <a:srgbClr val="EEEEEE"/>
               </a:solidFill>
             </a:endParaRPr>
           </a:p>
@@ -11360,7 +12526,7 @@
     </p:spTree>
     <p:extLst>
       <p:ext uri="{BB962C8B-B14F-4D97-AF65-F5344CB8AC3E}">
-        <p14:creationId xmlns:p14="http://schemas.microsoft.com/office/powerpoint/2010/main" val="4162780200"/>
+        <p14:creationId xmlns:p14="http://schemas.microsoft.com/office/powerpoint/2010/main" val="1111465526"/>
       </p:ext>
     </p:extLst>
   </p:cSld>
@@ -11396,7 +12562,7 @@
       </p:grpSpPr>
       <p:sp>
         <p:nvSpPr>
-          <p:cNvPr id="5" name="Title 4"/>
+          <p:cNvPr id="2" name="Title 1"/>
           <p:cNvSpPr>
             <a:spLocks noGrp="1"/>
           </p:cNvSpPr>
@@ -11404,63 +12570,20 @@
             <p:ph type="title"/>
           </p:nvPr>
         </p:nvSpPr>
-        <p:spPr>
-          <a:xfrm>
-            <a:off x="457200" y="304800"/>
-            <a:ext cx="8229600" cy="1143000"/>
-          </a:xfrm>
-        </p:spPr>
-        <p:txBody>
-          <a:bodyPr/>
-          <a:lstStyle/>
-          <a:p>
-            <a:r>
-              <a:rPr lang="en-US" dirty="0" smtClean="0"/>
-              <a:t>who am </a:t>
-            </a:r>
-            <a:r>
-              <a:rPr lang="en-US" dirty="0" err="1" smtClean="0"/>
-              <a:t>i</a:t>
-            </a:r>
-            <a:r>
-              <a:rPr lang="en-US" dirty="0" smtClean="0"/>
-              <a:t>?</a:t>
-            </a:r>
-            <a:endParaRPr lang="en-US" dirty="0"/>
-          </a:p>
-        </p:txBody>
-      </p:sp>
-      <p:sp>
-        <p:nvSpPr>
-          <p:cNvPr id="7" name="Rectangle 6"/>
-          <p:cNvSpPr/>
-          <p:nvPr/>
-        </p:nvSpPr>
-        <p:spPr>
-          <a:xfrm>
-            <a:off x="533400" y="4251204"/>
-            <a:ext cx="6748963" cy="584775"/>
-          </a:xfrm>
-          <a:prstGeom prst="rect">
-            <a:avLst/>
-          </a:prstGeom>
-        </p:spPr>
-        <p:txBody>
-          <a:bodyPr wrap="none">
-            <a:spAutoFit/>
-          </a:bodyPr>
-          <a:lstStyle/>
-          <a:p>
-            <a:pPr lvl="1"/>
-            <a:r>
-              <a:rPr lang="en-US" sz="3200" dirty="0" smtClean="0">
+        <p:spPr/>
+        <p:txBody>
+          <a:bodyPr/>
+          <a:lstStyle/>
+          <a:p>
+            <a:r>
+              <a:rPr lang="en-US" dirty="0" smtClean="0">
                 <a:solidFill>
                   <a:schemeClr val="accent1"/>
                 </a:solidFill>
               </a:rPr>
-              <a:t>aspiring software developer</a:t>
-            </a:r>
-            <a:endParaRPr lang="en-US" sz="3200" dirty="0">
+              <a:t>what?</a:t>
+            </a:r>
+            <a:endParaRPr lang="en-US" dirty="0">
               <a:solidFill>
                 <a:schemeClr val="accent1"/>
               </a:solidFill>
@@ -11470,153 +12593,61 @@
       </p:sp>
       <p:sp>
         <p:nvSpPr>
-          <p:cNvPr id="8" name="Rectangle 7"/>
-          <p:cNvSpPr/>
-          <p:nvPr/>
-        </p:nvSpPr>
-        <p:spPr>
-          <a:xfrm>
-            <a:off x="0" y="3050875"/>
-            <a:ext cx="5266185" cy="1200329"/>
-          </a:xfrm>
-          <a:prstGeom prst="rect">
-            <a:avLst/>
-          </a:prstGeom>
-        </p:spPr>
-        <p:txBody>
-          <a:bodyPr wrap="none">
-            <a:spAutoFit/>
+          <p:cNvPr id="3" name="Content Placeholder 2"/>
+          <p:cNvSpPr>
+            <a:spLocks noGrp="1"/>
+          </p:cNvSpPr>
+          <p:nvPr>
+            <p:ph idx="1"/>
+          </p:nvPr>
+        </p:nvSpPr>
+        <p:spPr/>
+        <p:txBody>
+          <a:bodyPr>
+            <a:normAutofit/>
           </a:bodyPr>
           <a:lstStyle/>
           <a:p>
             <a:r>
-              <a:rPr lang="en-US" sz="7200" dirty="0" err="1">
-                <a:solidFill>
-                  <a:schemeClr val="accent2"/>
-                </a:solidFill>
-              </a:rPr>
-              <a:t>k</a:t>
-            </a:r>
-            <a:r>
-              <a:rPr lang="en-US" sz="7200" dirty="0" err="1" smtClean="0">
-                <a:solidFill>
-                  <a:schemeClr val="accent2"/>
-                </a:solidFill>
-              </a:rPr>
-              <a:t>yle</a:t>
-            </a:r>
-            <a:r>
-              <a:rPr lang="en-US" sz="7200" dirty="0" smtClean="0">
-                <a:solidFill>
-                  <a:schemeClr val="accent2"/>
-                </a:solidFill>
-              </a:rPr>
-              <a:t> </a:t>
-            </a:r>
-            <a:r>
-              <a:rPr lang="en-US" sz="7200" dirty="0" err="1" smtClean="0">
-                <a:solidFill>
-                  <a:schemeClr val="accent2"/>
-                </a:solidFill>
-              </a:rPr>
-              <a:t>tolle</a:t>
-            </a:r>
-            <a:endParaRPr lang="en-US" sz="7200" dirty="0" smtClean="0">
-              <a:solidFill>
-                <a:schemeClr val="accent2"/>
-              </a:solidFill>
-            </a:endParaRPr>
-          </a:p>
-        </p:txBody>
-      </p:sp>
-      <p:sp>
-        <p:nvSpPr>
-          <p:cNvPr id="9" name="Rectangle 8"/>
-          <p:cNvSpPr/>
-          <p:nvPr/>
-        </p:nvSpPr>
-        <p:spPr>
-          <a:xfrm>
-            <a:off x="0" y="6508326"/>
-            <a:ext cx="1451038" cy="369332"/>
-          </a:xfrm>
-          <a:prstGeom prst="rect">
-            <a:avLst/>
-          </a:prstGeom>
-        </p:spPr>
-        <p:txBody>
-          <a:bodyPr wrap="none">
-            <a:spAutoFit/>
-          </a:bodyPr>
-          <a:lstStyle/>
-          <a:p>
-            <a:r>
-              <a:rPr lang="en-US" dirty="0" smtClean="0">
-                <a:solidFill>
-                  <a:schemeClr val="accent3"/>
-                </a:solidFill>
-              </a:rPr>
-              <a:t>@</a:t>
-            </a:r>
-            <a:r>
-              <a:rPr lang="en-US" dirty="0" err="1" smtClean="0">
-                <a:solidFill>
-                  <a:schemeClr val="accent3"/>
-                </a:solidFill>
-              </a:rPr>
-              <a:t>kyletolle</a:t>
-            </a:r>
-            <a:endParaRPr lang="en-US" dirty="0" smtClean="0">
-              <a:solidFill>
-                <a:schemeClr val="accent3"/>
-              </a:solidFill>
-            </a:endParaRPr>
-          </a:p>
-        </p:txBody>
-      </p:sp>
-      <p:sp>
-        <p:nvSpPr>
-          <p:cNvPr id="11" name="Rectangle 10"/>
-          <p:cNvSpPr/>
-          <p:nvPr/>
-        </p:nvSpPr>
-        <p:spPr>
-          <a:xfrm>
-            <a:off x="5413492" y="6498096"/>
-            <a:ext cx="3730508" cy="646331"/>
-          </a:xfrm>
-          <a:prstGeom prst="rect">
-            <a:avLst/>
-          </a:prstGeom>
-        </p:spPr>
-        <p:txBody>
-          <a:bodyPr wrap="none">
-            <a:spAutoFit/>
-          </a:bodyPr>
-          <a:lstStyle/>
-          <a:p>
-            <a:r>
-              <a:rPr lang="en-US" dirty="0" smtClean="0">
-                <a:solidFill>
-                  <a:schemeClr val="accent3"/>
-                </a:solidFill>
-              </a:rPr>
-              <a:t>https://github.com/kyletolle</a:t>
-            </a:r>
-          </a:p>
-          <a:p>
-            <a:endParaRPr lang="en-US" dirty="0" smtClean="0">
-              <a:solidFill>
-                <a:schemeClr val="accent3"/>
-              </a:solidFill>
-            </a:endParaRPr>
+              <a:rPr lang="en-US" dirty="0" smtClean="0"/>
+              <a:t>vim is a muscle memory</a:t>
+            </a:r>
+          </a:p>
+          <a:p>
+            <a:endParaRPr lang="en-US" dirty="0"/>
+          </a:p>
+          <a:p>
+            <a:r>
+              <a:rPr lang="en-US" dirty="0" smtClean="0"/>
+              <a:t>can use arrow keys but </a:t>
+            </a:r>
+            <a:r>
+              <a:rPr lang="en-US" dirty="0" err="1" smtClean="0"/>
+              <a:t>i’m</a:t>
+            </a:r>
+            <a:r>
+              <a:rPr lang="en-US" dirty="0" smtClean="0"/>
+              <a:t> lazy</a:t>
+            </a:r>
+          </a:p>
+          <a:p>
+            <a:endParaRPr lang="en-US" dirty="0"/>
+          </a:p>
+          <a:p>
+            <a:r>
+              <a:rPr lang="en-US" dirty="0" smtClean="0"/>
+              <a:t>trust in the vim - it’ll be faster</a:t>
+            </a:r>
+          </a:p>
+          <a:p>
+            <a:endParaRPr lang="en-US" dirty="0"/>
           </a:p>
         </p:txBody>
       </p:sp>
     </p:spTree>
     <p:extLst>
       <p:ext uri="{BB962C8B-B14F-4D97-AF65-F5344CB8AC3E}">
-        <p14:creationId xmlns:p14="http://schemas.microsoft.com/office/powerpoint/2010/main" val="3638783891"/>
+        <p14:creationId xmlns:p14="http://schemas.microsoft.com/office/powerpoint/2010/main" val="2353730274"/>
       </p:ext>
     </p:extLst>
   </p:cSld>
